--- a/New Microsoft PowerPoint Presentation1.pptx
+++ b/New Microsoft PowerPoint Presentation1.pptx
@@ -5,7 +5,7 @@
     <p:sldMasterId id="2147483648" r:id="rId1"/>
   </p:sldMasterIdLst>
   <p:notesMasterIdLst>
-    <p:notesMasterId r:id="rId17"/>
+    <p:notesMasterId r:id="rId16"/>
   </p:notesMasterIdLst>
   <p:sldIdLst>
     <p:sldId id="256" r:id="rId2"/>
@@ -17,12 +17,11 @@
     <p:sldId id="259" r:id="rId8"/>
     <p:sldId id="260" r:id="rId9"/>
     <p:sldId id="261" r:id="rId10"/>
-    <p:sldId id="270" r:id="rId11"/>
-    <p:sldId id="262" r:id="rId12"/>
-    <p:sldId id="271" r:id="rId13"/>
-    <p:sldId id="264" r:id="rId14"/>
-    <p:sldId id="266" r:id="rId15"/>
-    <p:sldId id="265" r:id="rId16"/>
+    <p:sldId id="262" r:id="rId11"/>
+    <p:sldId id="271" r:id="rId12"/>
+    <p:sldId id="264" r:id="rId13"/>
+    <p:sldId id="266" r:id="rId14"/>
+    <p:sldId id="265" r:id="rId15"/>
   </p:sldIdLst>
   <p:sldSz cx="12192000" cy="6858000"/>
   <p:notesSz cx="6858000" cy="9144000"/>
@@ -630,7 +629,7 @@
           <a:p>
             <a:fld id="{B22FCBA4-2D9E-4AB2-8C2A-978AD6E26318}" type="slidenum">
               <a:rPr lang="en-US" smtClean="0"/>
-              <a:t>14</a:t>
+              <a:t>13</a:t>
             </a:fld>
             <a:endParaRPr lang="en-US"/>
           </a:p>
@@ -4118,14 +4117,6 @@
 <file path=ppt/slides/slide10.xml><?xml version="1.0" encoding="utf-8"?>
 <p:sld xmlns:a="http://schemas.openxmlformats.org/drawingml/2006/main" xmlns:r="http://schemas.openxmlformats.org/officeDocument/2006/relationships" xmlns:p="http://schemas.openxmlformats.org/presentationml/2006/main">
   <p:cSld>
-    <p:bg>
-      <p:bgPr>
-        <a:solidFill>
-          <a:schemeClr val="bg1"/>
-        </a:solidFill>
-        <a:effectLst/>
-      </p:bgPr>
-    </p:bg>
     <p:spTree>
       <p:nvGrpSpPr>
         <p:cNvPr id="1" name=""/>
@@ -4142,105 +4133,10 @@
       </p:grpSpPr>
       <p:sp>
         <p:nvSpPr>
-          <p:cNvPr id="15" name="Down Arrow 7">
-            <a:extLst>
-              <a:ext uri="{FF2B5EF4-FFF2-40B4-BE49-F238E27FC236}">
-                <a16:creationId xmlns:a16="http://schemas.microsoft.com/office/drawing/2014/main" id="{73DE2CFE-42F2-48F0-8706-5264E012B10C}"/>
-              </a:ext>
-              <a:ext uri="{C183D7F6-B498-43B3-948B-1728B52AA6E4}">
-                <adec:decorative xmlns:adec="http://schemas.microsoft.com/office/drawing/2017/decorative" val="1"/>
-              </a:ext>
-            </a:extLst>
-          </p:cNvPr>
-          <p:cNvSpPr>
-            <a:spLocks noGrp="1" noRot="1" noChangeAspect="1" noMove="1" noResize="1" noEditPoints="1" noAdjustHandles="1" noChangeArrowheads="1" noChangeShapeType="1" noTextEdit="1"/>
-          </p:cNvSpPr>
-          <p:nvPr>
-            <p:extLst>
-              <p:ext uri="{386F3935-93C4-4BCD-93E2-E3B085C9AB24}">
-                <p16:designElem xmlns:p16="http://schemas.microsoft.com/office/powerpoint/2015/main" val="1"/>
-              </p:ext>
-            </p:extLst>
-          </p:nvPr>
-        </p:nvSpPr>
-        <p:spPr>
-          <a:xfrm rot="16200000">
-            <a:off x="1288521" y="381403"/>
-            <a:ext cx="2200313" cy="3342508"/>
-          </a:xfrm>
-          <a:prstGeom prst="downArrow">
-            <a:avLst>
-              <a:gd name="adj1" fmla="val 100000"/>
-              <a:gd name="adj2" fmla="val 15788"/>
-            </a:avLst>
-          </a:prstGeom>
-          <a:solidFill>
-            <a:srgbClr val="404040"/>
-          </a:solidFill>
-          <a:ln w="53975">
-            <a:noFill/>
-          </a:ln>
-        </p:spPr>
-        <p:style>
-          <a:lnRef idx="2">
-            <a:schemeClr val="accent1">
-              <a:shade val="50000"/>
-            </a:schemeClr>
-          </a:lnRef>
-          <a:fillRef idx="1">
-            <a:schemeClr val="accent1"/>
-          </a:fillRef>
-          <a:effectRef idx="0">
-            <a:schemeClr val="accent1"/>
-          </a:effectRef>
-          <a:fontRef idx="minor">
-            <a:schemeClr val="lt1"/>
-          </a:fontRef>
-        </p:style>
-        <p:txBody>
-          <a:bodyPr rtlCol="0" anchor="ctr"/>
-          <a:lstStyle/>
-          <a:p>
-            <a:pPr marL="0" marR="0" lvl="0" indent="0" algn="ctr" defTabSz="914400" rtl="0" eaLnBrk="1" fontAlgn="auto" latinLnBrk="0" hangingPunct="1">
-              <a:lnSpc>
-                <a:spcPct val="100000"/>
-              </a:lnSpc>
-              <a:spcBef>
-                <a:spcPts val="0"/>
-              </a:spcBef>
-              <a:spcAft>
-                <a:spcPts val="0"/>
-              </a:spcAft>
-              <a:buClrTx/>
-              <a:buSzTx/>
-              <a:buFontTx/>
-              <a:buNone/>
-              <a:tabLst/>
-              <a:defRPr/>
-            </a:pPr>
-            <a:endParaRPr kumimoji="0" lang="en-US" sz="1800" b="0" i="0" u="none" strike="noStrike" kern="1200" cap="none" spc="0" normalizeH="0" baseline="0" noProof="0">
-              <a:ln>
-                <a:noFill/>
-              </a:ln>
-              <a:solidFill>
-                <a:prstClr val="white"/>
-              </a:solidFill>
-              <a:effectLst/>
-              <a:uLnTx/>
-              <a:uFillTx/>
-              <a:latin typeface="Calibri" panose="020F0502020204030204"/>
-              <a:ea typeface="+mn-ea"/>
-              <a:cs typeface="+mn-cs"/>
-            </a:endParaRPr>
-          </a:p>
-        </p:txBody>
-      </p:sp>
-      <p:sp>
-        <p:nvSpPr>
           <p:cNvPr id="2" name="Title 1">
             <a:extLst>
               <a:ext uri="{FF2B5EF4-FFF2-40B4-BE49-F238E27FC236}">
-                <a16:creationId xmlns:a16="http://schemas.microsoft.com/office/drawing/2014/main" id="{2914F075-FC9E-4C44-8ED3-97890B514DC7}"/>
+                <a16:creationId xmlns:a16="http://schemas.microsoft.com/office/drawing/2014/main" id="{58CCEDA0-BEEF-4B9C-99CC-74FDAE207823}"/>
               </a:ext>
             </a:extLst>
           </p:cNvPr>
@@ -4253,71 +4149,100 @@
         </p:nvSpPr>
         <p:spPr>
           <a:xfrm>
-            <a:off x="966952" y="1204108"/>
-            <a:ext cx="2669406" cy="1781175"/>
+            <a:off x="838200" y="365125"/>
+            <a:ext cx="10515600" cy="1325563"/>
           </a:xfrm>
         </p:spPr>
         <p:txBody>
-          <a:bodyPr vert="horz" lIns="91440" tIns="45720" rIns="91440" bIns="45720" rtlCol="0" anchor="ctr">
+          <a:bodyPr/>
+          <a:lstStyle/>
+          <a:p>
+            <a:r>
+              <a:rPr lang="en-US">
+                <a:solidFill>
+                  <a:srgbClr val="FF0000"/>
+                </a:solidFill>
+                <a:latin typeface="Algerian" panose="04020705040A02060702" pitchFamily="82" charset="0"/>
+              </a:rPr>
+              <a:t>The Iterator Design Pattern </a:t>
+            </a:r>
+            <a:endParaRPr lang="en-US" dirty="0">
+              <a:solidFill>
+                <a:srgbClr val="FF0000"/>
+              </a:solidFill>
+              <a:latin typeface="Algerian" panose="04020705040A02060702" pitchFamily="82" charset="0"/>
+            </a:endParaRPr>
+          </a:p>
+        </p:txBody>
+      </p:sp>
+      <p:sp>
+        <p:nvSpPr>
+          <p:cNvPr id="3" name="Content Placeholder 2">
+            <a:extLst>
+              <a:ext uri="{FF2B5EF4-FFF2-40B4-BE49-F238E27FC236}">
+                <a16:creationId xmlns:a16="http://schemas.microsoft.com/office/drawing/2014/main" id="{32398A68-338B-4F07-9170-822532A62EF3}"/>
+              </a:ext>
+            </a:extLst>
+          </p:cNvPr>
+          <p:cNvSpPr>
+            <a:spLocks noGrp="1"/>
+          </p:cNvSpPr>
+          <p:nvPr>
+            <p:ph sz="half" idx="1"/>
+          </p:nvPr>
+        </p:nvSpPr>
+        <p:spPr>
+          <a:xfrm>
+            <a:off x="838200" y="1825625"/>
+            <a:ext cx="5181600" cy="4351338"/>
+          </a:xfrm>
+        </p:spPr>
+        <p:txBody>
+          <a:bodyPr>
             <a:normAutofit/>
           </a:bodyPr>
           <a:lstStyle/>
           <a:p>
             <a:r>
-              <a:rPr lang="en-US" sz="3200" kern="1200" dirty="0">
-                <a:solidFill>
-                  <a:srgbClr val="FFFFFF"/>
-                </a:solidFill>
-                <a:latin typeface="+mj-lt"/>
-                <a:ea typeface="+mj-ea"/>
-                <a:cs typeface="+mj-cs"/>
+              <a:rPr lang="en-US" sz="2000" dirty="0">
+                <a:latin typeface="Times New Roman" panose="02020603050405020304" pitchFamily="18" charset="0"/>
+                <a:cs typeface="Times New Roman" panose="02020603050405020304" pitchFamily="18" charset="0"/>
               </a:rPr>
-              <a:t>The Chain Of Responsibility Pattern</a:t>
-            </a:r>
-          </a:p>
-        </p:txBody>
-      </p:sp>
-      <p:sp>
-        <p:nvSpPr>
-          <p:cNvPr id="3" name="Content Placeholder 2">
-            <a:extLst>
-              <a:ext uri="{FF2B5EF4-FFF2-40B4-BE49-F238E27FC236}">
-                <a16:creationId xmlns:a16="http://schemas.microsoft.com/office/drawing/2014/main" id="{74E2DC0F-34C3-44FC-BF69-3779C17CF72C}"/>
-              </a:ext>
-            </a:extLst>
-          </p:cNvPr>
-          <p:cNvSpPr>
-            <a:spLocks noGrp="1"/>
-          </p:cNvSpPr>
-          <p:nvPr>
-            <p:ph sz="half" idx="1"/>
-          </p:nvPr>
-        </p:nvSpPr>
-        <p:spPr>
-          <a:xfrm>
-            <a:off x="966951" y="3355130"/>
-            <a:ext cx="2669407" cy="2427333"/>
-          </a:xfrm>
-        </p:spPr>
-        <p:txBody>
-          <a:bodyPr vert="horz" lIns="91440" tIns="45720" rIns="91440" bIns="45720" rtlCol="0">
-            <a:normAutofit/>
-          </a:bodyPr>
-          <a:lstStyle/>
-          <a:p>
-            <a:r>
-              <a:rPr lang="en-US" sz="1600" dirty="0"/>
-              <a:t>We applied the chain of responsibility pattern, to create AbstractAgent, the client will not know have aware what going behind, If the JuniorAgent can’t handle the request the successor will be SeniorAgent.</a:t>
-            </a:r>
+              <a:t>Iterator pattern is very commonly used design pattern in Java environment. This pattern is used to get a way to access the elements of a collection object in sequential manner without any need to know its underlying representation. </a:t>
+            </a:r>
+          </a:p>
+          <a:p>
+            <a:r>
+              <a:rPr lang="en-US" sz="2000" dirty="0">
+                <a:latin typeface="Times New Roman" panose="02020603050405020304" pitchFamily="18" charset="0"/>
+                <a:cs typeface="Times New Roman" panose="02020603050405020304" pitchFamily="18" charset="0"/>
+              </a:rPr>
+              <a:t>Iterator pattern falls under behavioral pattern category.</a:t>
+            </a:r>
+          </a:p>
+          <a:p>
+            <a:r>
+              <a:rPr lang="en-US" sz="2000" dirty="0">
+                <a:latin typeface="Times New Roman" panose="02020603050405020304" pitchFamily="18" charset="0"/>
+                <a:cs typeface="Times New Roman" panose="02020603050405020304" pitchFamily="18" charset="0"/>
+              </a:rPr>
+              <a:t>We applied the Iterator design pattern to traverse the element of array of BookCopy in order to access them every elements in the array. </a:t>
+            </a:r>
+          </a:p>
+          <a:p>
+            <a:endParaRPr lang="en-US" sz="2000" dirty="0">
+              <a:latin typeface="Times New Roman" panose="02020603050405020304" pitchFamily="18" charset="0"/>
+              <a:cs typeface="Times New Roman" panose="02020603050405020304" pitchFamily="18" charset="0"/>
+            </a:endParaRPr>
           </a:p>
         </p:txBody>
       </p:sp>
       <p:pic>
         <p:nvPicPr>
-          <p:cNvPr id="6" name="Content Placeholder 5" descr="A close up of a map&#10;&#10;Description automatically generated">
-            <a:extLst>
-              <a:ext uri="{FF2B5EF4-FFF2-40B4-BE49-F238E27FC236}">
-                <a16:creationId xmlns:a16="http://schemas.microsoft.com/office/drawing/2014/main" id="{3B77B3AB-6FD8-4A37-BD04-12E861D0DBA8}"/>
+          <p:cNvPr id="6" name="Content Placeholder 5" descr="A screenshot of a cell phone&#10;&#10;Description automatically generated">
+            <a:extLst>
+              <a:ext uri="{FF2B5EF4-FFF2-40B4-BE49-F238E27FC236}">
+                <a16:creationId xmlns:a16="http://schemas.microsoft.com/office/drawing/2014/main" id="{893273AE-DF69-47A6-BF75-3B00B6E23E7B}"/>
               </a:ext>
             </a:extLst>
           </p:cNvPr>
@@ -4342,18 +4267,15 @@
         </p:blipFill>
         <p:spPr>
           <a:xfrm>
-            <a:off x="4839412" y="952500"/>
-            <a:ext cx="6549102" cy="4829963"/>
+            <a:off x="6724650" y="1947704"/>
+            <a:ext cx="4076700" cy="4107180"/>
           </a:xfrm>
-          <a:prstGeom prst="rect">
-            <a:avLst/>
-          </a:prstGeom>
         </p:spPr>
       </p:pic>
     </p:spTree>
     <p:extLst>
       <p:ext uri="{BB962C8B-B14F-4D97-AF65-F5344CB8AC3E}">
-        <p14:creationId xmlns:p14="http://schemas.microsoft.com/office/powerpoint/2010/main" val="1553658617"/>
+        <p14:creationId xmlns:p14="http://schemas.microsoft.com/office/powerpoint/2010/main" val="3351949789"/>
       </p:ext>
     </p:extLst>
   </p:cSld>
@@ -4385,177 +4307,6 @@
           <p:cNvPr id="2" name="Title 1">
             <a:extLst>
               <a:ext uri="{FF2B5EF4-FFF2-40B4-BE49-F238E27FC236}">
-                <a16:creationId xmlns:a16="http://schemas.microsoft.com/office/drawing/2014/main" id="{58CCEDA0-BEEF-4B9C-99CC-74FDAE207823}"/>
-              </a:ext>
-            </a:extLst>
-          </p:cNvPr>
-          <p:cNvSpPr>
-            <a:spLocks noGrp="1"/>
-          </p:cNvSpPr>
-          <p:nvPr>
-            <p:ph type="title"/>
-          </p:nvPr>
-        </p:nvSpPr>
-        <p:spPr>
-          <a:xfrm>
-            <a:off x="838200" y="365125"/>
-            <a:ext cx="10515600" cy="1325563"/>
-          </a:xfrm>
-        </p:spPr>
-        <p:txBody>
-          <a:bodyPr/>
-          <a:lstStyle/>
-          <a:p>
-            <a:r>
-              <a:rPr lang="en-US">
-                <a:solidFill>
-                  <a:srgbClr val="FF0000"/>
-                </a:solidFill>
-                <a:latin typeface="Algerian" panose="04020705040A02060702" pitchFamily="82" charset="0"/>
-              </a:rPr>
-              <a:t>The Iterator Design Pattern </a:t>
-            </a:r>
-            <a:endParaRPr lang="en-US" dirty="0">
-              <a:solidFill>
-                <a:srgbClr val="FF0000"/>
-              </a:solidFill>
-              <a:latin typeface="Algerian" panose="04020705040A02060702" pitchFamily="82" charset="0"/>
-            </a:endParaRPr>
-          </a:p>
-        </p:txBody>
-      </p:sp>
-      <p:sp>
-        <p:nvSpPr>
-          <p:cNvPr id="3" name="Content Placeholder 2">
-            <a:extLst>
-              <a:ext uri="{FF2B5EF4-FFF2-40B4-BE49-F238E27FC236}">
-                <a16:creationId xmlns:a16="http://schemas.microsoft.com/office/drawing/2014/main" id="{32398A68-338B-4F07-9170-822532A62EF3}"/>
-              </a:ext>
-            </a:extLst>
-          </p:cNvPr>
-          <p:cNvSpPr>
-            <a:spLocks noGrp="1"/>
-          </p:cNvSpPr>
-          <p:nvPr>
-            <p:ph sz="half" idx="1"/>
-          </p:nvPr>
-        </p:nvSpPr>
-        <p:spPr>
-          <a:xfrm>
-            <a:off x="838200" y="1825625"/>
-            <a:ext cx="5181600" cy="4351338"/>
-          </a:xfrm>
-        </p:spPr>
-        <p:txBody>
-          <a:bodyPr>
-            <a:normAutofit/>
-          </a:bodyPr>
-          <a:lstStyle/>
-          <a:p>
-            <a:r>
-              <a:rPr lang="en-US" sz="2000" dirty="0">
-                <a:latin typeface="Times New Roman" panose="02020603050405020304" pitchFamily="18" charset="0"/>
-                <a:cs typeface="Times New Roman" panose="02020603050405020304" pitchFamily="18" charset="0"/>
-              </a:rPr>
-              <a:t>Iterator pattern is very commonly used design pattern in Java environment. This pattern is used to get a way to access the elements of a collection object in sequential manner without any need to know its underlying representation. </a:t>
-            </a:r>
-          </a:p>
-          <a:p>
-            <a:r>
-              <a:rPr lang="en-US" sz="2000" dirty="0">
-                <a:latin typeface="Times New Roman" panose="02020603050405020304" pitchFamily="18" charset="0"/>
-                <a:cs typeface="Times New Roman" panose="02020603050405020304" pitchFamily="18" charset="0"/>
-              </a:rPr>
-              <a:t>Iterator pattern falls under behavioral pattern category.</a:t>
-            </a:r>
-          </a:p>
-          <a:p>
-            <a:r>
-              <a:rPr lang="en-US" sz="2000" dirty="0">
-                <a:latin typeface="Times New Roman" panose="02020603050405020304" pitchFamily="18" charset="0"/>
-                <a:cs typeface="Times New Roman" panose="02020603050405020304" pitchFamily="18" charset="0"/>
-              </a:rPr>
-              <a:t>We applied the Iterator design pattern to traverse the element of array of BookCopy in order to access them every elements in the array. </a:t>
-            </a:r>
-          </a:p>
-          <a:p>
-            <a:endParaRPr lang="en-US" sz="2000" dirty="0">
-              <a:latin typeface="Times New Roman" panose="02020603050405020304" pitchFamily="18" charset="0"/>
-              <a:cs typeface="Times New Roman" panose="02020603050405020304" pitchFamily="18" charset="0"/>
-            </a:endParaRPr>
-          </a:p>
-        </p:txBody>
-      </p:sp>
-      <p:pic>
-        <p:nvPicPr>
-          <p:cNvPr id="6" name="Content Placeholder 5" descr="A screenshot of a cell phone&#10;&#10;Description automatically generated">
-            <a:extLst>
-              <a:ext uri="{FF2B5EF4-FFF2-40B4-BE49-F238E27FC236}">
-                <a16:creationId xmlns:a16="http://schemas.microsoft.com/office/drawing/2014/main" id="{893273AE-DF69-47A6-BF75-3B00B6E23E7B}"/>
-              </a:ext>
-            </a:extLst>
-          </p:cNvPr>
-          <p:cNvPicPr>
-            <a:picLocks noGrp="1" noChangeAspect="1"/>
-          </p:cNvPicPr>
-          <p:nvPr>
-            <p:ph sz="half" idx="2"/>
-          </p:nvPr>
-        </p:nvPicPr>
-        <p:blipFill>
-          <a:blip r:embed="rId2">
-            <a:extLst>
-              <a:ext uri="{28A0092B-C50C-407E-A947-70E740481C1C}">
-                <a14:useLocalDpi xmlns:a14="http://schemas.microsoft.com/office/drawing/2010/main" val="0"/>
-              </a:ext>
-            </a:extLst>
-          </a:blip>
-          <a:stretch>
-            <a:fillRect/>
-          </a:stretch>
-        </p:blipFill>
-        <p:spPr>
-          <a:xfrm>
-            <a:off x="6724650" y="1947704"/>
-            <a:ext cx="4076700" cy="4107180"/>
-          </a:xfrm>
-        </p:spPr>
-      </p:pic>
-    </p:spTree>
-    <p:extLst>
-      <p:ext uri="{BB962C8B-B14F-4D97-AF65-F5344CB8AC3E}">
-        <p14:creationId xmlns:p14="http://schemas.microsoft.com/office/powerpoint/2010/main" val="3351949789"/>
-      </p:ext>
-    </p:extLst>
-  </p:cSld>
-  <p:clrMapOvr>
-    <a:masterClrMapping/>
-  </p:clrMapOvr>
-</p:sld>
-</file>
-
-<file path=ppt/slides/slide12.xml><?xml version="1.0" encoding="utf-8"?>
-<p:sld xmlns:a="http://schemas.openxmlformats.org/drawingml/2006/main" xmlns:r="http://schemas.openxmlformats.org/officeDocument/2006/relationships" xmlns:p="http://schemas.openxmlformats.org/presentationml/2006/main">
-  <p:cSld>
-    <p:spTree>
-      <p:nvGrpSpPr>
-        <p:cNvPr id="1" name=""/>
-        <p:cNvGrpSpPr/>
-        <p:nvPr/>
-      </p:nvGrpSpPr>
-      <p:grpSpPr>
-        <a:xfrm>
-          <a:off x="0" y="0"/>
-          <a:ext cx="0" cy="0"/>
-          <a:chOff x="0" y="0"/>
-          <a:chExt cx="0" cy="0"/>
-        </a:xfrm>
-      </p:grpSpPr>
-      <p:sp>
-        <p:nvSpPr>
-          <p:cNvPr id="2" name="Title 1">
-            <a:extLst>
-              <a:ext uri="{FF2B5EF4-FFF2-40B4-BE49-F238E27FC236}">
                 <a16:creationId xmlns:a16="http://schemas.microsoft.com/office/drawing/2014/main" id="{28470DE5-3119-435F-8FD0-FE02614C95AA}"/>
               </a:ext>
             </a:extLst>
@@ -4688,7 +4439,7 @@
 </p:sld>
 </file>
 
-<file path=ppt/slides/slide13.xml><?xml version="1.0" encoding="utf-8"?>
+<file path=ppt/slides/slide12.xml><?xml version="1.0" encoding="utf-8"?>
 <p:sld xmlns:a="http://schemas.openxmlformats.org/drawingml/2006/main" xmlns:r="http://schemas.openxmlformats.org/officeDocument/2006/relationships" xmlns:p="http://schemas.openxmlformats.org/presentationml/2006/main">
   <p:cSld>
     <p:bg>
@@ -4857,7 +4608,7 @@
 </p:sld>
 </file>
 
-<file path=ppt/slides/slide14.xml><?xml version="1.0" encoding="utf-8"?>
+<file path=ppt/slides/slide13.xml><?xml version="1.0" encoding="utf-8"?>
 <p:sld xmlns:a="http://schemas.openxmlformats.org/drawingml/2006/main" xmlns:r="http://schemas.openxmlformats.org/officeDocument/2006/relationships" xmlns:p="http://schemas.openxmlformats.org/presentationml/2006/main">
   <p:cSld>
     <p:spTree>
@@ -4876,10 +4627,10 @@
       </p:grpSpPr>
       <p:pic>
         <p:nvPicPr>
-          <p:cNvPr id="2" name="Picture 1">
-            <a:extLst>
-              <a:ext uri="{FF2B5EF4-FFF2-40B4-BE49-F238E27FC236}">
-                <a16:creationId xmlns:a16="http://schemas.microsoft.com/office/drawing/2014/main" id="{302D0CD5-8405-4D07-8119-EF626C3A8122}"/>
+          <p:cNvPr id="3" name="Picture 2">
+            <a:extLst>
+              <a:ext uri="{FF2B5EF4-FFF2-40B4-BE49-F238E27FC236}">
+                <a16:creationId xmlns:a16="http://schemas.microsoft.com/office/drawing/2014/main" id="{D58C972F-FFBF-436B-A77B-5AA09D2F9C1E}"/>
               </a:ext>
             </a:extLst>
           </p:cNvPr>
@@ -4896,8 +4647,8 @@
         </p:blipFill>
         <p:spPr>
           <a:xfrm>
-            <a:off x="0" y="-569161"/>
-            <a:ext cx="12192000" cy="7996321"/>
+            <a:off x="714376" y="0"/>
+            <a:ext cx="10768012" cy="6858000"/>
           </a:xfrm>
           <a:prstGeom prst="rect">
             <a:avLst/>
@@ -4917,7 +4668,7 @@
 </p:sld>
 </file>
 
-<file path=ppt/slides/slide15.xml><?xml version="1.0" encoding="utf-8"?>
+<file path=ppt/slides/slide14.xml><?xml version="1.0" encoding="utf-8"?>
 <p:sld xmlns:a="http://schemas.openxmlformats.org/drawingml/2006/main" xmlns:r="http://schemas.openxmlformats.org/officeDocument/2006/relationships" xmlns:p="http://schemas.openxmlformats.org/presentationml/2006/main">
   <p:cSld>
     <p:bg>
@@ -5618,7 +5369,7 @@
           <a:p>
             <a:pPr algn="r"/>
             <a:r>
-              <a:rPr lang="en-US">
+              <a:rPr lang="en-US" dirty="0">
                 <a:solidFill>
                   <a:schemeClr val="accent1"/>
                 </a:solidFill>
@@ -5708,7 +5459,7 @@
         </p:spPr>
         <p:txBody>
           <a:bodyPr anchor="b">
-            <a:normAutofit/>
+            <a:normAutofit fontScale="92500" lnSpcReduction="10000"/>
           </a:bodyPr>
           <a:lstStyle/>
           <a:p>
@@ -5767,7 +5518,7 @@
         </p:spPr>
         <p:txBody>
           <a:bodyPr>
-            <a:normAutofit/>
+            <a:normAutofit fontScale="92500" lnSpcReduction="10000"/>
           </a:bodyPr>
           <a:lstStyle/>
           <a:p>
@@ -5845,7 +5596,20 @@
                 <a:latin typeface="Times New Roman" panose="02020603050405020304" pitchFamily="18" charset="0"/>
                 <a:cs typeface="Times New Roman" panose="02020603050405020304" pitchFamily="18" charset="0"/>
               </a:rPr>
-              <a:t>Command pattern </a:t>
+              <a:t>Command pattern</a:t>
+            </a:r>
+          </a:p>
+          <a:p>
+            <a:pPr marL="514350" indent="-514350">
+              <a:buFont typeface="+mj-lt"/>
+              <a:buAutoNum type="arabicPeriod"/>
+            </a:pPr>
+            <a:r>
+              <a:rPr lang="en-US" sz="1400" dirty="0">
+                <a:latin typeface="Times New Roman" panose="02020603050405020304" pitchFamily="18" charset="0"/>
+                <a:cs typeface="Times New Roman" panose="02020603050405020304" pitchFamily="18" charset="0"/>
+              </a:rPr>
+              <a:t>Template Method Pattern </a:t>
             </a:r>
           </a:p>
           <a:p>

--- a/New Microsoft PowerPoint Presentation1.pptx
+++ b/New Microsoft PowerPoint Presentation1.pptx
@@ -6181,7 +6181,7 @@
         </p:spPr>
         <p:txBody>
           <a:bodyPr anchor="b">
-            <a:normAutofit fontScale="92500" lnSpcReduction="10000"/>
+            <a:normAutofit/>
           </a:bodyPr>
           <a:lstStyle/>
           <a:p>
@@ -7066,10 +7066,10 @@
       </p:grpSpPr>
       <p:pic>
         <p:nvPicPr>
-          <p:cNvPr id="3" name="Picture 2">
-            <a:extLst>
-              <a:ext uri="{FF2B5EF4-FFF2-40B4-BE49-F238E27FC236}">
-                <a16:creationId xmlns:a16="http://schemas.microsoft.com/office/drawing/2014/main" id="{D58C972F-FFBF-436B-A77B-5AA09D2F9C1E}"/>
+          <p:cNvPr id="2" name="Picture 1">
+            <a:extLst>
+              <a:ext uri="{FF2B5EF4-FFF2-40B4-BE49-F238E27FC236}">
+                <a16:creationId xmlns:a16="http://schemas.microsoft.com/office/drawing/2014/main" id="{19D5EFF8-3F76-458D-9CC3-E9587E379394}"/>
               </a:ext>
             </a:extLst>
           </p:cNvPr>
@@ -7086,8 +7086,8 @@
         </p:blipFill>
         <p:spPr>
           <a:xfrm>
-            <a:off x="714376" y="0"/>
-            <a:ext cx="10768012" cy="6858000"/>
+            <a:off x="526473" y="0"/>
+            <a:ext cx="11351491" cy="6991926"/>
           </a:xfrm>
           <a:prstGeom prst="rect">
             <a:avLst/>

--- a/New Microsoft PowerPoint Presentation1.pptx
+++ b/New Microsoft PowerPoint Presentation1.pptx
@@ -8,20 +8,20 @@
     <p:notesMasterId r:id="rId16"/>
   </p:notesMasterIdLst>
   <p:sldIdLst>
-    <p:sldId id="256" r:id="rId2"/>
-    <p:sldId id="257" r:id="rId3"/>
-    <p:sldId id="269" r:id="rId4"/>
-    <p:sldId id="268" r:id="rId5"/>
-    <p:sldId id="258" r:id="rId6"/>
+    <p:sldId id="265" r:id="rId2"/>
+    <p:sldId id="256" r:id="rId3"/>
+    <p:sldId id="257" r:id="rId4"/>
+    <p:sldId id="269" r:id="rId5"/>
+    <p:sldId id="268" r:id="rId6"/>
     <p:sldId id="267" r:id="rId7"/>
-    <p:sldId id="259" r:id="rId8"/>
-    <p:sldId id="260" r:id="rId9"/>
-    <p:sldId id="261" r:id="rId10"/>
-    <p:sldId id="262" r:id="rId11"/>
+    <p:sldId id="266" r:id="rId8"/>
+    <p:sldId id="259" r:id="rId9"/>
+    <p:sldId id="260" r:id="rId10"/>
+    <p:sldId id="261" r:id="rId11"/>
     <p:sldId id="271" r:id="rId12"/>
-    <p:sldId id="264" r:id="rId13"/>
-    <p:sldId id="266" r:id="rId14"/>
-    <p:sldId id="265" r:id="rId15"/>
+    <p:sldId id="272" r:id="rId13"/>
+    <p:sldId id="273" r:id="rId14"/>
+    <p:sldId id="264" r:id="rId15"/>
   </p:sldIdLst>
   <p:sldSz cx="12192000" cy="6858000"/>
   <p:notesSz cx="6858000" cy="9144000"/>
@@ -542,7 +542,7 @@
           <a:p>
             <a:fld id="{B22FCBA4-2D9E-4AB2-8C2A-978AD6E26318}" type="slidenum">
               <a:rPr lang="en-US" smtClean="0"/>
-              <a:t>1</a:t>
+              <a:t>2</a:t>
             </a:fld>
             <a:endParaRPr lang="en-US"/>
           </a:p>
@@ -629,7 +629,7 @@
           <a:p>
             <a:fld id="{B22FCBA4-2D9E-4AB2-8C2A-978AD6E26318}" type="slidenum">
               <a:rPr lang="en-US" smtClean="0"/>
-              <a:t>13</a:t>
+              <a:t>7</a:t>
             </a:fld>
             <a:endParaRPr lang="en-US"/>
           </a:p>
@@ -639,6 +639,90 @@
     <p:extLst>
       <p:ext uri="{BB962C8B-B14F-4D97-AF65-F5344CB8AC3E}">
         <p14:creationId xmlns:p14="http://schemas.microsoft.com/office/powerpoint/2010/main" val="3395249681"/>
+      </p:ext>
+    </p:extLst>
+  </p:cSld>
+  <p:clrMapOvr>
+    <a:masterClrMapping/>
+  </p:clrMapOvr>
+</p:notes>
+</file>
+
+<file path=ppt/notesSlides/notesSlide3.xml><?xml version="1.0" encoding="utf-8"?>
+<p:notes xmlns:a="http://schemas.openxmlformats.org/drawingml/2006/main" xmlns:r="http://schemas.openxmlformats.org/officeDocument/2006/relationships" xmlns:p="http://schemas.openxmlformats.org/presentationml/2006/main">
+  <p:cSld>
+    <p:spTree>
+      <p:nvGrpSpPr>
+        <p:cNvPr id="1" name=""/>
+        <p:cNvGrpSpPr/>
+        <p:nvPr/>
+      </p:nvGrpSpPr>
+      <p:grpSpPr>
+        <a:xfrm>
+          <a:off x="0" y="0"/>
+          <a:ext cx="0" cy="0"/>
+          <a:chOff x="0" y="0"/>
+          <a:chExt cx="0" cy="0"/>
+        </a:xfrm>
+      </p:grpSpPr>
+      <p:sp>
+        <p:nvSpPr>
+          <p:cNvPr id="2" name="Slide Image Placeholder 1"/>
+          <p:cNvSpPr>
+            <a:spLocks noGrp="1" noRot="1" noChangeAspect="1"/>
+          </p:cNvSpPr>
+          <p:nvPr>
+            <p:ph type="sldImg"/>
+          </p:nvPr>
+        </p:nvSpPr>
+        <p:spPr/>
+      </p:sp>
+      <p:sp>
+        <p:nvSpPr>
+          <p:cNvPr id="3" name="Notes Placeholder 2"/>
+          <p:cNvSpPr>
+            <a:spLocks noGrp="1"/>
+          </p:cNvSpPr>
+          <p:nvPr>
+            <p:ph type="body" idx="1"/>
+          </p:nvPr>
+        </p:nvSpPr>
+        <p:spPr/>
+        <p:txBody>
+          <a:bodyPr/>
+          <a:lstStyle/>
+          <a:p>
+            <a:endParaRPr lang="en-US" dirty="0"/>
+          </a:p>
+        </p:txBody>
+      </p:sp>
+      <p:sp>
+        <p:nvSpPr>
+          <p:cNvPr id="4" name="Slide Number Placeholder 3"/>
+          <p:cNvSpPr>
+            <a:spLocks noGrp="1"/>
+          </p:cNvSpPr>
+          <p:nvPr>
+            <p:ph type="sldNum" sz="quarter" idx="5"/>
+          </p:nvPr>
+        </p:nvSpPr>
+        <p:spPr/>
+        <p:txBody>
+          <a:bodyPr/>
+          <a:lstStyle/>
+          <a:p>
+            <a:fld id="{B22FCBA4-2D9E-4AB2-8C2A-978AD6E26318}" type="slidenum">
+              <a:rPr lang="en-US" smtClean="0"/>
+              <a:t>8</a:t>
+            </a:fld>
+            <a:endParaRPr lang="en-US"/>
+          </a:p>
+        </p:txBody>
+      </p:sp>
+    </p:spTree>
+    <p:extLst>
+      <p:ext uri="{BB962C8B-B14F-4D97-AF65-F5344CB8AC3E}">
+        <p14:creationId xmlns:p14="http://schemas.microsoft.com/office/powerpoint/2010/main" val="522262059"/>
       </p:ext>
     </p:extLst>
   </p:cSld>
@@ -3872,829 +3956,6 @@
       </p:grpSpPr>
       <p:sp>
         <p:nvSpPr>
-          <p:cNvPr id="21" name="Rectangle 20">
-            <a:extLst>
-              <a:ext uri="{FF2B5EF4-FFF2-40B4-BE49-F238E27FC236}">
-                <a16:creationId xmlns:a16="http://schemas.microsoft.com/office/drawing/2014/main" id="{81AEB8A9-B768-4E30-BA55-D919E6687343}"/>
-              </a:ext>
-              <a:ext uri="{C183D7F6-B498-43B3-948B-1728B52AA6E4}">
-                <adec:decorative xmlns:adec="http://schemas.microsoft.com/office/drawing/2017/decorative" val="1"/>
-              </a:ext>
-            </a:extLst>
-          </p:cNvPr>
-          <p:cNvSpPr>
-            <a:spLocks noGrp="1" noRot="1" noChangeAspect="1" noMove="1" noResize="1" noEditPoints="1" noAdjustHandles="1" noChangeArrowheads="1" noChangeShapeType="1" noTextEdit="1"/>
-          </p:cNvSpPr>
-          <p:nvPr>
-            <p:extLst>
-              <p:ext uri="{386F3935-93C4-4BCD-93E2-E3B085C9AB24}">
-                <p16:designElem xmlns:p16="http://schemas.microsoft.com/office/powerpoint/2015/main" val="1"/>
-              </p:ext>
-            </p:extLst>
-          </p:nvPr>
-        </p:nvSpPr>
-        <p:spPr>
-          <a:xfrm>
-            <a:off x="-10001" y="-2"/>
-            <a:ext cx="4069936" cy="6858002"/>
-          </a:xfrm>
-          <a:prstGeom prst="rect">
-            <a:avLst/>
-          </a:prstGeom>
-          <a:solidFill>
-            <a:schemeClr val="accent1"/>
-          </a:solidFill>
-          <a:ln>
-            <a:noFill/>
-          </a:ln>
-        </p:spPr>
-        <p:style>
-          <a:lnRef idx="2">
-            <a:schemeClr val="accent1">
-              <a:shade val="50000"/>
-            </a:schemeClr>
-          </a:lnRef>
-          <a:fillRef idx="1">
-            <a:schemeClr val="accent1"/>
-          </a:fillRef>
-          <a:effectRef idx="0">
-            <a:schemeClr val="accent1"/>
-          </a:effectRef>
-          <a:fontRef idx="minor">
-            <a:schemeClr val="lt1"/>
-          </a:fontRef>
-        </p:style>
-        <p:txBody>
-          <a:bodyPr rtlCol="0" anchor="ctr"/>
-          <a:lstStyle/>
-          <a:p>
-            <a:pPr marL="0" marR="0" lvl="0" indent="0" algn="ctr" defTabSz="914400" rtl="0" eaLnBrk="1" fontAlgn="auto" latinLnBrk="0" hangingPunct="1">
-              <a:lnSpc>
-                <a:spcPct val="100000"/>
-              </a:lnSpc>
-              <a:spcBef>
-                <a:spcPts val="0"/>
-              </a:spcBef>
-              <a:spcAft>
-                <a:spcPts val="0"/>
-              </a:spcAft>
-              <a:buClrTx/>
-              <a:buSzTx/>
-              <a:buFontTx/>
-              <a:buNone/>
-              <a:tabLst/>
-              <a:defRPr/>
-            </a:pPr>
-            <a:endParaRPr kumimoji="0" lang="en-US" sz="1800" b="0" i="0" u="none" strike="noStrike" kern="1200" cap="none" spc="0" normalizeH="0" baseline="0" noProof="0">
-              <a:ln>
-                <a:noFill/>
-              </a:ln>
-              <a:solidFill>
-                <a:prstClr val="white"/>
-              </a:solidFill>
-              <a:effectLst/>
-              <a:uLnTx/>
-              <a:uFillTx/>
-              <a:latin typeface="Calibri" panose="020F0502020204030204"/>
-              <a:ea typeface="+mn-ea"/>
-              <a:cs typeface="+mn-cs"/>
-            </a:endParaRPr>
-          </a:p>
-        </p:txBody>
-      </p:sp>
-      <p:sp>
-        <p:nvSpPr>
-          <p:cNvPr id="2" name="Title 1">
-            <a:extLst>
-              <a:ext uri="{FF2B5EF4-FFF2-40B4-BE49-F238E27FC236}">
-                <a16:creationId xmlns:a16="http://schemas.microsoft.com/office/drawing/2014/main" id="{267B64F2-1009-4957-9F90-0709BB30E108}"/>
-              </a:ext>
-            </a:extLst>
-          </p:cNvPr>
-          <p:cNvSpPr>
-            <a:spLocks noGrp="1"/>
-          </p:cNvSpPr>
-          <p:nvPr>
-            <p:ph type="title"/>
-          </p:nvPr>
-        </p:nvSpPr>
-        <p:spPr>
-          <a:xfrm>
-            <a:off x="643467" y="640080"/>
-            <a:ext cx="3096427" cy="5613236"/>
-          </a:xfrm>
-        </p:spPr>
-        <p:txBody>
-          <a:bodyPr vert="horz" lIns="91440" tIns="45720" rIns="91440" bIns="45720" rtlCol="0" anchor="ctr">
-            <a:normAutofit/>
-          </a:bodyPr>
-          <a:lstStyle/>
-          <a:p>
-            <a:r>
-              <a:rPr lang="en-US" sz="4100" kern="1200" dirty="0">
-                <a:solidFill>
-                  <a:srgbClr val="FFFF00"/>
-                </a:solidFill>
-                <a:latin typeface="Algerian" panose="04020705040A02060702" pitchFamily="82" charset="0"/>
-              </a:rPr>
-              <a:t>Group One </a:t>
-            </a:r>
-            <a:r>
-              <a:rPr lang="en-US" sz="4100" kern="1200" dirty="0">
-                <a:solidFill>
-                  <a:srgbClr val="FFFFFF"/>
-                </a:solidFill>
-                <a:latin typeface="+mj-lt"/>
-                <a:ea typeface="+mj-ea"/>
-                <a:cs typeface="+mj-cs"/>
-              </a:rPr>
-              <a:t>Library Management System  </a:t>
-            </a:r>
-          </a:p>
-        </p:txBody>
-      </p:sp>
-      <p:sp>
-        <p:nvSpPr>
-          <p:cNvPr id="3" name="Content Placeholder 2">
-            <a:extLst>
-              <a:ext uri="{FF2B5EF4-FFF2-40B4-BE49-F238E27FC236}">
-                <a16:creationId xmlns:a16="http://schemas.microsoft.com/office/drawing/2014/main" id="{2C546652-D560-4A2F-9813-A8C7FA6BF272}"/>
-              </a:ext>
-            </a:extLst>
-          </p:cNvPr>
-          <p:cNvSpPr>
-            <a:spLocks noGrp="1"/>
-          </p:cNvSpPr>
-          <p:nvPr>
-            <p:ph sz="half" idx="1"/>
-          </p:nvPr>
-        </p:nvSpPr>
-        <p:spPr>
-          <a:xfrm>
-            <a:off x="4699818" y="640082"/>
-            <a:ext cx="6848715" cy="2484884"/>
-          </a:xfrm>
-        </p:spPr>
-        <p:txBody>
-          <a:bodyPr vert="horz" lIns="91440" tIns="45720" rIns="91440" bIns="45720" rtlCol="0" anchor="ctr">
-            <a:normAutofit/>
-          </a:bodyPr>
-          <a:lstStyle/>
-          <a:p>
-            <a:r>
-              <a:rPr lang="en-US" sz="2000" dirty="0"/>
-              <a:t>Introduction </a:t>
-            </a:r>
-          </a:p>
-          <a:p>
-            <a:r>
-              <a:rPr lang="en-US" sz="2000" dirty="0"/>
-              <a:t>Demand of software has been increasing day by day. Therefore, there is more demand for software development paradigm that improves quality and productivity of software development.</a:t>
-            </a:r>
-          </a:p>
-          <a:p>
-            <a:r>
-              <a:rPr lang="en-US" sz="2000" dirty="0"/>
-              <a:t>Design pattern is a general repeatable solution to a commonly occurring problem in software design. </a:t>
-            </a:r>
-          </a:p>
-          <a:p>
-            <a:endParaRPr lang="en-US" sz="2000" dirty="0"/>
-          </a:p>
-        </p:txBody>
-      </p:sp>
-      <p:pic>
-        <p:nvPicPr>
-          <p:cNvPr id="16" name="Content Placeholder 15" descr="A screenshot of a cell phone&#10;&#10;Description automatically generated">
-            <a:extLst>
-              <a:ext uri="{FF2B5EF4-FFF2-40B4-BE49-F238E27FC236}">
-                <a16:creationId xmlns:a16="http://schemas.microsoft.com/office/drawing/2014/main" id="{38081EED-13FD-4155-A3A4-0AA0058689F4}"/>
-              </a:ext>
-            </a:extLst>
-          </p:cNvPr>
-          <p:cNvPicPr>
-            <a:picLocks noGrp="1" noChangeAspect="1"/>
-          </p:cNvPicPr>
-          <p:nvPr>
-            <p:ph sz="half" idx="2"/>
-          </p:nvPr>
-        </p:nvPicPr>
-        <p:blipFill>
-          <a:blip r:embed="rId3">
-            <a:extLst>
-              <a:ext uri="{28A0092B-C50C-407E-A947-70E740481C1C}">
-                <a14:useLocalDpi xmlns:a14="http://schemas.microsoft.com/office/drawing/2010/main" val="0"/>
-              </a:ext>
-            </a:extLst>
-          </a:blip>
-          <a:stretch>
-            <a:fillRect/>
-          </a:stretch>
-        </p:blipFill>
-        <p:spPr>
-          <a:xfrm>
-            <a:off x="4922196" y="2878712"/>
-            <a:ext cx="5361969" cy="3056322"/>
-          </a:xfrm>
-          <a:prstGeom prst="rect">
-            <a:avLst/>
-          </a:prstGeom>
-        </p:spPr>
-      </p:pic>
-    </p:spTree>
-    <p:extLst>
-      <p:ext uri="{BB962C8B-B14F-4D97-AF65-F5344CB8AC3E}">
-        <p14:creationId xmlns:p14="http://schemas.microsoft.com/office/powerpoint/2010/main" val="3643388916"/>
-      </p:ext>
-    </p:extLst>
-  </p:cSld>
-  <p:clrMapOvr>
-    <a:masterClrMapping/>
-  </p:clrMapOvr>
-</p:sld>
-</file>
-
-<file path=ppt/slides/slide10.xml><?xml version="1.0" encoding="utf-8"?>
-<p:sld xmlns:a="http://schemas.openxmlformats.org/drawingml/2006/main" xmlns:r="http://schemas.openxmlformats.org/officeDocument/2006/relationships" xmlns:p="http://schemas.openxmlformats.org/presentationml/2006/main">
-  <p:cSld>
-    <p:spTree>
-      <p:nvGrpSpPr>
-        <p:cNvPr id="1" name=""/>
-        <p:cNvGrpSpPr/>
-        <p:nvPr/>
-      </p:nvGrpSpPr>
-      <p:grpSpPr>
-        <a:xfrm>
-          <a:off x="0" y="0"/>
-          <a:ext cx="0" cy="0"/>
-          <a:chOff x="0" y="0"/>
-          <a:chExt cx="0" cy="0"/>
-        </a:xfrm>
-      </p:grpSpPr>
-      <p:sp>
-        <p:nvSpPr>
-          <p:cNvPr id="2" name="Title 1">
-            <a:extLst>
-              <a:ext uri="{FF2B5EF4-FFF2-40B4-BE49-F238E27FC236}">
-                <a16:creationId xmlns:a16="http://schemas.microsoft.com/office/drawing/2014/main" id="{58CCEDA0-BEEF-4B9C-99CC-74FDAE207823}"/>
-              </a:ext>
-            </a:extLst>
-          </p:cNvPr>
-          <p:cNvSpPr>
-            <a:spLocks noGrp="1"/>
-          </p:cNvSpPr>
-          <p:nvPr>
-            <p:ph type="title"/>
-          </p:nvPr>
-        </p:nvSpPr>
-        <p:spPr>
-          <a:xfrm>
-            <a:off x="838200" y="365125"/>
-            <a:ext cx="10515600" cy="1325563"/>
-          </a:xfrm>
-        </p:spPr>
-        <p:txBody>
-          <a:bodyPr/>
-          <a:lstStyle/>
-          <a:p>
-            <a:r>
-              <a:rPr lang="en-US">
-                <a:solidFill>
-                  <a:srgbClr val="FF0000"/>
-                </a:solidFill>
-                <a:latin typeface="Algerian" panose="04020705040A02060702" pitchFamily="82" charset="0"/>
-              </a:rPr>
-              <a:t>The Iterator Design Pattern </a:t>
-            </a:r>
-            <a:endParaRPr lang="en-US" dirty="0">
-              <a:solidFill>
-                <a:srgbClr val="FF0000"/>
-              </a:solidFill>
-              <a:latin typeface="Algerian" panose="04020705040A02060702" pitchFamily="82" charset="0"/>
-            </a:endParaRPr>
-          </a:p>
-        </p:txBody>
-      </p:sp>
-      <p:sp>
-        <p:nvSpPr>
-          <p:cNvPr id="3" name="Content Placeholder 2">
-            <a:extLst>
-              <a:ext uri="{FF2B5EF4-FFF2-40B4-BE49-F238E27FC236}">
-                <a16:creationId xmlns:a16="http://schemas.microsoft.com/office/drawing/2014/main" id="{32398A68-338B-4F07-9170-822532A62EF3}"/>
-              </a:ext>
-            </a:extLst>
-          </p:cNvPr>
-          <p:cNvSpPr>
-            <a:spLocks noGrp="1"/>
-          </p:cNvSpPr>
-          <p:nvPr>
-            <p:ph sz="half" idx="1"/>
-          </p:nvPr>
-        </p:nvSpPr>
-        <p:spPr>
-          <a:xfrm>
-            <a:off x="838200" y="1825625"/>
-            <a:ext cx="5181600" cy="4351338"/>
-          </a:xfrm>
-        </p:spPr>
-        <p:txBody>
-          <a:bodyPr>
-            <a:normAutofit/>
-          </a:bodyPr>
-          <a:lstStyle/>
-          <a:p>
-            <a:r>
-              <a:rPr lang="en-US" sz="2000" dirty="0">
-                <a:latin typeface="Times New Roman" panose="02020603050405020304" pitchFamily="18" charset="0"/>
-                <a:cs typeface="Times New Roman" panose="02020603050405020304" pitchFamily="18" charset="0"/>
-              </a:rPr>
-              <a:t>Iterator pattern is very commonly used design pattern in Java environment. This pattern is used to get a way to access the elements of a collection object in sequential manner without any need to know its underlying representation. </a:t>
-            </a:r>
-          </a:p>
-          <a:p>
-            <a:r>
-              <a:rPr lang="en-US" sz="2000" dirty="0">
-                <a:latin typeface="Times New Roman" panose="02020603050405020304" pitchFamily="18" charset="0"/>
-                <a:cs typeface="Times New Roman" panose="02020603050405020304" pitchFamily="18" charset="0"/>
-              </a:rPr>
-              <a:t>Iterator pattern falls under behavioral pattern category.</a:t>
-            </a:r>
-          </a:p>
-          <a:p>
-            <a:r>
-              <a:rPr lang="en-US" sz="2000" dirty="0">
-                <a:latin typeface="Times New Roman" panose="02020603050405020304" pitchFamily="18" charset="0"/>
-                <a:cs typeface="Times New Roman" panose="02020603050405020304" pitchFamily="18" charset="0"/>
-              </a:rPr>
-              <a:t>We applied the Iterator design pattern to traverse the element of array of BookCopy in order to access them every elements in the array. </a:t>
-            </a:r>
-          </a:p>
-          <a:p>
-            <a:endParaRPr lang="en-US" sz="2000" dirty="0">
-              <a:latin typeface="Times New Roman" panose="02020603050405020304" pitchFamily="18" charset="0"/>
-              <a:cs typeface="Times New Roman" panose="02020603050405020304" pitchFamily="18" charset="0"/>
-            </a:endParaRPr>
-          </a:p>
-        </p:txBody>
-      </p:sp>
-      <p:pic>
-        <p:nvPicPr>
-          <p:cNvPr id="6" name="Content Placeholder 5" descr="A screenshot of a cell phone&#10;&#10;Description automatically generated">
-            <a:extLst>
-              <a:ext uri="{FF2B5EF4-FFF2-40B4-BE49-F238E27FC236}">
-                <a16:creationId xmlns:a16="http://schemas.microsoft.com/office/drawing/2014/main" id="{893273AE-DF69-47A6-BF75-3B00B6E23E7B}"/>
-              </a:ext>
-            </a:extLst>
-          </p:cNvPr>
-          <p:cNvPicPr>
-            <a:picLocks noGrp="1" noChangeAspect="1"/>
-          </p:cNvPicPr>
-          <p:nvPr>
-            <p:ph sz="half" idx="2"/>
-          </p:nvPr>
-        </p:nvPicPr>
-        <p:blipFill>
-          <a:blip r:embed="rId2">
-            <a:extLst>
-              <a:ext uri="{28A0092B-C50C-407E-A947-70E740481C1C}">
-                <a14:useLocalDpi xmlns:a14="http://schemas.microsoft.com/office/drawing/2010/main" val="0"/>
-              </a:ext>
-            </a:extLst>
-          </a:blip>
-          <a:stretch>
-            <a:fillRect/>
-          </a:stretch>
-        </p:blipFill>
-        <p:spPr>
-          <a:xfrm>
-            <a:off x="6724650" y="1947704"/>
-            <a:ext cx="4076700" cy="4107180"/>
-          </a:xfrm>
-        </p:spPr>
-      </p:pic>
-    </p:spTree>
-    <p:extLst>
-      <p:ext uri="{BB962C8B-B14F-4D97-AF65-F5344CB8AC3E}">
-        <p14:creationId xmlns:p14="http://schemas.microsoft.com/office/powerpoint/2010/main" val="3351949789"/>
-      </p:ext>
-    </p:extLst>
-  </p:cSld>
-  <p:clrMapOvr>
-    <a:masterClrMapping/>
-  </p:clrMapOvr>
-</p:sld>
-</file>
-
-<file path=ppt/slides/slide11.xml><?xml version="1.0" encoding="utf-8"?>
-<p:sld xmlns:a="http://schemas.openxmlformats.org/drawingml/2006/main" xmlns:r="http://schemas.openxmlformats.org/officeDocument/2006/relationships" xmlns:p="http://schemas.openxmlformats.org/presentationml/2006/main">
-  <p:cSld>
-    <p:spTree>
-      <p:nvGrpSpPr>
-        <p:cNvPr id="1" name=""/>
-        <p:cNvGrpSpPr/>
-        <p:nvPr/>
-      </p:nvGrpSpPr>
-      <p:grpSpPr>
-        <a:xfrm>
-          <a:off x="0" y="0"/>
-          <a:ext cx="0" cy="0"/>
-          <a:chOff x="0" y="0"/>
-          <a:chExt cx="0" cy="0"/>
-        </a:xfrm>
-      </p:grpSpPr>
-      <p:sp>
-        <p:nvSpPr>
-          <p:cNvPr id="2" name="Title 1">
-            <a:extLst>
-              <a:ext uri="{FF2B5EF4-FFF2-40B4-BE49-F238E27FC236}">
-                <a16:creationId xmlns:a16="http://schemas.microsoft.com/office/drawing/2014/main" id="{28470DE5-3119-435F-8FD0-FE02614C95AA}"/>
-              </a:ext>
-            </a:extLst>
-          </p:cNvPr>
-          <p:cNvSpPr>
-            <a:spLocks noGrp="1"/>
-          </p:cNvSpPr>
-          <p:nvPr>
-            <p:ph type="title"/>
-          </p:nvPr>
-        </p:nvSpPr>
-        <p:spPr/>
-        <p:txBody>
-          <a:bodyPr/>
-          <a:lstStyle/>
-          <a:p>
-            <a:r>
-              <a:rPr lang="en-US" dirty="0">
-                <a:solidFill>
-                  <a:srgbClr val="FF0000"/>
-                </a:solidFill>
-                <a:latin typeface="Algerian" panose="04020705040A02060702" pitchFamily="82" charset="0"/>
-              </a:rPr>
-              <a:t>The Strategy Design Pattern </a:t>
-            </a:r>
-          </a:p>
-        </p:txBody>
-      </p:sp>
-      <p:sp>
-        <p:nvSpPr>
-          <p:cNvPr id="3" name="Content Placeholder 2">
-            <a:extLst>
-              <a:ext uri="{FF2B5EF4-FFF2-40B4-BE49-F238E27FC236}">
-                <a16:creationId xmlns:a16="http://schemas.microsoft.com/office/drawing/2014/main" id="{02568E4E-F1A3-47BB-BD09-89BE0D0FBC2F}"/>
-              </a:ext>
-            </a:extLst>
-          </p:cNvPr>
-          <p:cNvSpPr>
-            <a:spLocks noGrp="1"/>
-          </p:cNvSpPr>
-          <p:nvPr>
-            <p:ph sz="half" idx="1"/>
-          </p:nvPr>
-        </p:nvSpPr>
-        <p:spPr>
-          <a:xfrm>
-            <a:off x="838200" y="1825625"/>
-            <a:ext cx="5181600" cy="3858483"/>
-          </a:xfrm>
-        </p:spPr>
-        <p:txBody>
-          <a:bodyPr>
-            <a:normAutofit/>
-          </a:bodyPr>
-          <a:lstStyle/>
-          <a:p>
-            <a:r>
-              <a:rPr lang="en-US" sz="2400" dirty="0">
-                <a:latin typeface="Times New Roman" panose="02020603050405020304" pitchFamily="18" charset="0"/>
-                <a:cs typeface="Times New Roman" panose="02020603050405020304" pitchFamily="18" charset="0"/>
-              </a:rPr>
-              <a:t>We applied Strategy pattern, In our FileCompressor class.</a:t>
-            </a:r>
-          </a:p>
-          <a:p>
-            <a:r>
-              <a:rPr lang="en-US" sz="2400" dirty="0">
-                <a:latin typeface="Times New Roman" panose="02020603050405020304" pitchFamily="18" charset="0"/>
-                <a:cs typeface="Times New Roman" panose="02020603050405020304" pitchFamily="18" charset="0"/>
-              </a:rPr>
-              <a:t> The FileCompressor class is our context and the CompressionStrategy is our Strategy.</a:t>
-            </a:r>
-          </a:p>
-          <a:p>
-            <a:r>
-              <a:rPr lang="en-US" sz="2400" dirty="0">
-                <a:latin typeface="Times New Roman" panose="02020603050405020304" pitchFamily="18" charset="0"/>
-                <a:cs typeface="Times New Roman" panose="02020603050405020304" pitchFamily="18" charset="0"/>
-              </a:rPr>
-              <a:t>The ZipCompressionStrategy and RarCompressionStrategy Class are ConcreteStrategy which overrides the compressFile() abstract method. </a:t>
-            </a:r>
-          </a:p>
-        </p:txBody>
-      </p:sp>
-      <p:pic>
-        <p:nvPicPr>
-          <p:cNvPr id="8" name="Content Placeholder 7" descr="A close up of a map&#10;&#10;Description automatically generated">
-            <a:extLst>
-              <a:ext uri="{FF2B5EF4-FFF2-40B4-BE49-F238E27FC236}">
-                <a16:creationId xmlns:a16="http://schemas.microsoft.com/office/drawing/2014/main" id="{73019A9C-FEC0-4024-8F1E-E08AC3EBD4B3}"/>
-              </a:ext>
-            </a:extLst>
-          </p:cNvPr>
-          <p:cNvPicPr>
-            <a:picLocks noGrp="1" noChangeAspect="1"/>
-          </p:cNvPicPr>
-          <p:nvPr>
-            <p:ph sz="half" idx="2"/>
-          </p:nvPr>
-        </p:nvPicPr>
-        <p:blipFill>
-          <a:blip r:embed="rId2">
-            <a:extLst>
-              <a:ext uri="{28A0092B-C50C-407E-A947-70E740481C1C}">
-                <a14:useLocalDpi xmlns:a14="http://schemas.microsoft.com/office/drawing/2010/main" val="0"/>
-              </a:ext>
-            </a:extLst>
-          </a:blip>
-          <a:stretch>
-            <a:fillRect/>
-          </a:stretch>
-        </p:blipFill>
-        <p:spPr>
-          <a:xfrm>
-            <a:off x="6172200" y="1594022"/>
-            <a:ext cx="5912708" cy="5041555"/>
-          </a:xfrm>
-        </p:spPr>
-      </p:pic>
-    </p:spTree>
-    <p:extLst>
-      <p:ext uri="{BB962C8B-B14F-4D97-AF65-F5344CB8AC3E}">
-        <p14:creationId xmlns:p14="http://schemas.microsoft.com/office/powerpoint/2010/main" val="3248686715"/>
-      </p:ext>
-    </p:extLst>
-  </p:cSld>
-  <p:clrMapOvr>
-    <a:masterClrMapping/>
-  </p:clrMapOvr>
-</p:sld>
-</file>
-
-<file path=ppt/slides/slide12.xml><?xml version="1.0" encoding="utf-8"?>
-<p:sld xmlns:a="http://schemas.openxmlformats.org/drawingml/2006/main" xmlns:r="http://schemas.openxmlformats.org/officeDocument/2006/relationships" xmlns:p="http://schemas.openxmlformats.org/presentationml/2006/main">
-  <p:cSld>
-    <p:bg>
-      <p:bgPr>
-        <a:solidFill>
-          <a:schemeClr val="bg1"/>
-        </a:solidFill>
-        <a:effectLst/>
-      </p:bgPr>
-    </p:bg>
-    <p:spTree>
-      <p:nvGrpSpPr>
-        <p:cNvPr id="1" name=""/>
-        <p:cNvGrpSpPr/>
-        <p:nvPr/>
-      </p:nvGrpSpPr>
-      <p:grpSpPr>
-        <a:xfrm>
-          <a:off x="0" y="0"/>
-          <a:ext cx="0" cy="0"/>
-          <a:chOff x="0" y="0"/>
-          <a:chExt cx="0" cy="0"/>
-        </a:xfrm>
-      </p:grpSpPr>
-      <p:sp>
-        <p:nvSpPr>
-          <p:cNvPr id="2" name="Title 1">
-            <a:extLst>
-              <a:ext uri="{FF2B5EF4-FFF2-40B4-BE49-F238E27FC236}">
-                <a16:creationId xmlns:a16="http://schemas.microsoft.com/office/drawing/2014/main" id="{18EF4FE5-D565-4ECE-84C8-A4ACAA86B4FB}"/>
-              </a:ext>
-            </a:extLst>
-          </p:cNvPr>
-          <p:cNvSpPr>
-            <a:spLocks noGrp="1"/>
-          </p:cNvSpPr>
-          <p:nvPr>
-            <p:ph type="title"/>
-          </p:nvPr>
-        </p:nvSpPr>
-        <p:spPr>
-          <a:xfrm>
-            <a:off x="648930" y="629266"/>
-            <a:ext cx="3651466" cy="1053619"/>
-          </a:xfrm>
-        </p:spPr>
-        <p:txBody>
-          <a:bodyPr>
-            <a:normAutofit fontScale="90000"/>
-          </a:bodyPr>
-          <a:lstStyle/>
-          <a:p>
-            <a:r>
-              <a:rPr lang="en-US" sz="2400" dirty="0">
-                <a:solidFill>
-                  <a:srgbClr val="FF0000"/>
-                </a:solidFill>
-                <a:latin typeface="Algerian" panose="04020705040A02060702" pitchFamily="82" charset="0"/>
-              </a:rPr>
-              <a:t>General Structure of Library Management  Framework</a:t>
-            </a:r>
-          </a:p>
-        </p:txBody>
-      </p:sp>
-      <p:sp>
-        <p:nvSpPr>
-          <p:cNvPr id="10" name="Content Placeholder 9">
-            <a:extLst>
-              <a:ext uri="{FF2B5EF4-FFF2-40B4-BE49-F238E27FC236}">
-                <a16:creationId xmlns:a16="http://schemas.microsoft.com/office/drawing/2014/main" id="{3F0DE87A-AAEF-4802-84E8-85DF6D4B8216}"/>
-              </a:ext>
-            </a:extLst>
-          </p:cNvPr>
-          <p:cNvSpPr>
-            <a:spLocks noGrp="1"/>
-          </p:cNvSpPr>
-          <p:nvPr>
-            <p:ph idx="1"/>
-          </p:nvPr>
-        </p:nvSpPr>
-        <p:spPr>
-          <a:xfrm>
-            <a:off x="648930" y="1750979"/>
-            <a:ext cx="3651467" cy="4669275"/>
-          </a:xfrm>
-        </p:spPr>
-        <p:txBody>
-          <a:bodyPr>
-            <a:noAutofit/>
-          </a:bodyPr>
-          <a:lstStyle/>
-          <a:p>
-            <a:pPr marL="514350" indent="-514350">
-              <a:buFont typeface="+mj-lt"/>
-              <a:buAutoNum type="arabicPeriod"/>
-            </a:pPr>
-            <a:r>
-              <a:rPr lang="en-US" sz="1600" dirty="0">
-                <a:latin typeface="Times New Roman" panose="02020603050405020304" pitchFamily="18" charset="0"/>
-                <a:cs typeface="Times New Roman" panose="02020603050405020304" pitchFamily="18" charset="0"/>
-              </a:rPr>
-              <a:t>In our project, We have got few problems in design proposed without using design patterns. This design is then improved using seven design patterns: factory, strategy, singleton, façade, adaptor,  command, Iterator design patterns.</a:t>
-            </a:r>
-          </a:p>
-          <a:p>
-            <a:pPr marL="514350" indent="-514350">
-              <a:buFont typeface="+mj-lt"/>
-              <a:buAutoNum type="arabicPeriod"/>
-            </a:pPr>
-            <a:r>
-              <a:rPr lang="en-US" sz="1600" dirty="0">
-                <a:latin typeface="Times New Roman" panose="02020603050405020304" pitchFamily="18" charset="0"/>
-                <a:cs typeface="Times New Roman" panose="02020603050405020304" pitchFamily="18" charset="0"/>
-              </a:rPr>
-              <a:t>To improve the design firstly we added factory pattern to delegate responsibility of issuing book to JDBCManager. Then, facade pattern is implemented to hide the complexities of entire system and provide interface to user, using which the user can access the system. Finally, adapter and strategy with iterator pattern applied.</a:t>
-            </a:r>
-          </a:p>
-        </p:txBody>
-      </p:sp>
-      <p:pic>
-        <p:nvPicPr>
-          <p:cNvPr id="8" name="Content Placeholder 4">
-            <a:extLst>
-              <a:ext uri="{FF2B5EF4-FFF2-40B4-BE49-F238E27FC236}">
-                <a16:creationId xmlns:a16="http://schemas.microsoft.com/office/drawing/2014/main" id="{39FC9466-ADD7-412A-822B-CC260138ABA2}"/>
-              </a:ext>
-            </a:extLst>
-          </p:cNvPr>
-          <p:cNvPicPr>
-            <a:picLocks noChangeAspect="1"/>
-          </p:cNvPicPr>
-          <p:nvPr/>
-        </p:nvPicPr>
-        <p:blipFill rotWithShape="1">
-          <a:blip r:embed="rId2">
-            <a:extLst>
-              <a:ext uri="{28A0092B-C50C-407E-A947-70E740481C1C}">
-                <a14:useLocalDpi xmlns:a14="http://schemas.microsoft.com/office/drawing/2010/main" val="0"/>
-              </a:ext>
-            </a:extLst>
-          </a:blip>
-          <a:srcRect l="1327" r="33969"/>
-          <a:stretch/>
-        </p:blipFill>
-        <p:spPr>
-          <a:xfrm>
-            <a:off x="4532052" y="10"/>
-            <a:ext cx="7552944" cy="6857990"/>
-          </a:xfrm>
-          <a:prstGeom prst="rect">
-            <a:avLst/>
-          </a:prstGeom>
-          <a:effectLst/>
-        </p:spPr>
-      </p:pic>
-    </p:spTree>
-    <p:extLst>
-      <p:ext uri="{BB962C8B-B14F-4D97-AF65-F5344CB8AC3E}">
-        <p14:creationId xmlns:p14="http://schemas.microsoft.com/office/powerpoint/2010/main" val="3695344146"/>
-      </p:ext>
-    </p:extLst>
-  </p:cSld>
-  <p:clrMapOvr>
-    <a:masterClrMapping/>
-  </p:clrMapOvr>
-</p:sld>
-</file>
-
-<file path=ppt/slides/slide13.xml><?xml version="1.0" encoding="utf-8"?>
-<p:sld xmlns:a="http://schemas.openxmlformats.org/drawingml/2006/main" xmlns:r="http://schemas.openxmlformats.org/officeDocument/2006/relationships" xmlns:p="http://schemas.openxmlformats.org/presentationml/2006/main">
-  <p:cSld>
-    <p:spTree>
-      <p:nvGrpSpPr>
-        <p:cNvPr id="1" name=""/>
-        <p:cNvGrpSpPr/>
-        <p:nvPr/>
-      </p:nvGrpSpPr>
-      <p:grpSpPr>
-        <a:xfrm>
-          <a:off x="0" y="0"/>
-          <a:ext cx="0" cy="0"/>
-          <a:chOff x="0" y="0"/>
-          <a:chExt cx="0" cy="0"/>
-        </a:xfrm>
-      </p:grpSpPr>
-      <p:pic>
-        <p:nvPicPr>
-          <p:cNvPr id="3" name="Picture 2">
-            <a:extLst>
-              <a:ext uri="{FF2B5EF4-FFF2-40B4-BE49-F238E27FC236}">
-                <a16:creationId xmlns:a16="http://schemas.microsoft.com/office/drawing/2014/main" id="{D58C972F-FFBF-436B-A77B-5AA09D2F9C1E}"/>
-              </a:ext>
-            </a:extLst>
-          </p:cNvPr>
-          <p:cNvPicPr>
-            <a:picLocks noChangeAspect="1"/>
-          </p:cNvPicPr>
-          <p:nvPr/>
-        </p:nvPicPr>
-        <p:blipFill>
-          <a:blip r:embed="rId3"/>
-          <a:stretch>
-            <a:fillRect/>
-          </a:stretch>
-        </p:blipFill>
-        <p:spPr>
-          <a:xfrm>
-            <a:off x="714376" y="0"/>
-            <a:ext cx="10768012" cy="6858000"/>
-          </a:xfrm>
-          <a:prstGeom prst="rect">
-            <a:avLst/>
-          </a:prstGeom>
-        </p:spPr>
-      </p:pic>
-    </p:spTree>
-    <p:extLst>
-      <p:ext uri="{BB962C8B-B14F-4D97-AF65-F5344CB8AC3E}">
-        <p14:creationId xmlns:p14="http://schemas.microsoft.com/office/powerpoint/2010/main" val="1123902073"/>
-      </p:ext>
-    </p:extLst>
-  </p:cSld>
-  <p:clrMapOvr>
-    <a:masterClrMapping/>
-  </p:clrMapOvr>
-</p:sld>
-</file>
-
-<file path=ppt/slides/slide14.xml><?xml version="1.0" encoding="utf-8"?>
-<p:sld xmlns:a="http://schemas.openxmlformats.org/drawingml/2006/main" xmlns:r="http://schemas.openxmlformats.org/officeDocument/2006/relationships" xmlns:p="http://schemas.openxmlformats.org/presentationml/2006/main">
-  <p:cSld>
-    <p:bg>
-      <p:bgPr>
-        <a:solidFill>
-          <a:schemeClr val="bg1"/>
-        </a:solidFill>
-        <a:effectLst/>
-      </p:bgPr>
-    </p:bg>
-    <p:spTree>
-      <p:nvGrpSpPr>
-        <p:cNvPr id="1" name=""/>
-        <p:cNvGrpSpPr/>
-        <p:nvPr/>
-      </p:nvGrpSpPr>
-      <p:grpSpPr>
-        <a:xfrm>
-          <a:off x="0" y="0"/>
-          <a:ext cx="0" cy="0"/>
-          <a:chOff x="0" y="0"/>
-          <a:chExt cx="0" cy="0"/>
-        </a:xfrm>
-      </p:grpSpPr>
-      <p:sp>
-        <p:nvSpPr>
           <p:cNvPr id="14" name="Freeform: Shape 10">
             <a:extLst>
               <a:ext uri="{FF2B5EF4-FFF2-40B4-BE49-F238E27FC236}">
@@ -5249,6 +4510,1247 @@
 </p:sld>
 </file>
 
+<file path=ppt/slides/slide10.xml><?xml version="1.0" encoding="utf-8"?>
+<p:sld xmlns:a="http://schemas.openxmlformats.org/drawingml/2006/main" xmlns:r="http://schemas.openxmlformats.org/officeDocument/2006/relationships" xmlns:p="http://schemas.openxmlformats.org/presentationml/2006/main">
+  <p:cSld>
+    <p:bg>
+      <p:bgPr>
+        <a:solidFill>
+          <a:schemeClr val="bg1"/>
+        </a:solidFill>
+        <a:effectLst/>
+      </p:bgPr>
+    </p:bg>
+    <p:spTree>
+      <p:nvGrpSpPr>
+        <p:cNvPr id="1" name=""/>
+        <p:cNvGrpSpPr/>
+        <p:nvPr/>
+      </p:nvGrpSpPr>
+      <p:grpSpPr>
+        <a:xfrm>
+          <a:off x="0" y="0"/>
+          <a:ext cx="0" cy="0"/>
+          <a:chOff x="0" y="0"/>
+          <a:chExt cx="0" cy="0"/>
+        </a:xfrm>
+      </p:grpSpPr>
+      <p:sp>
+        <p:nvSpPr>
+          <p:cNvPr id="29" name="Rectangle 28">
+            <a:extLst>
+              <a:ext uri="{FF2B5EF4-FFF2-40B4-BE49-F238E27FC236}">
+                <a16:creationId xmlns:a16="http://schemas.microsoft.com/office/drawing/2014/main" id="{4038CB10-1F5C-4D54-9DF7-12586DE5B007}"/>
+              </a:ext>
+              <a:ext uri="{C183D7F6-B498-43B3-948B-1728B52AA6E4}">
+                <adec:decorative xmlns:adec="http://schemas.microsoft.com/office/drawing/2017/decorative" val="1"/>
+              </a:ext>
+            </a:extLst>
+          </p:cNvPr>
+          <p:cNvSpPr>
+            <a:spLocks noGrp="1" noRot="1" noChangeAspect="1" noMove="1" noResize="1" noEditPoints="1" noAdjustHandles="1" noChangeArrowheads="1" noChangeShapeType="1" noTextEdit="1"/>
+          </p:cNvSpPr>
+          <p:nvPr>
+            <p:extLst>
+              <p:ext uri="{386F3935-93C4-4BCD-93E2-E3B085C9AB24}">
+                <p16:designElem xmlns:p16="http://schemas.microsoft.com/office/powerpoint/2015/main" val="1"/>
+              </p:ext>
+            </p:extLst>
+          </p:nvPr>
+        </p:nvSpPr>
+        <p:spPr>
+          <a:xfrm>
+            <a:off x="327546" y="4572000"/>
+            <a:ext cx="7058307" cy="1964266"/>
+          </a:xfrm>
+          <a:prstGeom prst="rect">
+            <a:avLst/>
+          </a:prstGeom>
+          <a:solidFill>
+            <a:schemeClr val="accent1"/>
+          </a:solidFill>
+          <a:ln>
+            <a:noFill/>
+          </a:ln>
+        </p:spPr>
+        <p:style>
+          <a:lnRef idx="2">
+            <a:schemeClr val="accent1">
+              <a:shade val="50000"/>
+            </a:schemeClr>
+          </a:lnRef>
+          <a:fillRef idx="1">
+            <a:schemeClr val="accent1"/>
+          </a:fillRef>
+          <a:effectRef idx="0">
+            <a:schemeClr val="accent1"/>
+          </a:effectRef>
+          <a:fontRef idx="minor">
+            <a:schemeClr val="lt1"/>
+          </a:fontRef>
+        </p:style>
+        <p:txBody>
+          <a:bodyPr rtlCol="0" anchor="ctr"/>
+          <a:lstStyle/>
+          <a:p>
+            <a:pPr marL="0" marR="0" lvl="0" indent="0" algn="ctr" defTabSz="914400" rtl="0" eaLnBrk="1" fontAlgn="auto" latinLnBrk="0" hangingPunct="1">
+              <a:lnSpc>
+                <a:spcPct val="100000"/>
+              </a:lnSpc>
+              <a:spcBef>
+                <a:spcPts val="0"/>
+              </a:spcBef>
+              <a:spcAft>
+                <a:spcPts val="0"/>
+              </a:spcAft>
+              <a:buClrTx/>
+              <a:buSzTx/>
+              <a:buFontTx/>
+              <a:buNone/>
+              <a:tabLst/>
+              <a:defRPr/>
+            </a:pPr>
+            <a:endParaRPr kumimoji="0" lang="en-US" sz="1800" b="0" i="0" u="none" strike="noStrike" kern="1200" cap="none" spc="0" normalizeH="0" baseline="0" noProof="0">
+              <a:ln>
+                <a:noFill/>
+              </a:ln>
+              <a:solidFill>
+                <a:prstClr val="white"/>
+              </a:solidFill>
+              <a:effectLst/>
+              <a:uLnTx/>
+              <a:uFillTx/>
+              <a:latin typeface="Calibri" panose="020F0502020204030204"/>
+              <a:ea typeface="+mn-ea"/>
+              <a:cs typeface="+mn-cs"/>
+            </a:endParaRPr>
+          </a:p>
+        </p:txBody>
+      </p:sp>
+      <p:sp>
+        <p:nvSpPr>
+          <p:cNvPr id="2" name="Title 1">
+            <a:extLst>
+              <a:ext uri="{FF2B5EF4-FFF2-40B4-BE49-F238E27FC236}">
+                <a16:creationId xmlns:a16="http://schemas.microsoft.com/office/drawing/2014/main" id="{BB1C8B70-65E5-42E8-A5F3-96EB1D42B80E}"/>
+              </a:ext>
+            </a:extLst>
+          </p:cNvPr>
+          <p:cNvSpPr>
+            <a:spLocks noGrp="1"/>
+          </p:cNvSpPr>
+          <p:nvPr>
+            <p:ph type="title"/>
+          </p:nvPr>
+        </p:nvSpPr>
+        <p:spPr>
+          <a:xfrm>
+            <a:off x="524256" y="4767072"/>
+            <a:ext cx="6594189" cy="1625210"/>
+          </a:xfrm>
+        </p:spPr>
+        <p:txBody>
+          <a:bodyPr vert="horz" lIns="91440" tIns="45720" rIns="91440" bIns="45720" rtlCol="0" anchor="ctr">
+            <a:normAutofit/>
+          </a:bodyPr>
+          <a:lstStyle/>
+          <a:p>
+            <a:pPr algn="r"/>
+            <a:r>
+              <a:rPr lang="en-US">
+                <a:solidFill>
+                  <a:srgbClr val="FFFFFF"/>
+                </a:solidFill>
+              </a:rPr>
+              <a:t>The Façade Design </a:t>
+            </a:r>
+            <a:br>
+              <a:rPr lang="en-US">
+                <a:solidFill>
+                  <a:srgbClr val="FFFFFF"/>
+                </a:solidFill>
+              </a:rPr>
+            </a:br>
+            <a:r>
+              <a:rPr lang="en-US">
+                <a:solidFill>
+                  <a:srgbClr val="FFFFFF"/>
+                </a:solidFill>
+              </a:rPr>
+              <a:t>Pattern </a:t>
+            </a:r>
+          </a:p>
+        </p:txBody>
+      </p:sp>
+      <p:pic>
+        <p:nvPicPr>
+          <p:cNvPr id="8" name="Content Placeholder 7" descr="A screenshot of a cell phone&#10;&#10;Description automatically generated">
+            <a:extLst>
+              <a:ext uri="{FF2B5EF4-FFF2-40B4-BE49-F238E27FC236}">
+                <a16:creationId xmlns:a16="http://schemas.microsoft.com/office/drawing/2014/main" id="{040EE13F-F7D2-4CD2-8D57-7453BEA05B2A}"/>
+              </a:ext>
+            </a:extLst>
+          </p:cNvPr>
+          <p:cNvPicPr>
+            <a:picLocks noGrp="1" noChangeAspect="1"/>
+          </p:cNvPicPr>
+          <p:nvPr>
+            <p:ph sz="half" idx="2"/>
+          </p:nvPr>
+        </p:nvPicPr>
+        <p:blipFill rotWithShape="1">
+          <a:blip r:embed="rId2">
+            <a:extLst>
+              <a:ext uri="{28A0092B-C50C-407E-A947-70E740481C1C}">
+                <a14:useLocalDpi xmlns:a14="http://schemas.microsoft.com/office/drawing/2010/main" val="0"/>
+              </a:ext>
+            </a:extLst>
+          </a:blip>
+          <a:srcRect r="6344" b="-1"/>
+          <a:stretch/>
+        </p:blipFill>
+        <p:spPr>
+          <a:xfrm>
+            <a:off x="327547" y="321733"/>
+            <a:ext cx="7058306" cy="4107392"/>
+          </a:xfrm>
+          <a:prstGeom prst="rect">
+            <a:avLst/>
+          </a:prstGeom>
+        </p:spPr>
+      </p:pic>
+      <p:sp>
+        <p:nvSpPr>
+          <p:cNvPr id="31" name="Rectangle 30">
+            <a:extLst>
+              <a:ext uri="{FF2B5EF4-FFF2-40B4-BE49-F238E27FC236}">
+                <a16:creationId xmlns:a16="http://schemas.microsoft.com/office/drawing/2014/main" id="{73ED6512-6858-4552-B699-9A97FE9A4EA2}"/>
+              </a:ext>
+              <a:ext uri="{C183D7F6-B498-43B3-948B-1728B52AA6E4}">
+                <adec:decorative xmlns:adec="http://schemas.microsoft.com/office/drawing/2017/decorative" val="1"/>
+              </a:ext>
+            </a:extLst>
+          </p:cNvPr>
+          <p:cNvSpPr>
+            <a:spLocks noGrp="1" noRot="1" noChangeAspect="1" noMove="1" noResize="1" noEditPoints="1" noAdjustHandles="1" noChangeArrowheads="1" noChangeShapeType="1" noTextEdit="1"/>
+          </p:cNvSpPr>
+          <p:nvPr>
+            <p:extLst>
+              <p:ext uri="{386F3935-93C4-4BCD-93E2-E3B085C9AB24}">
+                <p16:designElem xmlns:p16="http://schemas.microsoft.com/office/powerpoint/2015/main" val="1"/>
+              </p:ext>
+            </p:extLst>
+          </p:nvPr>
+        </p:nvSpPr>
+        <p:spPr>
+          <a:xfrm>
+            <a:off x="7534655" y="321732"/>
+            <a:ext cx="4335613" cy="6214534"/>
+          </a:xfrm>
+          <a:prstGeom prst="rect">
+            <a:avLst/>
+          </a:prstGeom>
+          <a:solidFill>
+            <a:srgbClr val="404040"/>
+          </a:solidFill>
+          <a:ln>
+            <a:noFill/>
+          </a:ln>
+        </p:spPr>
+        <p:style>
+          <a:lnRef idx="2">
+            <a:schemeClr val="accent1">
+              <a:shade val="50000"/>
+            </a:schemeClr>
+          </a:lnRef>
+          <a:fillRef idx="1">
+            <a:schemeClr val="accent1"/>
+          </a:fillRef>
+          <a:effectRef idx="0">
+            <a:schemeClr val="accent1"/>
+          </a:effectRef>
+          <a:fontRef idx="minor">
+            <a:schemeClr val="lt1"/>
+          </a:fontRef>
+        </p:style>
+        <p:txBody>
+          <a:bodyPr rtlCol="0" anchor="ctr"/>
+          <a:lstStyle/>
+          <a:p>
+            <a:pPr marL="0" marR="0" lvl="0" indent="0" algn="ctr" defTabSz="914400" rtl="0" eaLnBrk="1" fontAlgn="auto" latinLnBrk="0" hangingPunct="1">
+              <a:lnSpc>
+                <a:spcPct val="100000"/>
+              </a:lnSpc>
+              <a:spcBef>
+                <a:spcPts val="0"/>
+              </a:spcBef>
+              <a:spcAft>
+                <a:spcPts val="0"/>
+              </a:spcAft>
+              <a:buClrTx/>
+              <a:buSzTx/>
+              <a:buFontTx/>
+              <a:buNone/>
+              <a:tabLst/>
+              <a:defRPr/>
+            </a:pPr>
+            <a:endParaRPr kumimoji="0" lang="en-US" sz="1800" b="0" i="0" u="none" strike="noStrike" kern="1200" cap="none" spc="0" normalizeH="0" baseline="0" noProof="0">
+              <a:ln>
+                <a:noFill/>
+              </a:ln>
+              <a:solidFill>
+                <a:prstClr val="white"/>
+              </a:solidFill>
+              <a:effectLst/>
+              <a:uLnTx/>
+              <a:uFillTx/>
+              <a:latin typeface="Calibri" panose="020F0502020204030204"/>
+              <a:ea typeface="+mn-ea"/>
+              <a:cs typeface="+mn-cs"/>
+            </a:endParaRPr>
+          </a:p>
+        </p:txBody>
+      </p:sp>
+      <p:sp>
+        <p:nvSpPr>
+          <p:cNvPr id="3" name="Content Placeholder 2">
+            <a:extLst>
+              <a:ext uri="{FF2B5EF4-FFF2-40B4-BE49-F238E27FC236}">
+                <a16:creationId xmlns:a16="http://schemas.microsoft.com/office/drawing/2014/main" id="{BB8B2174-5F9D-46D8-9389-ED0280AFB54F}"/>
+              </a:ext>
+            </a:extLst>
+          </p:cNvPr>
+          <p:cNvSpPr>
+            <a:spLocks noGrp="1"/>
+          </p:cNvSpPr>
+          <p:nvPr>
+            <p:ph sz="half" idx="1"/>
+          </p:nvPr>
+        </p:nvSpPr>
+        <p:spPr>
+          <a:xfrm>
+            <a:off x="8029319" y="917725"/>
+            <a:ext cx="3424739" cy="4852362"/>
+          </a:xfrm>
+        </p:spPr>
+        <p:txBody>
+          <a:bodyPr vert="horz" lIns="91440" tIns="45720" rIns="91440" bIns="45720" rtlCol="0" anchor="ctr">
+            <a:noAutofit/>
+          </a:bodyPr>
+          <a:lstStyle/>
+          <a:p>
+            <a:r>
+              <a:rPr lang="en-US" sz="1800" dirty="0">
+                <a:solidFill>
+                  <a:srgbClr val="FFFFFF"/>
+                </a:solidFill>
+                <a:latin typeface="Times New Roman" panose="02020603050405020304" pitchFamily="18" charset="0"/>
+                <a:cs typeface="Times New Roman" panose="02020603050405020304" pitchFamily="18" charset="0"/>
+              </a:rPr>
+              <a:t>Facade pattern hides the complexities of the system and provides an interface to the client using which the client can access the system. This type of design pattern comes under structural pattern as this pattern adds an interface to existing system to hide its complexities.</a:t>
+            </a:r>
+          </a:p>
+          <a:p>
+            <a:r>
+              <a:rPr lang="en-US" sz="1800" dirty="0">
+                <a:solidFill>
+                  <a:srgbClr val="FFFFFF"/>
+                </a:solidFill>
+                <a:latin typeface="Times New Roman" panose="02020603050405020304" pitchFamily="18" charset="0"/>
+                <a:cs typeface="Times New Roman" panose="02020603050405020304" pitchFamily="18" charset="0"/>
+              </a:rPr>
+              <a:t>This pattern involves a single class which provides simplified methods required by client and delegates calls to methods of existing system classes.</a:t>
+            </a:r>
+          </a:p>
+          <a:p>
+            <a:r>
+              <a:rPr lang="en-US" sz="1800" dirty="0">
+                <a:solidFill>
+                  <a:srgbClr val="FFFFFF"/>
+                </a:solidFill>
+                <a:latin typeface="Times New Roman" panose="02020603050405020304" pitchFamily="18" charset="0"/>
+                <a:cs typeface="Times New Roman" panose="02020603050405020304" pitchFamily="18" charset="0"/>
+              </a:rPr>
+              <a:t>We apply façade design pattern by </a:t>
+            </a:r>
+            <a:r>
+              <a:rPr lang="en-US" sz="1800" dirty="0" err="1">
+                <a:solidFill>
+                  <a:srgbClr val="FFFFFF"/>
+                </a:solidFill>
+                <a:latin typeface="Times New Roman" panose="02020603050405020304" pitchFamily="18" charset="0"/>
+                <a:cs typeface="Times New Roman" panose="02020603050405020304" pitchFamily="18" charset="0"/>
+              </a:rPr>
+              <a:t>JDBCManager</a:t>
+            </a:r>
+            <a:r>
+              <a:rPr lang="en-US" sz="1800" dirty="0">
+                <a:solidFill>
+                  <a:srgbClr val="FFFFFF"/>
+                </a:solidFill>
+                <a:latin typeface="Times New Roman" panose="02020603050405020304" pitchFamily="18" charset="0"/>
+                <a:cs typeface="Times New Roman" panose="02020603050405020304" pitchFamily="18" charset="0"/>
+              </a:rPr>
+              <a:t> Context class which has bunch of methods, which creates an instance of several Class, this will help Client to invoke this Class instead of invoking several classes to create an object. </a:t>
+            </a:r>
+          </a:p>
+        </p:txBody>
+      </p:sp>
+    </p:spTree>
+    <p:extLst>
+      <p:ext uri="{BB962C8B-B14F-4D97-AF65-F5344CB8AC3E}">
+        <p14:creationId xmlns:p14="http://schemas.microsoft.com/office/powerpoint/2010/main" val="797789501"/>
+      </p:ext>
+    </p:extLst>
+  </p:cSld>
+  <p:clrMapOvr>
+    <a:masterClrMapping/>
+  </p:clrMapOvr>
+</p:sld>
+</file>
+
+<file path=ppt/slides/slide11.xml><?xml version="1.0" encoding="utf-8"?>
+<p:sld xmlns:a="http://schemas.openxmlformats.org/drawingml/2006/main" xmlns:r="http://schemas.openxmlformats.org/officeDocument/2006/relationships" xmlns:p="http://schemas.openxmlformats.org/presentationml/2006/main">
+  <p:cSld>
+    <p:bg>
+      <p:bgPr>
+        <a:solidFill>
+          <a:schemeClr val="bg1"/>
+        </a:solidFill>
+        <a:effectLst/>
+      </p:bgPr>
+    </p:bg>
+    <p:spTree>
+      <p:nvGrpSpPr>
+        <p:cNvPr id="1" name=""/>
+        <p:cNvGrpSpPr/>
+        <p:nvPr/>
+      </p:nvGrpSpPr>
+      <p:grpSpPr>
+        <a:xfrm>
+          <a:off x="0" y="0"/>
+          <a:ext cx="0" cy="0"/>
+          <a:chOff x="0" y="0"/>
+          <a:chExt cx="0" cy="0"/>
+        </a:xfrm>
+      </p:grpSpPr>
+      <p:sp>
+        <p:nvSpPr>
+          <p:cNvPr id="12" name="Rectangle 11">
+            <a:extLst>
+              <a:ext uri="{FF2B5EF4-FFF2-40B4-BE49-F238E27FC236}">
+                <a16:creationId xmlns:a16="http://schemas.microsoft.com/office/drawing/2014/main" id="{81AEB8A9-B768-4E30-BA55-D919E6687343}"/>
+              </a:ext>
+              <a:ext uri="{C183D7F6-B498-43B3-948B-1728B52AA6E4}">
+                <adec:decorative xmlns:adec="http://schemas.microsoft.com/office/drawing/2017/decorative" val="1"/>
+              </a:ext>
+            </a:extLst>
+          </p:cNvPr>
+          <p:cNvSpPr>
+            <a:spLocks noGrp="1" noRot="1" noChangeAspect="1" noMove="1" noResize="1" noEditPoints="1" noAdjustHandles="1" noChangeArrowheads="1" noChangeShapeType="1" noTextEdit="1"/>
+          </p:cNvSpPr>
+          <p:nvPr>
+            <p:extLst>
+              <p:ext uri="{386F3935-93C4-4BCD-93E2-E3B085C9AB24}">
+                <p16:designElem xmlns:p16="http://schemas.microsoft.com/office/powerpoint/2015/main" val="1"/>
+              </p:ext>
+            </p:extLst>
+          </p:nvPr>
+        </p:nvSpPr>
+        <p:spPr>
+          <a:xfrm>
+            <a:off x="-10001" y="-2"/>
+            <a:ext cx="4069936" cy="6858002"/>
+          </a:xfrm>
+          <a:prstGeom prst="rect">
+            <a:avLst/>
+          </a:prstGeom>
+          <a:solidFill>
+            <a:schemeClr val="accent1"/>
+          </a:solidFill>
+          <a:ln>
+            <a:noFill/>
+          </a:ln>
+        </p:spPr>
+        <p:style>
+          <a:lnRef idx="2">
+            <a:schemeClr val="accent1">
+              <a:shade val="50000"/>
+            </a:schemeClr>
+          </a:lnRef>
+          <a:fillRef idx="1">
+            <a:schemeClr val="accent1"/>
+          </a:fillRef>
+          <a:effectRef idx="0">
+            <a:schemeClr val="accent1"/>
+          </a:effectRef>
+          <a:fontRef idx="minor">
+            <a:schemeClr val="lt1"/>
+          </a:fontRef>
+        </p:style>
+        <p:txBody>
+          <a:bodyPr rtlCol="0" anchor="ctr"/>
+          <a:lstStyle/>
+          <a:p>
+            <a:pPr marL="0" marR="0" lvl="0" indent="0" algn="ctr" defTabSz="914400" rtl="0" eaLnBrk="1" fontAlgn="auto" latinLnBrk="0" hangingPunct="1">
+              <a:lnSpc>
+                <a:spcPct val="100000"/>
+              </a:lnSpc>
+              <a:spcBef>
+                <a:spcPts val="0"/>
+              </a:spcBef>
+              <a:spcAft>
+                <a:spcPts val="0"/>
+              </a:spcAft>
+              <a:buClrTx/>
+              <a:buSzTx/>
+              <a:buFontTx/>
+              <a:buNone/>
+              <a:tabLst/>
+              <a:defRPr/>
+            </a:pPr>
+            <a:endParaRPr kumimoji="0" lang="en-US" sz="1800" b="0" i="0" u="none" strike="noStrike" kern="1200" cap="none" spc="0" normalizeH="0" baseline="0" noProof="0">
+              <a:ln>
+                <a:noFill/>
+              </a:ln>
+              <a:solidFill>
+                <a:prstClr val="white"/>
+              </a:solidFill>
+              <a:effectLst/>
+              <a:uLnTx/>
+              <a:uFillTx/>
+              <a:latin typeface="Calibri" panose="020F0502020204030204"/>
+              <a:ea typeface="+mn-ea"/>
+              <a:cs typeface="+mn-cs"/>
+            </a:endParaRPr>
+          </a:p>
+        </p:txBody>
+      </p:sp>
+      <p:sp>
+        <p:nvSpPr>
+          <p:cNvPr id="2" name="Title 1">
+            <a:extLst>
+              <a:ext uri="{FF2B5EF4-FFF2-40B4-BE49-F238E27FC236}">
+                <a16:creationId xmlns:a16="http://schemas.microsoft.com/office/drawing/2014/main" id="{28470DE5-3119-435F-8FD0-FE02614C95AA}"/>
+              </a:ext>
+            </a:extLst>
+          </p:cNvPr>
+          <p:cNvSpPr>
+            <a:spLocks noGrp="1"/>
+          </p:cNvSpPr>
+          <p:nvPr>
+            <p:ph type="title"/>
+          </p:nvPr>
+        </p:nvSpPr>
+        <p:spPr>
+          <a:xfrm>
+            <a:off x="643467" y="640080"/>
+            <a:ext cx="3096427" cy="5613236"/>
+          </a:xfrm>
+        </p:spPr>
+        <p:txBody>
+          <a:bodyPr vert="horz" lIns="91440" tIns="45720" rIns="91440" bIns="45720" rtlCol="0" anchor="ctr">
+            <a:normAutofit/>
+          </a:bodyPr>
+          <a:lstStyle/>
+          <a:p>
+            <a:r>
+              <a:rPr lang="en-US" kern="1200">
+                <a:solidFill>
+                  <a:srgbClr val="FFFFFF"/>
+                </a:solidFill>
+                <a:latin typeface="+mj-lt"/>
+                <a:ea typeface="+mj-ea"/>
+                <a:cs typeface="+mj-cs"/>
+              </a:rPr>
+              <a:t>The Strategy Design Pattern </a:t>
+            </a:r>
+          </a:p>
+        </p:txBody>
+      </p:sp>
+      <p:sp>
+        <p:nvSpPr>
+          <p:cNvPr id="3" name="Content Placeholder 2">
+            <a:extLst>
+              <a:ext uri="{FF2B5EF4-FFF2-40B4-BE49-F238E27FC236}">
+                <a16:creationId xmlns:a16="http://schemas.microsoft.com/office/drawing/2014/main" id="{02568E4E-F1A3-47BB-BD09-89BE0D0FBC2F}"/>
+              </a:ext>
+            </a:extLst>
+          </p:cNvPr>
+          <p:cNvSpPr>
+            <a:spLocks noGrp="1"/>
+          </p:cNvSpPr>
+          <p:nvPr>
+            <p:ph sz="half" idx="1"/>
+          </p:nvPr>
+        </p:nvSpPr>
+        <p:spPr>
+          <a:xfrm>
+            <a:off x="4699818" y="640082"/>
+            <a:ext cx="6848715" cy="2484884"/>
+          </a:xfrm>
+        </p:spPr>
+        <p:txBody>
+          <a:bodyPr vert="horz" lIns="91440" tIns="45720" rIns="91440" bIns="45720" rtlCol="0" anchor="ctr">
+            <a:normAutofit/>
+          </a:bodyPr>
+          <a:lstStyle/>
+          <a:p>
+            <a:r>
+              <a:rPr lang="en-US" sz="2000"/>
+              <a:t>We applied Strategy pattern, In our FileCompressor class.</a:t>
+            </a:r>
+          </a:p>
+          <a:p>
+            <a:r>
+              <a:rPr lang="en-US" sz="2000"/>
+              <a:t> The FileCompressor class is our context and the CompressionStrategy is our Strategy.</a:t>
+            </a:r>
+          </a:p>
+          <a:p>
+            <a:r>
+              <a:rPr lang="en-US" sz="2000"/>
+              <a:t>The ZipCompressionStrategy and RarCompressionStrategy Class are ConcreteStrategy which overrides the compressFile() abstract method. </a:t>
+            </a:r>
+          </a:p>
+        </p:txBody>
+      </p:sp>
+      <p:pic>
+        <p:nvPicPr>
+          <p:cNvPr id="7" name="Content Placeholder 6" descr="A screenshot of a cell phone&#10;&#10;Description automatically generated">
+            <a:extLst>
+              <a:ext uri="{FF2B5EF4-FFF2-40B4-BE49-F238E27FC236}">
+                <a16:creationId xmlns:a16="http://schemas.microsoft.com/office/drawing/2014/main" id="{020004E5-BD10-41CB-AEE3-D8388566A198}"/>
+              </a:ext>
+            </a:extLst>
+          </p:cNvPr>
+          <p:cNvPicPr>
+            <a:picLocks noGrp="1" noChangeAspect="1"/>
+          </p:cNvPicPr>
+          <p:nvPr>
+            <p:ph sz="half" idx="2"/>
+          </p:nvPr>
+        </p:nvPicPr>
+        <p:blipFill>
+          <a:blip r:embed="rId2">
+            <a:extLst>
+              <a:ext uri="{28A0092B-C50C-407E-A947-70E740481C1C}">
+                <a14:useLocalDpi xmlns:a14="http://schemas.microsoft.com/office/drawing/2010/main" val="0"/>
+              </a:ext>
+            </a:extLst>
+          </a:blip>
+          <a:stretch>
+            <a:fillRect/>
+          </a:stretch>
+        </p:blipFill>
+        <p:spPr>
+          <a:xfrm>
+            <a:off x="4692737" y="3124966"/>
+            <a:ext cx="6817356" cy="2810067"/>
+          </a:xfrm>
+          <a:prstGeom prst="rect">
+            <a:avLst/>
+          </a:prstGeom>
+        </p:spPr>
+      </p:pic>
+    </p:spTree>
+    <p:extLst>
+      <p:ext uri="{BB962C8B-B14F-4D97-AF65-F5344CB8AC3E}">
+        <p14:creationId xmlns:p14="http://schemas.microsoft.com/office/powerpoint/2010/main" val="3248686715"/>
+      </p:ext>
+    </p:extLst>
+  </p:cSld>
+  <p:clrMapOvr>
+    <a:masterClrMapping/>
+  </p:clrMapOvr>
+</p:sld>
+</file>
+
+<file path=ppt/slides/slide12.xml><?xml version="1.0" encoding="utf-8"?>
+<p:sld xmlns:a="http://schemas.openxmlformats.org/drawingml/2006/main" xmlns:r="http://schemas.openxmlformats.org/officeDocument/2006/relationships" xmlns:p="http://schemas.openxmlformats.org/presentationml/2006/main">
+  <p:cSld>
+    <p:bg>
+      <p:bgPr>
+        <a:solidFill>
+          <a:schemeClr val="bg1"/>
+        </a:solidFill>
+        <a:effectLst/>
+      </p:bgPr>
+    </p:bg>
+    <p:spTree>
+      <p:nvGrpSpPr>
+        <p:cNvPr id="1" name=""/>
+        <p:cNvGrpSpPr/>
+        <p:nvPr/>
+      </p:nvGrpSpPr>
+      <p:grpSpPr>
+        <a:xfrm>
+          <a:off x="0" y="0"/>
+          <a:ext cx="0" cy="0"/>
+          <a:chOff x="0" y="0"/>
+          <a:chExt cx="0" cy="0"/>
+        </a:xfrm>
+      </p:grpSpPr>
+      <p:sp>
+        <p:nvSpPr>
+          <p:cNvPr id="2" name="Title 1">
+            <a:extLst>
+              <a:ext uri="{FF2B5EF4-FFF2-40B4-BE49-F238E27FC236}">
+                <a16:creationId xmlns:a16="http://schemas.microsoft.com/office/drawing/2014/main" id="{1917016B-4044-4FF3-AA5C-6952699CDDF9}"/>
+              </a:ext>
+            </a:extLst>
+          </p:cNvPr>
+          <p:cNvSpPr>
+            <a:spLocks noGrp="1"/>
+          </p:cNvSpPr>
+          <p:nvPr>
+            <p:ph type="title"/>
+          </p:nvPr>
+        </p:nvSpPr>
+        <p:spPr>
+          <a:xfrm>
+            <a:off x="648929" y="629266"/>
+            <a:ext cx="3651467" cy="1676603"/>
+          </a:xfrm>
+        </p:spPr>
+        <p:txBody>
+          <a:bodyPr vert="horz" lIns="91440" tIns="45720" rIns="91440" bIns="45720" rtlCol="0" anchor="ctr">
+            <a:normAutofit/>
+          </a:bodyPr>
+          <a:lstStyle/>
+          <a:p>
+            <a:r>
+              <a:rPr lang="en-US" sz="2800" dirty="0">
+                <a:solidFill>
+                  <a:srgbClr val="FF0000"/>
+                </a:solidFill>
+                <a:latin typeface="Algerian" panose="04020705040A02060702" pitchFamily="82" charset="0"/>
+              </a:rPr>
+              <a:t>Template Method Design Pattern</a:t>
+            </a:r>
+          </a:p>
+        </p:txBody>
+      </p:sp>
+      <p:sp>
+        <p:nvSpPr>
+          <p:cNvPr id="3" name="Content Placeholder 2">
+            <a:extLst>
+              <a:ext uri="{FF2B5EF4-FFF2-40B4-BE49-F238E27FC236}">
+                <a16:creationId xmlns:a16="http://schemas.microsoft.com/office/drawing/2014/main" id="{20ADC37A-0E4E-4245-9B4B-CEAB80B6EB64}"/>
+              </a:ext>
+            </a:extLst>
+          </p:cNvPr>
+          <p:cNvSpPr>
+            <a:spLocks noGrp="1"/>
+          </p:cNvSpPr>
+          <p:nvPr>
+            <p:ph sz="half" idx="1"/>
+          </p:nvPr>
+        </p:nvSpPr>
+        <p:spPr>
+          <a:xfrm>
+            <a:off x="648931" y="2438400"/>
+            <a:ext cx="3651466" cy="3785419"/>
+          </a:xfrm>
+        </p:spPr>
+        <p:txBody>
+          <a:bodyPr vert="horz" lIns="91440" tIns="45720" rIns="91440" bIns="45720" rtlCol="0">
+            <a:normAutofit/>
+          </a:bodyPr>
+          <a:lstStyle/>
+          <a:p>
+            <a:r>
+              <a:rPr lang="en-US" dirty="0"/>
+              <a:t>We applied template method design pattern in our DataLoader Interface, we were targeted to several methods to be  implemented by the subclass.</a:t>
+            </a:r>
+          </a:p>
+        </p:txBody>
+      </p:sp>
+      <p:pic>
+        <p:nvPicPr>
+          <p:cNvPr id="6" name="Content Placeholder 5" descr="A close up of text on a white background&#10;&#10;Description automatically generated">
+            <a:extLst>
+              <a:ext uri="{FF2B5EF4-FFF2-40B4-BE49-F238E27FC236}">
+                <a16:creationId xmlns:a16="http://schemas.microsoft.com/office/drawing/2014/main" id="{01D8E8C1-4277-42A1-9F86-8B36FA6F0326}"/>
+              </a:ext>
+            </a:extLst>
+          </p:cNvPr>
+          <p:cNvPicPr>
+            <a:picLocks noGrp="1" noChangeAspect="1"/>
+          </p:cNvPicPr>
+          <p:nvPr>
+            <p:ph sz="half" idx="2"/>
+          </p:nvPr>
+        </p:nvPicPr>
+        <p:blipFill rotWithShape="1">
+          <a:blip r:embed="rId2">
+            <a:extLst>
+              <a:ext uri="{28A0092B-C50C-407E-A947-70E740481C1C}">
+                <a14:useLocalDpi xmlns:a14="http://schemas.microsoft.com/office/drawing/2010/main" val="0"/>
+              </a:ext>
+            </a:extLst>
+          </a:blip>
+          <a:srcRect l="832" r="11612"/>
+          <a:stretch/>
+        </p:blipFill>
+        <p:spPr>
+          <a:xfrm>
+            <a:off x="4639056" y="10"/>
+            <a:ext cx="7552944" cy="6857990"/>
+          </a:xfrm>
+          <a:prstGeom prst="rect">
+            <a:avLst/>
+          </a:prstGeom>
+          <a:effectLst/>
+        </p:spPr>
+      </p:pic>
+    </p:spTree>
+    <p:extLst>
+      <p:ext uri="{BB962C8B-B14F-4D97-AF65-F5344CB8AC3E}">
+        <p14:creationId xmlns:p14="http://schemas.microsoft.com/office/powerpoint/2010/main" val="994165072"/>
+      </p:ext>
+    </p:extLst>
+  </p:cSld>
+  <p:clrMapOvr>
+    <a:masterClrMapping/>
+  </p:clrMapOvr>
+</p:sld>
+</file>
+
+<file path=ppt/slides/slide13.xml><?xml version="1.0" encoding="utf-8"?>
+<p:sld xmlns:a="http://schemas.openxmlformats.org/drawingml/2006/main" xmlns:r="http://schemas.openxmlformats.org/officeDocument/2006/relationships" xmlns:p="http://schemas.openxmlformats.org/presentationml/2006/main">
+  <p:cSld>
+    <p:bg>
+      <p:bgPr>
+        <a:solidFill>
+          <a:schemeClr val="bg1"/>
+        </a:solidFill>
+        <a:effectLst/>
+      </p:bgPr>
+    </p:bg>
+    <p:spTree>
+      <p:nvGrpSpPr>
+        <p:cNvPr id="1" name=""/>
+        <p:cNvGrpSpPr/>
+        <p:nvPr/>
+      </p:nvGrpSpPr>
+      <p:grpSpPr>
+        <a:xfrm>
+          <a:off x="0" y="0"/>
+          <a:ext cx="0" cy="0"/>
+          <a:chOff x="0" y="0"/>
+          <a:chExt cx="0" cy="0"/>
+        </a:xfrm>
+      </p:grpSpPr>
+      <p:sp>
+        <p:nvSpPr>
+          <p:cNvPr id="15" name="Down Arrow 7">
+            <a:extLst>
+              <a:ext uri="{FF2B5EF4-FFF2-40B4-BE49-F238E27FC236}">
+                <a16:creationId xmlns:a16="http://schemas.microsoft.com/office/drawing/2014/main" id="{73DE2CFE-42F2-48F0-8706-5264E012B10C}"/>
+              </a:ext>
+              <a:ext uri="{C183D7F6-B498-43B3-948B-1728B52AA6E4}">
+                <adec:decorative xmlns:adec="http://schemas.microsoft.com/office/drawing/2017/decorative" val="1"/>
+              </a:ext>
+            </a:extLst>
+          </p:cNvPr>
+          <p:cNvSpPr>
+            <a:spLocks noGrp="1" noRot="1" noChangeAspect="1" noMove="1" noResize="1" noEditPoints="1" noAdjustHandles="1" noChangeArrowheads="1" noChangeShapeType="1" noTextEdit="1"/>
+          </p:cNvSpPr>
+          <p:nvPr>
+            <p:extLst>
+              <p:ext uri="{386F3935-93C4-4BCD-93E2-E3B085C9AB24}">
+                <p16:designElem xmlns:p16="http://schemas.microsoft.com/office/powerpoint/2015/main" val="1"/>
+              </p:ext>
+            </p:extLst>
+          </p:nvPr>
+        </p:nvSpPr>
+        <p:spPr>
+          <a:xfrm rot="16200000">
+            <a:off x="1288521" y="381403"/>
+            <a:ext cx="2200313" cy="3342508"/>
+          </a:xfrm>
+          <a:prstGeom prst="downArrow">
+            <a:avLst>
+              <a:gd name="adj1" fmla="val 100000"/>
+              <a:gd name="adj2" fmla="val 15788"/>
+            </a:avLst>
+          </a:prstGeom>
+          <a:solidFill>
+            <a:srgbClr val="404040"/>
+          </a:solidFill>
+          <a:ln w="53975">
+            <a:noFill/>
+          </a:ln>
+        </p:spPr>
+        <p:style>
+          <a:lnRef idx="2">
+            <a:schemeClr val="accent1">
+              <a:shade val="50000"/>
+            </a:schemeClr>
+          </a:lnRef>
+          <a:fillRef idx="1">
+            <a:schemeClr val="accent1"/>
+          </a:fillRef>
+          <a:effectRef idx="0">
+            <a:schemeClr val="accent1"/>
+          </a:effectRef>
+          <a:fontRef idx="minor">
+            <a:schemeClr val="lt1"/>
+          </a:fontRef>
+        </p:style>
+        <p:txBody>
+          <a:bodyPr rtlCol="0" anchor="ctr"/>
+          <a:lstStyle/>
+          <a:p>
+            <a:pPr marL="0" marR="0" lvl="0" indent="0" algn="ctr" defTabSz="914400" rtl="0" eaLnBrk="1" fontAlgn="auto" latinLnBrk="0" hangingPunct="1">
+              <a:lnSpc>
+                <a:spcPct val="100000"/>
+              </a:lnSpc>
+              <a:spcBef>
+                <a:spcPts val="0"/>
+              </a:spcBef>
+              <a:spcAft>
+                <a:spcPts val="0"/>
+              </a:spcAft>
+              <a:buClrTx/>
+              <a:buSzTx/>
+              <a:buFontTx/>
+              <a:buNone/>
+              <a:tabLst/>
+              <a:defRPr/>
+            </a:pPr>
+            <a:endParaRPr kumimoji="0" lang="en-US" sz="1800" b="0" i="0" u="none" strike="noStrike" kern="1200" cap="none" spc="0" normalizeH="0" baseline="0" noProof="0">
+              <a:ln>
+                <a:noFill/>
+              </a:ln>
+              <a:solidFill>
+                <a:prstClr val="white"/>
+              </a:solidFill>
+              <a:effectLst/>
+              <a:uLnTx/>
+              <a:uFillTx/>
+              <a:latin typeface="Calibri" panose="020F0502020204030204"/>
+              <a:ea typeface="+mn-ea"/>
+              <a:cs typeface="+mn-cs"/>
+            </a:endParaRPr>
+          </a:p>
+        </p:txBody>
+      </p:sp>
+      <p:sp>
+        <p:nvSpPr>
+          <p:cNvPr id="2" name="Title 1">
+            <a:extLst>
+              <a:ext uri="{FF2B5EF4-FFF2-40B4-BE49-F238E27FC236}">
+                <a16:creationId xmlns:a16="http://schemas.microsoft.com/office/drawing/2014/main" id="{42820543-AD93-4BDD-B25C-16B815FC8DAA}"/>
+              </a:ext>
+            </a:extLst>
+          </p:cNvPr>
+          <p:cNvSpPr>
+            <a:spLocks noGrp="1"/>
+          </p:cNvSpPr>
+          <p:nvPr>
+            <p:ph type="title"/>
+          </p:nvPr>
+        </p:nvSpPr>
+        <p:spPr>
+          <a:xfrm>
+            <a:off x="966952" y="1204108"/>
+            <a:ext cx="2669406" cy="1781175"/>
+          </a:xfrm>
+        </p:spPr>
+        <p:txBody>
+          <a:bodyPr vert="horz" lIns="91440" tIns="45720" rIns="91440" bIns="45720" rtlCol="0" anchor="ctr">
+            <a:normAutofit/>
+          </a:bodyPr>
+          <a:lstStyle/>
+          <a:p>
+            <a:r>
+              <a:rPr lang="en-US" sz="3200" kern="1200">
+                <a:solidFill>
+                  <a:srgbClr val="FFFFFF"/>
+                </a:solidFill>
+                <a:latin typeface="+mj-lt"/>
+                <a:ea typeface="+mj-ea"/>
+                <a:cs typeface="+mj-cs"/>
+              </a:rPr>
+              <a:t>Singleton Design pattern </a:t>
+            </a:r>
+          </a:p>
+        </p:txBody>
+      </p:sp>
+      <p:sp>
+        <p:nvSpPr>
+          <p:cNvPr id="3" name="Content Placeholder 2">
+            <a:extLst>
+              <a:ext uri="{FF2B5EF4-FFF2-40B4-BE49-F238E27FC236}">
+                <a16:creationId xmlns:a16="http://schemas.microsoft.com/office/drawing/2014/main" id="{A3EE1D13-CDBD-4074-AB32-800162EA8CB2}"/>
+              </a:ext>
+            </a:extLst>
+          </p:cNvPr>
+          <p:cNvSpPr>
+            <a:spLocks noGrp="1"/>
+          </p:cNvSpPr>
+          <p:nvPr>
+            <p:ph sz="half" idx="1"/>
+          </p:nvPr>
+        </p:nvSpPr>
+        <p:spPr>
+          <a:xfrm>
+            <a:off x="966951" y="3355130"/>
+            <a:ext cx="2669407" cy="2427333"/>
+          </a:xfrm>
+        </p:spPr>
+        <p:txBody>
+          <a:bodyPr vert="horz" lIns="91440" tIns="45720" rIns="91440" bIns="45720" rtlCol="0">
+            <a:noAutofit/>
+          </a:bodyPr>
+          <a:lstStyle/>
+          <a:p>
+            <a:r>
+              <a:rPr lang="en-US" sz="1600" dirty="0">
+                <a:latin typeface="Times New Roman" panose="02020603050405020304" pitchFamily="18" charset="0"/>
+                <a:cs typeface="Times New Roman" panose="02020603050405020304" pitchFamily="18" charset="0"/>
+              </a:rPr>
+              <a:t>We applied the singleton design pattern in our </a:t>
+            </a:r>
+            <a:r>
+              <a:rPr lang="en-US" sz="1600" dirty="0" err="1">
+                <a:latin typeface="Times New Roman" panose="02020603050405020304" pitchFamily="18" charset="0"/>
+                <a:cs typeface="Times New Roman" panose="02020603050405020304" pitchFamily="18" charset="0"/>
+              </a:rPr>
+              <a:t>JDBCManager</a:t>
+            </a:r>
+            <a:r>
+              <a:rPr lang="en-US" sz="1600" dirty="0">
+                <a:latin typeface="Times New Roman" panose="02020603050405020304" pitchFamily="18" charset="0"/>
+                <a:cs typeface="Times New Roman" panose="02020603050405020304" pitchFamily="18" charset="0"/>
+              </a:rPr>
+              <a:t> Class, Which helped us for connecting to Database. The basic target of singleton is to create single instance and we were looking single instance of database connection that is why we used singleton pattern.</a:t>
+            </a:r>
+          </a:p>
+        </p:txBody>
+      </p:sp>
+      <p:pic>
+        <p:nvPicPr>
+          <p:cNvPr id="10" name="Content Placeholder 9" descr="A screenshot of a cell phone&#10;&#10;Description automatically generated">
+            <a:extLst>
+              <a:ext uri="{FF2B5EF4-FFF2-40B4-BE49-F238E27FC236}">
+                <a16:creationId xmlns:a16="http://schemas.microsoft.com/office/drawing/2014/main" id="{3D1C388E-47A2-4FA0-9575-3C318A859578}"/>
+              </a:ext>
+            </a:extLst>
+          </p:cNvPr>
+          <p:cNvPicPr>
+            <a:picLocks noGrp="1" noChangeAspect="1"/>
+          </p:cNvPicPr>
+          <p:nvPr>
+            <p:ph sz="half" idx="2"/>
+          </p:nvPr>
+        </p:nvPicPr>
+        <p:blipFill>
+          <a:blip r:embed="rId2">
+            <a:extLst>
+              <a:ext uri="{28A0092B-C50C-407E-A947-70E740481C1C}">
+                <a14:useLocalDpi xmlns:a14="http://schemas.microsoft.com/office/drawing/2010/main" val="0"/>
+              </a:ext>
+            </a:extLst>
+          </a:blip>
+          <a:stretch>
+            <a:fillRect/>
+          </a:stretch>
+        </p:blipFill>
+        <p:spPr>
+          <a:xfrm>
+            <a:off x="4794401" y="952500"/>
+            <a:ext cx="6639124" cy="4829963"/>
+          </a:xfrm>
+          <a:prstGeom prst="rect">
+            <a:avLst/>
+          </a:prstGeom>
+        </p:spPr>
+      </p:pic>
+    </p:spTree>
+    <p:extLst>
+      <p:ext uri="{BB962C8B-B14F-4D97-AF65-F5344CB8AC3E}">
+        <p14:creationId xmlns:p14="http://schemas.microsoft.com/office/powerpoint/2010/main" val="4207687859"/>
+      </p:ext>
+    </p:extLst>
+  </p:cSld>
+  <p:clrMapOvr>
+    <a:masterClrMapping/>
+  </p:clrMapOvr>
+</p:sld>
+</file>
+
+<file path=ppt/slides/slide14.xml><?xml version="1.0" encoding="utf-8"?>
+<p:sld xmlns:a="http://schemas.openxmlformats.org/drawingml/2006/main" xmlns:r="http://schemas.openxmlformats.org/officeDocument/2006/relationships" xmlns:p="http://schemas.openxmlformats.org/presentationml/2006/main">
+  <p:cSld>
+    <p:bg>
+      <p:bgPr>
+        <a:solidFill>
+          <a:schemeClr val="bg1"/>
+        </a:solidFill>
+        <a:effectLst/>
+      </p:bgPr>
+    </p:bg>
+    <p:spTree>
+      <p:nvGrpSpPr>
+        <p:cNvPr id="1" name=""/>
+        <p:cNvGrpSpPr/>
+        <p:nvPr/>
+      </p:nvGrpSpPr>
+      <p:grpSpPr>
+        <a:xfrm>
+          <a:off x="0" y="0"/>
+          <a:ext cx="0" cy="0"/>
+          <a:chOff x="0" y="0"/>
+          <a:chExt cx="0" cy="0"/>
+        </a:xfrm>
+      </p:grpSpPr>
+      <p:sp>
+        <p:nvSpPr>
+          <p:cNvPr id="2" name="Title 1">
+            <a:extLst>
+              <a:ext uri="{FF2B5EF4-FFF2-40B4-BE49-F238E27FC236}">
+                <a16:creationId xmlns:a16="http://schemas.microsoft.com/office/drawing/2014/main" id="{18EF4FE5-D565-4ECE-84C8-A4ACAA86B4FB}"/>
+              </a:ext>
+            </a:extLst>
+          </p:cNvPr>
+          <p:cNvSpPr>
+            <a:spLocks noGrp="1"/>
+          </p:cNvSpPr>
+          <p:nvPr>
+            <p:ph type="title"/>
+          </p:nvPr>
+        </p:nvSpPr>
+        <p:spPr>
+          <a:xfrm>
+            <a:off x="648930" y="629266"/>
+            <a:ext cx="3651466" cy="1053619"/>
+          </a:xfrm>
+        </p:spPr>
+        <p:txBody>
+          <a:bodyPr>
+            <a:normAutofit fontScale="90000"/>
+          </a:bodyPr>
+          <a:lstStyle/>
+          <a:p>
+            <a:r>
+              <a:rPr lang="en-US" sz="2400" dirty="0">
+                <a:solidFill>
+                  <a:srgbClr val="FF0000"/>
+                </a:solidFill>
+                <a:latin typeface="Algerian" panose="04020705040A02060702" pitchFamily="82" charset="0"/>
+              </a:rPr>
+              <a:t>General Structure of Library Management  Framework</a:t>
+            </a:r>
+          </a:p>
+        </p:txBody>
+      </p:sp>
+      <p:sp>
+        <p:nvSpPr>
+          <p:cNvPr id="10" name="Content Placeholder 9">
+            <a:extLst>
+              <a:ext uri="{FF2B5EF4-FFF2-40B4-BE49-F238E27FC236}">
+                <a16:creationId xmlns:a16="http://schemas.microsoft.com/office/drawing/2014/main" id="{3F0DE87A-AAEF-4802-84E8-85DF6D4B8216}"/>
+              </a:ext>
+            </a:extLst>
+          </p:cNvPr>
+          <p:cNvSpPr>
+            <a:spLocks noGrp="1"/>
+          </p:cNvSpPr>
+          <p:nvPr>
+            <p:ph idx="1"/>
+          </p:nvPr>
+        </p:nvSpPr>
+        <p:spPr>
+          <a:xfrm>
+            <a:off x="648930" y="1750979"/>
+            <a:ext cx="3651467" cy="4669275"/>
+          </a:xfrm>
+        </p:spPr>
+        <p:txBody>
+          <a:bodyPr>
+            <a:noAutofit/>
+          </a:bodyPr>
+          <a:lstStyle/>
+          <a:p>
+            <a:pPr marL="514350" indent="-514350">
+              <a:buFont typeface="+mj-lt"/>
+              <a:buAutoNum type="arabicPeriod"/>
+            </a:pPr>
+            <a:r>
+              <a:rPr lang="en-US" sz="1600" dirty="0">
+                <a:latin typeface="Times New Roman" panose="02020603050405020304" pitchFamily="18" charset="0"/>
+                <a:cs typeface="Times New Roman" panose="02020603050405020304" pitchFamily="18" charset="0"/>
+              </a:rPr>
+              <a:t>In our project, We have got few problems in design proposed without using design patterns. This design is then improved using seven design patterns: factory, strategy, singleton, façade, adaptor,  command, Iterator design patterns.</a:t>
+            </a:r>
+          </a:p>
+          <a:p>
+            <a:pPr marL="514350" indent="-514350">
+              <a:buFont typeface="+mj-lt"/>
+              <a:buAutoNum type="arabicPeriod"/>
+            </a:pPr>
+            <a:r>
+              <a:rPr lang="en-US" sz="1600" dirty="0">
+                <a:latin typeface="Times New Roman" panose="02020603050405020304" pitchFamily="18" charset="0"/>
+                <a:cs typeface="Times New Roman" panose="02020603050405020304" pitchFamily="18" charset="0"/>
+              </a:rPr>
+              <a:t>To improve the design firstly we added factory pattern to delegate responsibility of issuing book to JDBCManager. Then, facade pattern is implemented to hide the complexities of entire system and provide interface to user, using which the user can access the system. Finally, adapter and strategy with iterator pattern applied.</a:t>
+            </a:r>
+          </a:p>
+        </p:txBody>
+      </p:sp>
+      <p:pic>
+        <p:nvPicPr>
+          <p:cNvPr id="8" name="Content Placeholder 4">
+            <a:extLst>
+              <a:ext uri="{FF2B5EF4-FFF2-40B4-BE49-F238E27FC236}">
+                <a16:creationId xmlns:a16="http://schemas.microsoft.com/office/drawing/2014/main" id="{39FC9466-ADD7-412A-822B-CC260138ABA2}"/>
+              </a:ext>
+            </a:extLst>
+          </p:cNvPr>
+          <p:cNvPicPr>
+            <a:picLocks noChangeAspect="1"/>
+          </p:cNvPicPr>
+          <p:nvPr/>
+        </p:nvPicPr>
+        <p:blipFill rotWithShape="1">
+          <a:blip r:embed="rId2">
+            <a:extLst>
+              <a:ext uri="{28A0092B-C50C-407E-A947-70E740481C1C}">
+                <a14:useLocalDpi xmlns:a14="http://schemas.microsoft.com/office/drawing/2010/main" val="0"/>
+              </a:ext>
+            </a:extLst>
+          </a:blip>
+          <a:srcRect l="1327" r="33969"/>
+          <a:stretch/>
+        </p:blipFill>
+        <p:spPr>
+          <a:xfrm>
+            <a:off x="4532052" y="10"/>
+            <a:ext cx="7552944" cy="6857990"/>
+          </a:xfrm>
+          <a:prstGeom prst="rect">
+            <a:avLst/>
+          </a:prstGeom>
+          <a:effectLst/>
+        </p:spPr>
+      </p:pic>
+    </p:spTree>
+    <p:extLst>
+      <p:ext uri="{BB962C8B-B14F-4D97-AF65-F5344CB8AC3E}">
+        <p14:creationId xmlns:p14="http://schemas.microsoft.com/office/powerpoint/2010/main" val="3695344146"/>
+      </p:ext>
+    </p:extLst>
+  </p:cSld>
+  <p:clrMapOvr>
+    <a:masterClrMapping/>
+  </p:clrMapOvr>
+</p:sld>
+</file>
+
 <file path=ppt/slides/slide2.xml><?xml version="1.0" encoding="utf-8"?>
 <p:sld xmlns:a="http://schemas.openxmlformats.org/drawingml/2006/main" xmlns:r="http://schemas.openxmlformats.org/officeDocument/2006/relationships" xmlns:p="http://schemas.openxmlformats.org/presentationml/2006/main">
   <p:cSld>
@@ -5276,361 +5778,190 @@
       </p:grpSpPr>
       <p:sp>
         <p:nvSpPr>
-          <p:cNvPr id="15" name="Rectangle 8">
-            <a:extLst>
-              <a:ext uri="{FF2B5EF4-FFF2-40B4-BE49-F238E27FC236}">
-                <a16:creationId xmlns:a16="http://schemas.microsoft.com/office/drawing/2014/main" id="{8CA06CD6-90CA-4C45-856C-6771339E1E22}"/>
-              </a:ext>
-              <a:ext uri="{C183D7F6-B498-43B3-948B-1728B52AA6E4}">
-                <adec:decorative xmlns:adec="http://schemas.microsoft.com/office/drawing/2017/decorative" val="1"/>
-              </a:ext>
-            </a:extLst>
-          </p:cNvPr>
-          <p:cNvSpPr>
-            <a:spLocks noGrp="1" noRot="1" noChangeAspect="1" noMove="1" noResize="1" noEditPoints="1" noAdjustHandles="1" noChangeArrowheads="1" noChangeShapeType="1" noTextEdit="1"/>
-          </p:cNvSpPr>
-          <p:nvPr>
-            <p:extLst>
-              <p:ext uri="{386F3935-93C4-4BCD-93E2-E3B085C9AB24}">
-                <p16:designElem xmlns:p16="http://schemas.microsoft.com/office/powerpoint/2015/main" val="1"/>
-              </p:ext>
-            </p:extLst>
-          </p:nvPr>
-        </p:nvSpPr>
-        <p:spPr bwMode="ltGray">
+          <p:cNvPr id="2" name="Title 1">
+            <a:extLst>
+              <a:ext uri="{FF2B5EF4-FFF2-40B4-BE49-F238E27FC236}">
+                <a16:creationId xmlns:a16="http://schemas.microsoft.com/office/drawing/2014/main" id="{267B64F2-1009-4957-9F90-0709BB30E108}"/>
+              </a:ext>
+            </a:extLst>
+          </p:cNvPr>
+          <p:cNvSpPr>
+            <a:spLocks noGrp="1"/>
+          </p:cNvSpPr>
+          <p:nvPr>
+            <p:ph type="title"/>
+          </p:nvPr>
+        </p:nvSpPr>
+        <p:spPr>
           <a:xfrm>
-            <a:off x="321564" y="320040"/>
-            <a:ext cx="11548872" cy="6217920"/>
+            <a:off x="648929" y="629266"/>
+            <a:ext cx="4995126" cy="1676603"/>
+          </a:xfrm>
+        </p:spPr>
+        <p:txBody>
+          <a:bodyPr vert="horz" lIns="91440" tIns="45720" rIns="91440" bIns="45720" rtlCol="0" anchor="ctr">
+            <a:noAutofit/>
+          </a:bodyPr>
+          <a:lstStyle/>
+          <a:p>
+            <a:r>
+              <a:rPr lang="en-US" sz="2400" dirty="0">
+                <a:solidFill>
+                  <a:srgbClr val="FFC000"/>
+                </a:solidFill>
+                <a:latin typeface="Algerian" panose="04020705040A02060702" pitchFamily="82" charset="0"/>
+              </a:rPr>
+              <a:t>Group One</a:t>
+            </a:r>
+            <a:br>
+              <a:rPr lang="en-US" sz="2400" dirty="0">
+                <a:solidFill>
+                  <a:schemeClr val="accent5">
+                    <a:lumMod val="75000"/>
+                  </a:schemeClr>
+                </a:solidFill>
+                <a:latin typeface="Algerian" panose="04020705040A02060702" pitchFamily="82" charset="0"/>
+              </a:rPr>
+            </a:br>
+            <a:r>
+              <a:rPr lang="en-US" sz="2400" dirty="0">
+                <a:solidFill>
+                  <a:schemeClr val="accent5">
+                    <a:lumMod val="75000"/>
+                  </a:schemeClr>
+                </a:solidFill>
+                <a:latin typeface="Algerian" panose="04020705040A02060702" pitchFamily="82" charset="0"/>
+              </a:rPr>
+              <a:t> Library Management</a:t>
+            </a:r>
+            <a:br>
+              <a:rPr lang="en-US" sz="2400" dirty="0">
+                <a:solidFill>
+                  <a:schemeClr val="accent5">
+                    <a:lumMod val="75000"/>
+                  </a:schemeClr>
+                </a:solidFill>
+                <a:latin typeface="Algerian" panose="04020705040A02060702" pitchFamily="82" charset="0"/>
+              </a:rPr>
+            </a:br>
+            <a:r>
+              <a:rPr lang="en-US" sz="2400" dirty="0">
+                <a:solidFill>
+                  <a:schemeClr val="accent5">
+                    <a:lumMod val="75000"/>
+                  </a:schemeClr>
+                </a:solidFill>
+                <a:latin typeface="Algerian" panose="04020705040A02060702" pitchFamily="82" charset="0"/>
+              </a:rPr>
+              <a:t> System  </a:t>
+            </a:r>
+          </a:p>
+        </p:txBody>
+      </p:sp>
+      <p:sp>
+        <p:nvSpPr>
+          <p:cNvPr id="3" name="Content Placeholder 2">
+            <a:extLst>
+              <a:ext uri="{FF2B5EF4-FFF2-40B4-BE49-F238E27FC236}">
+                <a16:creationId xmlns:a16="http://schemas.microsoft.com/office/drawing/2014/main" id="{2C546652-D560-4A2F-9813-A8C7FA6BF272}"/>
+              </a:ext>
+            </a:extLst>
+          </p:cNvPr>
+          <p:cNvSpPr>
+            <a:spLocks noGrp="1"/>
+          </p:cNvSpPr>
+          <p:nvPr>
+            <p:ph sz="half" idx="1"/>
+          </p:nvPr>
+        </p:nvSpPr>
+        <p:spPr>
+          <a:xfrm>
+            <a:off x="648931" y="2438400"/>
+            <a:ext cx="3651466" cy="3785419"/>
+          </a:xfrm>
+        </p:spPr>
+        <p:txBody>
+          <a:bodyPr vert="horz" lIns="91440" tIns="45720" rIns="91440" bIns="45720" rtlCol="0">
+            <a:noAutofit/>
+          </a:bodyPr>
+          <a:lstStyle/>
+          <a:p>
+            <a:r>
+              <a:rPr lang="en-US" sz="2000" dirty="0">
+                <a:latin typeface="Times New Roman" panose="02020603050405020304" pitchFamily="18" charset="0"/>
+                <a:cs typeface="Times New Roman" panose="02020603050405020304" pitchFamily="18" charset="0"/>
+              </a:rPr>
+              <a:t>Introduction </a:t>
+            </a:r>
+          </a:p>
+          <a:p>
+            <a:r>
+              <a:rPr lang="en-US" sz="2000" dirty="0">
+                <a:latin typeface="Times New Roman" panose="02020603050405020304" pitchFamily="18" charset="0"/>
+                <a:cs typeface="Times New Roman" panose="02020603050405020304" pitchFamily="18" charset="0"/>
+              </a:rPr>
+              <a:t>Demand of software has been increasing day by day. Therefore, there is more demand for software development paradigm that improves quality and productivity of software development.</a:t>
+            </a:r>
+          </a:p>
+          <a:p>
+            <a:r>
+              <a:rPr lang="en-US" sz="2000" dirty="0">
+                <a:latin typeface="Times New Roman" panose="02020603050405020304" pitchFamily="18" charset="0"/>
+                <a:cs typeface="Times New Roman" panose="02020603050405020304" pitchFamily="18" charset="0"/>
+              </a:rPr>
+              <a:t>Design pattern is a general repeatable solution to a commonly occurring problem in software design. </a:t>
+            </a:r>
+          </a:p>
+          <a:p>
+            <a:endParaRPr lang="en-US" sz="2000" dirty="0">
+              <a:latin typeface="Times New Roman" panose="02020603050405020304" pitchFamily="18" charset="0"/>
+              <a:cs typeface="Times New Roman" panose="02020603050405020304" pitchFamily="18" charset="0"/>
+            </a:endParaRPr>
+          </a:p>
+        </p:txBody>
+      </p:sp>
+      <p:pic>
+        <p:nvPicPr>
+          <p:cNvPr id="7" name="Content Placeholder 6" descr="A screenshot of a cell phone&#10;&#10;Description automatically generated">
+            <a:extLst>
+              <a:ext uri="{FF2B5EF4-FFF2-40B4-BE49-F238E27FC236}">
+                <a16:creationId xmlns:a16="http://schemas.microsoft.com/office/drawing/2014/main" id="{56F3FA20-7FE1-4FC8-8C33-FEAA9C735F0C}"/>
+              </a:ext>
+            </a:extLst>
+          </p:cNvPr>
+          <p:cNvPicPr>
+            <a:picLocks noGrp="1" noChangeAspect="1"/>
+          </p:cNvPicPr>
+          <p:nvPr>
+            <p:ph sz="half" idx="2"/>
+          </p:nvPr>
+        </p:nvPicPr>
+        <p:blipFill rotWithShape="1">
+          <a:blip r:embed="rId3">
+            <a:extLst>
+              <a:ext uri="{28A0092B-C50C-407E-A947-70E740481C1C}">
+                <a14:useLocalDpi xmlns:a14="http://schemas.microsoft.com/office/drawing/2010/main" val="0"/>
+              </a:ext>
+            </a:extLst>
+          </a:blip>
+          <a:srcRect t="2602" r="-2" b="6597"/>
+          <a:stretch/>
+        </p:blipFill>
+        <p:spPr>
+          <a:xfrm>
+            <a:off x="4639056" y="10"/>
+            <a:ext cx="7552944" cy="6857990"/>
           </a:xfrm>
           <a:prstGeom prst="rect">
             <a:avLst/>
           </a:prstGeom>
-          <a:solidFill>
-            <a:schemeClr val="tx1">
-              <a:alpha val="10000"/>
-            </a:schemeClr>
-          </a:solidFill>
-          <a:ln w="127000" cap="sq" cmpd="thinThick">
-            <a:noFill/>
-          </a:ln>
+          <a:effectLst/>
         </p:spPr>
-        <p:style>
-          <a:lnRef idx="2">
-            <a:schemeClr val="accent1">
-              <a:shade val="50000"/>
-            </a:schemeClr>
-          </a:lnRef>
-          <a:fillRef idx="1">
-            <a:schemeClr val="accent1"/>
-          </a:fillRef>
-          <a:effectRef idx="0">
-            <a:schemeClr val="accent1"/>
-          </a:effectRef>
-          <a:fontRef idx="minor">
-            <a:schemeClr val="lt1"/>
-          </a:fontRef>
-        </p:style>
-        <p:txBody>
-          <a:bodyPr rtlCol="0" anchor="ctr"/>
-          <a:lstStyle/>
-          <a:p>
-            <a:pPr algn="ctr"/>
-            <a:endParaRPr lang="en-US"/>
-          </a:p>
-        </p:txBody>
-      </p:sp>
-      <p:sp>
-        <p:nvSpPr>
-          <p:cNvPr id="2" name="Title 1">
-            <a:extLst>
-              <a:ext uri="{FF2B5EF4-FFF2-40B4-BE49-F238E27FC236}">
-                <a16:creationId xmlns:a16="http://schemas.microsoft.com/office/drawing/2014/main" id="{CD9990C1-DA09-4C62-8AE9-1B50BC67D83B}"/>
-              </a:ext>
-            </a:extLst>
-          </p:cNvPr>
-          <p:cNvSpPr>
-            <a:spLocks noGrp="1"/>
-          </p:cNvSpPr>
-          <p:nvPr>
-            <p:ph type="title"/>
-          </p:nvPr>
-        </p:nvSpPr>
-        <p:spPr>
-          <a:xfrm>
-            <a:off x="838200" y="963507"/>
-            <a:ext cx="3494362" cy="4930986"/>
-          </a:xfrm>
-        </p:spPr>
-        <p:txBody>
-          <a:bodyPr>
-            <a:normAutofit/>
-          </a:bodyPr>
-          <a:lstStyle/>
-          <a:p>
-            <a:pPr algn="r"/>
-            <a:r>
-              <a:rPr lang="en-US" dirty="0">
-                <a:solidFill>
-                  <a:schemeClr val="accent1"/>
-                </a:solidFill>
-                <a:latin typeface="Algerian" panose="04020705040A02060702" pitchFamily="82" charset="0"/>
-              </a:rPr>
-              <a:t>Problem System and Analysis.</a:t>
-            </a:r>
-          </a:p>
-        </p:txBody>
-      </p:sp>
-      <p:cxnSp>
-        <p:nvCxnSpPr>
-          <p:cNvPr id="16" name="Straight Connector 10">
-            <a:extLst>
-              <a:ext uri="{FF2B5EF4-FFF2-40B4-BE49-F238E27FC236}">
-                <a16:creationId xmlns:a16="http://schemas.microsoft.com/office/drawing/2014/main" id="{5021601D-2758-4B15-A31C-FDA184C51B3A}"/>
-              </a:ext>
-              <a:ext uri="{C183D7F6-B498-43B3-948B-1728B52AA6E4}">
-                <adec:decorative xmlns:adec="http://schemas.microsoft.com/office/drawing/2017/decorative" val="1"/>
-              </a:ext>
-            </a:extLst>
-          </p:cNvPr>
-          <p:cNvCxnSpPr>
-            <a:cxnSpLocks noGrp="1" noRot="1" noChangeAspect="1" noMove="1" noResize="1" noEditPoints="1" noAdjustHandles="1" noChangeArrowheads="1" noChangeShapeType="1"/>
-          </p:cNvCxnSpPr>
-          <p:nvPr>
-            <p:extLst>
-              <p:ext uri="{386F3935-93C4-4BCD-93E2-E3B085C9AB24}">
-                <p16:designElem xmlns:p16="http://schemas.microsoft.com/office/powerpoint/2015/main" val="1"/>
-              </p:ext>
-            </p:extLst>
-          </p:nvPr>
-        </p:nvCxnSpPr>
-        <p:spPr>
-          <a:xfrm>
-            <a:off x="4654296" y="2057400"/>
-            <a:ext cx="0" cy="2743200"/>
-          </a:xfrm>
-          <a:prstGeom prst="line">
-            <a:avLst/>
-          </a:prstGeom>
-          <a:ln w="19050">
-            <a:solidFill>
-              <a:schemeClr val="tx1">
-                <a:lumMod val="85000"/>
-                <a:lumOff val="15000"/>
-              </a:schemeClr>
-            </a:solidFill>
-          </a:ln>
-        </p:spPr>
-        <p:style>
-          <a:lnRef idx="1">
-            <a:schemeClr val="accent1"/>
-          </a:lnRef>
-          <a:fillRef idx="0">
-            <a:schemeClr val="accent1"/>
-          </a:fillRef>
-          <a:effectRef idx="0">
-            <a:schemeClr val="accent1"/>
-          </a:effectRef>
-          <a:fontRef idx="minor">
-            <a:schemeClr val="tx1"/>
-          </a:fontRef>
-        </p:style>
-      </p:cxnSp>
-      <p:sp>
-        <p:nvSpPr>
-          <p:cNvPr id="3" name="Content Placeholder 2">
-            <a:extLst>
-              <a:ext uri="{FF2B5EF4-FFF2-40B4-BE49-F238E27FC236}">
-                <a16:creationId xmlns:a16="http://schemas.microsoft.com/office/drawing/2014/main" id="{998A6AE9-B99B-4C45-A70F-2A9A0E5CCB63}"/>
-              </a:ext>
-            </a:extLst>
-          </p:cNvPr>
-          <p:cNvSpPr>
-            <a:spLocks noGrp="1"/>
-          </p:cNvSpPr>
-          <p:nvPr>
-            <p:ph sz="half" idx="1"/>
-          </p:nvPr>
-        </p:nvSpPr>
-        <p:spPr>
-          <a:xfrm>
-            <a:off x="4976030" y="963507"/>
-            <a:ext cx="6250940" cy="2304627"/>
-          </a:xfrm>
-        </p:spPr>
-        <p:txBody>
-          <a:bodyPr anchor="b">
-            <a:normAutofit fontScale="92500" lnSpcReduction="10000"/>
-          </a:bodyPr>
-          <a:lstStyle/>
-          <a:p>
-            <a:r>
-              <a:rPr lang="en-US" sz="2000" dirty="0">
-                <a:latin typeface="Times New Roman" panose="02020603050405020304" pitchFamily="18" charset="0"/>
-                <a:cs typeface="Times New Roman" panose="02020603050405020304" pitchFamily="18" charset="0"/>
-              </a:rPr>
-              <a:t>We have taken very simplified version of library Management System that Managed the catalog of a library.</a:t>
-            </a:r>
-          </a:p>
-          <a:p>
-            <a:r>
-              <a:rPr lang="en-US" sz="2000" dirty="0">
-                <a:latin typeface="Times New Roman" panose="02020603050405020304" pitchFamily="18" charset="0"/>
-                <a:cs typeface="Times New Roman" panose="02020603050405020304" pitchFamily="18" charset="0"/>
-              </a:rPr>
-              <a:t>We create an application first then we could build a framework. </a:t>
-            </a:r>
-          </a:p>
-          <a:p>
-            <a:r>
-              <a:rPr lang="en-US" sz="2000" dirty="0">
-                <a:latin typeface="Times New Roman" panose="02020603050405020304" pitchFamily="18" charset="0"/>
-                <a:cs typeface="Times New Roman" panose="02020603050405020304" pitchFamily="18" charset="0"/>
-              </a:rPr>
-              <a:t>We used seven design pattern to build our Framework </a:t>
-            </a:r>
-          </a:p>
-          <a:p>
-            <a:endParaRPr lang="en-US" sz="2000" dirty="0"/>
-          </a:p>
-        </p:txBody>
-      </p:sp>
-      <p:sp>
-        <p:nvSpPr>
-          <p:cNvPr id="4" name="Content Placeholder 3">
-            <a:extLst>
-              <a:ext uri="{FF2B5EF4-FFF2-40B4-BE49-F238E27FC236}">
-                <a16:creationId xmlns:a16="http://schemas.microsoft.com/office/drawing/2014/main" id="{742257B8-6E07-4088-9B72-0CA9F8A49409}"/>
-              </a:ext>
-            </a:extLst>
-          </p:cNvPr>
-          <p:cNvSpPr>
-            <a:spLocks noGrp="1"/>
-          </p:cNvSpPr>
-          <p:nvPr>
-            <p:ph sz="half" idx="2"/>
-          </p:nvPr>
-        </p:nvSpPr>
-        <p:spPr>
-          <a:xfrm>
-            <a:off x="4976030" y="3589866"/>
-            <a:ext cx="6250940" cy="2304628"/>
-          </a:xfrm>
-        </p:spPr>
-        <p:txBody>
-          <a:bodyPr>
-            <a:normAutofit fontScale="92500" lnSpcReduction="10000"/>
-          </a:bodyPr>
-          <a:lstStyle/>
-          <a:p>
-            <a:pPr marL="514350" indent="-514350">
-              <a:buFont typeface="+mj-lt"/>
-              <a:buAutoNum type="arabicPeriod"/>
-            </a:pPr>
-            <a:r>
-              <a:rPr lang="en-US" sz="1400" dirty="0">
-                <a:latin typeface="Times New Roman" panose="02020603050405020304" pitchFamily="18" charset="0"/>
-                <a:cs typeface="Times New Roman" panose="02020603050405020304" pitchFamily="18" charset="0"/>
-              </a:rPr>
-              <a:t>Factory Method pattern</a:t>
-            </a:r>
-          </a:p>
-          <a:p>
-            <a:pPr marL="514350" indent="-514350">
-              <a:buFont typeface="+mj-lt"/>
-              <a:buAutoNum type="arabicPeriod"/>
-            </a:pPr>
-            <a:r>
-              <a:rPr lang="en-US" sz="1400" dirty="0">
-                <a:latin typeface="Times New Roman" panose="02020603050405020304" pitchFamily="18" charset="0"/>
-                <a:cs typeface="Times New Roman" panose="02020603050405020304" pitchFamily="18" charset="0"/>
-              </a:rPr>
-              <a:t>Strategy pattern </a:t>
-            </a:r>
-          </a:p>
-          <a:p>
-            <a:pPr marL="514350" indent="-514350">
-              <a:buFont typeface="+mj-lt"/>
-              <a:buAutoNum type="arabicPeriod"/>
-            </a:pPr>
-            <a:r>
-              <a:rPr lang="en-US" sz="1400" dirty="0">
-                <a:latin typeface="Times New Roman" panose="02020603050405020304" pitchFamily="18" charset="0"/>
-                <a:cs typeface="Times New Roman" panose="02020603050405020304" pitchFamily="18" charset="0"/>
-              </a:rPr>
-              <a:t>Singleton pattern</a:t>
-            </a:r>
-          </a:p>
-          <a:p>
-            <a:pPr marL="514350" indent="-514350">
-              <a:buFont typeface="+mj-lt"/>
-              <a:buAutoNum type="arabicPeriod"/>
-            </a:pPr>
-            <a:r>
-              <a:rPr lang="en-US" sz="1400" dirty="0">
-                <a:latin typeface="Times New Roman" panose="02020603050405020304" pitchFamily="18" charset="0"/>
-                <a:cs typeface="Times New Roman" panose="02020603050405020304" pitchFamily="18" charset="0"/>
-              </a:rPr>
-              <a:t>Façade pattern </a:t>
-            </a:r>
-          </a:p>
-          <a:p>
-            <a:pPr marL="514350" indent="-514350">
-              <a:buFont typeface="+mj-lt"/>
-              <a:buAutoNum type="arabicPeriod"/>
-            </a:pPr>
-            <a:r>
-              <a:rPr lang="en-US" sz="1400" dirty="0">
-                <a:latin typeface="Times New Roman" panose="02020603050405020304" pitchFamily="18" charset="0"/>
-                <a:cs typeface="Times New Roman" panose="02020603050405020304" pitchFamily="18" charset="0"/>
-              </a:rPr>
-              <a:t>Adapter pattern </a:t>
-            </a:r>
-          </a:p>
-          <a:p>
-            <a:pPr marL="514350" indent="-514350">
-              <a:buFont typeface="+mj-lt"/>
-              <a:buAutoNum type="arabicPeriod"/>
-            </a:pPr>
-            <a:r>
-              <a:rPr lang="en-US" sz="1400" dirty="0">
-                <a:latin typeface="Times New Roman" panose="02020603050405020304" pitchFamily="18" charset="0"/>
-                <a:cs typeface="Times New Roman" panose="02020603050405020304" pitchFamily="18" charset="0"/>
-              </a:rPr>
-              <a:t>Command pattern</a:t>
-            </a:r>
-          </a:p>
-          <a:p>
-            <a:pPr marL="514350" indent="-514350">
-              <a:buFont typeface="+mj-lt"/>
-              <a:buAutoNum type="arabicPeriod"/>
-            </a:pPr>
-            <a:r>
-              <a:rPr lang="en-US" sz="1400" dirty="0">
-                <a:latin typeface="Times New Roman" panose="02020603050405020304" pitchFamily="18" charset="0"/>
-                <a:cs typeface="Times New Roman" panose="02020603050405020304" pitchFamily="18" charset="0"/>
-              </a:rPr>
-              <a:t>Template Method Pattern </a:t>
-            </a:r>
-          </a:p>
-          <a:p>
-            <a:pPr marL="514350" indent="-514350">
-              <a:buFont typeface="+mj-lt"/>
-              <a:buAutoNum type="arabicPeriod"/>
-            </a:pPr>
-            <a:r>
-              <a:rPr lang="en-US" sz="1400" dirty="0">
-                <a:latin typeface="Times New Roman" panose="02020603050405020304" pitchFamily="18" charset="0"/>
-                <a:cs typeface="Times New Roman" panose="02020603050405020304" pitchFamily="18" charset="0"/>
-              </a:rPr>
-              <a:t>Iterator pattern </a:t>
-            </a:r>
-          </a:p>
-        </p:txBody>
-      </p:sp>
+      </p:pic>
     </p:spTree>
     <p:extLst>
       <p:ext uri="{BB962C8B-B14F-4D97-AF65-F5344CB8AC3E}">
-        <p14:creationId xmlns:p14="http://schemas.microsoft.com/office/powerpoint/2010/main" val="3572538887"/>
+        <p14:creationId xmlns:p14="http://schemas.microsoft.com/office/powerpoint/2010/main" val="3643388916"/>
       </p:ext>
     </p:extLst>
   </p:cSld>
@@ -5667,6 +5998,397 @@
       </p:grpSpPr>
       <p:sp>
         <p:nvSpPr>
+          <p:cNvPr id="15" name="Rectangle 8">
+            <a:extLst>
+              <a:ext uri="{FF2B5EF4-FFF2-40B4-BE49-F238E27FC236}">
+                <a16:creationId xmlns:a16="http://schemas.microsoft.com/office/drawing/2014/main" id="{8CA06CD6-90CA-4C45-856C-6771339E1E22}"/>
+              </a:ext>
+              <a:ext uri="{C183D7F6-B498-43B3-948B-1728B52AA6E4}">
+                <adec:decorative xmlns:adec="http://schemas.microsoft.com/office/drawing/2017/decorative" val="1"/>
+              </a:ext>
+            </a:extLst>
+          </p:cNvPr>
+          <p:cNvSpPr>
+            <a:spLocks noGrp="1" noRot="1" noChangeAspect="1" noMove="1" noResize="1" noEditPoints="1" noAdjustHandles="1" noChangeArrowheads="1" noChangeShapeType="1" noTextEdit="1"/>
+          </p:cNvSpPr>
+          <p:nvPr>
+            <p:extLst>
+              <p:ext uri="{386F3935-93C4-4BCD-93E2-E3B085C9AB24}">
+                <p16:designElem xmlns:p16="http://schemas.microsoft.com/office/powerpoint/2015/main" val="1"/>
+              </p:ext>
+            </p:extLst>
+          </p:nvPr>
+        </p:nvSpPr>
+        <p:spPr bwMode="ltGray">
+          <a:xfrm>
+            <a:off x="321564" y="320040"/>
+            <a:ext cx="11548872" cy="6217920"/>
+          </a:xfrm>
+          <a:prstGeom prst="rect">
+            <a:avLst/>
+          </a:prstGeom>
+          <a:solidFill>
+            <a:schemeClr val="tx1">
+              <a:alpha val="10000"/>
+            </a:schemeClr>
+          </a:solidFill>
+          <a:ln w="127000" cap="sq" cmpd="thinThick">
+            <a:noFill/>
+          </a:ln>
+        </p:spPr>
+        <p:style>
+          <a:lnRef idx="2">
+            <a:schemeClr val="accent1">
+              <a:shade val="50000"/>
+            </a:schemeClr>
+          </a:lnRef>
+          <a:fillRef idx="1">
+            <a:schemeClr val="accent1"/>
+          </a:fillRef>
+          <a:effectRef idx="0">
+            <a:schemeClr val="accent1"/>
+          </a:effectRef>
+          <a:fontRef idx="minor">
+            <a:schemeClr val="lt1"/>
+          </a:fontRef>
+        </p:style>
+        <p:txBody>
+          <a:bodyPr rtlCol="0" anchor="ctr"/>
+          <a:lstStyle/>
+          <a:p>
+            <a:pPr algn="ctr"/>
+            <a:endParaRPr lang="en-US"/>
+          </a:p>
+        </p:txBody>
+      </p:sp>
+      <p:sp>
+        <p:nvSpPr>
+          <p:cNvPr id="2" name="Title 1">
+            <a:extLst>
+              <a:ext uri="{FF2B5EF4-FFF2-40B4-BE49-F238E27FC236}">
+                <a16:creationId xmlns:a16="http://schemas.microsoft.com/office/drawing/2014/main" id="{CD9990C1-DA09-4C62-8AE9-1B50BC67D83B}"/>
+              </a:ext>
+            </a:extLst>
+          </p:cNvPr>
+          <p:cNvSpPr>
+            <a:spLocks noGrp="1"/>
+          </p:cNvSpPr>
+          <p:nvPr>
+            <p:ph type="title"/>
+          </p:nvPr>
+        </p:nvSpPr>
+        <p:spPr>
+          <a:xfrm>
+            <a:off x="838200" y="963507"/>
+            <a:ext cx="3494362" cy="4930986"/>
+          </a:xfrm>
+        </p:spPr>
+        <p:txBody>
+          <a:bodyPr>
+            <a:normAutofit/>
+          </a:bodyPr>
+          <a:lstStyle/>
+          <a:p>
+            <a:pPr algn="r"/>
+            <a:r>
+              <a:rPr lang="en-US" dirty="0">
+                <a:solidFill>
+                  <a:schemeClr val="accent1"/>
+                </a:solidFill>
+                <a:latin typeface="Algerian" panose="04020705040A02060702" pitchFamily="82" charset="0"/>
+              </a:rPr>
+              <a:t>Problem System and Analysis.</a:t>
+            </a:r>
+          </a:p>
+        </p:txBody>
+      </p:sp>
+      <p:cxnSp>
+        <p:nvCxnSpPr>
+          <p:cNvPr id="16" name="Straight Connector 10">
+            <a:extLst>
+              <a:ext uri="{FF2B5EF4-FFF2-40B4-BE49-F238E27FC236}">
+                <a16:creationId xmlns:a16="http://schemas.microsoft.com/office/drawing/2014/main" id="{5021601D-2758-4B15-A31C-FDA184C51B3A}"/>
+              </a:ext>
+              <a:ext uri="{C183D7F6-B498-43B3-948B-1728B52AA6E4}">
+                <adec:decorative xmlns:adec="http://schemas.microsoft.com/office/drawing/2017/decorative" val="1"/>
+              </a:ext>
+            </a:extLst>
+          </p:cNvPr>
+          <p:cNvCxnSpPr>
+            <a:cxnSpLocks noGrp="1" noRot="1" noChangeAspect="1" noMove="1" noResize="1" noEditPoints="1" noAdjustHandles="1" noChangeArrowheads="1" noChangeShapeType="1"/>
+          </p:cNvCxnSpPr>
+          <p:nvPr>
+            <p:extLst>
+              <p:ext uri="{386F3935-93C4-4BCD-93E2-E3B085C9AB24}">
+                <p16:designElem xmlns:p16="http://schemas.microsoft.com/office/powerpoint/2015/main" val="1"/>
+              </p:ext>
+            </p:extLst>
+          </p:nvPr>
+        </p:nvCxnSpPr>
+        <p:spPr>
+          <a:xfrm>
+            <a:off x="4654296" y="2057400"/>
+            <a:ext cx="0" cy="2743200"/>
+          </a:xfrm>
+          <a:prstGeom prst="line">
+            <a:avLst/>
+          </a:prstGeom>
+          <a:ln w="19050">
+            <a:solidFill>
+              <a:schemeClr val="tx1">
+                <a:lumMod val="85000"/>
+                <a:lumOff val="15000"/>
+              </a:schemeClr>
+            </a:solidFill>
+          </a:ln>
+        </p:spPr>
+        <p:style>
+          <a:lnRef idx="1">
+            <a:schemeClr val="accent1"/>
+          </a:lnRef>
+          <a:fillRef idx="0">
+            <a:schemeClr val="accent1"/>
+          </a:fillRef>
+          <a:effectRef idx="0">
+            <a:schemeClr val="accent1"/>
+          </a:effectRef>
+          <a:fontRef idx="minor">
+            <a:schemeClr val="tx1"/>
+          </a:fontRef>
+        </p:style>
+      </p:cxnSp>
+      <p:sp>
+        <p:nvSpPr>
+          <p:cNvPr id="3" name="Content Placeholder 2">
+            <a:extLst>
+              <a:ext uri="{FF2B5EF4-FFF2-40B4-BE49-F238E27FC236}">
+                <a16:creationId xmlns:a16="http://schemas.microsoft.com/office/drawing/2014/main" id="{998A6AE9-B99B-4C45-A70F-2A9A0E5CCB63}"/>
+              </a:ext>
+            </a:extLst>
+          </p:cNvPr>
+          <p:cNvSpPr>
+            <a:spLocks noGrp="1"/>
+          </p:cNvSpPr>
+          <p:nvPr>
+            <p:ph sz="half" idx="1"/>
+          </p:nvPr>
+        </p:nvSpPr>
+        <p:spPr>
+          <a:xfrm>
+            <a:off x="4976030" y="963507"/>
+            <a:ext cx="6250940" cy="2304627"/>
+          </a:xfrm>
+        </p:spPr>
+        <p:txBody>
+          <a:bodyPr anchor="b">
+            <a:normAutofit fontScale="92500" lnSpcReduction="10000"/>
+          </a:bodyPr>
+          <a:lstStyle/>
+          <a:p>
+            <a:r>
+              <a:rPr lang="en-US" sz="2000" dirty="0">
+                <a:latin typeface="Times New Roman" panose="02020603050405020304" pitchFamily="18" charset="0"/>
+                <a:cs typeface="Times New Roman" panose="02020603050405020304" pitchFamily="18" charset="0"/>
+              </a:rPr>
+              <a:t>We have taken very simplified version of library Management System that Managed the catalog of a library.</a:t>
+            </a:r>
+          </a:p>
+          <a:p>
+            <a:r>
+              <a:rPr lang="en-US" sz="2000" dirty="0">
+                <a:latin typeface="Times New Roman" panose="02020603050405020304" pitchFamily="18" charset="0"/>
+                <a:cs typeface="Times New Roman" panose="02020603050405020304" pitchFamily="18" charset="0"/>
+              </a:rPr>
+              <a:t>We create an application first then we could build a framework. </a:t>
+            </a:r>
+          </a:p>
+          <a:p>
+            <a:r>
+              <a:rPr lang="en-US" sz="2000" dirty="0">
+                <a:latin typeface="Times New Roman" panose="02020603050405020304" pitchFamily="18" charset="0"/>
+                <a:cs typeface="Times New Roman" panose="02020603050405020304" pitchFamily="18" charset="0"/>
+              </a:rPr>
+              <a:t>We used seven design pattern to build our Framework </a:t>
+            </a:r>
+          </a:p>
+          <a:p>
+            <a:endParaRPr lang="en-US" sz="2000" dirty="0"/>
+          </a:p>
+        </p:txBody>
+      </p:sp>
+      <p:sp>
+        <p:nvSpPr>
+          <p:cNvPr id="4" name="Content Placeholder 3">
+            <a:extLst>
+              <a:ext uri="{FF2B5EF4-FFF2-40B4-BE49-F238E27FC236}">
+                <a16:creationId xmlns:a16="http://schemas.microsoft.com/office/drawing/2014/main" id="{742257B8-6E07-4088-9B72-0CA9F8A49409}"/>
+              </a:ext>
+            </a:extLst>
+          </p:cNvPr>
+          <p:cNvSpPr>
+            <a:spLocks noGrp="1"/>
+          </p:cNvSpPr>
+          <p:nvPr>
+            <p:ph sz="half" idx="2"/>
+          </p:nvPr>
+        </p:nvSpPr>
+        <p:spPr>
+          <a:xfrm>
+            <a:off x="4984268" y="3589866"/>
+            <a:ext cx="6250940" cy="2304628"/>
+          </a:xfrm>
+        </p:spPr>
+        <p:txBody>
+          <a:bodyPr>
+            <a:noAutofit/>
+          </a:bodyPr>
+          <a:lstStyle/>
+          <a:p>
+            <a:pPr marL="514350" indent="-514350">
+              <a:buFont typeface="+mj-lt"/>
+              <a:buAutoNum type="arabicPeriod"/>
+            </a:pPr>
+            <a:r>
+              <a:rPr lang="en-US" sz="1800" dirty="0">
+                <a:latin typeface="Times New Roman" panose="02020603050405020304" pitchFamily="18" charset="0"/>
+                <a:cs typeface="Times New Roman" panose="02020603050405020304" pitchFamily="18" charset="0"/>
+              </a:rPr>
+              <a:t>Factory Method pattern</a:t>
+            </a:r>
+          </a:p>
+          <a:p>
+            <a:pPr marL="514350" indent="-514350">
+              <a:buFont typeface="+mj-lt"/>
+              <a:buAutoNum type="arabicPeriod"/>
+            </a:pPr>
+            <a:r>
+              <a:rPr lang="en-US" sz="1800" dirty="0">
+                <a:latin typeface="Times New Roman" panose="02020603050405020304" pitchFamily="18" charset="0"/>
+                <a:cs typeface="Times New Roman" panose="02020603050405020304" pitchFamily="18" charset="0"/>
+              </a:rPr>
+              <a:t>Strategy pattern </a:t>
+            </a:r>
+          </a:p>
+          <a:p>
+            <a:pPr marL="514350" indent="-514350">
+              <a:buFont typeface="+mj-lt"/>
+              <a:buAutoNum type="arabicPeriod"/>
+            </a:pPr>
+            <a:r>
+              <a:rPr lang="en-US" sz="1800" dirty="0">
+                <a:latin typeface="Times New Roman" panose="02020603050405020304" pitchFamily="18" charset="0"/>
+                <a:cs typeface="Times New Roman" panose="02020603050405020304" pitchFamily="18" charset="0"/>
+              </a:rPr>
+              <a:t>Singleton pattern</a:t>
+            </a:r>
+          </a:p>
+          <a:p>
+            <a:pPr marL="514350" indent="-514350">
+              <a:buFont typeface="+mj-lt"/>
+              <a:buAutoNum type="arabicPeriod"/>
+            </a:pPr>
+            <a:r>
+              <a:rPr lang="en-US" sz="1800" dirty="0">
+                <a:latin typeface="Times New Roman" panose="02020603050405020304" pitchFamily="18" charset="0"/>
+                <a:cs typeface="Times New Roman" panose="02020603050405020304" pitchFamily="18" charset="0"/>
+              </a:rPr>
+              <a:t>Façade pattern </a:t>
+            </a:r>
+          </a:p>
+          <a:p>
+            <a:pPr marL="514350" indent="-514350">
+              <a:buFont typeface="+mj-lt"/>
+              <a:buAutoNum type="arabicPeriod"/>
+            </a:pPr>
+            <a:r>
+              <a:rPr lang="en-US" sz="1800" dirty="0">
+                <a:latin typeface="Times New Roman" panose="02020603050405020304" pitchFamily="18" charset="0"/>
+                <a:cs typeface="Times New Roman" panose="02020603050405020304" pitchFamily="18" charset="0"/>
+              </a:rPr>
+              <a:t>Adapter pattern </a:t>
+            </a:r>
+          </a:p>
+          <a:p>
+            <a:pPr marL="514350" indent="-514350">
+              <a:buFont typeface="+mj-lt"/>
+              <a:buAutoNum type="arabicPeriod"/>
+            </a:pPr>
+            <a:r>
+              <a:rPr lang="en-US" sz="1800" dirty="0">
+                <a:latin typeface="Times New Roman" panose="02020603050405020304" pitchFamily="18" charset="0"/>
+                <a:cs typeface="Times New Roman" panose="02020603050405020304" pitchFamily="18" charset="0"/>
+              </a:rPr>
+              <a:t>Command pattern</a:t>
+            </a:r>
+          </a:p>
+          <a:p>
+            <a:pPr marL="514350" indent="-514350">
+              <a:buFont typeface="+mj-lt"/>
+              <a:buAutoNum type="arabicPeriod"/>
+            </a:pPr>
+            <a:r>
+              <a:rPr lang="en-US" sz="1800" dirty="0">
+                <a:latin typeface="Times New Roman" panose="02020603050405020304" pitchFamily="18" charset="0"/>
+                <a:cs typeface="Times New Roman" panose="02020603050405020304" pitchFamily="18" charset="0"/>
+              </a:rPr>
+              <a:t>Template Method Pattern </a:t>
+            </a:r>
+          </a:p>
+          <a:p>
+            <a:pPr marL="514350" indent="-514350">
+              <a:buFont typeface="+mj-lt"/>
+              <a:buAutoNum type="arabicPeriod"/>
+            </a:pPr>
+            <a:r>
+              <a:rPr lang="en-US" sz="1800" dirty="0">
+                <a:latin typeface="Times New Roman" panose="02020603050405020304" pitchFamily="18" charset="0"/>
+                <a:cs typeface="Times New Roman" panose="02020603050405020304" pitchFamily="18" charset="0"/>
+              </a:rPr>
+              <a:t>Iterator pattern </a:t>
+            </a:r>
+          </a:p>
+        </p:txBody>
+      </p:sp>
+    </p:spTree>
+    <p:extLst>
+      <p:ext uri="{BB962C8B-B14F-4D97-AF65-F5344CB8AC3E}">
+        <p14:creationId xmlns:p14="http://schemas.microsoft.com/office/powerpoint/2010/main" val="3572538887"/>
+      </p:ext>
+    </p:extLst>
+  </p:cSld>
+  <p:clrMapOvr>
+    <a:masterClrMapping/>
+  </p:clrMapOvr>
+</p:sld>
+</file>
+
+<file path=ppt/slides/slide4.xml><?xml version="1.0" encoding="utf-8"?>
+<p:sld xmlns:a="http://schemas.openxmlformats.org/drawingml/2006/main" xmlns:r="http://schemas.openxmlformats.org/officeDocument/2006/relationships" xmlns:p="http://schemas.openxmlformats.org/presentationml/2006/main">
+  <p:cSld>
+    <p:bg>
+      <p:bgPr>
+        <a:solidFill>
+          <a:schemeClr val="bg1"/>
+        </a:solidFill>
+        <a:effectLst/>
+      </p:bgPr>
+    </p:bg>
+    <p:spTree>
+      <p:nvGrpSpPr>
+        <p:cNvPr id="1" name=""/>
+        <p:cNvGrpSpPr/>
+        <p:nvPr/>
+      </p:nvGrpSpPr>
+      <p:grpSpPr>
+        <a:xfrm>
+          <a:off x="0" y="0"/>
+          <a:ext cx="0" cy="0"/>
+          <a:chOff x="0" y="0"/>
+          <a:chExt cx="0" cy="0"/>
+        </a:xfrm>
+      </p:grpSpPr>
+      <p:sp>
+        <p:nvSpPr>
           <p:cNvPr id="10" name="Rectangle 9">
             <a:extLst>
               <a:ext uri="{FF2B5EF4-FFF2-40B4-BE49-F238E27FC236}">
@@ -5890,7 +6612,7 @@
 </p:sld>
 </file>
 
-<file path=ppt/slides/slide4.xml><?xml version="1.0" encoding="utf-8"?>
+<file path=ppt/slides/slide5.xml><?xml version="1.0" encoding="utf-8"?>
 <p:sld xmlns:a="http://schemas.openxmlformats.org/drawingml/2006/main" xmlns:r="http://schemas.openxmlformats.org/officeDocument/2006/relationships" xmlns:p="http://schemas.openxmlformats.org/presentationml/2006/main">
   <p:cSld>
     <p:spTree>
@@ -6064,174 +6786,6 @@
 </p:sld>
 </file>
 
-<file path=ppt/slides/slide5.xml><?xml version="1.0" encoding="utf-8"?>
-<p:sld xmlns:a="http://schemas.openxmlformats.org/drawingml/2006/main" xmlns:r="http://schemas.openxmlformats.org/officeDocument/2006/relationships" xmlns:p="http://schemas.openxmlformats.org/presentationml/2006/main">
-  <p:cSld>
-    <p:spTree>
-      <p:nvGrpSpPr>
-        <p:cNvPr id="1" name=""/>
-        <p:cNvGrpSpPr/>
-        <p:nvPr/>
-      </p:nvGrpSpPr>
-      <p:grpSpPr>
-        <a:xfrm>
-          <a:off x="0" y="0"/>
-          <a:ext cx="0" cy="0"/>
-          <a:chOff x="0" y="0"/>
-          <a:chExt cx="0" cy="0"/>
-        </a:xfrm>
-      </p:grpSpPr>
-      <p:sp>
-        <p:nvSpPr>
-          <p:cNvPr id="2" name="Title 1">
-            <a:extLst>
-              <a:ext uri="{FF2B5EF4-FFF2-40B4-BE49-F238E27FC236}">
-                <a16:creationId xmlns:a16="http://schemas.microsoft.com/office/drawing/2014/main" id="{2212479E-ACAA-42B2-A294-092E201A3318}"/>
-              </a:ext>
-            </a:extLst>
-          </p:cNvPr>
-          <p:cNvSpPr>
-            <a:spLocks noGrp="1"/>
-          </p:cNvSpPr>
-          <p:nvPr>
-            <p:ph type="title"/>
-          </p:nvPr>
-        </p:nvSpPr>
-        <p:spPr>
-          <a:xfrm>
-            <a:off x="838200" y="365125"/>
-            <a:ext cx="10515600" cy="1325563"/>
-          </a:xfrm>
-        </p:spPr>
-        <p:txBody>
-          <a:bodyPr/>
-          <a:lstStyle/>
-          <a:p>
-            <a:r>
-              <a:rPr lang="en-US" dirty="0">
-                <a:solidFill>
-                  <a:srgbClr val="FF0000"/>
-                </a:solidFill>
-                <a:latin typeface="Algerian" panose="04020705040A02060702" pitchFamily="82" charset="0"/>
-              </a:rPr>
-              <a:t>The Business Part of Framework </a:t>
-            </a:r>
-          </a:p>
-        </p:txBody>
-      </p:sp>
-      <p:sp>
-        <p:nvSpPr>
-          <p:cNvPr id="3" name="Content Placeholder 2">
-            <a:extLst>
-              <a:ext uri="{FF2B5EF4-FFF2-40B4-BE49-F238E27FC236}">
-                <a16:creationId xmlns:a16="http://schemas.microsoft.com/office/drawing/2014/main" id="{A90FDFD2-502C-4F48-9A82-0746A287A19C}"/>
-              </a:ext>
-            </a:extLst>
-          </p:cNvPr>
-          <p:cNvSpPr>
-            <a:spLocks noGrp="1"/>
-          </p:cNvSpPr>
-          <p:nvPr>
-            <p:ph sz="half" idx="1"/>
-          </p:nvPr>
-        </p:nvSpPr>
-        <p:spPr>
-          <a:xfrm>
-            <a:off x="838200" y="1825625"/>
-            <a:ext cx="5181600" cy="4351338"/>
-          </a:xfrm>
-        </p:spPr>
-        <p:txBody>
-          <a:bodyPr>
-            <a:normAutofit lnSpcReduction="10000"/>
-          </a:bodyPr>
-          <a:lstStyle/>
-          <a:p>
-            <a:r>
-              <a:rPr lang="en-US" dirty="0">
-                <a:latin typeface="Times New Roman" panose="02020603050405020304" pitchFamily="18" charset="0"/>
-                <a:cs typeface="Times New Roman" panose="02020603050405020304" pitchFamily="18" charset="0"/>
-              </a:rPr>
-              <a:t>The business part of the framework contains only the application part which will use or Framework.</a:t>
-            </a:r>
-          </a:p>
-          <a:p>
-            <a:r>
-              <a:rPr lang="en-US" dirty="0">
-                <a:latin typeface="Times New Roman" panose="02020603050405020304" pitchFamily="18" charset="0"/>
-                <a:cs typeface="Times New Roman" panose="02020603050405020304" pitchFamily="18" charset="0"/>
-              </a:rPr>
-              <a:t>The business is the Application part of our project which contains, </a:t>
-            </a:r>
-          </a:p>
-          <a:p>
-            <a:r>
-              <a:rPr lang="en-US" dirty="0">
-                <a:solidFill>
-                  <a:srgbClr val="00B0F0"/>
-                </a:solidFill>
-                <a:latin typeface="Times New Roman" panose="02020603050405020304" pitchFamily="18" charset="0"/>
-                <a:cs typeface="Times New Roman" panose="02020603050405020304" pitchFamily="18" charset="0"/>
-              </a:rPr>
-              <a:t>Address, Person, Autor, Library Member, Checkout Entry, Checkout Record, Book, Bookcopy.</a:t>
-            </a:r>
-          </a:p>
-          <a:p>
-            <a:endParaRPr lang="en-US" dirty="0">
-              <a:latin typeface="Times New Roman" panose="02020603050405020304" pitchFamily="18" charset="0"/>
-              <a:cs typeface="Times New Roman" panose="02020603050405020304" pitchFamily="18" charset="0"/>
-            </a:endParaRPr>
-          </a:p>
-        </p:txBody>
-      </p:sp>
-      <p:pic>
-        <p:nvPicPr>
-          <p:cNvPr id="6" name="Content Placeholder 5" descr="A close up of a map&#10;&#10;Description automatically generated">
-            <a:extLst>
-              <a:ext uri="{FF2B5EF4-FFF2-40B4-BE49-F238E27FC236}">
-                <a16:creationId xmlns:a16="http://schemas.microsoft.com/office/drawing/2014/main" id="{DDCE5871-9C38-45AF-A397-4169D73F5420}"/>
-              </a:ext>
-            </a:extLst>
-          </p:cNvPr>
-          <p:cNvPicPr>
-            <a:picLocks noGrp="1" noChangeAspect="1"/>
-          </p:cNvPicPr>
-          <p:nvPr>
-            <p:ph sz="half" idx="2"/>
-          </p:nvPr>
-        </p:nvPicPr>
-        <p:blipFill>
-          <a:blip r:embed="rId2">
-            <a:extLst>
-              <a:ext uri="{28A0092B-C50C-407E-A947-70E740481C1C}">
-                <a14:useLocalDpi xmlns:a14="http://schemas.microsoft.com/office/drawing/2010/main" val="0"/>
-              </a:ext>
-            </a:extLst>
-          </a:blip>
-          <a:stretch>
-            <a:fillRect/>
-          </a:stretch>
-        </p:blipFill>
-        <p:spPr>
-          <a:xfrm>
-            <a:off x="6172200" y="1995941"/>
-            <a:ext cx="5181600" cy="4010706"/>
-          </a:xfrm>
-        </p:spPr>
-      </p:pic>
-    </p:spTree>
-    <p:extLst>
-      <p:ext uri="{BB962C8B-B14F-4D97-AF65-F5344CB8AC3E}">
-        <p14:creationId xmlns:p14="http://schemas.microsoft.com/office/powerpoint/2010/main" val="3362754043"/>
-      </p:ext>
-    </p:extLst>
-  </p:cSld>
-  <p:clrMapOvr>
-    <a:masterClrMapping/>
-  </p:clrMapOvr>
-</p:sld>
-</file>
-
 <file path=ppt/slides/slide6.xml><?xml version="1.0" encoding="utf-8"?>
 <p:sld xmlns:a="http://schemas.openxmlformats.org/drawingml/2006/main" xmlns:r="http://schemas.openxmlformats.org/officeDocument/2006/relationships" xmlns:p="http://schemas.openxmlformats.org/presentationml/2006/main">
   <p:cSld>
@@ -6496,14 +7050,6 @@
 <file path=ppt/slides/slide7.xml><?xml version="1.0" encoding="utf-8"?>
 <p:sld xmlns:a="http://schemas.openxmlformats.org/drawingml/2006/main" xmlns:r="http://schemas.openxmlformats.org/officeDocument/2006/relationships" xmlns:p="http://schemas.openxmlformats.org/presentationml/2006/main">
   <p:cSld>
-    <p:bg>
-      <p:bgPr>
-        <a:solidFill>
-          <a:schemeClr val="bg1"/>
-        </a:solidFill>
-        <a:effectLst/>
-      </p:bgPr>
-    </p:bg>
     <p:spTree>
       <p:nvGrpSpPr>
         <p:cNvPr id="1" name=""/>
@@ -6518,2478 +7064,30 @@
           <a:chExt cx="0" cy="0"/>
         </a:xfrm>
       </p:grpSpPr>
-      <p:sp useBgFill="1">
-        <p:nvSpPr>
-          <p:cNvPr id="43" name="Rectangle 18">
-            <a:extLst>
-              <a:ext uri="{FF2B5EF4-FFF2-40B4-BE49-F238E27FC236}">
-                <a16:creationId xmlns:a16="http://schemas.microsoft.com/office/drawing/2014/main" id="{41F5D10F-E683-48AF-9F3D-8B027C441576}"/>
-              </a:ext>
-              <a:ext uri="{C183D7F6-B498-43B3-948B-1728B52AA6E4}">
-                <adec:decorative xmlns:adec="http://schemas.microsoft.com/office/drawing/2017/decorative" val="1"/>
-              </a:ext>
-            </a:extLst>
-          </p:cNvPr>
-          <p:cNvSpPr>
-            <a:spLocks noGrp="1" noRot="1" noChangeAspect="1" noMove="1" noResize="1" noEditPoints="1" noAdjustHandles="1" noChangeArrowheads="1" noChangeShapeType="1" noTextEdit="1"/>
-          </p:cNvSpPr>
-          <p:nvPr>
-            <p:extLst>
-              <p:ext uri="{386F3935-93C4-4BCD-93E2-E3B085C9AB24}">
-                <p16:designElem xmlns:p16="http://schemas.microsoft.com/office/powerpoint/2015/main" val="1"/>
-              </p:ext>
-            </p:extLst>
-          </p:nvPr>
-        </p:nvSpPr>
-        <p:spPr>
-          <a:xfrm>
-            <a:off x="0" y="0"/>
-            <a:ext cx="12191695" cy="6858000"/>
-          </a:xfrm>
-          <a:prstGeom prst="rect">
-            <a:avLst/>
-          </a:prstGeom>
-          <a:ln>
-            <a:noFill/>
-          </a:ln>
-        </p:spPr>
-        <p:style>
-          <a:lnRef idx="2">
-            <a:schemeClr val="accent1">
-              <a:shade val="50000"/>
-            </a:schemeClr>
-          </a:lnRef>
-          <a:fillRef idx="1">
-            <a:schemeClr val="accent1"/>
-          </a:fillRef>
-          <a:effectRef idx="0">
-            <a:schemeClr val="accent1"/>
-          </a:effectRef>
-          <a:fontRef idx="minor">
-            <a:schemeClr val="lt1"/>
-          </a:fontRef>
-        </p:style>
-        <p:txBody>
-          <a:bodyPr rtlCol="0" anchor="ctr"/>
-          <a:lstStyle/>
-          <a:p>
-            <a:pPr algn="ctr"/>
-            <a:endParaRPr lang="en-US"/>
-          </a:p>
-        </p:txBody>
-      </p:sp>
-      <p:grpSp>
-        <p:nvGrpSpPr>
-          <p:cNvPr id="45" name="Group 20">
-            <a:extLst>
-              <a:ext uri="{FF2B5EF4-FFF2-40B4-BE49-F238E27FC236}">
-                <a16:creationId xmlns:a16="http://schemas.microsoft.com/office/drawing/2014/main" id="{2F9BC050-CF20-4F0B-BB6F-A4A4774862E4}"/>
-              </a:ext>
-              <a:ext uri="{C183D7F6-B498-43B3-948B-1728B52AA6E4}">
-                <adec:decorative xmlns:adec="http://schemas.microsoft.com/office/drawing/2017/decorative" val="1"/>
-              </a:ext>
-            </a:extLst>
-          </p:cNvPr>
-          <p:cNvGrpSpPr>
-            <a:grpSpLocks noGrp="1" noUngrp="1" noRot="1" noChangeAspect="1" noMove="1" noResize="1"/>
-          </p:cNvGrpSpPr>
-          <p:nvPr>
-            <p:extLst>
-              <p:ext uri="{386F3935-93C4-4BCD-93E2-E3B085C9AB24}">
-                <p16:designElem xmlns:p16="http://schemas.microsoft.com/office/powerpoint/2015/main" val="1"/>
-              </p:ext>
-            </p:extLst>
-          </p:nvPr>
-        </p:nvGrpSpPr>
-        <p:grpSpPr>
-          <a:xfrm>
-            <a:off x="-417513" y="0"/>
-            <a:ext cx="12584114" cy="6853238"/>
-            <a:chOff x="-417513" y="0"/>
-            <a:chExt cx="12584114" cy="6853238"/>
-          </a:xfrm>
-        </p:grpSpPr>
-        <p:sp>
-          <p:nvSpPr>
-            <p:cNvPr id="22" name="Freeform 5">
-              <a:extLst>
-                <a:ext uri="{FF2B5EF4-FFF2-40B4-BE49-F238E27FC236}">
-                  <a16:creationId xmlns:a16="http://schemas.microsoft.com/office/drawing/2014/main" id="{B2380829-74FF-4F4E-A02B-2A0216F77DF7}"/>
-                </a:ext>
-                <a:ext uri="{C183D7F6-B498-43B3-948B-1728B52AA6E4}">
-                  <adec:decorative xmlns:adec="http://schemas.microsoft.com/office/drawing/2017/decorative" val="1"/>
-                </a:ext>
-              </a:extLst>
-            </p:cNvPr>
-            <p:cNvSpPr>
-              <a:spLocks/>
-            </p:cNvSpPr>
-            <p:nvPr>
-              <p:extLst>
-                <p:ext uri="{386F3935-93C4-4BCD-93E2-E3B085C9AB24}">
-                  <p16:designElem xmlns:p16="http://schemas.microsoft.com/office/powerpoint/2015/main" val="1"/>
-                </p:ext>
-              </p:extLst>
-            </p:nvPr>
-          </p:nvSpPr>
-          <p:spPr bwMode="auto">
-            <a:xfrm>
-              <a:off x="1306513" y="0"/>
-              <a:ext cx="3862388" cy="6843713"/>
-            </a:xfrm>
-            <a:custGeom>
-              <a:avLst/>
-              <a:gdLst>
-                <a:gd name="T0" fmla="*/ 813 w 813"/>
-                <a:gd name="T1" fmla="*/ 0 h 1440"/>
-                <a:gd name="T2" fmla="*/ 435 w 813"/>
-                <a:gd name="T3" fmla="*/ 1440 h 1440"/>
-              </a:gdLst>
-              <a:ahLst/>
-              <a:cxnLst>
-                <a:cxn ang="0">
-                  <a:pos x="T0" y="T1"/>
-                </a:cxn>
-                <a:cxn ang="0">
-                  <a:pos x="T2" y="T3"/>
-                </a:cxn>
-              </a:cxnLst>
-              <a:rect l="0" t="0" r="r" b="b"/>
-              <a:pathLst>
-                <a:path w="813" h="1440">
-                  <a:moveTo>
-                    <a:pt x="813" y="0"/>
-                  </a:moveTo>
-                  <a:cubicBezTo>
-                    <a:pt x="331" y="221"/>
-                    <a:pt x="0" y="1039"/>
-                    <a:pt x="435" y="1440"/>
-                  </a:cubicBezTo>
-                </a:path>
-              </a:pathLst>
-            </a:custGeom>
-            <a:noFill/>
-            <a:ln w="9525" cap="flat">
-              <a:solidFill>
-                <a:schemeClr val="tx1">
-                  <a:alpha val="20000"/>
-                </a:schemeClr>
-              </a:solidFill>
-              <a:prstDash val="solid"/>
-              <a:miter lim="800000"/>
-              <a:headEnd/>
-              <a:tailEnd/>
-            </a:ln>
-            <a:extLst>
-              <a:ext uri="{909E8E84-426E-40DD-AFC4-6F175D3DCCD1}">
-                <a14:hiddenFill xmlns:a14="http://schemas.microsoft.com/office/drawing/2010/main">
-                  <a:solidFill>
-                    <a:srgbClr val="FFFFFF"/>
-                  </a:solidFill>
-                </a14:hiddenFill>
-              </a:ext>
-            </a:extLst>
-          </p:spPr>
-          <p:txBody>
-            <a:bodyPr vert="horz" wrap="square" lIns="91440" tIns="45720" rIns="91440" bIns="45720" numCol="1" anchor="t" anchorCtr="0" compatLnSpc="1">
-              <a:prstTxWarp prst="textNoShape">
-                <a:avLst/>
-              </a:prstTxWarp>
-            </a:bodyPr>
-            <a:lstStyle/>
-            <a:p>
-              <a:endParaRPr lang="en-US"/>
-            </a:p>
-          </p:txBody>
-        </p:sp>
-        <p:sp>
-          <p:nvSpPr>
-            <p:cNvPr id="47" name="Freeform 6">
-              <a:extLst>
-                <a:ext uri="{FF2B5EF4-FFF2-40B4-BE49-F238E27FC236}">
-                  <a16:creationId xmlns:a16="http://schemas.microsoft.com/office/drawing/2014/main" id="{3730642F-4585-48C7-9493-40BD544E9F30}"/>
-                </a:ext>
-                <a:ext uri="{C183D7F6-B498-43B3-948B-1728B52AA6E4}">
-                  <adec:decorative xmlns:adec="http://schemas.microsoft.com/office/drawing/2017/decorative" val="1"/>
-                </a:ext>
-              </a:extLst>
-            </p:cNvPr>
-            <p:cNvSpPr>
-              <a:spLocks/>
-            </p:cNvSpPr>
-            <p:nvPr>
-              <p:extLst>
-                <p:ext uri="{386F3935-93C4-4BCD-93E2-E3B085C9AB24}">
-                  <p16:designElem xmlns:p16="http://schemas.microsoft.com/office/powerpoint/2015/main" val="1"/>
-                </p:ext>
-              </p:extLst>
-            </p:nvPr>
-          </p:nvSpPr>
-          <p:spPr bwMode="auto">
-            <a:xfrm>
-              <a:off x="10626725" y="9525"/>
-              <a:ext cx="1539875" cy="555625"/>
-            </a:xfrm>
-            <a:custGeom>
-              <a:avLst/>
-              <a:gdLst>
-                <a:gd name="T0" fmla="*/ 324 w 324"/>
-                <a:gd name="T1" fmla="*/ 117 h 117"/>
-                <a:gd name="T2" fmla="*/ 0 w 324"/>
-                <a:gd name="T3" fmla="*/ 0 h 117"/>
-              </a:gdLst>
-              <a:ahLst/>
-              <a:cxnLst>
-                <a:cxn ang="0">
-                  <a:pos x="T0" y="T1"/>
-                </a:cxn>
-                <a:cxn ang="0">
-                  <a:pos x="T2" y="T3"/>
-                </a:cxn>
-              </a:cxnLst>
-              <a:rect l="0" t="0" r="r" b="b"/>
-              <a:pathLst>
-                <a:path w="324" h="117">
-                  <a:moveTo>
-                    <a:pt x="324" y="117"/>
-                  </a:moveTo>
-                  <a:cubicBezTo>
-                    <a:pt x="223" y="64"/>
-                    <a:pt x="107" y="28"/>
-                    <a:pt x="0" y="0"/>
-                  </a:cubicBezTo>
-                </a:path>
-              </a:pathLst>
-            </a:custGeom>
-            <a:noFill/>
-            <a:ln w="9525" cap="flat">
-              <a:solidFill>
-                <a:schemeClr val="tx1">
-                  <a:alpha val="20000"/>
-                </a:schemeClr>
-              </a:solidFill>
-              <a:prstDash val="solid"/>
-              <a:miter lim="800000"/>
-              <a:headEnd/>
-              <a:tailEnd/>
-            </a:ln>
-            <a:extLst>
-              <a:ext uri="{909E8E84-426E-40DD-AFC4-6F175D3DCCD1}">
-                <a14:hiddenFill xmlns:a14="http://schemas.microsoft.com/office/drawing/2010/main">
-                  <a:solidFill>
-                    <a:srgbClr val="FFFFFF"/>
-                  </a:solidFill>
-                </a14:hiddenFill>
-              </a:ext>
-            </a:extLst>
-          </p:spPr>
-          <p:txBody>
-            <a:bodyPr vert="horz" wrap="square" lIns="91440" tIns="45720" rIns="91440" bIns="45720" numCol="1" anchor="t" anchorCtr="0" compatLnSpc="1">
-              <a:prstTxWarp prst="textNoShape">
-                <a:avLst/>
-              </a:prstTxWarp>
-            </a:bodyPr>
-            <a:lstStyle/>
-            <a:p>
-              <a:endParaRPr lang="en-US"/>
-            </a:p>
-          </p:txBody>
-        </p:sp>
-        <p:sp>
-          <p:nvSpPr>
-            <p:cNvPr id="24" name="Freeform 7">
-              <a:extLst>
-                <a:ext uri="{FF2B5EF4-FFF2-40B4-BE49-F238E27FC236}">
-                  <a16:creationId xmlns:a16="http://schemas.microsoft.com/office/drawing/2014/main" id="{13DC1C73-7342-49DB-9A8C-B3CE5E2AD4C4}"/>
-                </a:ext>
-                <a:ext uri="{C183D7F6-B498-43B3-948B-1728B52AA6E4}">
-                  <adec:decorative xmlns:adec="http://schemas.microsoft.com/office/drawing/2017/decorative" val="1"/>
-                </a:ext>
-              </a:extLst>
-            </p:cNvPr>
-            <p:cNvSpPr>
-              <a:spLocks/>
-            </p:cNvSpPr>
-            <p:nvPr>
-              <p:extLst>
-                <p:ext uri="{386F3935-93C4-4BCD-93E2-E3B085C9AB24}">
-                  <p16:designElem xmlns:p16="http://schemas.microsoft.com/office/powerpoint/2015/main" val="1"/>
-                </p:ext>
-              </p:extLst>
-            </p:nvPr>
-          </p:nvSpPr>
-          <p:spPr bwMode="auto">
-            <a:xfrm>
-              <a:off x="10247313" y="5013325"/>
-              <a:ext cx="1919288" cy="1830388"/>
-            </a:xfrm>
-            <a:custGeom>
-              <a:avLst/>
-              <a:gdLst>
-                <a:gd name="T0" fmla="*/ 0 w 404"/>
-                <a:gd name="T1" fmla="*/ 385 h 385"/>
-                <a:gd name="T2" fmla="*/ 404 w 404"/>
-                <a:gd name="T3" fmla="*/ 0 h 385"/>
-              </a:gdLst>
-              <a:ahLst/>
-              <a:cxnLst>
-                <a:cxn ang="0">
-                  <a:pos x="T0" y="T1"/>
-                </a:cxn>
-                <a:cxn ang="0">
-                  <a:pos x="T2" y="T3"/>
-                </a:cxn>
-              </a:cxnLst>
-              <a:rect l="0" t="0" r="r" b="b"/>
-              <a:pathLst>
-                <a:path w="404" h="385">
-                  <a:moveTo>
-                    <a:pt x="0" y="385"/>
-                  </a:moveTo>
-                  <a:cubicBezTo>
-                    <a:pt x="146" y="272"/>
-                    <a:pt x="285" y="142"/>
-                    <a:pt x="404" y="0"/>
-                  </a:cubicBezTo>
-                </a:path>
-              </a:pathLst>
-            </a:custGeom>
-            <a:noFill/>
-            <a:ln w="9525" cap="flat">
-              <a:solidFill>
-                <a:schemeClr val="tx1">
-                  <a:alpha val="20000"/>
-                </a:schemeClr>
-              </a:solidFill>
-              <a:prstDash val="solid"/>
-              <a:miter lim="800000"/>
-              <a:headEnd/>
-              <a:tailEnd/>
-            </a:ln>
-            <a:extLst>
-              <a:ext uri="{909E8E84-426E-40DD-AFC4-6F175D3DCCD1}">
-                <a14:hiddenFill xmlns:a14="http://schemas.microsoft.com/office/drawing/2010/main">
-                  <a:solidFill>
-                    <a:srgbClr val="FFFFFF"/>
-                  </a:solidFill>
-                </a14:hiddenFill>
-              </a:ext>
-            </a:extLst>
-          </p:spPr>
-          <p:txBody>
-            <a:bodyPr vert="horz" wrap="square" lIns="91440" tIns="45720" rIns="91440" bIns="45720" numCol="1" anchor="t" anchorCtr="0" compatLnSpc="1">
-              <a:prstTxWarp prst="textNoShape">
-                <a:avLst/>
-              </a:prstTxWarp>
-            </a:bodyPr>
-            <a:lstStyle/>
-            <a:p>
-              <a:endParaRPr lang="en-US"/>
-            </a:p>
-          </p:txBody>
-        </p:sp>
-        <p:sp>
-          <p:nvSpPr>
-            <p:cNvPr id="25" name="Freeform 8">
-              <a:extLst>
-                <a:ext uri="{FF2B5EF4-FFF2-40B4-BE49-F238E27FC236}">
-                  <a16:creationId xmlns:a16="http://schemas.microsoft.com/office/drawing/2014/main" id="{38E8072E-5F3C-4B39-9B24-2A039F7C733B}"/>
-                </a:ext>
-                <a:ext uri="{C183D7F6-B498-43B3-948B-1728B52AA6E4}">
-                  <adec:decorative xmlns:adec="http://schemas.microsoft.com/office/drawing/2017/decorative" val="1"/>
-                </a:ext>
-              </a:extLst>
-            </p:cNvPr>
-            <p:cNvSpPr>
-              <a:spLocks/>
-            </p:cNvSpPr>
-            <p:nvPr>
-              <p:extLst>
-                <p:ext uri="{386F3935-93C4-4BCD-93E2-E3B085C9AB24}">
-                  <p16:designElem xmlns:p16="http://schemas.microsoft.com/office/powerpoint/2015/main" val="1"/>
-                </p:ext>
-              </p:extLst>
-            </p:nvPr>
-          </p:nvSpPr>
-          <p:spPr bwMode="auto">
-            <a:xfrm>
-              <a:off x="1120775" y="0"/>
-              <a:ext cx="3676650" cy="6843713"/>
-            </a:xfrm>
-            <a:custGeom>
-              <a:avLst/>
-              <a:gdLst>
-                <a:gd name="T0" fmla="*/ 774 w 774"/>
-                <a:gd name="T1" fmla="*/ 0 h 1440"/>
-                <a:gd name="T2" fmla="*/ 411 w 774"/>
-                <a:gd name="T3" fmla="*/ 1440 h 1440"/>
-              </a:gdLst>
-              <a:ahLst/>
-              <a:cxnLst>
-                <a:cxn ang="0">
-                  <a:pos x="T0" y="T1"/>
-                </a:cxn>
-                <a:cxn ang="0">
-                  <a:pos x="T2" y="T3"/>
-                </a:cxn>
-              </a:cxnLst>
-              <a:rect l="0" t="0" r="r" b="b"/>
-              <a:pathLst>
-                <a:path w="774" h="1440">
-                  <a:moveTo>
-                    <a:pt x="774" y="0"/>
-                  </a:moveTo>
-                  <a:cubicBezTo>
-                    <a:pt x="312" y="240"/>
-                    <a:pt x="0" y="1034"/>
-                    <a:pt x="411" y="1440"/>
-                  </a:cubicBezTo>
-                </a:path>
-              </a:pathLst>
-            </a:custGeom>
-            <a:noFill/>
-            <a:ln w="9525" cap="flat">
-              <a:solidFill>
-                <a:schemeClr val="tx1">
-                  <a:alpha val="20000"/>
-                </a:schemeClr>
-              </a:solidFill>
-              <a:prstDash val="dash"/>
-              <a:miter lim="800000"/>
-              <a:headEnd/>
-              <a:tailEnd/>
-            </a:ln>
-            <a:extLst>
-              <a:ext uri="{909E8E84-426E-40DD-AFC4-6F175D3DCCD1}">
-                <a14:hiddenFill xmlns:a14="http://schemas.microsoft.com/office/drawing/2010/main">
-                  <a:solidFill>
-                    <a:srgbClr val="FFFFFF"/>
-                  </a:solidFill>
-                </a14:hiddenFill>
-              </a:ext>
-            </a:extLst>
-          </p:spPr>
-          <p:txBody>
-            <a:bodyPr vert="horz" wrap="square" lIns="91440" tIns="45720" rIns="91440" bIns="45720" numCol="1" anchor="t" anchorCtr="0" compatLnSpc="1">
-              <a:prstTxWarp prst="textNoShape">
-                <a:avLst/>
-              </a:prstTxWarp>
-            </a:bodyPr>
-            <a:lstStyle/>
-            <a:p>
-              <a:endParaRPr lang="en-US"/>
-            </a:p>
-          </p:txBody>
-        </p:sp>
-        <p:sp>
-          <p:nvSpPr>
-            <p:cNvPr id="26" name="Freeform 9">
-              <a:extLst>
-                <a:ext uri="{FF2B5EF4-FFF2-40B4-BE49-F238E27FC236}">
-                  <a16:creationId xmlns:a16="http://schemas.microsoft.com/office/drawing/2014/main" id="{4062AC30-9CDB-43AC-98FF-310A3444F3B3}"/>
-                </a:ext>
-                <a:ext uri="{C183D7F6-B498-43B3-948B-1728B52AA6E4}">
-                  <adec:decorative xmlns:adec="http://schemas.microsoft.com/office/drawing/2017/decorative" val="1"/>
-                </a:ext>
-              </a:extLst>
-            </p:cNvPr>
-            <p:cNvSpPr>
-              <a:spLocks/>
-            </p:cNvSpPr>
-            <p:nvPr>
-              <p:extLst>
-                <p:ext uri="{386F3935-93C4-4BCD-93E2-E3B085C9AB24}">
-                  <p16:designElem xmlns:p16="http://schemas.microsoft.com/office/powerpoint/2015/main" val="1"/>
-                </p:ext>
-              </p:extLst>
-            </p:nvPr>
-          </p:nvSpPr>
-          <p:spPr bwMode="auto">
-            <a:xfrm>
-              <a:off x="11202988" y="9525"/>
-              <a:ext cx="963613" cy="366713"/>
-            </a:xfrm>
-            <a:custGeom>
-              <a:avLst/>
-              <a:gdLst>
-                <a:gd name="T0" fmla="*/ 203 w 203"/>
-                <a:gd name="T1" fmla="*/ 77 h 77"/>
-                <a:gd name="T2" fmla="*/ 0 w 203"/>
-                <a:gd name="T3" fmla="*/ 0 h 77"/>
-              </a:gdLst>
-              <a:ahLst/>
-              <a:cxnLst>
-                <a:cxn ang="0">
-                  <a:pos x="T0" y="T1"/>
-                </a:cxn>
-                <a:cxn ang="0">
-                  <a:pos x="T2" y="T3"/>
-                </a:cxn>
-              </a:cxnLst>
-              <a:rect l="0" t="0" r="r" b="b"/>
-              <a:pathLst>
-                <a:path w="203" h="77">
-                  <a:moveTo>
-                    <a:pt x="203" y="77"/>
-                  </a:moveTo>
-                  <a:cubicBezTo>
-                    <a:pt x="138" y="46"/>
-                    <a:pt x="68" y="21"/>
-                    <a:pt x="0" y="0"/>
-                  </a:cubicBezTo>
-                </a:path>
-              </a:pathLst>
-            </a:custGeom>
-            <a:noFill/>
-            <a:ln w="9525" cap="flat">
-              <a:solidFill>
-                <a:schemeClr val="tx1">
-                  <a:alpha val="20000"/>
-                </a:schemeClr>
-              </a:solidFill>
-              <a:prstDash val="dash"/>
-              <a:miter lim="800000"/>
-              <a:headEnd/>
-              <a:tailEnd/>
-            </a:ln>
-            <a:extLst>
-              <a:ext uri="{909E8E84-426E-40DD-AFC4-6F175D3DCCD1}">
-                <a14:hiddenFill xmlns:a14="http://schemas.microsoft.com/office/drawing/2010/main">
-                  <a:solidFill>
-                    <a:srgbClr val="FFFFFF"/>
-                  </a:solidFill>
-                </a14:hiddenFill>
-              </a:ext>
-            </a:extLst>
-          </p:spPr>
-          <p:txBody>
-            <a:bodyPr vert="horz" wrap="square" lIns="91440" tIns="45720" rIns="91440" bIns="45720" numCol="1" anchor="t" anchorCtr="0" compatLnSpc="1">
-              <a:prstTxWarp prst="textNoShape">
-                <a:avLst/>
-              </a:prstTxWarp>
-            </a:bodyPr>
-            <a:lstStyle/>
-            <a:p>
-              <a:endParaRPr lang="en-US"/>
-            </a:p>
-          </p:txBody>
-        </p:sp>
-        <p:sp>
-          <p:nvSpPr>
-            <p:cNvPr id="27" name="Freeform 10">
-              <a:extLst>
-                <a:ext uri="{FF2B5EF4-FFF2-40B4-BE49-F238E27FC236}">
-                  <a16:creationId xmlns:a16="http://schemas.microsoft.com/office/drawing/2014/main" id="{6850AC42-5EE3-4B8D-9F1F-0835CB067C07}"/>
-                </a:ext>
-                <a:ext uri="{C183D7F6-B498-43B3-948B-1728B52AA6E4}">
-                  <adec:decorative xmlns:adec="http://schemas.microsoft.com/office/drawing/2017/decorative" val="1"/>
-                </a:ext>
-              </a:extLst>
-            </p:cNvPr>
-            <p:cNvSpPr>
-              <a:spLocks/>
-            </p:cNvSpPr>
-            <p:nvPr>
-              <p:extLst>
-                <p:ext uri="{386F3935-93C4-4BCD-93E2-E3B085C9AB24}">
-                  <p16:designElem xmlns:p16="http://schemas.microsoft.com/office/powerpoint/2015/main" val="1"/>
-                </p:ext>
-              </p:extLst>
-            </p:nvPr>
-          </p:nvSpPr>
-          <p:spPr bwMode="auto">
-            <a:xfrm>
-              <a:off x="10494963" y="5275263"/>
-              <a:ext cx="1666875" cy="1577975"/>
-            </a:xfrm>
-            <a:custGeom>
-              <a:avLst/>
-              <a:gdLst>
-                <a:gd name="T0" fmla="*/ 0 w 351"/>
-                <a:gd name="T1" fmla="*/ 332 h 332"/>
-                <a:gd name="T2" fmla="*/ 351 w 351"/>
-                <a:gd name="T3" fmla="*/ 0 h 332"/>
-              </a:gdLst>
-              <a:ahLst/>
-              <a:cxnLst>
-                <a:cxn ang="0">
-                  <a:pos x="T0" y="T1"/>
-                </a:cxn>
-                <a:cxn ang="0">
-                  <a:pos x="T2" y="T3"/>
-                </a:cxn>
-              </a:cxnLst>
-              <a:rect l="0" t="0" r="r" b="b"/>
-              <a:pathLst>
-                <a:path w="351" h="332">
-                  <a:moveTo>
-                    <a:pt x="0" y="332"/>
-                  </a:moveTo>
-                  <a:cubicBezTo>
-                    <a:pt x="125" y="232"/>
-                    <a:pt x="245" y="121"/>
-                    <a:pt x="351" y="0"/>
-                  </a:cubicBezTo>
-                </a:path>
-              </a:pathLst>
-            </a:custGeom>
-            <a:noFill/>
-            <a:ln w="9525" cap="flat">
-              <a:solidFill>
-                <a:schemeClr val="tx1">
-                  <a:alpha val="20000"/>
-                </a:schemeClr>
-              </a:solidFill>
-              <a:prstDash val="dash"/>
-              <a:miter lim="800000"/>
-              <a:headEnd/>
-              <a:tailEnd/>
-            </a:ln>
-            <a:extLst>
-              <a:ext uri="{909E8E84-426E-40DD-AFC4-6F175D3DCCD1}">
-                <a14:hiddenFill xmlns:a14="http://schemas.microsoft.com/office/drawing/2010/main">
-                  <a:solidFill>
-                    <a:srgbClr val="FFFFFF"/>
-                  </a:solidFill>
-                </a14:hiddenFill>
-              </a:ext>
-            </a:extLst>
-          </p:spPr>
-          <p:txBody>
-            <a:bodyPr vert="horz" wrap="square" lIns="91440" tIns="45720" rIns="91440" bIns="45720" numCol="1" anchor="t" anchorCtr="0" compatLnSpc="1">
-              <a:prstTxWarp prst="textNoShape">
-                <a:avLst/>
-              </a:prstTxWarp>
-            </a:bodyPr>
-            <a:lstStyle/>
-            <a:p>
-              <a:endParaRPr lang="en-US"/>
-            </a:p>
-          </p:txBody>
-        </p:sp>
-        <p:sp>
-          <p:nvSpPr>
-            <p:cNvPr id="28" name="Freeform 11">
-              <a:extLst>
-                <a:ext uri="{FF2B5EF4-FFF2-40B4-BE49-F238E27FC236}">
-                  <a16:creationId xmlns:a16="http://schemas.microsoft.com/office/drawing/2014/main" id="{2129323C-5E69-41BA-BEF5-EADBC7A98907}"/>
-                </a:ext>
-                <a:ext uri="{C183D7F6-B498-43B3-948B-1728B52AA6E4}">
-                  <adec:decorative xmlns:adec="http://schemas.microsoft.com/office/drawing/2017/decorative" val="1"/>
-                </a:ext>
-              </a:extLst>
-            </p:cNvPr>
-            <p:cNvSpPr>
-              <a:spLocks/>
-            </p:cNvSpPr>
-            <p:nvPr>
-              <p:extLst>
-                <p:ext uri="{386F3935-93C4-4BCD-93E2-E3B085C9AB24}">
-                  <p16:designElem xmlns:p16="http://schemas.microsoft.com/office/powerpoint/2015/main" val="1"/>
-                </p:ext>
-              </p:extLst>
-            </p:nvPr>
-          </p:nvSpPr>
-          <p:spPr bwMode="auto">
-            <a:xfrm>
-              <a:off x="1001713" y="0"/>
-              <a:ext cx="3621088" cy="6843713"/>
-            </a:xfrm>
-            <a:custGeom>
-              <a:avLst/>
-              <a:gdLst>
-                <a:gd name="T0" fmla="*/ 762 w 762"/>
-                <a:gd name="T1" fmla="*/ 0 h 1440"/>
-                <a:gd name="T2" fmla="*/ 403 w 762"/>
-                <a:gd name="T3" fmla="*/ 1440 h 1440"/>
-              </a:gdLst>
-              <a:ahLst/>
-              <a:cxnLst>
-                <a:cxn ang="0">
-                  <a:pos x="T0" y="T1"/>
-                </a:cxn>
-                <a:cxn ang="0">
-                  <a:pos x="T2" y="T3"/>
-                </a:cxn>
-              </a:cxnLst>
-              <a:rect l="0" t="0" r="r" b="b"/>
-              <a:pathLst>
-                <a:path w="762" h="1440">
-                  <a:moveTo>
-                    <a:pt x="762" y="0"/>
-                  </a:moveTo>
-                  <a:cubicBezTo>
-                    <a:pt x="308" y="245"/>
-                    <a:pt x="0" y="1033"/>
-                    <a:pt x="403" y="1440"/>
-                  </a:cubicBezTo>
-                </a:path>
-              </a:pathLst>
-            </a:custGeom>
-            <a:noFill/>
-            <a:ln w="9525" cap="flat">
-              <a:solidFill>
-                <a:schemeClr val="tx1">
-                  <a:alpha val="20000"/>
-                </a:schemeClr>
-              </a:solidFill>
-              <a:prstDash val="solid"/>
-              <a:miter lim="800000"/>
-              <a:headEnd/>
-              <a:tailEnd/>
-            </a:ln>
-            <a:extLst>
-              <a:ext uri="{909E8E84-426E-40DD-AFC4-6F175D3DCCD1}">
-                <a14:hiddenFill xmlns:a14="http://schemas.microsoft.com/office/drawing/2010/main">
-                  <a:solidFill>
-                    <a:srgbClr val="FFFFFF"/>
-                  </a:solidFill>
-                </a14:hiddenFill>
-              </a:ext>
-            </a:extLst>
-          </p:spPr>
-          <p:txBody>
-            <a:bodyPr vert="horz" wrap="square" lIns="91440" tIns="45720" rIns="91440" bIns="45720" numCol="1" anchor="t" anchorCtr="0" compatLnSpc="1">
-              <a:prstTxWarp prst="textNoShape">
-                <a:avLst/>
-              </a:prstTxWarp>
-            </a:bodyPr>
-            <a:lstStyle/>
-            <a:p>
-              <a:endParaRPr lang="en-US"/>
-            </a:p>
-          </p:txBody>
-        </p:sp>
-        <p:sp>
-          <p:nvSpPr>
-            <p:cNvPr id="29" name="Freeform 12">
-              <a:extLst>
-                <a:ext uri="{FF2B5EF4-FFF2-40B4-BE49-F238E27FC236}">
-                  <a16:creationId xmlns:a16="http://schemas.microsoft.com/office/drawing/2014/main" id="{885656C4-397F-4669-92B9-6741E543D8D1}"/>
-                </a:ext>
-                <a:ext uri="{C183D7F6-B498-43B3-948B-1728B52AA6E4}">
-                  <adec:decorative xmlns:adec="http://schemas.microsoft.com/office/drawing/2017/decorative" val="1"/>
-                </a:ext>
-              </a:extLst>
-            </p:cNvPr>
-            <p:cNvSpPr>
-              <a:spLocks/>
-            </p:cNvSpPr>
-            <p:nvPr>
-              <p:extLst>
-                <p:ext uri="{386F3935-93C4-4BCD-93E2-E3B085C9AB24}">
-                  <p16:designElem xmlns:p16="http://schemas.microsoft.com/office/powerpoint/2015/main" val="1"/>
-                </p:ext>
-              </p:extLst>
-            </p:nvPr>
-          </p:nvSpPr>
-          <p:spPr bwMode="auto">
-            <a:xfrm>
-              <a:off x="11501438" y="9525"/>
-              <a:ext cx="665163" cy="257175"/>
-            </a:xfrm>
-            <a:custGeom>
-              <a:avLst/>
-              <a:gdLst>
-                <a:gd name="T0" fmla="*/ 140 w 140"/>
-                <a:gd name="T1" fmla="*/ 54 h 54"/>
-                <a:gd name="T2" fmla="*/ 0 w 140"/>
-                <a:gd name="T3" fmla="*/ 0 h 54"/>
-              </a:gdLst>
-              <a:ahLst/>
-              <a:cxnLst>
-                <a:cxn ang="0">
-                  <a:pos x="T0" y="T1"/>
-                </a:cxn>
-                <a:cxn ang="0">
-                  <a:pos x="T2" y="T3"/>
-                </a:cxn>
-              </a:cxnLst>
-              <a:rect l="0" t="0" r="r" b="b"/>
-              <a:pathLst>
-                <a:path w="140" h="54">
-                  <a:moveTo>
-                    <a:pt x="140" y="54"/>
-                  </a:moveTo>
-                  <a:cubicBezTo>
-                    <a:pt x="95" y="34"/>
-                    <a:pt x="48" y="16"/>
-                    <a:pt x="0" y="0"/>
-                  </a:cubicBezTo>
-                </a:path>
-              </a:pathLst>
-            </a:custGeom>
-            <a:noFill/>
-            <a:ln w="9525" cap="flat">
-              <a:solidFill>
-                <a:schemeClr val="tx1">
-                  <a:alpha val="20000"/>
-                </a:schemeClr>
-              </a:solidFill>
-              <a:prstDash val="solid"/>
-              <a:miter lim="800000"/>
-              <a:headEnd/>
-              <a:tailEnd/>
-            </a:ln>
-            <a:extLst>
-              <a:ext uri="{909E8E84-426E-40DD-AFC4-6F175D3DCCD1}">
-                <a14:hiddenFill xmlns:a14="http://schemas.microsoft.com/office/drawing/2010/main">
-                  <a:solidFill>
-                    <a:srgbClr val="FFFFFF"/>
-                  </a:solidFill>
-                </a14:hiddenFill>
-              </a:ext>
-            </a:extLst>
-          </p:spPr>
-          <p:txBody>
-            <a:bodyPr vert="horz" wrap="square" lIns="91440" tIns="45720" rIns="91440" bIns="45720" numCol="1" anchor="t" anchorCtr="0" compatLnSpc="1">
-              <a:prstTxWarp prst="textNoShape">
-                <a:avLst/>
-              </a:prstTxWarp>
-            </a:bodyPr>
-            <a:lstStyle/>
-            <a:p>
-              <a:endParaRPr lang="en-US"/>
-            </a:p>
-          </p:txBody>
-        </p:sp>
-        <p:sp>
-          <p:nvSpPr>
-            <p:cNvPr id="30" name="Freeform 13">
-              <a:extLst>
-                <a:ext uri="{FF2B5EF4-FFF2-40B4-BE49-F238E27FC236}">
-                  <a16:creationId xmlns:a16="http://schemas.microsoft.com/office/drawing/2014/main" id="{34862245-C3D4-42D2-A690-E3769D6E174B}"/>
-                </a:ext>
-                <a:ext uri="{C183D7F6-B498-43B3-948B-1728B52AA6E4}">
-                  <adec:decorative xmlns:adec="http://schemas.microsoft.com/office/drawing/2017/decorative" val="1"/>
-                </a:ext>
-              </a:extLst>
-            </p:cNvPr>
-            <p:cNvSpPr>
-              <a:spLocks/>
-            </p:cNvSpPr>
-            <p:nvPr>
-              <p:extLst>
-                <p:ext uri="{386F3935-93C4-4BCD-93E2-E3B085C9AB24}">
-                  <p16:designElem xmlns:p16="http://schemas.microsoft.com/office/powerpoint/2015/main" val="1"/>
-                </p:ext>
-              </p:extLst>
-            </p:nvPr>
-          </p:nvSpPr>
-          <p:spPr bwMode="auto">
-            <a:xfrm>
-              <a:off x="10641013" y="5408613"/>
-              <a:ext cx="1525588" cy="1435100"/>
-            </a:xfrm>
-            <a:custGeom>
-              <a:avLst/>
-              <a:gdLst>
-                <a:gd name="T0" fmla="*/ 0 w 321"/>
-                <a:gd name="T1" fmla="*/ 302 h 302"/>
-                <a:gd name="T2" fmla="*/ 321 w 321"/>
-                <a:gd name="T3" fmla="*/ 0 h 302"/>
-              </a:gdLst>
-              <a:ahLst/>
-              <a:cxnLst>
-                <a:cxn ang="0">
-                  <a:pos x="T0" y="T1"/>
-                </a:cxn>
-                <a:cxn ang="0">
-                  <a:pos x="T2" y="T3"/>
-                </a:cxn>
-              </a:cxnLst>
-              <a:rect l="0" t="0" r="r" b="b"/>
-              <a:pathLst>
-                <a:path w="321" h="302">
-                  <a:moveTo>
-                    <a:pt x="0" y="302"/>
-                  </a:moveTo>
-                  <a:cubicBezTo>
-                    <a:pt x="114" y="210"/>
-                    <a:pt x="223" y="109"/>
-                    <a:pt x="321" y="0"/>
-                  </a:cubicBezTo>
-                </a:path>
-              </a:pathLst>
-            </a:custGeom>
-            <a:noFill/>
-            <a:ln w="9525" cap="flat">
-              <a:solidFill>
-                <a:schemeClr val="tx1">
-                  <a:alpha val="20000"/>
-                </a:schemeClr>
-              </a:solidFill>
-              <a:prstDash val="solid"/>
-              <a:miter lim="800000"/>
-              <a:headEnd/>
-              <a:tailEnd/>
-            </a:ln>
-            <a:extLst>
-              <a:ext uri="{909E8E84-426E-40DD-AFC4-6F175D3DCCD1}">
-                <a14:hiddenFill xmlns:a14="http://schemas.microsoft.com/office/drawing/2010/main">
-                  <a:solidFill>
-                    <a:srgbClr val="FFFFFF"/>
-                  </a:solidFill>
-                </a14:hiddenFill>
-              </a:ext>
-            </a:extLst>
-          </p:spPr>
-          <p:txBody>
-            <a:bodyPr vert="horz" wrap="square" lIns="91440" tIns="45720" rIns="91440" bIns="45720" numCol="1" anchor="t" anchorCtr="0" compatLnSpc="1">
-              <a:prstTxWarp prst="textNoShape">
-                <a:avLst/>
-              </a:prstTxWarp>
-            </a:bodyPr>
-            <a:lstStyle/>
-            <a:p>
-              <a:endParaRPr lang="en-US"/>
-            </a:p>
-          </p:txBody>
-        </p:sp>
-        <p:sp>
-          <p:nvSpPr>
-            <p:cNvPr id="31" name="Freeform 14">
-              <a:extLst>
-                <a:ext uri="{FF2B5EF4-FFF2-40B4-BE49-F238E27FC236}">
-                  <a16:creationId xmlns:a16="http://schemas.microsoft.com/office/drawing/2014/main" id="{74B4866E-8B45-4CC8-80AC-EA10DB8D3FE5}"/>
-                </a:ext>
-                <a:ext uri="{C183D7F6-B498-43B3-948B-1728B52AA6E4}">
-                  <adec:decorative xmlns:adec="http://schemas.microsoft.com/office/drawing/2017/decorative" val="1"/>
-                </a:ext>
-              </a:extLst>
-            </p:cNvPr>
-            <p:cNvSpPr>
-              <a:spLocks/>
-            </p:cNvSpPr>
-            <p:nvPr>
-              <p:extLst>
-                <p:ext uri="{386F3935-93C4-4BCD-93E2-E3B085C9AB24}">
-                  <p16:designElem xmlns:p16="http://schemas.microsoft.com/office/powerpoint/2015/main" val="1"/>
-                </p:ext>
-              </p:extLst>
-            </p:nvPr>
-          </p:nvSpPr>
-          <p:spPr bwMode="auto">
-            <a:xfrm>
-              <a:off x="1001713" y="0"/>
-              <a:ext cx="3244850" cy="6843713"/>
-            </a:xfrm>
-            <a:custGeom>
-              <a:avLst/>
-              <a:gdLst>
-                <a:gd name="T0" fmla="*/ 683 w 683"/>
-                <a:gd name="T1" fmla="*/ 0 h 1440"/>
-                <a:gd name="T2" fmla="*/ 355 w 683"/>
-                <a:gd name="T3" fmla="*/ 1440 h 1440"/>
-              </a:gdLst>
-              <a:ahLst/>
-              <a:cxnLst>
-                <a:cxn ang="0">
-                  <a:pos x="T0" y="T1"/>
-                </a:cxn>
-                <a:cxn ang="0">
-                  <a:pos x="T2" y="T3"/>
-                </a:cxn>
-              </a:cxnLst>
-              <a:rect l="0" t="0" r="r" b="b"/>
-              <a:pathLst>
-                <a:path w="683" h="1440">
-                  <a:moveTo>
-                    <a:pt x="683" y="0"/>
-                  </a:moveTo>
-                  <a:cubicBezTo>
-                    <a:pt x="258" y="256"/>
-                    <a:pt x="0" y="1041"/>
-                    <a:pt x="355" y="1440"/>
-                  </a:cubicBezTo>
-                </a:path>
-              </a:pathLst>
-            </a:custGeom>
-            <a:noFill/>
-            <a:ln w="9525" cap="flat">
-              <a:solidFill>
-                <a:schemeClr val="tx1">
-                  <a:alpha val="20000"/>
-                </a:schemeClr>
-              </a:solidFill>
-              <a:prstDash val="solid"/>
-              <a:miter lim="800000"/>
-              <a:headEnd/>
-              <a:tailEnd/>
-            </a:ln>
-            <a:extLst>
-              <a:ext uri="{909E8E84-426E-40DD-AFC4-6F175D3DCCD1}">
-                <a14:hiddenFill xmlns:a14="http://schemas.microsoft.com/office/drawing/2010/main">
-                  <a:solidFill>
-                    <a:srgbClr val="FFFFFF"/>
-                  </a:solidFill>
-                </a14:hiddenFill>
-              </a:ext>
-            </a:extLst>
-          </p:spPr>
-          <p:txBody>
-            <a:bodyPr vert="horz" wrap="square" lIns="91440" tIns="45720" rIns="91440" bIns="45720" numCol="1" anchor="t" anchorCtr="0" compatLnSpc="1">
-              <a:prstTxWarp prst="textNoShape">
-                <a:avLst/>
-              </a:prstTxWarp>
-            </a:bodyPr>
-            <a:lstStyle/>
-            <a:p>
-              <a:endParaRPr lang="en-US"/>
-            </a:p>
-          </p:txBody>
-        </p:sp>
-        <p:sp>
-          <p:nvSpPr>
-            <p:cNvPr id="32" name="Freeform 15">
-              <a:extLst>
-                <a:ext uri="{FF2B5EF4-FFF2-40B4-BE49-F238E27FC236}">
-                  <a16:creationId xmlns:a16="http://schemas.microsoft.com/office/drawing/2014/main" id="{BA2DE150-D734-401A-AD12-A2AD93740C7E}"/>
-                </a:ext>
-                <a:ext uri="{C183D7F6-B498-43B3-948B-1728B52AA6E4}">
-                  <adec:decorative xmlns:adec="http://schemas.microsoft.com/office/drawing/2017/decorative" val="1"/>
-                </a:ext>
-              </a:extLst>
-            </p:cNvPr>
-            <p:cNvSpPr>
-              <a:spLocks/>
-            </p:cNvSpPr>
-            <p:nvPr>
-              <p:extLst>
-                <p:ext uri="{386F3935-93C4-4BCD-93E2-E3B085C9AB24}">
-                  <p16:designElem xmlns:p16="http://schemas.microsoft.com/office/powerpoint/2015/main" val="1"/>
-                </p:ext>
-              </p:extLst>
-            </p:nvPr>
-          </p:nvSpPr>
-          <p:spPr bwMode="auto">
-            <a:xfrm>
-              <a:off x="10802938" y="5518150"/>
-              <a:ext cx="1363663" cy="1325563"/>
-            </a:xfrm>
-            <a:custGeom>
-              <a:avLst/>
-              <a:gdLst>
-                <a:gd name="T0" fmla="*/ 0 w 287"/>
-                <a:gd name="T1" fmla="*/ 279 h 279"/>
-                <a:gd name="T2" fmla="*/ 287 w 287"/>
-                <a:gd name="T3" fmla="*/ 0 h 279"/>
-              </a:gdLst>
-              <a:ahLst/>
-              <a:cxnLst>
-                <a:cxn ang="0">
-                  <a:pos x="T0" y="T1"/>
-                </a:cxn>
-                <a:cxn ang="0">
-                  <a:pos x="T2" y="T3"/>
-                </a:cxn>
-              </a:cxnLst>
-              <a:rect l="0" t="0" r="r" b="b"/>
-              <a:pathLst>
-                <a:path w="287" h="279">
-                  <a:moveTo>
-                    <a:pt x="0" y="279"/>
-                  </a:moveTo>
-                  <a:cubicBezTo>
-                    <a:pt x="101" y="193"/>
-                    <a:pt x="198" y="100"/>
-                    <a:pt x="287" y="0"/>
-                  </a:cubicBezTo>
-                </a:path>
-              </a:pathLst>
-            </a:custGeom>
-            <a:noFill/>
-            <a:ln w="9525" cap="flat">
-              <a:solidFill>
-                <a:schemeClr val="tx1">
-                  <a:alpha val="20000"/>
-                </a:schemeClr>
-              </a:solidFill>
-              <a:prstDash val="solid"/>
-              <a:miter lim="800000"/>
-              <a:headEnd/>
-              <a:tailEnd/>
-            </a:ln>
-            <a:extLst>
-              <a:ext uri="{909E8E84-426E-40DD-AFC4-6F175D3DCCD1}">
-                <a14:hiddenFill xmlns:a14="http://schemas.microsoft.com/office/drawing/2010/main">
-                  <a:solidFill>
-                    <a:srgbClr val="FFFFFF"/>
-                  </a:solidFill>
-                </a14:hiddenFill>
-              </a:ext>
-            </a:extLst>
-          </p:spPr>
-          <p:txBody>
-            <a:bodyPr vert="horz" wrap="square" lIns="91440" tIns="45720" rIns="91440" bIns="45720" numCol="1" anchor="t" anchorCtr="0" compatLnSpc="1">
-              <a:prstTxWarp prst="textNoShape">
-                <a:avLst/>
-              </a:prstTxWarp>
-            </a:bodyPr>
-            <a:lstStyle/>
-            <a:p>
-              <a:endParaRPr lang="en-US"/>
-            </a:p>
-          </p:txBody>
-        </p:sp>
-        <p:sp>
-          <p:nvSpPr>
-            <p:cNvPr id="33" name="Freeform 16">
-              <a:extLst>
-                <a:ext uri="{FF2B5EF4-FFF2-40B4-BE49-F238E27FC236}">
-                  <a16:creationId xmlns:a16="http://schemas.microsoft.com/office/drawing/2014/main" id="{69C387D8-101F-4B43-8F35-50BCB0E784D5}"/>
-                </a:ext>
-                <a:ext uri="{C183D7F6-B498-43B3-948B-1728B52AA6E4}">
-                  <adec:decorative xmlns:adec="http://schemas.microsoft.com/office/drawing/2017/decorative" val="1"/>
-                </a:ext>
-              </a:extLst>
-            </p:cNvPr>
-            <p:cNvSpPr>
-              <a:spLocks/>
-            </p:cNvSpPr>
-            <p:nvPr>
-              <p:extLst>
-                <p:ext uri="{386F3935-93C4-4BCD-93E2-E3B085C9AB24}">
-                  <p16:designElem xmlns:p16="http://schemas.microsoft.com/office/powerpoint/2015/main" val="1"/>
-                </p:ext>
-              </p:extLst>
-            </p:nvPr>
-          </p:nvSpPr>
-          <p:spPr bwMode="auto">
-            <a:xfrm>
-              <a:off x="889000" y="0"/>
-              <a:ext cx="3230563" cy="6843713"/>
-            </a:xfrm>
-            <a:custGeom>
-              <a:avLst/>
-              <a:gdLst>
-                <a:gd name="T0" fmla="*/ 680 w 680"/>
-                <a:gd name="T1" fmla="*/ 0 h 1440"/>
-                <a:gd name="T2" fmla="*/ 337 w 680"/>
-                <a:gd name="T3" fmla="*/ 1440 h 1440"/>
-              </a:gdLst>
-              <a:ahLst/>
-              <a:cxnLst>
-                <a:cxn ang="0">
-                  <a:pos x="T0" y="T1"/>
-                </a:cxn>
-                <a:cxn ang="0">
-                  <a:pos x="T2" y="T3"/>
-                </a:cxn>
-              </a:cxnLst>
-              <a:rect l="0" t="0" r="r" b="b"/>
-              <a:pathLst>
-                <a:path w="680" h="1440">
-                  <a:moveTo>
-                    <a:pt x="680" y="0"/>
-                  </a:moveTo>
-                  <a:cubicBezTo>
-                    <a:pt x="257" y="265"/>
-                    <a:pt x="0" y="1026"/>
-                    <a:pt x="337" y="1440"/>
-                  </a:cubicBezTo>
-                </a:path>
-              </a:pathLst>
-            </a:custGeom>
-            <a:noFill/>
-            <a:ln w="9525" cap="flat">
-              <a:solidFill>
-                <a:schemeClr val="tx1">
-                  <a:alpha val="20000"/>
-                </a:schemeClr>
-              </a:solidFill>
-              <a:prstDash val="solid"/>
-              <a:miter lim="800000"/>
-              <a:headEnd/>
-              <a:tailEnd/>
-            </a:ln>
-            <a:extLst>
-              <a:ext uri="{909E8E84-426E-40DD-AFC4-6F175D3DCCD1}">
-                <a14:hiddenFill xmlns:a14="http://schemas.microsoft.com/office/drawing/2010/main">
-                  <a:solidFill>
-                    <a:srgbClr val="FFFFFF"/>
-                  </a:solidFill>
-                </a14:hiddenFill>
-              </a:ext>
-            </a:extLst>
-          </p:spPr>
-          <p:txBody>
-            <a:bodyPr vert="horz" wrap="square" lIns="91440" tIns="45720" rIns="91440" bIns="45720" numCol="1" anchor="t" anchorCtr="0" compatLnSpc="1">
-              <a:prstTxWarp prst="textNoShape">
-                <a:avLst/>
-              </a:prstTxWarp>
-            </a:bodyPr>
-            <a:lstStyle/>
-            <a:p>
-              <a:endParaRPr lang="en-US"/>
-            </a:p>
-          </p:txBody>
-        </p:sp>
-        <p:sp>
-          <p:nvSpPr>
-            <p:cNvPr id="34" name="Freeform 17">
-              <a:extLst>
-                <a:ext uri="{FF2B5EF4-FFF2-40B4-BE49-F238E27FC236}">
-                  <a16:creationId xmlns:a16="http://schemas.microsoft.com/office/drawing/2014/main" id="{DDE05331-3390-4508-9F8F-E2FA2C7A7B6A}"/>
-                </a:ext>
-                <a:ext uri="{C183D7F6-B498-43B3-948B-1728B52AA6E4}">
-                  <adec:decorative xmlns:adec="http://schemas.microsoft.com/office/drawing/2017/decorative" val="1"/>
-                </a:ext>
-              </a:extLst>
-            </p:cNvPr>
-            <p:cNvSpPr>
-              <a:spLocks/>
-            </p:cNvSpPr>
-            <p:nvPr>
-              <p:extLst>
-                <p:ext uri="{386F3935-93C4-4BCD-93E2-E3B085C9AB24}">
-                  <p16:designElem xmlns:p16="http://schemas.microsoft.com/office/powerpoint/2015/main" val="1"/>
-                </p:ext>
-              </p:extLst>
-            </p:nvPr>
-          </p:nvSpPr>
-          <p:spPr bwMode="auto">
-            <a:xfrm>
-              <a:off x="10979150" y="5694363"/>
-              <a:ext cx="1187450" cy="1149350"/>
-            </a:xfrm>
-            <a:custGeom>
-              <a:avLst/>
-              <a:gdLst>
-                <a:gd name="T0" fmla="*/ 0 w 250"/>
-                <a:gd name="T1" fmla="*/ 242 h 242"/>
-                <a:gd name="T2" fmla="*/ 250 w 250"/>
-                <a:gd name="T3" fmla="*/ 0 h 242"/>
-              </a:gdLst>
-              <a:ahLst/>
-              <a:cxnLst>
-                <a:cxn ang="0">
-                  <a:pos x="T0" y="T1"/>
-                </a:cxn>
-                <a:cxn ang="0">
-                  <a:pos x="T2" y="T3"/>
-                </a:cxn>
-              </a:cxnLst>
-              <a:rect l="0" t="0" r="r" b="b"/>
-              <a:pathLst>
-                <a:path w="250" h="242">
-                  <a:moveTo>
-                    <a:pt x="0" y="242"/>
-                  </a:moveTo>
-                  <a:cubicBezTo>
-                    <a:pt x="88" y="166"/>
-                    <a:pt x="172" y="85"/>
-                    <a:pt x="250" y="0"/>
-                  </a:cubicBezTo>
-                </a:path>
-              </a:pathLst>
-            </a:custGeom>
-            <a:noFill/>
-            <a:ln w="9525" cap="flat">
-              <a:solidFill>
-                <a:schemeClr val="tx1">
-                  <a:alpha val="20000"/>
-                </a:schemeClr>
-              </a:solidFill>
-              <a:prstDash val="solid"/>
-              <a:miter lim="800000"/>
-              <a:headEnd/>
-              <a:tailEnd/>
-            </a:ln>
-            <a:extLst>
-              <a:ext uri="{909E8E84-426E-40DD-AFC4-6F175D3DCCD1}">
-                <a14:hiddenFill xmlns:a14="http://schemas.microsoft.com/office/drawing/2010/main">
-                  <a:solidFill>
-                    <a:srgbClr val="FFFFFF"/>
-                  </a:solidFill>
-                </a14:hiddenFill>
-              </a:ext>
-            </a:extLst>
-          </p:spPr>
-          <p:txBody>
-            <a:bodyPr vert="horz" wrap="square" lIns="91440" tIns="45720" rIns="91440" bIns="45720" numCol="1" anchor="t" anchorCtr="0" compatLnSpc="1">
-              <a:prstTxWarp prst="textNoShape">
-                <a:avLst/>
-              </a:prstTxWarp>
-            </a:bodyPr>
-            <a:lstStyle/>
-            <a:p>
-              <a:endParaRPr lang="en-US"/>
-            </a:p>
-          </p:txBody>
-        </p:sp>
-        <p:sp>
-          <p:nvSpPr>
-            <p:cNvPr id="35" name="Freeform 18">
-              <a:extLst>
-                <a:ext uri="{FF2B5EF4-FFF2-40B4-BE49-F238E27FC236}">
-                  <a16:creationId xmlns:a16="http://schemas.microsoft.com/office/drawing/2014/main" id="{61531BDF-B6D6-48B6-BA74-69FE6BDEB0E0}"/>
-                </a:ext>
-                <a:ext uri="{C183D7F6-B498-43B3-948B-1728B52AA6E4}">
-                  <adec:decorative xmlns:adec="http://schemas.microsoft.com/office/drawing/2017/decorative" val="1"/>
-                </a:ext>
-              </a:extLst>
-            </p:cNvPr>
-            <p:cNvSpPr>
-              <a:spLocks/>
-            </p:cNvSpPr>
-            <p:nvPr>
-              <p:extLst>
-                <p:ext uri="{386F3935-93C4-4BCD-93E2-E3B085C9AB24}">
-                  <p16:designElem xmlns:p16="http://schemas.microsoft.com/office/powerpoint/2015/main" val="1"/>
-                </p:ext>
-              </p:extLst>
-            </p:nvPr>
-          </p:nvSpPr>
-          <p:spPr bwMode="auto">
-            <a:xfrm>
-              <a:off x="484188" y="0"/>
-              <a:ext cx="3421063" cy="6843713"/>
-            </a:xfrm>
-            <a:custGeom>
-              <a:avLst/>
-              <a:gdLst>
-                <a:gd name="T0" fmla="*/ 720 w 720"/>
-                <a:gd name="T1" fmla="*/ 0 h 1440"/>
-                <a:gd name="T2" fmla="*/ 362 w 720"/>
-                <a:gd name="T3" fmla="*/ 1440 h 1440"/>
-              </a:gdLst>
-              <a:ahLst/>
-              <a:cxnLst>
-                <a:cxn ang="0">
-                  <a:pos x="T0" y="T1"/>
-                </a:cxn>
-                <a:cxn ang="0">
-                  <a:pos x="T2" y="T3"/>
-                </a:cxn>
-              </a:cxnLst>
-              <a:rect l="0" t="0" r="r" b="b"/>
-              <a:pathLst>
-                <a:path w="720" h="1440">
-                  <a:moveTo>
-                    <a:pt x="720" y="0"/>
-                  </a:moveTo>
-                  <a:cubicBezTo>
-                    <a:pt x="316" y="282"/>
-                    <a:pt x="0" y="1018"/>
-                    <a:pt x="362" y="1440"/>
-                  </a:cubicBezTo>
-                </a:path>
-              </a:pathLst>
-            </a:custGeom>
-            <a:noFill/>
-            <a:ln w="9525" cap="flat">
-              <a:solidFill>
-                <a:schemeClr val="tx1">
-                  <a:alpha val="20000"/>
-                </a:schemeClr>
-              </a:solidFill>
-              <a:prstDash val="solid"/>
-              <a:miter lim="800000"/>
-              <a:headEnd/>
-              <a:tailEnd/>
-            </a:ln>
-            <a:extLst>
-              <a:ext uri="{909E8E84-426E-40DD-AFC4-6F175D3DCCD1}">
-                <a14:hiddenFill xmlns:a14="http://schemas.microsoft.com/office/drawing/2010/main">
-                  <a:solidFill>
-                    <a:srgbClr val="FFFFFF"/>
-                  </a:solidFill>
-                </a14:hiddenFill>
-              </a:ext>
-            </a:extLst>
-          </p:spPr>
-          <p:txBody>
-            <a:bodyPr vert="horz" wrap="square" lIns="91440" tIns="45720" rIns="91440" bIns="45720" numCol="1" anchor="t" anchorCtr="0" compatLnSpc="1">
-              <a:prstTxWarp prst="textNoShape">
-                <a:avLst/>
-              </a:prstTxWarp>
-            </a:bodyPr>
-            <a:lstStyle/>
-            <a:p>
-              <a:endParaRPr lang="en-US"/>
-            </a:p>
-          </p:txBody>
-        </p:sp>
-        <p:sp>
-          <p:nvSpPr>
-            <p:cNvPr id="36" name="Freeform 19">
-              <a:extLst>
-                <a:ext uri="{FF2B5EF4-FFF2-40B4-BE49-F238E27FC236}">
-                  <a16:creationId xmlns:a16="http://schemas.microsoft.com/office/drawing/2014/main" id="{7EFCF0FF-FE7D-4B62-A05F-14BC7AEF74F0}"/>
-                </a:ext>
-                <a:ext uri="{C183D7F6-B498-43B3-948B-1728B52AA6E4}">
-                  <adec:decorative xmlns:adec="http://schemas.microsoft.com/office/drawing/2017/decorative" val="1"/>
-                </a:ext>
-              </a:extLst>
-            </p:cNvPr>
-            <p:cNvSpPr>
-              <a:spLocks/>
-            </p:cNvSpPr>
-            <p:nvPr>
-              <p:extLst>
-                <p:ext uri="{386F3935-93C4-4BCD-93E2-E3B085C9AB24}">
-                  <p16:designElem xmlns:p16="http://schemas.microsoft.com/office/powerpoint/2015/main" val="1"/>
-                </p:ext>
-              </p:extLst>
-            </p:nvPr>
-          </p:nvSpPr>
-          <p:spPr bwMode="auto">
-            <a:xfrm>
-              <a:off x="11287125" y="6049963"/>
-              <a:ext cx="879475" cy="793750"/>
-            </a:xfrm>
-            <a:custGeom>
-              <a:avLst/>
-              <a:gdLst>
-                <a:gd name="T0" fmla="*/ 0 w 185"/>
-                <a:gd name="T1" fmla="*/ 167 h 167"/>
-                <a:gd name="T2" fmla="*/ 185 w 185"/>
-                <a:gd name="T3" fmla="*/ 0 h 167"/>
-              </a:gdLst>
-              <a:ahLst/>
-              <a:cxnLst>
-                <a:cxn ang="0">
-                  <a:pos x="T0" y="T1"/>
-                </a:cxn>
-                <a:cxn ang="0">
-                  <a:pos x="T2" y="T3"/>
-                </a:cxn>
-              </a:cxnLst>
-              <a:rect l="0" t="0" r="r" b="b"/>
-              <a:pathLst>
-                <a:path w="185" h="167">
-                  <a:moveTo>
-                    <a:pt x="0" y="167"/>
-                  </a:moveTo>
-                  <a:cubicBezTo>
-                    <a:pt x="63" y="114"/>
-                    <a:pt x="125" y="58"/>
-                    <a:pt x="185" y="0"/>
-                  </a:cubicBezTo>
-                </a:path>
-              </a:pathLst>
-            </a:custGeom>
-            <a:noFill/>
-            <a:ln w="9525" cap="flat">
-              <a:solidFill>
-                <a:schemeClr val="tx1">
-                  <a:alpha val="20000"/>
-                </a:schemeClr>
-              </a:solidFill>
-              <a:prstDash val="solid"/>
-              <a:miter lim="800000"/>
-              <a:headEnd/>
-              <a:tailEnd/>
-            </a:ln>
-            <a:extLst>
-              <a:ext uri="{909E8E84-426E-40DD-AFC4-6F175D3DCCD1}">
-                <a14:hiddenFill xmlns:a14="http://schemas.microsoft.com/office/drawing/2010/main">
-                  <a:solidFill>
-                    <a:srgbClr val="FFFFFF"/>
-                  </a:solidFill>
-                </a14:hiddenFill>
-              </a:ext>
-            </a:extLst>
-          </p:spPr>
-          <p:txBody>
-            <a:bodyPr vert="horz" wrap="square" lIns="91440" tIns="45720" rIns="91440" bIns="45720" numCol="1" anchor="t" anchorCtr="0" compatLnSpc="1">
-              <a:prstTxWarp prst="textNoShape">
-                <a:avLst/>
-              </a:prstTxWarp>
-            </a:bodyPr>
-            <a:lstStyle/>
-            <a:p>
-              <a:endParaRPr lang="en-US"/>
-            </a:p>
-          </p:txBody>
-        </p:sp>
-        <p:sp>
-          <p:nvSpPr>
-            <p:cNvPr id="37" name="Freeform 20">
-              <a:extLst>
-                <a:ext uri="{FF2B5EF4-FFF2-40B4-BE49-F238E27FC236}">
-                  <a16:creationId xmlns:a16="http://schemas.microsoft.com/office/drawing/2014/main" id="{FB209825-1EE6-4B6C-98B1-F4457AE4D4DC}"/>
-                </a:ext>
-                <a:ext uri="{C183D7F6-B498-43B3-948B-1728B52AA6E4}">
-                  <adec:decorative xmlns:adec="http://schemas.microsoft.com/office/drawing/2017/decorative" val="1"/>
-                </a:ext>
-              </a:extLst>
-            </p:cNvPr>
-            <p:cNvSpPr>
-              <a:spLocks/>
-            </p:cNvSpPr>
-            <p:nvPr>
-              <p:extLst>
-                <p:ext uri="{386F3935-93C4-4BCD-93E2-E3B085C9AB24}">
-                  <p16:designElem xmlns:p16="http://schemas.microsoft.com/office/powerpoint/2015/main" val="1"/>
-                </p:ext>
-              </p:extLst>
-            </p:nvPr>
-          </p:nvSpPr>
-          <p:spPr bwMode="auto">
-            <a:xfrm>
-              <a:off x="598488" y="0"/>
-              <a:ext cx="2717800" cy="6843713"/>
-            </a:xfrm>
-            <a:custGeom>
-              <a:avLst/>
-              <a:gdLst>
-                <a:gd name="T0" fmla="*/ 572 w 572"/>
-                <a:gd name="T1" fmla="*/ 0 h 1440"/>
-                <a:gd name="T2" fmla="*/ 164 w 572"/>
-                <a:gd name="T3" fmla="*/ 1440 h 1440"/>
-              </a:gdLst>
-              <a:ahLst/>
-              <a:cxnLst>
-                <a:cxn ang="0">
-                  <a:pos x="T0" y="T1"/>
-                </a:cxn>
-                <a:cxn ang="0">
-                  <a:pos x="T2" y="T3"/>
-                </a:cxn>
-              </a:cxnLst>
-              <a:rect l="0" t="0" r="r" b="b"/>
-              <a:pathLst>
-                <a:path w="572" h="1440">
-                  <a:moveTo>
-                    <a:pt x="572" y="0"/>
-                  </a:moveTo>
-                  <a:cubicBezTo>
-                    <a:pt x="213" y="320"/>
-                    <a:pt x="0" y="979"/>
-                    <a:pt x="164" y="1440"/>
-                  </a:cubicBezTo>
-                </a:path>
-              </a:pathLst>
-            </a:custGeom>
-            <a:noFill/>
-            <a:ln w="12700" cap="flat">
-              <a:solidFill>
-                <a:schemeClr val="tx1">
-                  <a:alpha val="20000"/>
-                </a:schemeClr>
-              </a:solidFill>
-              <a:prstDash val="dashDot"/>
-              <a:miter lim="800000"/>
-              <a:headEnd/>
-              <a:tailEnd/>
-            </a:ln>
-            <a:extLst>
-              <a:ext uri="{909E8E84-426E-40DD-AFC4-6F175D3DCCD1}">
-                <a14:hiddenFill xmlns:a14="http://schemas.microsoft.com/office/drawing/2010/main">
-                  <a:solidFill>
-                    <a:srgbClr val="FFFFFF"/>
-                  </a:solidFill>
-                </a14:hiddenFill>
-              </a:ext>
-            </a:extLst>
-          </p:spPr>
-          <p:txBody>
-            <a:bodyPr vert="horz" wrap="square" lIns="91440" tIns="45720" rIns="91440" bIns="45720" numCol="1" anchor="t" anchorCtr="0" compatLnSpc="1">
-              <a:prstTxWarp prst="textNoShape">
-                <a:avLst/>
-              </a:prstTxWarp>
-            </a:bodyPr>
-            <a:lstStyle/>
-            <a:p>
-              <a:endParaRPr lang="en-US"/>
-            </a:p>
-          </p:txBody>
-        </p:sp>
-        <p:sp>
-          <p:nvSpPr>
-            <p:cNvPr id="38" name="Freeform 21">
-              <a:extLst>
-                <a:ext uri="{FF2B5EF4-FFF2-40B4-BE49-F238E27FC236}">
-                  <a16:creationId xmlns:a16="http://schemas.microsoft.com/office/drawing/2014/main" id="{18A3926F-FD48-4255-8ADC-64D4DC80419B}"/>
-                </a:ext>
-                <a:ext uri="{C183D7F6-B498-43B3-948B-1728B52AA6E4}">
-                  <adec:decorative xmlns:adec="http://schemas.microsoft.com/office/drawing/2017/decorative" val="1"/>
-                </a:ext>
-              </a:extLst>
-            </p:cNvPr>
-            <p:cNvSpPr>
-              <a:spLocks/>
-            </p:cNvSpPr>
-            <p:nvPr>
-              <p:extLst>
-                <p:ext uri="{386F3935-93C4-4BCD-93E2-E3B085C9AB24}">
-                  <p16:designElem xmlns:p16="http://schemas.microsoft.com/office/powerpoint/2015/main" val="1"/>
-                </p:ext>
-              </p:extLst>
-            </p:nvPr>
-          </p:nvSpPr>
-          <p:spPr bwMode="auto">
-            <a:xfrm>
-              <a:off x="261938" y="0"/>
-              <a:ext cx="2944813" cy="6843713"/>
-            </a:xfrm>
-            <a:custGeom>
-              <a:avLst/>
-              <a:gdLst>
-                <a:gd name="T0" fmla="*/ 620 w 620"/>
-                <a:gd name="T1" fmla="*/ 0 h 1440"/>
-                <a:gd name="T2" fmla="*/ 186 w 620"/>
-                <a:gd name="T3" fmla="*/ 1440 h 1440"/>
-              </a:gdLst>
-              <a:ahLst/>
-              <a:cxnLst>
-                <a:cxn ang="0">
-                  <a:pos x="T0" y="T1"/>
-                </a:cxn>
-                <a:cxn ang="0">
-                  <a:pos x="T2" y="T3"/>
-                </a:cxn>
-              </a:cxnLst>
-              <a:rect l="0" t="0" r="r" b="b"/>
-              <a:pathLst>
-                <a:path w="620" h="1440">
-                  <a:moveTo>
-                    <a:pt x="620" y="0"/>
-                  </a:moveTo>
-                  <a:cubicBezTo>
-                    <a:pt x="248" y="325"/>
-                    <a:pt x="0" y="960"/>
-                    <a:pt x="186" y="1440"/>
-                  </a:cubicBezTo>
-                </a:path>
-              </a:pathLst>
-            </a:custGeom>
-            <a:noFill/>
-            <a:ln w="9525" cap="flat">
-              <a:solidFill>
-                <a:schemeClr val="tx1">
-                  <a:alpha val="20000"/>
-                </a:schemeClr>
-              </a:solidFill>
-              <a:prstDash val="lgDash"/>
-              <a:miter lim="800000"/>
-              <a:headEnd/>
-              <a:tailEnd/>
-            </a:ln>
-            <a:extLst>
-              <a:ext uri="{909E8E84-426E-40DD-AFC4-6F175D3DCCD1}">
-                <a14:hiddenFill xmlns:a14="http://schemas.microsoft.com/office/drawing/2010/main">
-                  <a:solidFill>
-                    <a:srgbClr val="FFFFFF"/>
-                  </a:solidFill>
-                </a14:hiddenFill>
-              </a:ext>
-            </a:extLst>
-          </p:spPr>
-          <p:txBody>
-            <a:bodyPr vert="horz" wrap="square" lIns="91440" tIns="45720" rIns="91440" bIns="45720" numCol="1" anchor="t" anchorCtr="0" compatLnSpc="1">
-              <a:prstTxWarp prst="textNoShape">
-                <a:avLst/>
-              </a:prstTxWarp>
-            </a:bodyPr>
-            <a:lstStyle/>
-            <a:p>
-              <a:endParaRPr lang="en-US"/>
-            </a:p>
-          </p:txBody>
-        </p:sp>
-        <p:sp>
-          <p:nvSpPr>
-            <p:cNvPr id="39" name="Freeform 22">
-              <a:extLst>
-                <a:ext uri="{FF2B5EF4-FFF2-40B4-BE49-F238E27FC236}">
-                  <a16:creationId xmlns:a16="http://schemas.microsoft.com/office/drawing/2014/main" id="{2707943F-6B86-4554-9E61-5378380A7C59}"/>
-                </a:ext>
-                <a:ext uri="{C183D7F6-B498-43B3-948B-1728B52AA6E4}">
-                  <adec:decorative xmlns:adec="http://schemas.microsoft.com/office/drawing/2017/decorative" val="1"/>
-                </a:ext>
-              </a:extLst>
-            </p:cNvPr>
-            <p:cNvSpPr>
-              <a:spLocks/>
-            </p:cNvSpPr>
-            <p:nvPr>
-              <p:extLst>
-                <p:ext uri="{386F3935-93C4-4BCD-93E2-E3B085C9AB24}">
-                  <p16:designElem xmlns:p16="http://schemas.microsoft.com/office/powerpoint/2015/main" val="1"/>
-                </p:ext>
-              </p:extLst>
-            </p:nvPr>
-          </p:nvSpPr>
-          <p:spPr bwMode="auto">
-            <a:xfrm>
-              <a:off x="-417513" y="0"/>
-              <a:ext cx="2403475" cy="6843713"/>
-            </a:xfrm>
-            <a:custGeom>
-              <a:avLst/>
-              <a:gdLst>
-                <a:gd name="T0" fmla="*/ 506 w 506"/>
-                <a:gd name="T1" fmla="*/ 0 h 1440"/>
-                <a:gd name="T2" fmla="*/ 171 w 506"/>
-                <a:gd name="T3" fmla="*/ 1440 h 1440"/>
-              </a:gdLst>
-              <a:ahLst/>
-              <a:cxnLst>
-                <a:cxn ang="0">
-                  <a:pos x="T0" y="T1"/>
-                </a:cxn>
-                <a:cxn ang="0">
-                  <a:pos x="T2" y="T3"/>
-                </a:cxn>
-              </a:cxnLst>
-              <a:rect l="0" t="0" r="r" b="b"/>
-              <a:pathLst>
-                <a:path w="506" h="1440">
-                  <a:moveTo>
-                    <a:pt x="506" y="0"/>
-                  </a:moveTo>
-                  <a:cubicBezTo>
-                    <a:pt x="109" y="356"/>
-                    <a:pt x="0" y="943"/>
-                    <a:pt x="171" y="1440"/>
-                  </a:cubicBezTo>
-                </a:path>
-              </a:pathLst>
-            </a:custGeom>
-            <a:noFill/>
-            <a:ln w="9525" cap="flat">
-              <a:solidFill>
-                <a:schemeClr val="tx1">
-                  <a:alpha val="20000"/>
-                </a:schemeClr>
-              </a:solidFill>
-              <a:prstDash val="solid"/>
-              <a:miter lim="800000"/>
-              <a:headEnd/>
-              <a:tailEnd/>
-            </a:ln>
-            <a:extLst>
-              <a:ext uri="{909E8E84-426E-40DD-AFC4-6F175D3DCCD1}">
-                <a14:hiddenFill xmlns:a14="http://schemas.microsoft.com/office/drawing/2010/main">
-                  <a:solidFill>
-                    <a:srgbClr val="FFFFFF"/>
-                  </a:solidFill>
-                </a14:hiddenFill>
-              </a:ext>
-            </a:extLst>
-          </p:spPr>
-          <p:txBody>
-            <a:bodyPr vert="horz" wrap="square" lIns="91440" tIns="45720" rIns="91440" bIns="45720" numCol="1" anchor="t" anchorCtr="0" compatLnSpc="1">
-              <a:prstTxWarp prst="textNoShape">
-                <a:avLst/>
-              </a:prstTxWarp>
-            </a:bodyPr>
-            <a:lstStyle/>
-            <a:p>
-              <a:endParaRPr lang="en-US"/>
-            </a:p>
-          </p:txBody>
-        </p:sp>
-        <p:sp>
-          <p:nvSpPr>
-            <p:cNvPr id="40" name="Freeform 23">
-              <a:extLst>
-                <a:ext uri="{FF2B5EF4-FFF2-40B4-BE49-F238E27FC236}">
-                  <a16:creationId xmlns:a16="http://schemas.microsoft.com/office/drawing/2014/main" id="{D1BCE722-EFEE-4871-9133-2AD70CFA8821}"/>
-                </a:ext>
-                <a:ext uri="{C183D7F6-B498-43B3-948B-1728B52AA6E4}">
-                  <adec:decorative xmlns:adec="http://schemas.microsoft.com/office/drawing/2017/decorative" val="1"/>
-                </a:ext>
-              </a:extLst>
-            </p:cNvPr>
-            <p:cNvSpPr>
-              <a:spLocks/>
-            </p:cNvSpPr>
-            <p:nvPr>
-              <p:extLst>
-                <p:ext uri="{386F3935-93C4-4BCD-93E2-E3B085C9AB24}">
-                  <p16:designElem xmlns:p16="http://schemas.microsoft.com/office/powerpoint/2015/main" val="1"/>
-                </p:ext>
-              </p:extLst>
-            </p:nvPr>
-          </p:nvSpPr>
-          <p:spPr bwMode="auto">
-            <a:xfrm>
-              <a:off x="14288" y="9525"/>
-              <a:ext cx="1771650" cy="3198813"/>
-            </a:xfrm>
-            <a:custGeom>
-              <a:avLst/>
-              <a:gdLst>
-                <a:gd name="T0" fmla="*/ 373 w 373"/>
-                <a:gd name="T1" fmla="*/ 0 h 673"/>
-                <a:gd name="T2" fmla="*/ 0 w 373"/>
-                <a:gd name="T3" fmla="*/ 673 h 673"/>
-              </a:gdLst>
-              <a:ahLst/>
-              <a:cxnLst>
-                <a:cxn ang="0">
-                  <a:pos x="T0" y="T1"/>
-                </a:cxn>
-                <a:cxn ang="0">
-                  <a:pos x="T2" y="T3"/>
-                </a:cxn>
-              </a:cxnLst>
-              <a:rect l="0" t="0" r="r" b="b"/>
-              <a:pathLst>
-                <a:path w="373" h="673">
-                  <a:moveTo>
-                    <a:pt x="373" y="0"/>
-                  </a:moveTo>
-                  <a:cubicBezTo>
-                    <a:pt x="175" y="183"/>
-                    <a:pt x="51" y="409"/>
-                    <a:pt x="0" y="673"/>
-                  </a:cubicBezTo>
-                </a:path>
-              </a:pathLst>
-            </a:custGeom>
-            <a:noFill/>
-            <a:ln w="9525" cap="flat">
-              <a:solidFill>
-                <a:schemeClr val="tx1">
-                  <a:alpha val="20000"/>
-                </a:schemeClr>
-              </a:solidFill>
-              <a:prstDash val="solid"/>
-              <a:miter lim="800000"/>
-              <a:headEnd/>
-              <a:tailEnd/>
-            </a:ln>
-            <a:extLst>
-              <a:ext uri="{909E8E84-426E-40DD-AFC4-6F175D3DCCD1}">
-                <a14:hiddenFill xmlns:a14="http://schemas.microsoft.com/office/drawing/2010/main">
-                  <a:solidFill>
-                    <a:srgbClr val="FFFFFF"/>
-                  </a:solidFill>
-                </a14:hiddenFill>
-              </a:ext>
-            </a:extLst>
-          </p:spPr>
-          <p:txBody>
-            <a:bodyPr vert="horz" wrap="square" lIns="91440" tIns="45720" rIns="91440" bIns="45720" numCol="1" anchor="t" anchorCtr="0" compatLnSpc="1">
-              <a:prstTxWarp prst="textNoShape">
-                <a:avLst/>
-              </a:prstTxWarp>
-            </a:bodyPr>
-            <a:lstStyle/>
-            <a:p>
-              <a:endParaRPr lang="en-US"/>
-            </a:p>
-          </p:txBody>
-        </p:sp>
-        <p:sp>
-          <p:nvSpPr>
-            <p:cNvPr id="41" name="Freeform 24">
-              <a:extLst>
-                <a:ext uri="{FF2B5EF4-FFF2-40B4-BE49-F238E27FC236}">
-                  <a16:creationId xmlns:a16="http://schemas.microsoft.com/office/drawing/2014/main" id="{77CAED55-FB8F-47D2-AE4A-5F10595088F9}"/>
-                </a:ext>
-                <a:ext uri="{C183D7F6-B498-43B3-948B-1728B52AA6E4}">
-                  <adec:decorative xmlns:adec="http://schemas.microsoft.com/office/drawing/2017/decorative" val="1"/>
-                </a:ext>
-              </a:extLst>
-            </p:cNvPr>
-            <p:cNvSpPr>
-              <a:spLocks/>
-            </p:cNvSpPr>
-            <p:nvPr>
-              <p:extLst>
-                <p:ext uri="{386F3935-93C4-4BCD-93E2-E3B085C9AB24}">
-                  <p16:designElem xmlns:p16="http://schemas.microsoft.com/office/powerpoint/2015/main" val="1"/>
-                </p:ext>
-              </p:extLst>
-            </p:nvPr>
-          </p:nvSpPr>
-          <p:spPr bwMode="auto">
-            <a:xfrm>
-              <a:off x="4763" y="6016625"/>
-              <a:ext cx="214313" cy="827088"/>
-            </a:xfrm>
-            <a:custGeom>
-              <a:avLst/>
-              <a:gdLst>
-                <a:gd name="T0" fmla="*/ 0 w 45"/>
-                <a:gd name="T1" fmla="*/ 0 h 174"/>
-                <a:gd name="T2" fmla="*/ 45 w 45"/>
-                <a:gd name="T3" fmla="*/ 174 h 174"/>
-              </a:gdLst>
-              <a:ahLst/>
-              <a:cxnLst>
-                <a:cxn ang="0">
-                  <a:pos x="T0" y="T1"/>
-                </a:cxn>
-                <a:cxn ang="0">
-                  <a:pos x="T2" y="T3"/>
-                </a:cxn>
-              </a:cxnLst>
-              <a:rect l="0" t="0" r="r" b="b"/>
-              <a:pathLst>
-                <a:path w="45" h="174">
-                  <a:moveTo>
-                    <a:pt x="0" y="0"/>
-                  </a:moveTo>
-                  <a:cubicBezTo>
-                    <a:pt x="11" y="59"/>
-                    <a:pt x="26" y="118"/>
-                    <a:pt x="45" y="174"/>
-                  </a:cubicBezTo>
-                </a:path>
-              </a:pathLst>
-            </a:custGeom>
-            <a:noFill/>
-            <a:ln w="9525" cap="flat">
-              <a:solidFill>
-                <a:schemeClr val="tx1">
-                  <a:alpha val="20000"/>
-                </a:schemeClr>
-              </a:solidFill>
-              <a:prstDash val="solid"/>
-              <a:miter lim="800000"/>
-              <a:headEnd/>
-              <a:tailEnd/>
-            </a:ln>
-            <a:extLst>
-              <a:ext uri="{909E8E84-426E-40DD-AFC4-6F175D3DCCD1}">
-                <a14:hiddenFill xmlns:a14="http://schemas.microsoft.com/office/drawing/2010/main">
-                  <a:solidFill>
-                    <a:srgbClr val="FFFFFF"/>
-                  </a:solidFill>
-                </a14:hiddenFill>
-              </a:ext>
-            </a:extLst>
-          </p:spPr>
-          <p:txBody>
-            <a:bodyPr vert="horz" wrap="square" lIns="91440" tIns="45720" rIns="91440" bIns="45720" numCol="1" anchor="t" anchorCtr="0" compatLnSpc="1">
-              <a:prstTxWarp prst="textNoShape">
-                <a:avLst/>
-              </a:prstTxWarp>
-            </a:bodyPr>
-            <a:lstStyle/>
-            <a:p>
-              <a:endParaRPr lang="en-US"/>
-            </a:p>
-          </p:txBody>
-        </p:sp>
-        <p:sp>
-          <p:nvSpPr>
-            <p:cNvPr id="42" name="Freeform 25">
-              <a:extLst>
-                <a:ext uri="{FF2B5EF4-FFF2-40B4-BE49-F238E27FC236}">
-                  <a16:creationId xmlns:a16="http://schemas.microsoft.com/office/drawing/2014/main" id="{C1CE725E-91C0-4D58-9F97-2BF5575759CD}"/>
-                </a:ext>
-                <a:ext uri="{C183D7F6-B498-43B3-948B-1728B52AA6E4}">
-                  <adec:decorative xmlns:adec="http://schemas.microsoft.com/office/drawing/2017/decorative" val="1"/>
-                </a:ext>
-              </a:extLst>
-            </p:cNvPr>
-            <p:cNvSpPr>
-              <a:spLocks/>
-            </p:cNvSpPr>
-            <p:nvPr>
-              <p:extLst>
-                <p:ext uri="{386F3935-93C4-4BCD-93E2-E3B085C9AB24}">
-                  <p16:designElem xmlns:p16="http://schemas.microsoft.com/office/powerpoint/2015/main" val="1"/>
-                </p:ext>
-              </p:extLst>
-            </p:nvPr>
-          </p:nvSpPr>
-          <p:spPr bwMode="auto">
-            <a:xfrm>
-              <a:off x="14288" y="0"/>
-              <a:ext cx="1562100" cy="2228850"/>
-            </a:xfrm>
-            <a:custGeom>
-              <a:avLst/>
-              <a:gdLst>
-                <a:gd name="T0" fmla="*/ 329 w 329"/>
-                <a:gd name="T1" fmla="*/ 0 h 469"/>
-                <a:gd name="T2" fmla="*/ 0 w 329"/>
-                <a:gd name="T3" fmla="*/ 469 h 469"/>
-              </a:gdLst>
-              <a:ahLst/>
-              <a:cxnLst>
-                <a:cxn ang="0">
-                  <a:pos x="T0" y="T1"/>
-                </a:cxn>
-                <a:cxn ang="0">
-                  <a:pos x="T2" y="T3"/>
-                </a:cxn>
-              </a:cxnLst>
-              <a:rect l="0" t="0" r="r" b="b"/>
-              <a:pathLst>
-                <a:path w="329" h="469">
-                  <a:moveTo>
-                    <a:pt x="329" y="0"/>
-                  </a:moveTo>
-                  <a:cubicBezTo>
-                    <a:pt x="189" y="133"/>
-                    <a:pt x="69" y="288"/>
-                    <a:pt x="0" y="469"/>
-                  </a:cubicBezTo>
-                </a:path>
-              </a:pathLst>
-            </a:custGeom>
-            <a:noFill/>
-            <a:ln w="9525" cap="flat">
-              <a:solidFill>
-                <a:schemeClr val="tx1">
-                  <a:alpha val="20000"/>
-                </a:schemeClr>
-              </a:solidFill>
-              <a:prstDash val="solid"/>
-              <a:miter lim="800000"/>
-              <a:headEnd/>
-              <a:tailEnd/>
-            </a:ln>
-            <a:extLst>
-              <a:ext uri="{909E8E84-426E-40DD-AFC4-6F175D3DCCD1}">
-                <a14:hiddenFill xmlns:a14="http://schemas.microsoft.com/office/drawing/2010/main">
-                  <a:solidFill>
-                    <a:srgbClr val="FFFFFF"/>
-                  </a:solidFill>
-                </a14:hiddenFill>
-              </a:ext>
-            </a:extLst>
-          </p:spPr>
-          <p:txBody>
-            <a:bodyPr vert="horz" wrap="square" lIns="91440" tIns="45720" rIns="91440" bIns="45720" numCol="1" anchor="t" anchorCtr="0" compatLnSpc="1">
-              <a:prstTxWarp prst="textNoShape">
-                <a:avLst/>
-              </a:prstTxWarp>
-            </a:bodyPr>
-            <a:lstStyle/>
-            <a:p>
-              <a:endParaRPr lang="en-US"/>
-            </a:p>
-          </p:txBody>
-        </p:sp>
-      </p:grpSp>
-      <p:sp>
-        <p:nvSpPr>
-          <p:cNvPr id="44" name="Rectangle 43">
-            <a:extLst>
-              <a:ext uri="{FF2B5EF4-FFF2-40B4-BE49-F238E27FC236}">
-                <a16:creationId xmlns:a16="http://schemas.microsoft.com/office/drawing/2014/main" id="{2F1B43D9-C551-4B12-B955-90EA9A4E3F4B}"/>
-              </a:ext>
-              <a:ext uri="{C183D7F6-B498-43B3-948B-1728B52AA6E4}">
-                <adec:decorative xmlns:adec="http://schemas.microsoft.com/office/drawing/2017/decorative" val="1"/>
-              </a:ext>
-            </a:extLst>
-          </p:cNvPr>
-          <p:cNvSpPr>
-            <a:spLocks noGrp="1" noRot="1" noChangeAspect="1" noMove="1" noResize="1" noEditPoints="1" noAdjustHandles="1" noChangeArrowheads="1" noChangeShapeType="1" noTextEdit="1"/>
-          </p:cNvSpPr>
-          <p:nvPr>
-            <p:extLst>
-              <p:ext uri="{386F3935-93C4-4BCD-93E2-E3B085C9AB24}">
-                <p16:designElem xmlns:p16="http://schemas.microsoft.com/office/powerpoint/2015/main" val="1"/>
-              </p:ext>
-            </p:extLst>
-          </p:nvPr>
-        </p:nvSpPr>
-        <p:spPr>
-          <a:xfrm>
-            <a:off x="791682" y="1047102"/>
-            <a:ext cx="5936885" cy="502920"/>
-          </a:xfrm>
-          <a:prstGeom prst="rect">
-            <a:avLst/>
-          </a:prstGeom>
-          <a:solidFill>
-            <a:schemeClr val="accent1"/>
-          </a:solidFill>
-          <a:ln>
-            <a:noFill/>
-          </a:ln>
-        </p:spPr>
-        <p:style>
-          <a:lnRef idx="2">
-            <a:schemeClr val="accent1">
-              <a:shade val="50000"/>
-            </a:schemeClr>
-          </a:lnRef>
-          <a:fillRef idx="1">
-            <a:schemeClr val="accent1"/>
-          </a:fillRef>
-          <a:effectRef idx="0">
-            <a:schemeClr val="accent1"/>
-          </a:effectRef>
-          <a:fontRef idx="minor">
-            <a:schemeClr val="lt1"/>
-          </a:fontRef>
-        </p:style>
-        <p:txBody>
-          <a:bodyPr rtlCol="0" anchor="ctr"/>
-          <a:lstStyle/>
-          <a:p>
-            <a:pPr algn="ctr"/>
-            <a:endParaRPr lang="en-US"/>
-          </a:p>
-        </p:txBody>
-      </p:sp>
-      <p:sp>
-        <p:nvSpPr>
-          <p:cNvPr id="46" name="Isosceles Triangle 22">
-            <a:extLst>
-              <a:ext uri="{FF2B5EF4-FFF2-40B4-BE49-F238E27FC236}">
-                <a16:creationId xmlns:a16="http://schemas.microsoft.com/office/drawing/2014/main" id="{70980CB4-1A49-4BFE-A81F-503F5B5EE7B8}"/>
-              </a:ext>
-              <a:ext uri="{C183D7F6-B498-43B3-948B-1728B52AA6E4}">
-                <adec:decorative xmlns:adec="http://schemas.microsoft.com/office/drawing/2017/decorative" val="1"/>
-              </a:ext>
-            </a:extLst>
-          </p:cNvPr>
-          <p:cNvSpPr>
-            <a:spLocks noGrp="1" noRot="1" noChangeAspect="1" noMove="1" noResize="1" noEditPoints="1" noAdjustHandles="1" noChangeArrowheads="1" noChangeShapeType="1" noTextEdit="1"/>
-          </p:cNvSpPr>
-          <p:nvPr>
-            <p:extLst>
-              <p:ext uri="{386F3935-93C4-4BCD-93E2-E3B085C9AB24}">
-                <p16:designElem xmlns:p16="http://schemas.microsoft.com/office/powerpoint/2015/main" val="1"/>
-              </p:ext>
-            </p:extLst>
-          </p:nvPr>
-        </p:nvSpPr>
-        <p:spPr>
-          <a:xfrm rot="10800000">
-            <a:off x="3602131" y="5546507"/>
-            <a:ext cx="315988" cy="272403"/>
-          </a:xfrm>
-          <a:prstGeom prst="triangle">
-            <a:avLst/>
-          </a:prstGeom>
-          <a:solidFill>
-            <a:schemeClr val="accent1"/>
-          </a:solidFill>
-          <a:ln>
-            <a:noFill/>
-          </a:ln>
-        </p:spPr>
-        <p:style>
-          <a:lnRef idx="2">
-            <a:schemeClr val="accent1">
-              <a:shade val="50000"/>
-            </a:schemeClr>
-          </a:lnRef>
-          <a:fillRef idx="1">
-            <a:schemeClr val="accent1"/>
-          </a:fillRef>
-          <a:effectRef idx="0">
-            <a:schemeClr val="accent1"/>
-          </a:effectRef>
-          <a:fontRef idx="minor">
-            <a:schemeClr val="lt1"/>
-          </a:fontRef>
-        </p:style>
-        <p:txBody>
-          <a:bodyPr rtlCol="0" anchor="ctr"/>
-          <a:lstStyle/>
-          <a:p>
-            <a:pPr algn="ctr"/>
-            <a:endParaRPr lang="en-US"/>
-          </a:p>
-        </p:txBody>
-      </p:sp>
-      <p:sp>
-        <p:nvSpPr>
-          <p:cNvPr id="48" name="Rectangle 47">
-            <a:extLst>
-              <a:ext uri="{FF2B5EF4-FFF2-40B4-BE49-F238E27FC236}">
-                <a16:creationId xmlns:a16="http://schemas.microsoft.com/office/drawing/2014/main" id="{475EF11F-E897-488C-B684-92EE83A779FF}"/>
-              </a:ext>
-              <a:ext uri="{C183D7F6-B498-43B3-948B-1728B52AA6E4}">
-                <adec:decorative xmlns:adec="http://schemas.microsoft.com/office/drawing/2017/decorative" val="1"/>
-              </a:ext>
-            </a:extLst>
-          </p:cNvPr>
-          <p:cNvSpPr>
-            <a:spLocks noGrp="1" noRot="1" noChangeAspect="1" noMove="1" noResize="1" noEditPoints="1" noAdjustHandles="1" noChangeArrowheads="1" noChangeShapeType="1" noTextEdit="1"/>
-          </p:cNvSpPr>
-          <p:nvPr>
-            <p:extLst>
-              <p:ext uri="{386F3935-93C4-4BCD-93E2-E3B085C9AB24}">
-                <p16:designElem xmlns:p16="http://schemas.microsoft.com/office/powerpoint/2015/main" val="1"/>
-              </p:ext>
-            </p:extLst>
-          </p:nvPr>
-        </p:nvSpPr>
-        <p:spPr>
-          <a:xfrm>
-            <a:off x="791682" y="1634393"/>
-            <a:ext cx="5935796" cy="3917307"/>
-          </a:xfrm>
-          <a:prstGeom prst="rect">
-            <a:avLst/>
-          </a:prstGeom>
-          <a:solidFill>
-            <a:schemeClr val="accent1"/>
-          </a:solidFill>
-          <a:ln>
-            <a:noFill/>
-          </a:ln>
-        </p:spPr>
-        <p:style>
-          <a:lnRef idx="2">
-            <a:schemeClr val="accent1">
-              <a:shade val="50000"/>
-            </a:schemeClr>
-          </a:lnRef>
-          <a:fillRef idx="1">
-            <a:schemeClr val="accent1"/>
-          </a:fillRef>
-          <a:effectRef idx="0">
-            <a:schemeClr val="accent1"/>
-          </a:effectRef>
-          <a:fontRef idx="minor">
-            <a:schemeClr val="lt1"/>
-          </a:fontRef>
-        </p:style>
-        <p:txBody>
-          <a:bodyPr rtlCol="0" anchor="ctr"/>
-          <a:lstStyle/>
-          <a:p>
-            <a:pPr algn="ctr"/>
-            <a:endParaRPr lang="en-US"/>
-          </a:p>
-        </p:txBody>
-      </p:sp>
-      <p:sp>
-        <p:nvSpPr>
-          <p:cNvPr id="2" name="Title 1">
-            <a:extLst>
-              <a:ext uri="{FF2B5EF4-FFF2-40B4-BE49-F238E27FC236}">
-                <a16:creationId xmlns:a16="http://schemas.microsoft.com/office/drawing/2014/main" id="{3184CA9D-5CB2-4601-81A3-BE42838070D9}"/>
-              </a:ext>
-            </a:extLst>
-          </p:cNvPr>
-          <p:cNvSpPr>
-            <a:spLocks noGrp="1"/>
-          </p:cNvSpPr>
-          <p:nvPr>
-            <p:ph type="title"/>
-          </p:nvPr>
-        </p:nvSpPr>
-        <p:spPr>
-          <a:xfrm>
-            <a:off x="873978" y="1718735"/>
-            <a:ext cx="5767566" cy="1072378"/>
-          </a:xfrm>
-        </p:spPr>
-        <p:txBody>
-          <a:bodyPr vert="horz" lIns="91440" tIns="45720" rIns="91440" bIns="45720" rtlCol="0" anchor="ctr">
-            <a:normAutofit/>
-          </a:bodyPr>
-          <a:lstStyle/>
-          <a:p>
-            <a:r>
-              <a:rPr lang="en-US" sz="3600" kern="1200">
-                <a:solidFill>
-                  <a:srgbClr val="FFFFFF"/>
-                </a:solidFill>
-                <a:latin typeface="+mj-lt"/>
-                <a:ea typeface="+mj-ea"/>
-                <a:cs typeface="+mj-cs"/>
-              </a:rPr>
-              <a:t>The Adapter Design Pattern </a:t>
-            </a:r>
-          </a:p>
-        </p:txBody>
-      </p:sp>
-      <p:sp>
-        <p:nvSpPr>
-          <p:cNvPr id="3" name="Content Placeholder 2">
-            <a:extLst>
-              <a:ext uri="{FF2B5EF4-FFF2-40B4-BE49-F238E27FC236}">
-                <a16:creationId xmlns:a16="http://schemas.microsoft.com/office/drawing/2014/main" id="{54BC112D-94E8-4AE5-A232-80880E578DB7}"/>
-              </a:ext>
-            </a:extLst>
-          </p:cNvPr>
-          <p:cNvSpPr>
-            <a:spLocks noGrp="1"/>
-          </p:cNvSpPr>
-          <p:nvPr>
-            <p:ph sz="half" idx="1"/>
-          </p:nvPr>
-        </p:nvSpPr>
-        <p:spPr>
-          <a:xfrm>
-            <a:off x="873102" y="2789239"/>
-            <a:ext cx="5768442" cy="2683606"/>
-          </a:xfrm>
-        </p:spPr>
-        <p:txBody>
-          <a:bodyPr vert="horz" lIns="91440" tIns="45720" rIns="91440" bIns="45720" rtlCol="0" anchor="ctr">
-            <a:normAutofit/>
-          </a:bodyPr>
-          <a:lstStyle/>
-          <a:p>
-            <a:r>
-              <a:rPr lang="en-US" sz="1600" dirty="0">
-                <a:solidFill>
-                  <a:srgbClr val="FFFFFE"/>
-                </a:solidFill>
-              </a:rPr>
-              <a:t>The adapter pattern convert the interface of a class into another interface clients expect. Adapter lets classes work together that couldn’t otherwise because of incompatible interfaces.</a:t>
-            </a:r>
-          </a:p>
-          <a:p>
-            <a:r>
-              <a:rPr lang="en-US" sz="1600" dirty="0">
-                <a:solidFill>
-                  <a:srgbClr val="FFFFFE"/>
-                </a:solidFill>
-              </a:rPr>
-              <a:t>In our framework we could apply Adapter patter by adapting the methods in the </a:t>
-            </a:r>
-            <a:r>
-              <a:rPr lang="en-US" sz="1600" dirty="0" err="1">
-                <a:solidFill>
-                  <a:srgbClr val="FFFFFE"/>
-                </a:solidFill>
-              </a:rPr>
-              <a:t>Adaptee</a:t>
-            </a:r>
-            <a:r>
-              <a:rPr lang="en-US" sz="1600" dirty="0">
-                <a:solidFill>
-                  <a:srgbClr val="FFFFFE"/>
-                </a:solidFill>
-              </a:rPr>
-              <a:t> </a:t>
-            </a:r>
-            <a:r>
-              <a:rPr lang="en-US" sz="1600" dirty="0" err="1">
-                <a:solidFill>
-                  <a:srgbClr val="FFFFFE"/>
-                </a:solidFill>
-              </a:rPr>
-              <a:t>JDBCManager</a:t>
-            </a:r>
-            <a:r>
-              <a:rPr lang="en-US" sz="1600" dirty="0">
-                <a:solidFill>
-                  <a:srgbClr val="FFFFFE"/>
-                </a:solidFill>
-              </a:rPr>
-              <a:t> we could adapt multiple methods of </a:t>
-            </a:r>
-            <a:r>
-              <a:rPr lang="en-US" sz="1600" dirty="0" err="1">
-                <a:solidFill>
-                  <a:srgbClr val="FFFFFE"/>
-                </a:solidFill>
-              </a:rPr>
-              <a:t>JDBCManager</a:t>
-            </a:r>
-            <a:r>
-              <a:rPr lang="en-US" sz="1600" dirty="0">
-                <a:solidFill>
-                  <a:srgbClr val="FFFFFE"/>
-                </a:solidFill>
-              </a:rPr>
-              <a:t>.</a:t>
-            </a:r>
-          </a:p>
-        </p:txBody>
-      </p:sp>
-      <p:sp>
-        <p:nvSpPr>
-          <p:cNvPr id="50" name="Rectangle 49">
-            <a:extLst>
-              <a:ext uri="{FF2B5EF4-FFF2-40B4-BE49-F238E27FC236}">
-                <a16:creationId xmlns:a16="http://schemas.microsoft.com/office/drawing/2014/main" id="{19959CDE-EE43-4BAD-B6E8-209CD5F19554}"/>
-              </a:ext>
-              <a:ext uri="{C183D7F6-B498-43B3-948B-1728B52AA6E4}">
-                <adec:decorative xmlns:adec="http://schemas.microsoft.com/office/drawing/2017/decorative" val="1"/>
-              </a:ext>
-            </a:extLst>
-          </p:cNvPr>
-          <p:cNvSpPr>
-            <a:spLocks noGrp="1" noRot="1" noChangeAspect="1" noMove="1" noResize="1" noEditPoints="1" noAdjustHandles="1" noChangeArrowheads="1" noChangeShapeType="1" noTextEdit="1"/>
-          </p:cNvSpPr>
-          <p:nvPr>
-            <p:extLst>
-              <p:ext uri="{386F3935-93C4-4BCD-93E2-E3B085C9AB24}">
-                <p16:designElem xmlns:p16="http://schemas.microsoft.com/office/powerpoint/2015/main" val="1"/>
-              </p:ext>
-            </p:extLst>
-          </p:nvPr>
-        </p:nvSpPr>
-        <p:spPr>
-          <a:xfrm>
-            <a:off x="7549862" y="-6706"/>
-            <a:ext cx="4642138" cy="6871125"/>
-          </a:xfrm>
-          <a:prstGeom prst="rect">
-            <a:avLst/>
-          </a:prstGeom>
-          <a:solidFill>
-            <a:schemeClr val="bg1"/>
-          </a:solidFill>
-          <a:ln w="9525">
-            <a:solidFill>
-              <a:schemeClr val="tx1">
-                <a:alpha val="20000"/>
-              </a:schemeClr>
-            </a:solidFill>
-          </a:ln>
-        </p:spPr>
-        <p:style>
-          <a:lnRef idx="2">
-            <a:schemeClr val="accent1">
-              <a:shade val="50000"/>
-            </a:schemeClr>
-          </a:lnRef>
-          <a:fillRef idx="1">
-            <a:schemeClr val="accent1"/>
-          </a:fillRef>
-          <a:effectRef idx="0">
-            <a:schemeClr val="accent1"/>
-          </a:effectRef>
-          <a:fontRef idx="minor">
-            <a:schemeClr val="lt1"/>
-          </a:fontRef>
-        </p:style>
-        <p:txBody>
-          <a:bodyPr rtlCol="0" anchor="ctr"/>
-          <a:lstStyle/>
-          <a:p>
-            <a:pPr algn="ctr"/>
-            <a:endParaRPr lang="en-US"/>
-          </a:p>
-        </p:txBody>
-      </p:sp>
       <p:pic>
         <p:nvPicPr>
-          <p:cNvPr id="14" name="Content Placeholder 13" descr="A screenshot of a cell phone&#10;&#10;Description automatically generated">
-            <a:extLst>
-              <a:ext uri="{FF2B5EF4-FFF2-40B4-BE49-F238E27FC236}">
-                <a16:creationId xmlns:a16="http://schemas.microsoft.com/office/drawing/2014/main" id="{EEE64615-7C97-462B-A347-2A9F7B3BDCF8}"/>
+          <p:cNvPr id="3" name="Picture 2">
+            <a:extLst>
+              <a:ext uri="{FF2B5EF4-FFF2-40B4-BE49-F238E27FC236}">
+                <a16:creationId xmlns:a16="http://schemas.microsoft.com/office/drawing/2014/main" id="{D58C972F-FFBF-436B-A77B-5AA09D2F9C1E}"/>
               </a:ext>
             </a:extLst>
           </p:cNvPr>
           <p:cNvPicPr>
-            <a:picLocks noGrp="1" noChangeAspect="1"/>
+            <a:picLocks noChangeAspect="1"/>
           </p:cNvPicPr>
-          <p:nvPr>
-            <p:ph sz="half" idx="2"/>
-          </p:nvPr>
+          <p:nvPr/>
         </p:nvPicPr>
         <p:blipFill>
-          <a:blip r:embed="rId2">
-            <a:extLst>
-              <a:ext uri="{28A0092B-C50C-407E-A947-70E740481C1C}">
-                <a14:useLocalDpi xmlns:a14="http://schemas.microsoft.com/office/drawing/2010/main" val="0"/>
-              </a:ext>
-            </a:extLst>
-          </a:blip>
+          <a:blip r:embed="rId3"/>
           <a:stretch>
             <a:fillRect/>
           </a:stretch>
         </p:blipFill>
         <p:spPr>
           <a:xfrm>
-            <a:off x="8377429" y="320039"/>
-            <a:ext cx="2988991" cy="6227065"/>
+            <a:off x="714376" y="0"/>
+            <a:ext cx="10768012" cy="6858000"/>
           </a:xfrm>
           <a:prstGeom prst="rect">
             <a:avLst/>
@@ -8999,7 +7097,7 @@
     </p:spTree>
     <p:extLst>
       <p:ext uri="{BB962C8B-B14F-4D97-AF65-F5344CB8AC3E}">
-        <p14:creationId xmlns:p14="http://schemas.microsoft.com/office/powerpoint/2010/main" val="1116465590"/>
+        <p14:creationId xmlns:p14="http://schemas.microsoft.com/office/powerpoint/2010/main" val="1123902073"/>
       </p:ext>
     </p:extLst>
   </p:cSld>
@@ -9036,24 +7134,116 @@
       </p:grpSpPr>
       <p:sp>
         <p:nvSpPr>
-          <p:cNvPr id="2" name="Title 1">
-            <a:extLst>
-              <a:ext uri="{FF2B5EF4-FFF2-40B4-BE49-F238E27FC236}">
-                <a16:creationId xmlns:a16="http://schemas.microsoft.com/office/drawing/2014/main" id="{A9220CA8-30D6-4B70-A427-F59405C9B0FD}"/>
-              </a:ext>
-            </a:extLst>
-          </p:cNvPr>
-          <p:cNvSpPr>
-            <a:spLocks noGrp="1"/>
-          </p:cNvSpPr>
-          <p:nvPr>
-            <p:ph type="title"/>
+          <p:cNvPr id="55" name="Rectangle 54">
+            <a:extLst>
+              <a:ext uri="{FF2B5EF4-FFF2-40B4-BE49-F238E27FC236}">
+                <a16:creationId xmlns:a16="http://schemas.microsoft.com/office/drawing/2014/main" id="{4038CB10-1F5C-4D54-9DF7-12586DE5B007}"/>
+              </a:ext>
+              <a:ext uri="{C183D7F6-B498-43B3-948B-1728B52AA6E4}">
+                <adec:decorative xmlns:adec="http://schemas.microsoft.com/office/drawing/2017/decorative" val="1"/>
+              </a:ext>
+            </a:extLst>
+          </p:cNvPr>
+          <p:cNvSpPr>
+            <a:spLocks noGrp="1" noRot="1" noChangeAspect="1" noMove="1" noResize="1" noEditPoints="1" noAdjustHandles="1" noChangeArrowheads="1" noChangeShapeType="1" noTextEdit="1"/>
+          </p:cNvSpPr>
+          <p:nvPr>
+            <p:extLst>
+              <p:ext uri="{386F3935-93C4-4BCD-93E2-E3B085C9AB24}">
+                <p16:designElem xmlns:p16="http://schemas.microsoft.com/office/powerpoint/2015/main" val="1"/>
+              </p:ext>
+            </p:extLst>
           </p:nvPr>
         </p:nvSpPr>
         <p:spPr>
           <a:xfrm>
-            <a:off x="648929" y="629266"/>
-            <a:ext cx="3651467" cy="1676603"/>
+            <a:off x="327546" y="4572000"/>
+            <a:ext cx="7058307" cy="1964266"/>
+          </a:xfrm>
+          <a:prstGeom prst="rect">
+            <a:avLst/>
+          </a:prstGeom>
+          <a:solidFill>
+            <a:schemeClr val="accent1"/>
+          </a:solidFill>
+          <a:ln>
+            <a:noFill/>
+          </a:ln>
+        </p:spPr>
+        <p:style>
+          <a:lnRef idx="2">
+            <a:schemeClr val="accent1">
+              <a:shade val="50000"/>
+            </a:schemeClr>
+          </a:lnRef>
+          <a:fillRef idx="1">
+            <a:schemeClr val="accent1"/>
+          </a:fillRef>
+          <a:effectRef idx="0">
+            <a:schemeClr val="accent1"/>
+          </a:effectRef>
+          <a:fontRef idx="minor">
+            <a:schemeClr val="lt1"/>
+          </a:fontRef>
+        </p:style>
+        <p:txBody>
+          <a:bodyPr rtlCol="0" anchor="ctr"/>
+          <a:lstStyle/>
+          <a:p>
+            <a:pPr marL="0" marR="0" lvl="0" indent="0" algn="ctr" defTabSz="914400" rtl="0" eaLnBrk="1" fontAlgn="auto" latinLnBrk="0" hangingPunct="1">
+              <a:lnSpc>
+                <a:spcPct val="100000"/>
+              </a:lnSpc>
+              <a:spcBef>
+                <a:spcPts val="0"/>
+              </a:spcBef>
+              <a:spcAft>
+                <a:spcPts val="0"/>
+              </a:spcAft>
+              <a:buClrTx/>
+              <a:buSzTx/>
+              <a:buFontTx/>
+              <a:buNone/>
+              <a:tabLst/>
+              <a:defRPr/>
+            </a:pPr>
+            <a:endParaRPr kumimoji="0" lang="en-US" sz="1800" b="0" i="0" u="none" strike="noStrike" kern="1200" cap="none" spc="0" normalizeH="0" baseline="0" noProof="0">
+              <a:ln>
+                <a:noFill/>
+              </a:ln>
+              <a:solidFill>
+                <a:prstClr val="white"/>
+              </a:solidFill>
+              <a:effectLst/>
+              <a:uLnTx/>
+              <a:uFillTx/>
+              <a:latin typeface="Calibri" panose="020F0502020204030204"/>
+              <a:ea typeface="+mn-ea"/>
+              <a:cs typeface="+mn-cs"/>
+            </a:endParaRPr>
+          </a:p>
+        </p:txBody>
+      </p:sp>
+      <p:sp>
+        <p:nvSpPr>
+          <p:cNvPr id="2" name="Title 1">
+            <a:extLst>
+              <a:ext uri="{FF2B5EF4-FFF2-40B4-BE49-F238E27FC236}">
+                <a16:creationId xmlns:a16="http://schemas.microsoft.com/office/drawing/2014/main" id="{3184CA9D-5CB2-4601-81A3-BE42838070D9}"/>
+              </a:ext>
+            </a:extLst>
+          </p:cNvPr>
+          <p:cNvSpPr>
+            <a:spLocks noGrp="1"/>
+          </p:cNvSpPr>
+          <p:nvPr>
+            <p:ph type="title"/>
+          </p:nvPr>
+        </p:nvSpPr>
+        <p:spPr>
+          <a:xfrm>
+            <a:off x="524256" y="4767072"/>
+            <a:ext cx="6594189" cy="1625210"/>
           </a:xfrm>
         </p:spPr>
         <p:txBody>
@@ -9062,71 +7252,24 @@
           </a:bodyPr>
           <a:lstStyle/>
           <a:p>
-            <a:r>
-              <a:rPr lang="en-US" sz="2400" dirty="0">
+            <a:pPr algn="r"/>
+            <a:r>
+              <a:rPr lang="en-US">
                 <a:solidFill>
-                  <a:srgbClr val="FF0000"/>
+                  <a:srgbClr val="FFFFFF"/>
                 </a:solidFill>
-                <a:latin typeface="Algerian" panose="04020705040A02060702" pitchFamily="82" charset="0"/>
               </a:rPr>
-              <a:t>The Command Design pattern.</a:t>
-            </a:r>
-          </a:p>
-        </p:txBody>
-      </p:sp>
-      <p:sp>
-        <p:nvSpPr>
-          <p:cNvPr id="3" name="Content Placeholder 2">
-            <a:extLst>
-              <a:ext uri="{FF2B5EF4-FFF2-40B4-BE49-F238E27FC236}">
-                <a16:creationId xmlns:a16="http://schemas.microsoft.com/office/drawing/2014/main" id="{0370E019-BA1B-446D-977F-045B6962649B}"/>
-              </a:ext>
-            </a:extLst>
-          </p:cNvPr>
-          <p:cNvSpPr>
-            <a:spLocks noGrp="1"/>
-          </p:cNvSpPr>
-          <p:nvPr>
-            <p:ph sz="half" idx="1"/>
-          </p:nvPr>
-        </p:nvSpPr>
-        <p:spPr>
-          <a:xfrm>
-            <a:off x="648931" y="2438400"/>
-            <a:ext cx="3651466" cy="3785419"/>
-          </a:xfrm>
-        </p:spPr>
-        <p:txBody>
-          <a:bodyPr vert="horz" lIns="91440" tIns="45720" rIns="91440" bIns="45720" rtlCol="0">
-            <a:normAutofit lnSpcReduction="10000"/>
-          </a:bodyPr>
-          <a:lstStyle/>
-          <a:p>
-            <a:r>
-              <a:rPr lang="en-US" sz="2000" dirty="0">
-                <a:latin typeface="Times New Roman" panose="02020603050405020304" pitchFamily="18" charset="0"/>
-                <a:cs typeface="Times New Roman" panose="02020603050405020304" pitchFamily="18" charset="0"/>
-              </a:rPr>
-              <a:t>The command pattern encapsulates a request as an object, thereby letting us parameterize other objects with different requests, queue or log requests, and support undoable operations.</a:t>
-            </a:r>
-          </a:p>
-          <a:p>
-            <a:r>
-              <a:rPr lang="en-US" sz="2000" dirty="0">
-                <a:latin typeface="Times New Roman" panose="02020603050405020304" pitchFamily="18" charset="0"/>
-                <a:cs typeface="Times New Roman" panose="02020603050405020304" pitchFamily="18" charset="0"/>
-              </a:rPr>
-              <a:t>We used the command design pattern, to execute an operation both on BookSaveCommand to save book and MemberSaveCommand to save libraryMember appropriately at run time. </a:t>
+              <a:t>The Adapter Design Pattern </a:t>
             </a:r>
           </a:p>
         </p:txBody>
       </p:sp>
       <p:pic>
         <p:nvPicPr>
-          <p:cNvPr id="11" name="Content Placeholder 5">
-            <a:extLst>
-              <a:ext uri="{FF2B5EF4-FFF2-40B4-BE49-F238E27FC236}">
-                <a16:creationId xmlns:a16="http://schemas.microsoft.com/office/drawing/2014/main" id="{8FF15355-308B-42A3-AAAD-B0AB985671C7}"/>
+          <p:cNvPr id="7" name="Content Placeholder 6" descr="A close up of text on a white background&#10;&#10;Description automatically generated">
+            <a:extLst>
+              <a:ext uri="{FF2B5EF4-FFF2-40B4-BE49-F238E27FC236}">
+                <a16:creationId xmlns:a16="http://schemas.microsoft.com/office/drawing/2014/main" id="{9C54FE8C-1749-44A1-A94B-01410CB28A94}"/>
               </a:ext>
             </a:extLst>
           </p:cNvPr>
@@ -9138,31 +7281,235 @@
           </p:nvPr>
         </p:nvPicPr>
         <p:blipFill rotWithShape="1">
-          <a:blip r:embed="rId2">
+          <a:blip r:embed="rId3">
             <a:extLst>
               <a:ext uri="{28A0092B-C50C-407E-A947-70E740481C1C}">
                 <a14:useLocalDpi xmlns:a14="http://schemas.microsoft.com/office/drawing/2010/main" val="0"/>
               </a:ext>
             </a:extLst>
           </a:blip>
-          <a:srcRect l="9579" r="2588" b="-2"/>
+          <a:srcRect t="16719" r="1" b="2739"/>
           <a:stretch/>
         </p:blipFill>
         <p:spPr>
           <a:xfrm>
-            <a:off x="4639056" y="10"/>
-            <a:ext cx="7552944" cy="6857990"/>
+            <a:off x="327547" y="321733"/>
+            <a:ext cx="7058306" cy="4107392"/>
           </a:xfrm>
           <a:prstGeom prst="rect">
             <a:avLst/>
           </a:prstGeom>
-          <a:effectLst/>
         </p:spPr>
       </p:pic>
+      <p:sp>
+        <p:nvSpPr>
+          <p:cNvPr id="57" name="Rectangle 56">
+            <a:extLst>
+              <a:ext uri="{FF2B5EF4-FFF2-40B4-BE49-F238E27FC236}">
+                <a16:creationId xmlns:a16="http://schemas.microsoft.com/office/drawing/2014/main" id="{73ED6512-6858-4552-B699-9A97FE9A4EA2}"/>
+              </a:ext>
+              <a:ext uri="{C183D7F6-B498-43B3-948B-1728B52AA6E4}">
+                <adec:decorative xmlns:adec="http://schemas.microsoft.com/office/drawing/2017/decorative" val="1"/>
+              </a:ext>
+            </a:extLst>
+          </p:cNvPr>
+          <p:cNvSpPr>
+            <a:spLocks noGrp="1" noRot="1" noChangeAspect="1" noMove="1" noResize="1" noEditPoints="1" noAdjustHandles="1" noChangeArrowheads="1" noChangeShapeType="1" noTextEdit="1"/>
+          </p:cNvSpPr>
+          <p:nvPr>
+            <p:extLst>
+              <p:ext uri="{386F3935-93C4-4BCD-93E2-E3B085C9AB24}">
+                <p16:designElem xmlns:p16="http://schemas.microsoft.com/office/powerpoint/2015/main" val="1"/>
+              </p:ext>
+            </p:extLst>
+          </p:nvPr>
+        </p:nvSpPr>
+        <p:spPr>
+          <a:xfrm>
+            <a:off x="7534655" y="321732"/>
+            <a:ext cx="4335613" cy="6214534"/>
+          </a:xfrm>
+          <a:prstGeom prst="rect">
+            <a:avLst/>
+          </a:prstGeom>
+          <a:solidFill>
+            <a:srgbClr val="404040"/>
+          </a:solidFill>
+          <a:ln>
+            <a:noFill/>
+          </a:ln>
+        </p:spPr>
+        <p:style>
+          <a:lnRef idx="2">
+            <a:schemeClr val="accent1">
+              <a:shade val="50000"/>
+            </a:schemeClr>
+          </a:lnRef>
+          <a:fillRef idx="1">
+            <a:schemeClr val="accent1"/>
+          </a:fillRef>
+          <a:effectRef idx="0">
+            <a:schemeClr val="accent1"/>
+          </a:effectRef>
+          <a:fontRef idx="minor">
+            <a:schemeClr val="lt1"/>
+          </a:fontRef>
+        </p:style>
+        <p:txBody>
+          <a:bodyPr rtlCol="0" anchor="ctr"/>
+          <a:lstStyle/>
+          <a:p>
+            <a:pPr marL="0" marR="0" lvl="0" indent="0" algn="ctr" defTabSz="914400" rtl="0" eaLnBrk="1" fontAlgn="auto" latinLnBrk="0" hangingPunct="1">
+              <a:lnSpc>
+                <a:spcPct val="100000"/>
+              </a:lnSpc>
+              <a:spcBef>
+                <a:spcPts val="0"/>
+              </a:spcBef>
+              <a:spcAft>
+                <a:spcPts val="0"/>
+              </a:spcAft>
+              <a:buClrTx/>
+              <a:buSzTx/>
+              <a:buFontTx/>
+              <a:buNone/>
+              <a:tabLst/>
+              <a:defRPr/>
+            </a:pPr>
+            <a:endParaRPr kumimoji="0" lang="en-US" sz="1800" b="0" i="0" u="none" strike="noStrike" kern="1200" cap="none" spc="0" normalizeH="0" baseline="0" noProof="0">
+              <a:ln>
+                <a:noFill/>
+              </a:ln>
+              <a:solidFill>
+                <a:prstClr val="white"/>
+              </a:solidFill>
+              <a:effectLst/>
+              <a:uLnTx/>
+              <a:uFillTx/>
+              <a:latin typeface="Calibri" panose="020F0502020204030204"/>
+              <a:ea typeface="+mn-ea"/>
+              <a:cs typeface="+mn-cs"/>
+            </a:endParaRPr>
+          </a:p>
+        </p:txBody>
+      </p:sp>
+      <p:sp>
+        <p:nvSpPr>
+          <p:cNvPr id="3" name="Content Placeholder 2">
+            <a:extLst>
+              <a:ext uri="{FF2B5EF4-FFF2-40B4-BE49-F238E27FC236}">
+                <a16:creationId xmlns:a16="http://schemas.microsoft.com/office/drawing/2014/main" id="{54BC112D-94E8-4AE5-A232-80880E578DB7}"/>
+              </a:ext>
+            </a:extLst>
+          </p:cNvPr>
+          <p:cNvSpPr>
+            <a:spLocks noGrp="1"/>
+          </p:cNvSpPr>
+          <p:nvPr>
+            <p:ph sz="half" idx="1"/>
+          </p:nvPr>
+        </p:nvSpPr>
+        <p:spPr>
+          <a:xfrm>
+            <a:off x="8029319" y="917725"/>
+            <a:ext cx="3424739" cy="4852362"/>
+          </a:xfrm>
+        </p:spPr>
+        <p:txBody>
+          <a:bodyPr vert="horz" lIns="91440" tIns="45720" rIns="91440" bIns="45720" rtlCol="0" anchor="ctr">
+            <a:noAutofit/>
+          </a:bodyPr>
+          <a:lstStyle/>
+          <a:p>
+            <a:r>
+              <a:rPr lang="en-US" sz="2400" dirty="0">
+                <a:solidFill>
+                  <a:srgbClr val="FFFFFF"/>
+                </a:solidFill>
+                <a:latin typeface="Times New Roman" panose="02020603050405020304" pitchFamily="18" charset="0"/>
+                <a:cs typeface="Times New Roman" panose="02020603050405020304" pitchFamily="18" charset="0"/>
+              </a:rPr>
+              <a:t>The adapter pattern convert the interface of a class into another interface clients expect. Adapter lets classes work together that couldn’t otherwise because of incompatible interfaces.</a:t>
+            </a:r>
+          </a:p>
+          <a:p>
+            <a:r>
+              <a:rPr lang="en-US" sz="2400" dirty="0">
+                <a:solidFill>
+                  <a:srgbClr val="FFFFFF"/>
+                </a:solidFill>
+                <a:latin typeface="Times New Roman" panose="02020603050405020304" pitchFamily="18" charset="0"/>
+                <a:cs typeface="Times New Roman" panose="02020603050405020304" pitchFamily="18" charset="0"/>
+              </a:rPr>
+              <a:t>In our framework we could apply Adapter patter by adapting the methods in the </a:t>
+            </a:r>
+            <a:r>
+              <a:rPr lang="en-US" sz="2400" dirty="0" err="1">
+                <a:solidFill>
+                  <a:srgbClr val="FFFFFF"/>
+                </a:solidFill>
+                <a:latin typeface="Times New Roman" panose="02020603050405020304" pitchFamily="18" charset="0"/>
+                <a:cs typeface="Times New Roman" panose="02020603050405020304" pitchFamily="18" charset="0"/>
+              </a:rPr>
+              <a:t>Adaptee</a:t>
+            </a:r>
+            <a:r>
+              <a:rPr lang="en-US" sz="2400" dirty="0">
+                <a:solidFill>
+                  <a:srgbClr val="FFFFFF"/>
+                </a:solidFill>
+                <a:latin typeface="Times New Roman" panose="02020603050405020304" pitchFamily="18" charset="0"/>
+                <a:cs typeface="Times New Roman" panose="02020603050405020304" pitchFamily="18" charset="0"/>
+              </a:rPr>
+              <a:t> </a:t>
+            </a:r>
+            <a:r>
+              <a:rPr lang="en-US" sz="2400" dirty="0" err="1">
+                <a:solidFill>
+                  <a:srgbClr val="FFFFFF"/>
+                </a:solidFill>
+                <a:latin typeface="Times New Roman" panose="02020603050405020304" pitchFamily="18" charset="0"/>
+                <a:cs typeface="Times New Roman" panose="02020603050405020304" pitchFamily="18" charset="0"/>
+              </a:rPr>
+              <a:t>JDBCManager</a:t>
+            </a:r>
+            <a:r>
+              <a:rPr lang="en-US" sz="2400" dirty="0">
+                <a:solidFill>
+                  <a:srgbClr val="FFFFFF"/>
+                </a:solidFill>
+                <a:latin typeface="Times New Roman" panose="02020603050405020304" pitchFamily="18" charset="0"/>
+                <a:cs typeface="Times New Roman" panose="02020603050405020304" pitchFamily="18" charset="0"/>
+              </a:rPr>
+              <a:t> we could adapt multiple methods of </a:t>
+            </a:r>
+            <a:r>
+              <a:rPr lang="en-US" sz="2400" dirty="0" err="1">
+                <a:solidFill>
+                  <a:srgbClr val="FFFFFF"/>
+                </a:solidFill>
+                <a:latin typeface="Times New Roman" panose="02020603050405020304" pitchFamily="18" charset="0"/>
+                <a:cs typeface="Times New Roman" panose="02020603050405020304" pitchFamily="18" charset="0"/>
+              </a:rPr>
+              <a:t>JDBCManager</a:t>
+            </a:r>
+            <a:r>
+              <a:rPr lang="en-US" sz="2400" dirty="0">
+                <a:solidFill>
+                  <a:srgbClr val="FFFFFF"/>
+                </a:solidFill>
+                <a:latin typeface="Times New Roman" panose="02020603050405020304" pitchFamily="18" charset="0"/>
+                <a:cs typeface="Times New Roman" panose="02020603050405020304" pitchFamily="18" charset="0"/>
+              </a:rPr>
+              <a:t>.</a:t>
+            </a:r>
+          </a:p>
+        </p:txBody>
+      </p:sp>
     </p:spTree>
     <p:extLst>
       <p:ext uri="{BB962C8B-B14F-4D97-AF65-F5344CB8AC3E}">
-        <p14:creationId xmlns:p14="http://schemas.microsoft.com/office/powerpoint/2010/main" val="1502810934"/>
+        <p14:creationId xmlns:p14="http://schemas.microsoft.com/office/powerpoint/2010/main" val="1116465590"/>
       </p:ext>
     </p:extLst>
   </p:cSld>
@@ -9175,6 +7522,14 @@
 <file path=ppt/slides/slide9.xml><?xml version="1.0" encoding="utf-8"?>
 <p:sld xmlns:a="http://schemas.openxmlformats.org/drawingml/2006/main" xmlns:r="http://schemas.openxmlformats.org/officeDocument/2006/relationships" xmlns:p="http://schemas.openxmlformats.org/presentationml/2006/main">
   <p:cSld>
+    <p:bg>
+      <p:bgPr>
+        <a:solidFill>
+          <a:schemeClr val="bg1"/>
+        </a:solidFill>
+        <a:effectLst/>
+      </p:bgPr>
+    </p:bg>
     <p:spTree>
       <p:nvGrpSpPr>
         <p:cNvPr id="1" name=""/>
@@ -9191,10 +7546,102 @@
       </p:grpSpPr>
       <p:sp>
         <p:nvSpPr>
+          <p:cNvPr id="14" name="Rectangle 13">
+            <a:extLst>
+              <a:ext uri="{FF2B5EF4-FFF2-40B4-BE49-F238E27FC236}">
+                <a16:creationId xmlns:a16="http://schemas.microsoft.com/office/drawing/2014/main" id="{42A5316D-ED2F-4F89-B4B4-8D9240B1A348}"/>
+              </a:ext>
+              <a:ext uri="{C183D7F6-B498-43B3-948B-1728B52AA6E4}">
+                <adec:decorative xmlns:adec="http://schemas.microsoft.com/office/drawing/2017/decorative" val="1"/>
+              </a:ext>
+            </a:extLst>
+          </p:cNvPr>
+          <p:cNvSpPr>
+            <a:spLocks noGrp="1" noRot="1" noChangeAspect="1" noMove="1" noResize="1" noEditPoints="1" noAdjustHandles="1" noChangeArrowheads="1" noChangeShapeType="1" noTextEdit="1"/>
+          </p:cNvSpPr>
+          <p:nvPr>
+            <p:extLst>
+              <p:ext uri="{386F3935-93C4-4BCD-93E2-E3B085C9AB24}">
+                <p16:designElem xmlns:p16="http://schemas.microsoft.com/office/powerpoint/2015/main" val="1"/>
+              </p:ext>
+            </p:extLst>
+          </p:nvPr>
+        </p:nvSpPr>
+        <p:spPr>
+          <a:xfrm>
+            <a:off x="0" y="0"/>
+            <a:ext cx="2013557" cy="6858000"/>
+          </a:xfrm>
+          <a:prstGeom prst="rect">
+            <a:avLst/>
+          </a:prstGeom>
+          <a:solidFill>
+            <a:srgbClr val="7F7F7F"/>
+          </a:solidFill>
+          <a:ln>
+            <a:noFill/>
+          </a:ln>
+        </p:spPr>
+        <p:style>
+          <a:lnRef idx="2">
+            <a:schemeClr val="accent1">
+              <a:shade val="50000"/>
+            </a:schemeClr>
+          </a:lnRef>
+          <a:fillRef idx="1">
+            <a:schemeClr val="accent1"/>
+          </a:fillRef>
+          <a:effectRef idx="0">
+            <a:schemeClr val="accent1"/>
+          </a:effectRef>
+          <a:fontRef idx="minor">
+            <a:schemeClr val="lt1"/>
+          </a:fontRef>
+        </p:style>
+        <p:txBody>
+          <a:bodyPr rtlCol="0" anchor="ctr"/>
+          <a:lstStyle/>
+          <a:p>
+            <a:pPr marL="0" marR="0" lvl="0" indent="0" algn="ctr" defTabSz="914400" rtl="0" eaLnBrk="1" fontAlgn="auto" latinLnBrk="0" hangingPunct="1">
+              <a:lnSpc>
+                <a:spcPct val="100000"/>
+              </a:lnSpc>
+              <a:spcBef>
+                <a:spcPts val="0"/>
+              </a:spcBef>
+              <a:spcAft>
+                <a:spcPts val="0"/>
+              </a:spcAft>
+              <a:buClrTx/>
+              <a:buSzTx/>
+              <a:buFontTx/>
+              <a:buNone/>
+              <a:tabLst/>
+              <a:defRPr/>
+            </a:pPr>
+            <a:endParaRPr kumimoji="0" lang="en-US" sz="1800" b="0" i="0" u="none" strike="noStrike" kern="1200" cap="none" spc="0" normalizeH="0" baseline="0" noProof="0">
+              <a:ln>
+                <a:noFill/>
+              </a:ln>
+              <a:solidFill>
+                <a:prstClr val="white"/>
+              </a:solidFill>
+              <a:effectLst/>
+              <a:uLnTx/>
+              <a:uFillTx/>
+              <a:latin typeface="Calibri" panose="020F0502020204030204"/>
+              <a:ea typeface="+mn-ea"/>
+              <a:cs typeface="+mn-cs"/>
+            </a:endParaRPr>
+          </a:p>
+        </p:txBody>
+      </p:sp>
+      <p:sp>
+        <p:nvSpPr>
           <p:cNvPr id="2" name="Title 1">
             <a:extLst>
               <a:ext uri="{FF2B5EF4-FFF2-40B4-BE49-F238E27FC236}">
-                <a16:creationId xmlns:a16="http://schemas.microsoft.com/office/drawing/2014/main" id="{BB1C8B70-65E5-42E8-A5F3-96EB1D42B80E}"/>
+                <a16:creationId xmlns:a16="http://schemas.microsoft.com/office/drawing/2014/main" id="{A9220CA8-30D6-4B70-A427-F59405C9B0FD}"/>
               </a:ext>
             </a:extLst>
           </p:cNvPr>
@@ -9205,99 +7652,50 @@
             <p:ph type="title"/>
           </p:nvPr>
         </p:nvSpPr>
-        <p:spPr/>
-        <p:txBody>
-          <a:bodyPr>
+        <p:spPr>
+          <a:xfrm>
+            <a:off x="694510" y="1487272"/>
+            <a:ext cx="2743200" cy="2743200"/>
+          </a:xfrm>
+          <a:prstGeom prst="ellipse">
+            <a:avLst/>
+          </a:prstGeom>
+          <a:solidFill>
+            <a:srgbClr val="262626"/>
+          </a:solidFill>
+          <a:ln w="174625" cmpd="thinThick">
+            <a:solidFill>
+              <a:srgbClr val="262626"/>
+            </a:solidFill>
+          </a:ln>
+        </p:spPr>
+        <p:txBody>
+          <a:bodyPr vert="horz" lIns="91440" tIns="45720" rIns="91440" bIns="45720" rtlCol="0" anchor="ctr">
             <a:normAutofit/>
           </a:bodyPr>
           <a:lstStyle/>
           <a:p>
-            <a:r>
-              <a:rPr lang="en-US" sz="3200" dirty="0">
+            <a:pPr algn="ctr"/>
+            <a:r>
+              <a:rPr lang="en-US" sz="2600" kern="1200">
                 <a:solidFill>
-                  <a:srgbClr val="FF0000"/>
+                  <a:srgbClr val="FFFFFF"/>
                 </a:solidFill>
-                <a:latin typeface="Algerian" panose="04020705040A02060702" pitchFamily="82" charset="0"/>
+                <a:latin typeface="+mj-lt"/>
+                <a:ea typeface="+mj-ea"/>
+                <a:cs typeface="+mj-cs"/>
               </a:rPr>
-              <a:t>The Façade Design </a:t>
-            </a:r>
-            <a:br>
-              <a:rPr lang="en-US" sz="3200" dirty="0">
-                <a:solidFill>
-                  <a:srgbClr val="FF0000"/>
-                </a:solidFill>
-                <a:latin typeface="Algerian" panose="04020705040A02060702" pitchFamily="82" charset="0"/>
-              </a:rPr>
-            </a:br>
-            <a:r>
-              <a:rPr lang="en-US" sz="3200" dirty="0">
-                <a:solidFill>
-                  <a:srgbClr val="FF0000"/>
-                </a:solidFill>
-                <a:latin typeface="Algerian" panose="04020705040A02060702" pitchFamily="82" charset="0"/>
-              </a:rPr>
-              <a:t>Pattern </a:t>
-            </a:r>
-          </a:p>
-        </p:txBody>
-      </p:sp>
-      <p:sp>
-        <p:nvSpPr>
-          <p:cNvPr id="3" name="Content Placeholder 2">
-            <a:extLst>
-              <a:ext uri="{FF2B5EF4-FFF2-40B4-BE49-F238E27FC236}">
-                <a16:creationId xmlns:a16="http://schemas.microsoft.com/office/drawing/2014/main" id="{BB8B2174-5F9D-46D8-9389-ED0280AFB54F}"/>
-              </a:ext>
-            </a:extLst>
-          </p:cNvPr>
-          <p:cNvSpPr>
-            <a:spLocks noGrp="1"/>
-          </p:cNvSpPr>
-          <p:nvPr>
-            <p:ph sz="half" idx="1"/>
-          </p:nvPr>
-        </p:nvSpPr>
-        <p:spPr/>
-        <p:txBody>
-          <a:bodyPr>
-            <a:normAutofit/>
-          </a:bodyPr>
-          <a:lstStyle/>
-          <a:p>
-            <a:r>
-              <a:rPr lang="en-US" sz="1800" dirty="0">
-                <a:latin typeface="Times New Roman" panose="02020603050405020304" pitchFamily="18" charset="0"/>
-                <a:cs typeface="Times New Roman" panose="02020603050405020304" pitchFamily="18" charset="0"/>
-              </a:rPr>
-              <a:t>Facade pattern hides the complexities of the system and provides an interface to the client using which the client can access the system. This type of design pattern comes under structural pattern as this pattern adds an interface to existing system to hide its complexities.</a:t>
-            </a:r>
-          </a:p>
-          <a:p>
-            <a:r>
-              <a:rPr lang="en-US" sz="1800" dirty="0">
-                <a:latin typeface="Times New Roman" panose="02020603050405020304" pitchFamily="18" charset="0"/>
-                <a:cs typeface="Times New Roman" panose="02020603050405020304" pitchFamily="18" charset="0"/>
-              </a:rPr>
-              <a:t>This pattern involves a single class which provides simplified methods required by client and delegates calls to methods of existing system classes.</a:t>
-            </a:r>
-          </a:p>
-          <a:p>
-            <a:r>
-              <a:rPr lang="en-US" sz="1800" dirty="0">
-                <a:latin typeface="Times New Roman" panose="02020603050405020304" pitchFamily="18" charset="0"/>
-                <a:cs typeface="Times New Roman" panose="02020603050405020304" pitchFamily="18" charset="0"/>
-              </a:rPr>
-              <a:t>We apply façade design pattern by JDBCManager Context class which has bunch of methods, which creates an instance of several Class, this will help Client to invoke this Class instead of invoking several classes to create an object. </a:t>
+              <a:t>The Command Design pattern.</a:t>
             </a:r>
           </a:p>
         </p:txBody>
       </p:sp>
       <p:pic>
         <p:nvPicPr>
-          <p:cNvPr id="6" name="Content Placeholder 5" descr="A screenshot of a social media post&#10;&#10;Description automatically generated">
-            <a:extLst>
-              <a:ext uri="{FF2B5EF4-FFF2-40B4-BE49-F238E27FC236}">
-                <a16:creationId xmlns:a16="http://schemas.microsoft.com/office/drawing/2014/main" id="{DF934753-936F-4162-BFAC-E846C4453AB2}"/>
+          <p:cNvPr id="9" name="Content Placeholder 8" descr="A close up of a logo&#10;&#10;Description automatically generated">
+            <a:extLst>
+              <a:ext uri="{FF2B5EF4-FFF2-40B4-BE49-F238E27FC236}">
+                <a16:creationId xmlns:a16="http://schemas.microsoft.com/office/drawing/2014/main" id="{279FAD28-3B36-4983-A45C-8D496545BB9D}"/>
               </a:ext>
             </a:extLst>
           </p:cNvPr>
@@ -9322,15 +7720,107 @@
         </p:blipFill>
         <p:spPr>
           <a:xfrm>
-            <a:off x="6172200" y="365125"/>
-            <a:ext cx="5181600" cy="5627271"/>
+            <a:off x="4038600" y="1313299"/>
+            <a:ext cx="6308461" cy="3091146"/>
+          </a:xfrm>
+          <a:prstGeom prst="rect">
+            <a:avLst/>
+          </a:prstGeom>
+        </p:spPr>
+      </p:pic>
+      <p:sp>
+        <p:nvSpPr>
+          <p:cNvPr id="3" name="Content Placeholder 2">
+            <a:extLst>
+              <a:ext uri="{FF2B5EF4-FFF2-40B4-BE49-F238E27FC236}">
+                <a16:creationId xmlns:a16="http://schemas.microsoft.com/office/drawing/2014/main" id="{0370E019-BA1B-446D-977F-045B6962649B}"/>
+              </a:ext>
+            </a:extLst>
+          </p:cNvPr>
+          <p:cNvSpPr>
+            <a:spLocks noGrp="1"/>
+          </p:cNvSpPr>
+          <p:nvPr>
+            <p:ph sz="half" idx="1"/>
+          </p:nvPr>
+        </p:nvSpPr>
+        <p:spPr>
+          <a:xfrm>
+            <a:off x="4038600" y="4561490"/>
+            <a:ext cx="7188199" cy="1615473"/>
           </a:xfrm>
         </p:spPr>
-      </p:pic>
+        <p:txBody>
+          <a:bodyPr vert="horz" lIns="91440" tIns="45720" rIns="91440" bIns="45720" rtlCol="0">
+            <a:noAutofit/>
+          </a:bodyPr>
+          <a:lstStyle/>
+          <a:p>
+            <a:r>
+              <a:rPr lang="en-US" sz="1800" dirty="0">
+                <a:latin typeface="Times New Roman" panose="02020603050405020304" pitchFamily="18" charset="0"/>
+                <a:cs typeface="Times New Roman" panose="02020603050405020304" pitchFamily="18" charset="0"/>
+              </a:rPr>
+              <a:t>The command pattern encapsulates a request as an object, thereby letting us parameterize other objects with different requests, queue or log requests, and support undoable operations.</a:t>
+            </a:r>
+          </a:p>
+          <a:p>
+            <a:r>
+              <a:rPr lang="en-US" sz="1800" dirty="0">
+                <a:latin typeface="Times New Roman" panose="02020603050405020304" pitchFamily="18" charset="0"/>
+                <a:cs typeface="Times New Roman" panose="02020603050405020304" pitchFamily="18" charset="0"/>
+              </a:rPr>
+              <a:t>We used the command design pattern, to execute an operation both on </a:t>
+            </a:r>
+            <a:r>
+              <a:rPr lang="en-US" sz="1800" dirty="0" err="1">
+                <a:latin typeface="Times New Roman" panose="02020603050405020304" pitchFamily="18" charset="0"/>
+                <a:cs typeface="Times New Roman" panose="02020603050405020304" pitchFamily="18" charset="0"/>
+              </a:rPr>
+              <a:t>BookSaveCommand</a:t>
+            </a:r>
+            <a:r>
+              <a:rPr lang="en-US" sz="1800" dirty="0">
+                <a:latin typeface="Times New Roman" panose="02020603050405020304" pitchFamily="18" charset="0"/>
+                <a:cs typeface="Times New Roman" panose="02020603050405020304" pitchFamily="18" charset="0"/>
+              </a:rPr>
+              <a:t> to save book and </a:t>
+            </a:r>
+            <a:r>
+              <a:rPr lang="en-US" sz="1800" dirty="0" err="1">
+                <a:latin typeface="Times New Roman" panose="02020603050405020304" pitchFamily="18" charset="0"/>
+                <a:cs typeface="Times New Roman" panose="02020603050405020304" pitchFamily="18" charset="0"/>
+              </a:rPr>
+              <a:t>MemberSaveCommand</a:t>
+            </a:r>
+            <a:r>
+              <a:rPr lang="en-US" sz="1800" dirty="0">
+                <a:latin typeface="Times New Roman" panose="02020603050405020304" pitchFamily="18" charset="0"/>
+                <a:cs typeface="Times New Roman" panose="02020603050405020304" pitchFamily="18" charset="0"/>
+              </a:rPr>
+              <a:t> to save </a:t>
+            </a:r>
+            <a:r>
+              <a:rPr lang="en-US" sz="1800" dirty="0" err="1">
+                <a:latin typeface="Times New Roman" panose="02020603050405020304" pitchFamily="18" charset="0"/>
+                <a:cs typeface="Times New Roman" panose="02020603050405020304" pitchFamily="18" charset="0"/>
+              </a:rPr>
+              <a:t>libraryMember</a:t>
+            </a:r>
+            <a:r>
+              <a:rPr lang="en-US" sz="1800" dirty="0">
+                <a:latin typeface="Times New Roman" panose="02020603050405020304" pitchFamily="18" charset="0"/>
+                <a:cs typeface="Times New Roman" panose="02020603050405020304" pitchFamily="18" charset="0"/>
+              </a:rPr>
+              <a:t> appropriately at run time. </a:t>
+            </a:r>
+          </a:p>
+        </p:txBody>
+      </p:sp>
     </p:spTree>
     <p:extLst>
       <p:ext uri="{BB962C8B-B14F-4D97-AF65-F5344CB8AC3E}">
-        <p14:creationId xmlns:p14="http://schemas.microsoft.com/office/powerpoint/2010/main" val="797789501"/>
+        <p14:creationId xmlns:p14="http://schemas.microsoft.com/office/powerpoint/2010/main" val="1502810934"/>
       </p:ext>
     </p:extLst>
   </p:cSld>

--- a/New Microsoft PowerPoint Presentation1.pptx
+++ b/New Microsoft PowerPoint Presentation1.pptx
@@ -5,7 +5,7 @@
     <p:sldMasterId id="2147483648" r:id="rId1"/>
   </p:sldMasterIdLst>
   <p:notesMasterIdLst>
-    <p:notesMasterId r:id="rId16"/>
+    <p:notesMasterId r:id="rId17"/>
   </p:notesMasterIdLst>
   <p:sldIdLst>
     <p:sldId id="265" r:id="rId2"/>
@@ -18,10 +18,11 @@
     <p:sldId id="259" r:id="rId9"/>
     <p:sldId id="260" r:id="rId10"/>
     <p:sldId id="261" r:id="rId11"/>
-    <p:sldId id="271" r:id="rId12"/>
-    <p:sldId id="272" r:id="rId13"/>
-    <p:sldId id="273" r:id="rId14"/>
-    <p:sldId id="264" r:id="rId15"/>
+    <p:sldId id="274" r:id="rId12"/>
+    <p:sldId id="271" r:id="rId13"/>
+    <p:sldId id="272" r:id="rId14"/>
+    <p:sldId id="273" r:id="rId15"/>
+    <p:sldId id="275" r:id="rId16"/>
   </p:sldIdLst>
   <p:sldSz cx="12192000" cy="6858000"/>
   <p:notesSz cx="6858000" cy="9144000"/>
@@ -4936,10 +4937,10 @@
       </p:grpSpPr>
       <p:sp>
         <p:nvSpPr>
-          <p:cNvPr id="12" name="Rectangle 11">
-            <a:extLst>
-              <a:ext uri="{FF2B5EF4-FFF2-40B4-BE49-F238E27FC236}">
-                <a16:creationId xmlns:a16="http://schemas.microsoft.com/office/drawing/2014/main" id="{81AEB8A9-B768-4E30-BA55-D919E6687343}"/>
+          <p:cNvPr id="11" name="Down Arrow 7">
+            <a:extLst>
+              <a:ext uri="{FF2B5EF4-FFF2-40B4-BE49-F238E27FC236}">
+                <a16:creationId xmlns:a16="http://schemas.microsoft.com/office/drawing/2014/main" id="{73DE2CFE-42F2-48F0-8706-5264E012B10C}"/>
               </a:ext>
               <a:ext uri="{C183D7F6-B498-43B3-948B-1728B52AA6E4}">
                 <adec:decorative xmlns:adec="http://schemas.microsoft.com/office/drawing/2017/decorative" val="1"/>
@@ -4958,17 +4959,20 @@
           </p:nvPr>
         </p:nvSpPr>
         <p:spPr>
-          <a:xfrm>
-            <a:off x="-10001" y="-2"/>
-            <a:ext cx="4069936" cy="6858002"/>
+          <a:xfrm rot="16200000">
+            <a:off x="1288521" y="381403"/>
+            <a:ext cx="2200313" cy="3342508"/>
           </a:xfrm>
-          <a:prstGeom prst="rect">
-            <a:avLst/>
+          <a:prstGeom prst="downArrow">
+            <a:avLst>
+              <a:gd name="adj1" fmla="val 100000"/>
+              <a:gd name="adj2" fmla="val 15788"/>
+            </a:avLst>
           </a:prstGeom>
           <a:solidFill>
-            <a:schemeClr val="accent1"/>
+            <a:srgbClr val="404040"/>
           </a:solidFill>
-          <a:ln>
+          <a:ln w="53975">
             <a:noFill/>
           </a:ln>
         </p:spPr>
@@ -5031,7 +5035,7 @@
           <p:cNvPr id="2" name="Title 1">
             <a:extLst>
               <a:ext uri="{FF2B5EF4-FFF2-40B4-BE49-F238E27FC236}">
-                <a16:creationId xmlns:a16="http://schemas.microsoft.com/office/drawing/2014/main" id="{28470DE5-3119-435F-8FD0-FE02614C95AA}"/>
+                <a16:creationId xmlns:a16="http://schemas.microsoft.com/office/drawing/2014/main" id="{9A359AA7-1D0E-456F-85C1-F3CF1A3621DD}"/>
               </a:ext>
             </a:extLst>
           </p:cNvPr>
@@ -5044,8 +5048,8 @@
         </p:nvSpPr>
         <p:spPr>
           <a:xfrm>
-            <a:off x="643467" y="640080"/>
-            <a:ext cx="3096427" cy="5613236"/>
+            <a:off x="966952" y="1204108"/>
+            <a:ext cx="2669406" cy="1781175"/>
           </a:xfrm>
         </p:spPr>
         <p:txBody>
@@ -5055,7 +5059,7 @@
           <a:lstStyle/>
           <a:p>
             <a:r>
-              <a:rPr lang="en-US" kern="1200">
+              <a:rPr lang="en-US" sz="3200" kern="1200">
                 <a:solidFill>
                   <a:srgbClr val="FFFFFF"/>
                 </a:solidFill>
@@ -5063,7 +5067,7 @@
                 <a:ea typeface="+mj-ea"/>
                 <a:cs typeface="+mj-cs"/>
               </a:rPr>
-              <a:t>The Strategy Design Pattern </a:t>
+              <a:t>The Factory Design Pattern</a:t>
             </a:r>
           </a:p>
         </p:txBody>
@@ -5073,7 +5077,7 @@
           <p:cNvPr id="3" name="Content Placeholder 2">
             <a:extLst>
               <a:ext uri="{FF2B5EF4-FFF2-40B4-BE49-F238E27FC236}">
-                <a16:creationId xmlns:a16="http://schemas.microsoft.com/office/drawing/2014/main" id="{02568E4E-F1A3-47BB-BD09-89BE0D0FBC2F}"/>
+                <a16:creationId xmlns:a16="http://schemas.microsoft.com/office/drawing/2014/main" id="{75461F02-4835-4E58-A7AB-8397C8D68D81}"/>
               </a:ext>
             </a:extLst>
           </p:cNvPr>
@@ -5086,41 +5090,41 @@
         </p:nvSpPr>
         <p:spPr>
           <a:xfrm>
-            <a:off x="4699818" y="640082"/>
-            <a:ext cx="6848715" cy="2484884"/>
+            <a:off x="966951" y="3236892"/>
+            <a:ext cx="2669407" cy="2668608"/>
           </a:xfrm>
         </p:spPr>
         <p:txBody>
-          <a:bodyPr vert="horz" lIns="91440" tIns="45720" rIns="91440" bIns="45720" rtlCol="0" anchor="ctr">
-            <a:normAutofit/>
+          <a:bodyPr vert="horz" lIns="91440" tIns="45720" rIns="91440" bIns="45720" rtlCol="0">
+            <a:noAutofit/>
           </a:bodyPr>
           <a:lstStyle/>
           <a:p>
             <a:r>
-              <a:rPr lang="en-US" sz="2000"/>
-              <a:t>We applied Strategy pattern, In our FileCompressor class.</a:t>
-            </a:r>
-          </a:p>
-          <a:p>
-            <a:r>
-              <a:rPr lang="en-US" sz="2000"/>
-              <a:t> The FileCompressor class is our context and the CompressionStrategy is our Strategy.</a:t>
-            </a:r>
-          </a:p>
-          <a:p>
-            <a:r>
-              <a:rPr lang="en-US" sz="2000"/>
-              <a:t>The ZipCompressionStrategy and RarCompressionStrategy Class are ConcreteStrategy which overrides the compressFile() abstract method. </a:t>
+              <a:rPr lang="en-US" sz="1800" dirty="0">
+                <a:latin typeface="Times New Roman" panose="02020603050405020304" pitchFamily="18" charset="0"/>
+                <a:cs typeface="Times New Roman" panose="02020603050405020304" pitchFamily="18" charset="0"/>
+              </a:rPr>
+              <a:t>The Factory Pattern will decouple client and concrete class. </a:t>
+            </a:r>
+          </a:p>
+          <a:p>
+            <a:r>
+              <a:rPr lang="en-US" sz="1800" dirty="0">
+                <a:latin typeface="Times New Roman" panose="02020603050405020304" pitchFamily="18" charset="0"/>
+                <a:cs typeface="Times New Roman" panose="02020603050405020304" pitchFamily="18" charset="0"/>
+              </a:rPr>
+              <a:t>In our framework we applied factory method, In DataAccessFactory where the client interacts in order to crate an instance of the concrete class.  </a:t>
             </a:r>
           </a:p>
         </p:txBody>
       </p:sp>
       <p:pic>
         <p:nvPicPr>
-          <p:cNvPr id="7" name="Content Placeholder 6" descr="A screenshot of a cell phone&#10;&#10;Description automatically generated">
-            <a:extLst>
-              <a:ext uri="{FF2B5EF4-FFF2-40B4-BE49-F238E27FC236}">
-                <a16:creationId xmlns:a16="http://schemas.microsoft.com/office/drawing/2014/main" id="{020004E5-BD10-41CB-AEE3-D8388566A198}"/>
+          <p:cNvPr id="6" name="Content Placeholder 5" descr="A close up of text on a white background&#10;&#10;Description automatically generated">
+            <a:extLst>
+              <a:ext uri="{FF2B5EF4-FFF2-40B4-BE49-F238E27FC236}">
+                <a16:creationId xmlns:a16="http://schemas.microsoft.com/office/drawing/2014/main" id="{220371E3-FB17-4D8A-B651-D5A13E513F77}"/>
               </a:ext>
             </a:extLst>
           </p:cNvPr>
@@ -5145,8 +5149,8 @@
         </p:blipFill>
         <p:spPr>
           <a:xfrm>
-            <a:off x="4692737" y="3124966"/>
-            <a:ext cx="6817356" cy="2810067"/>
+            <a:off x="4771429" y="952500"/>
+            <a:ext cx="6685069" cy="4829963"/>
           </a:xfrm>
           <a:prstGeom prst="rect">
             <a:avLst/>
@@ -5156,7 +5160,7 @@
     </p:spTree>
     <p:extLst>
       <p:ext uri="{BB962C8B-B14F-4D97-AF65-F5344CB8AC3E}">
-        <p14:creationId xmlns:p14="http://schemas.microsoft.com/office/powerpoint/2010/main" val="3248686715"/>
+        <p14:creationId xmlns:p14="http://schemas.microsoft.com/office/powerpoint/2010/main" val="1824477479"/>
       </p:ext>
     </p:extLst>
   </p:cSld>
@@ -5193,121 +5197,227 @@
       </p:grpSpPr>
       <p:sp>
         <p:nvSpPr>
-          <p:cNvPr id="2" name="Title 1">
-            <a:extLst>
-              <a:ext uri="{FF2B5EF4-FFF2-40B4-BE49-F238E27FC236}">
-                <a16:creationId xmlns:a16="http://schemas.microsoft.com/office/drawing/2014/main" id="{1917016B-4044-4FF3-AA5C-6952699CDDF9}"/>
-              </a:ext>
-            </a:extLst>
-          </p:cNvPr>
-          <p:cNvSpPr>
-            <a:spLocks noGrp="1"/>
-          </p:cNvSpPr>
-          <p:nvPr>
-            <p:ph type="title"/>
+          <p:cNvPr id="12" name="Rectangle 11">
+            <a:extLst>
+              <a:ext uri="{FF2B5EF4-FFF2-40B4-BE49-F238E27FC236}">
+                <a16:creationId xmlns:a16="http://schemas.microsoft.com/office/drawing/2014/main" id="{81AEB8A9-B768-4E30-BA55-D919E6687343}"/>
+              </a:ext>
+              <a:ext uri="{C183D7F6-B498-43B3-948B-1728B52AA6E4}">
+                <adec:decorative xmlns:adec="http://schemas.microsoft.com/office/drawing/2017/decorative" val="1"/>
+              </a:ext>
+            </a:extLst>
+          </p:cNvPr>
+          <p:cNvSpPr>
+            <a:spLocks noGrp="1" noRot="1" noChangeAspect="1" noMove="1" noResize="1" noEditPoints="1" noAdjustHandles="1" noChangeArrowheads="1" noChangeShapeType="1" noTextEdit="1"/>
+          </p:cNvSpPr>
+          <p:nvPr>
+            <p:extLst>
+              <p:ext uri="{386F3935-93C4-4BCD-93E2-E3B085C9AB24}">
+                <p16:designElem xmlns:p16="http://schemas.microsoft.com/office/powerpoint/2015/main" val="1"/>
+              </p:ext>
+            </p:extLst>
           </p:nvPr>
         </p:nvSpPr>
         <p:spPr>
           <a:xfrm>
-            <a:off x="648929" y="629266"/>
-            <a:ext cx="3651467" cy="1676603"/>
-          </a:xfrm>
-        </p:spPr>
-        <p:txBody>
-          <a:bodyPr vert="horz" lIns="91440" tIns="45720" rIns="91440" bIns="45720" rtlCol="0" anchor="ctr">
-            <a:normAutofit/>
-          </a:bodyPr>
-          <a:lstStyle/>
-          <a:p>
-            <a:r>
-              <a:rPr lang="en-US" sz="2800" dirty="0">
-                <a:solidFill>
-                  <a:srgbClr val="FF0000"/>
-                </a:solidFill>
-                <a:latin typeface="Algerian" panose="04020705040A02060702" pitchFamily="82" charset="0"/>
-              </a:rPr>
-              <a:t>Template Method Design Pattern</a:t>
-            </a:r>
-          </a:p>
-        </p:txBody>
-      </p:sp>
-      <p:sp>
-        <p:nvSpPr>
-          <p:cNvPr id="3" name="Content Placeholder 2">
-            <a:extLst>
-              <a:ext uri="{FF2B5EF4-FFF2-40B4-BE49-F238E27FC236}">
-                <a16:creationId xmlns:a16="http://schemas.microsoft.com/office/drawing/2014/main" id="{20ADC37A-0E4E-4245-9B4B-CEAB80B6EB64}"/>
-              </a:ext>
-            </a:extLst>
-          </p:cNvPr>
-          <p:cNvSpPr>
-            <a:spLocks noGrp="1"/>
-          </p:cNvSpPr>
-          <p:nvPr>
-            <p:ph sz="half" idx="1"/>
-          </p:nvPr>
-        </p:nvSpPr>
-        <p:spPr>
-          <a:xfrm>
-            <a:off x="648931" y="2438400"/>
-            <a:ext cx="3651466" cy="3785419"/>
-          </a:xfrm>
-        </p:spPr>
-        <p:txBody>
-          <a:bodyPr vert="horz" lIns="91440" tIns="45720" rIns="91440" bIns="45720" rtlCol="0">
-            <a:normAutofit/>
-          </a:bodyPr>
-          <a:lstStyle/>
-          <a:p>
-            <a:r>
-              <a:rPr lang="en-US" dirty="0"/>
-              <a:t>We applied template method design pattern in our DataLoader Interface, we were targeted to several methods to be  implemented by the subclass.</a:t>
-            </a:r>
-          </a:p>
-        </p:txBody>
-      </p:sp>
-      <p:pic>
-        <p:nvPicPr>
-          <p:cNvPr id="6" name="Content Placeholder 5" descr="A close up of text on a white background&#10;&#10;Description automatically generated">
-            <a:extLst>
-              <a:ext uri="{FF2B5EF4-FFF2-40B4-BE49-F238E27FC236}">
-                <a16:creationId xmlns:a16="http://schemas.microsoft.com/office/drawing/2014/main" id="{01D8E8C1-4277-42A1-9F86-8B36FA6F0326}"/>
-              </a:ext>
-            </a:extLst>
-          </p:cNvPr>
-          <p:cNvPicPr>
-            <a:picLocks noGrp="1" noChangeAspect="1"/>
-          </p:cNvPicPr>
-          <p:nvPr>
-            <p:ph sz="half" idx="2"/>
-          </p:nvPr>
-        </p:nvPicPr>
-        <p:blipFill rotWithShape="1">
-          <a:blip r:embed="rId2">
-            <a:extLst>
-              <a:ext uri="{28A0092B-C50C-407E-A947-70E740481C1C}">
-                <a14:useLocalDpi xmlns:a14="http://schemas.microsoft.com/office/drawing/2010/main" val="0"/>
-              </a:ext>
-            </a:extLst>
-          </a:blip>
-          <a:srcRect l="832" r="11612"/>
-          <a:stretch/>
-        </p:blipFill>
-        <p:spPr>
-          <a:xfrm>
-            <a:off x="4639056" y="10"/>
-            <a:ext cx="7552944" cy="6857990"/>
+            <a:off x="-10001" y="-2"/>
+            <a:ext cx="4069936" cy="6858002"/>
           </a:xfrm>
           <a:prstGeom prst="rect">
             <a:avLst/>
           </a:prstGeom>
-          <a:effectLst/>
+          <a:solidFill>
+            <a:schemeClr val="accent1"/>
+          </a:solidFill>
+          <a:ln>
+            <a:noFill/>
+          </a:ln>
+        </p:spPr>
+        <p:style>
+          <a:lnRef idx="2">
+            <a:schemeClr val="accent1">
+              <a:shade val="50000"/>
+            </a:schemeClr>
+          </a:lnRef>
+          <a:fillRef idx="1">
+            <a:schemeClr val="accent1"/>
+          </a:fillRef>
+          <a:effectRef idx="0">
+            <a:schemeClr val="accent1"/>
+          </a:effectRef>
+          <a:fontRef idx="minor">
+            <a:schemeClr val="lt1"/>
+          </a:fontRef>
+        </p:style>
+        <p:txBody>
+          <a:bodyPr rtlCol="0" anchor="ctr"/>
+          <a:lstStyle/>
+          <a:p>
+            <a:pPr marL="0" marR="0" lvl="0" indent="0" algn="ctr" defTabSz="914400" rtl="0" eaLnBrk="1" fontAlgn="auto" latinLnBrk="0" hangingPunct="1">
+              <a:lnSpc>
+                <a:spcPct val="100000"/>
+              </a:lnSpc>
+              <a:spcBef>
+                <a:spcPts val="0"/>
+              </a:spcBef>
+              <a:spcAft>
+                <a:spcPts val="0"/>
+              </a:spcAft>
+              <a:buClrTx/>
+              <a:buSzTx/>
+              <a:buFontTx/>
+              <a:buNone/>
+              <a:tabLst/>
+              <a:defRPr/>
+            </a:pPr>
+            <a:endParaRPr kumimoji="0" lang="en-US" sz="1800" b="0" i="0" u="none" strike="noStrike" kern="1200" cap="none" spc="0" normalizeH="0" baseline="0" noProof="0">
+              <a:ln>
+                <a:noFill/>
+              </a:ln>
+              <a:solidFill>
+                <a:prstClr val="white"/>
+              </a:solidFill>
+              <a:effectLst/>
+              <a:uLnTx/>
+              <a:uFillTx/>
+              <a:latin typeface="Calibri" panose="020F0502020204030204"/>
+              <a:ea typeface="+mn-ea"/>
+              <a:cs typeface="+mn-cs"/>
+            </a:endParaRPr>
+          </a:p>
+        </p:txBody>
+      </p:sp>
+      <p:sp>
+        <p:nvSpPr>
+          <p:cNvPr id="2" name="Title 1">
+            <a:extLst>
+              <a:ext uri="{FF2B5EF4-FFF2-40B4-BE49-F238E27FC236}">
+                <a16:creationId xmlns:a16="http://schemas.microsoft.com/office/drawing/2014/main" id="{28470DE5-3119-435F-8FD0-FE02614C95AA}"/>
+              </a:ext>
+            </a:extLst>
+          </p:cNvPr>
+          <p:cNvSpPr>
+            <a:spLocks noGrp="1"/>
+          </p:cNvSpPr>
+          <p:nvPr>
+            <p:ph type="title"/>
+          </p:nvPr>
+        </p:nvSpPr>
+        <p:spPr>
+          <a:xfrm>
+            <a:off x="643467" y="640080"/>
+            <a:ext cx="3096427" cy="5613236"/>
+          </a:xfrm>
+        </p:spPr>
+        <p:txBody>
+          <a:bodyPr vert="horz" lIns="91440" tIns="45720" rIns="91440" bIns="45720" rtlCol="0" anchor="ctr">
+            <a:normAutofit/>
+          </a:bodyPr>
+          <a:lstStyle/>
+          <a:p>
+            <a:r>
+              <a:rPr lang="en-US" kern="1200">
+                <a:solidFill>
+                  <a:srgbClr val="FFFFFF"/>
+                </a:solidFill>
+                <a:latin typeface="+mj-lt"/>
+                <a:ea typeface="+mj-ea"/>
+                <a:cs typeface="+mj-cs"/>
+              </a:rPr>
+              <a:t>The Strategy Design Pattern </a:t>
+            </a:r>
+          </a:p>
+        </p:txBody>
+      </p:sp>
+      <p:sp>
+        <p:nvSpPr>
+          <p:cNvPr id="3" name="Content Placeholder 2">
+            <a:extLst>
+              <a:ext uri="{FF2B5EF4-FFF2-40B4-BE49-F238E27FC236}">
+                <a16:creationId xmlns:a16="http://schemas.microsoft.com/office/drawing/2014/main" id="{02568E4E-F1A3-47BB-BD09-89BE0D0FBC2F}"/>
+              </a:ext>
+            </a:extLst>
+          </p:cNvPr>
+          <p:cNvSpPr>
+            <a:spLocks noGrp="1"/>
+          </p:cNvSpPr>
+          <p:nvPr>
+            <p:ph sz="half" idx="1"/>
+          </p:nvPr>
+        </p:nvSpPr>
+        <p:spPr>
+          <a:xfrm>
+            <a:off x="4699818" y="640082"/>
+            <a:ext cx="6848715" cy="2484884"/>
+          </a:xfrm>
+        </p:spPr>
+        <p:txBody>
+          <a:bodyPr vert="horz" lIns="91440" tIns="45720" rIns="91440" bIns="45720" rtlCol="0" anchor="ctr">
+            <a:normAutofit/>
+          </a:bodyPr>
+          <a:lstStyle/>
+          <a:p>
+            <a:r>
+              <a:rPr lang="en-US" sz="2000"/>
+              <a:t>We applied Strategy pattern, In our FileCompressor class.</a:t>
+            </a:r>
+          </a:p>
+          <a:p>
+            <a:r>
+              <a:rPr lang="en-US" sz="2000"/>
+              <a:t> The FileCompressor class is our context and the CompressionStrategy is our Strategy.</a:t>
+            </a:r>
+          </a:p>
+          <a:p>
+            <a:r>
+              <a:rPr lang="en-US" sz="2000"/>
+              <a:t>The ZipCompressionStrategy and RarCompressionStrategy Class are ConcreteStrategy which overrides the compressFile() abstract method. </a:t>
+            </a:r>
+          </a:p>
+        </p:txBody>
+      </p:sp>
+      <p:pic>
+        <p:nvPicPr>
+          <p:cNvPr id="7" name="Content Placeholder 6" descr="A screenshot of a cell phone&#10;&#10;Description automatically generated">
+            <a:extLst>
+              <a:ext uri="{FF2B5EF4-FFF2-40B4-BE49-F238E27FC236}">
+                <a16:creationId xmlns:a16="http://schemas.microsoft.com/office/drawing/2014/main" id="{020004E5-BD10-41CB-AEE3-D8388566A198}"/>
+              </a:ext>
+            </a:extLst>
+          </p:cNvPr>
+          <p:cNvPicPr>
+            <a:picLocks noGrp="1" noChangeAspect="1"/>
+          </p:cNvPicPr>
+          <p:nvPr>
+            <p:ph sz="half" idx="2"/>
+          </p:nvPr>
+        </p:nvPicPr>
+        <p:blipFill>
+          <a:blip r:embed="rId2">
+            <a:extLst>
+              <a:ext uri="{28A0092B-C50C-407E-A947-70E740481C1C}">
+                <a14:useLocalDpi xmlns:a14="http://schemas.microsoft.com/office/drawing/2010/main" val="0"/>
+              </a:ext>
+            </a:extLst>
+          </a:blip>
+          <a:stretch>
+            <a:fillRect/>
+          </a:stretch>
+        </p:blipFill>
+        <p:spPr>
+          <a:xfrm>
+            <a:off x="4692737" y="3124966"/>
+            <a:ext cx="6817356" cy="2810067"/>
+          </a:xfrm>
+          <a:prstGeom prst="rect">
+            <a:avLst/>
+          </a:prstGeom>
         </p:spPr>
       </p:pic>
     </p:spTree>
     <p:extLst>
       <p:ext uri="{BB962C8B-B14F-4D97-AF65-F5344CB8AC3E}">
-        <p14:creationId xmlns:p14="http://schemas.microsoft.com/office/powerpoint/2010/main" val="994165072"/>
+        <p14:creationId xmlns:p14="http://schemas.microsoft.com/office/powerpoint/2010/main" val="3248686715"/>
       </p:ext>
     </p:extLst>
   </p:cSld>
@@ -5344,105 +5454,10 @@
       </p:grpSpPr>
       <p:sp>
         <p:nvSpPr>
-          <p:cNvPr id="15" name="Down Arrow 7">
-            <a:extLst>
-              <a:ext uri="{FF2B5EF4-FFF2-40B4-BE49-F238E27FC236}">
-                <a16:creationId xmlns:a16="http://schemas.microsoft.com/office/drawing/2014/main" id="{73DE2CFE-42F2-48F0-8706-5264E012B10C}"/>
-              </a:ext>
-              <a:ext uri="{C183D7F6-B498-43B3-948B-1728B52AA6E4}">
-                <adec:decorative xmlns:adec="http://schemas.microsoft.com/office/drawing/2017/decorative" val="1"/>
-              </a:ext>
-            </a:extLst>
-          </p:cNvPr>
-          <p:cNvSpPr>
-            <a:spLocks noGrp="1" noRot="1" noChangeAspect="1" noMove="1" noResize="1" noEditPoints="1" noAdjustHandles="1" noChangeArrowheads="1" noChangeShapeType="1" noTextEdit="1"/>
-          </p:cNvSpPr>
-          <p:nvPr>
-            <p:extLst>
-              <p:ext uri="{386F3935-93C4-4BCD-93E2-E3B085C9AB24}">
-                <p16:designElem xmlns:p16="http://schemas.microsoft.com/office/powerpoint/2015/main" val="1"/>
-              </p:ext>
-            </p:extLst>
-          </p:nvPr>
-        </p:nvSpPr>
-        <p:spPr>
-          <a:xfrm rot="16200000">
-            <a:off x="1288521" y="381403"/>
-            <a:ext cx="2200313" cy="3342508"/>
-          </a:xfrm>
-          <a:prstGeom prst="downArrow">
-            <a:avLst>
-              <a:gd name="adj1" fmla="val 100000"/>
-              <a:gd name="adj2" fmla="val 15788"/>
-            </a:avLst>
-          </a:prstGeom>
-          <a:solidFill>
-            <a:srgbClr val="404040"/>
-          </a:solidFill>
-          <a:ln w="53975">
-            <a:noFill/>
-          </a:ln>
-        </p:spPr>
-        <p:style>
-          <a:lnRef idx="2">
-            <a:schemeClr val="accent1">
-              <a:shade val="50000"/>
-            </a:schemeClr>
-          </a:lnRef>
-          <a:fillRef idx="1">
-            <a:schemeClr val="accent1"/>
-          </a:fillRef>
-          <a:effectRef idx="0">
-            <a:schemeClr val="accent1"/>
-          </a:effectRef>
-          <a:fontRef idx="minor">
-            <a:schemeClr val="lt1"/>
-          </a:fontRef>
-        </p:style>
-        <p:txBody>
-          <a:bodyPr rtlCol="0" anchor="ctr"/>
-          <a:lstStyle/>
-          <a:p>
-            <a:pPr marL="0" marR="0" lvl="0" indent="0" algn="ctr" defTabSz="914400" rtl="0" eaLnBrk="1" fontAlgn="auto" latinLnBrk="0" hangingPunct="1">
-              <a:lnSpc>
-                <a:spcPct val="100000"/>
-              </a:lnSpc>
-              <a:spcBef>
-                <a:spcPts val="0"/>
-              </a:spcBef>
-              <a:spcAft>
-                <a:spcPts val="0"/>
-              </a:spcAft>
-              <a:buClrTx/>
-              <a:buSzTx/>
-              <a:buFontTx/>
-              <a:buNone/>
-              <a:tabLst/>
-              <a:defRPr/>
-            </a:pPr>
-            <a:endParaRPr kumimoji="0" lang="en-US" sz="1800" b="0" i="0" u="none" strike="noStrike" kern="1200" cap="none" spc="0" normalizeH="0" baseline="0" noProof="0">
-              <a:ln>
-                <a:noFill/>
-              </a:ln>
-              <a:solidFill>
-                <a:prstClr val="white"/>
-              </a:solidFill>
-              <a:effectLst/>
-              <a:uLnTx/>
-              <a:uFillTx/>
-              <a:latin typeface="Calibri" panose="020F0502020204030204"/>
-              <a:ea typeface="+mn-ea"/>
-              <a:cs typeface="+mn-cs"/>
-            </a:endParaRPr>
-          </a:p>
-        </p:txBody>
-      </p:sp>
-      <p:sp>
-        <p:nvSpPr>
           <p:cNvPr id="2" name="Title 1">
             <a:extLst>
               <a:ext uri="{FF2B5EF4-FFF2-40B4-BE49-F238E27FC236}">
-                <a16:creationId xmlns:a16="http://schemas.microsoft.com/office/drawing/2014/main" id="{42820543-AD93-4BDD-B25C-16B815FC8DAA}"/>
+                <a16:creationId xmlns:a16="http://schemas.microsoft.com/office/drawing/2014/main" id="{1917016B-4044-4FF3-AA5C-6952699CDDF9}"/>
               </a:ext>
             </a:extLst>
           </p:cNvPr>
@@ -5455,8 +5470,8 @@
         </p:nvSpPr>
         <p:spPr>
           <a:xfrm>
-            <a:off x="966952" y="1204108"/>
-            <a:ext cx="2669406" cy="1781175"/>
+            <a:off x="648929" y="629266"/>
+            <a:ext cx="3651467" cy="1676603"/>
           </a:xfrm>
         </p:spPr>
         <p:txBody>
@@ -5466,15 +5481,13 @@
           <a:lstStyle/>
           <a:p>
             <a:r>
-              <a:rPr lang="en-US" sz="3200" kern="1200">
+              <a:rPr lang="en-US" sz="2800" dirty="0">
                 <a:solidFill>
-                  <a:srgbClr val="FFFFFF"/>
+                  <a:srgbClr val="FF0000"/>
                 </a:solidFill>
-                <a:latin typeface="+mj-lt"/>
-                <a:ea typeface="+mj-ea"/>
-                <a:cs typeface="+mj-cs"/>
+                <a:latin typeface="Algerian" panose="04020705040A02060702" pitchFamily="82" charset="0"/>
               </a:rPr>
-              <a:t>Singleton Design pattern </a:t>
+              <a:t>Template Method Design Pattern</a:t>
             </a:r>
           </a:p>
         </p:txBody>
@@ -5484,7 +5497,7 @@
           <p:cNvPr id="3" name="Content Placeholder 2">
             <a:extLst>
               <a:ext uri="{FF2B5EF4-FFF2-40B4-BE49-F238E27FC236}">
-                <a16:creationId xmlns:a16="http://schemas.microsoft.com/office/drawing/2014/main" id="{A3EE1D13-CDBD-4074-AB32-800162EA8CB2}"/>
+                <a16:creationId xmlns:a16="http://schemas.microsoft.com/office/drawing/2014/main" id="{20ADC37A-0E4E-4245-9B4B-CEAB80B6EB64}"/>
               </a:ext>
             </a:extLst>
           </p:cNvPr>
@@ -5497,46 +5510,29 @@
         </p:nvSpPr>
         <p:spPr>
           <a:xfrm>
-            <a:off x="966951" y="3355130"/>
-            <a:ext cx="2669407" cy="2427333"/>
+            <a:off x="648931" y="2438400"/>
+            <a:ext cx="3651466" cy="3785419"/>
           </a:xfrm>
         </p:spPr>
         <p:txBody>
           <a:bodyPr vert="horz" lIns="91440" tIns="45720" rIns="91440" bIns="45720" rtlCol="0">
-            <a:noAutofit/>
+            <a:normAutofit/>
           </a:bodyPr>
           <a:lstStyle/>
           <a:p>
             <a:r>
-              <a:rPr lang="en-US" sz="1600" dirty="0">
-                <a:latin typeface="Times New Roman" panose="02020603050405020304" pitchFamily="18" charset="0"/>
-                <a:cs typeface="Times New Roman" panose="02020603050405020304" pitchFamily="18" charset="0"/>
-              </a:rPr>
-              <a:t>We applied the singleton design pattern in our </a:t>
-            </a:r>
-            <a:r>
-              <a:rPr lang="en-US" sz="1600" dirty="0" err="1">
-                <a:latin typeface="Times New Roman" panose="02020603050405020304" pitchFamily="18" charset="0"/>
-                <a:cs typeface="Times New Roman" panose="02020603050405020304" pitchFamily="18" charset="0"/>
-              </a:rPr>
-              <a:t>JDBCManager</a:t>
-            </a:r>
-            <a:r>
-              <a:rPr lang="en-US" sz="1600" dirty="0">
-                <a:latin typeface="Times New Roman" panose="02020603050405020304" pitchFamily="18" charset="0"/>
-                <a:cs typeface="Times New Roman" panose="02020603050405020304" pitchFamily="18" charset="0"/>
-              </a:rPr>
-              <a:t> Class, Which helped us for connecting to Database. The basic target of singleton is to create single instance and we were looking single instance of database connection that is why we used singleton pattern.</a:t>
+              <a:rPr lang="en-US" dirty="0"/>
+              <a:t>We applied template method design pattern in our DataLoader Interface, we were targeted to several methods to be  implemented by the subclass.</a:t>
             </a:r>
           </a:p>
         </p:txBody>
       </p:sp>
       <p:pic>
         <p:nvPicPr>
-          <p:cNvPr id="10" name="Content Placeholder 9" descr="A screenshot of a cell phone&#10;&#10;Description automatically generated">
-            <a:extLst>
-              <a:ext uri="{FF2B5EF4-FFF2-40B4-BE49-F238E27FC236}">
-                <a16:creationId xmlns:a16="http://schemas.microsoft.com/office/drawing/2014/main" id="{3D1C388E-47A2-4FA0-9575-3C318A859578}"/>
+          <p:cNvPr id="6" name="Content Placeholder 5" descr="A close up of text on a white background&#10;&#10;Description automatically generated">
+            <a:extLst>
+              <a:ext uri="{FF2B5EF4-FFF2-40B4-BE49-F238E27FC236}">
+                <a16:creationId xmlns:a16="http://schemas.microsoft.com/office/drawing/2014/main" id="{01D8E8C1-4277-42A1-9F86-8B36FA6F0326}"/>
               </a:ext>
             </a:extLst>
           </p:cNvPr>
@@ -5547,7 +5543,7 @@
             <p:ph sz="half" idx="2"/>
           </p:nvPr>
         </p:nvPicPr>
-        <p:blipFill>
+        <p:blipFill rotWithShape="1">
           <a:blip r:embed="rId2">
             <a:extLst>
               <a:ext uri="{28A0092B-C50C-407E-A947-70E740481C1C}">
@@ -5555,24 +5551,24 @@
               </a:ext>
             </a:extLst>
           </a:blip>
-          <a:stretch>
-            <a:fillRect/>
-          </a:stretch>
+          <a:srcRect l="832" r="11612"/>
+          <a:stretch/>
         </p:blipFill>
         <p:spPr>
           <a:xfrm>
-            <a:off x="4794401" y="952500"/>
-            <a:ext cx="6639124" cy="4829963"/>
+            <a:off x="4639056" y="10"/>
+            <a:ext cx="7552944" cy="6857990"/>
           </a:xfrm>
           <a:prstGeom prst="rect">
             <a:avLst/>
           </a:prstGeom>
+          <a:effectLst/>
         </p:spPr>
       </p:pic>
     </p:spTree>
     <p:extLst>
       <p:ext uri="{BB962C8B-B14F-4D97-AF65-F5344CB8AC3E}">
-        <p14:creationId xmlns:p14="http://schemas.microsoft.com/office/powerpoint/2010/main" val="4207687859"/>
+        <p14:creationId xmlns:p14="http://schemas.microsoft.com/office/powerpoint/2010/main" val="994165072"/>
       </p:ext>
     </p:extLst>
   </p:cSld>
@@ -5612,7 +5608,7 @@
           <p:cNvPr id="2" name="Title 1">
             <a:extLst>
               <a:ext uri="{FF2B5EF4-FFF2-40B4-BE49-F238E27FC236}">
-                <a16:creationId xmlns:a16="http://schemas.microsoft.com/office/drawing/2014/main" id="{18EF4FE5-D565-4ECE-84C8-A4ACAA86B4FB}"/>
+                <a16:creationId xmlns:a16="http://schemas.microsoft.com/office/drawing/2014/main" id="{42820543-AD93-4BDD-B25C-16B815FC8DAA}"/>
               </a:ext>
             </a:extLst>
           </p:cNvPr>
@@ -5625,96 +5621,87 @@
         </p:nvSpPr>
         <p:spPr>
           <a:xfrm>
-            <a:off x="648930" y="629266"/>
-            <a:ext cx="3651466" cy="1053619"/>
+            <a:off x="648929" y="629266"/>
+            <a:ext cx="6586491" cy="1676603"/>
           </a:xfrm>
         </p:spPr>
         <p:txBody>
-          <a:bodyPr>
-            <a:normAutofit fontScale="90000"/>
+          <a:bodyPr vert="horz" lIns="91440" tIns="45720" rIns="91440" bIns="45720" rtlCol="0" anchor="ctr">
+            <a:normAutofit/>
           </a:bodyPr>
           <a:lstStyle/>
           <a:p>
             <a:r>
-              <a:rPr lang="en-US" sz="2400" dirty="0">
+              <a:rPr lang="en-US" sz="3200" dirty="0">
                 <a:solidFill>
                   <a:srgbClr val="FF0000"/>
                 </a:solidFill>
                 <a:latin typeface="Algerian" panose="04020705040A02060702" pitchFamily="82" charset="0"/>
+                <a:cs typeface="Aldhabi" panose="020B0604020202020204" pitchFamily="2" charset="-78"/>
               </a:rPr>
-              <a:t>General Structure of Library Management  Framework</a:t>
-            </a:r>
-          </a:p>
-        </p:txBody>
-      </p:sp>
-      <p:sp>
-        <p:nvSpPr>
-          <p:cNvPr id="10" name="Content Placeholder 9">
-            <a:extLst>
-              <a:ext uri="{FF2B5EF4-FFF2-40B4-BE49-F238E27FC236}">
-                <a16:creationId xmlns:a16="http://schemas.microsoft.com/office/drawing/2014/main" id="{3F0DE87A-AAEF-4802-84E8-85DF6D4B8216}"/>
-              </a:ext>
-            </a:extLst>
-          </p:cNvPr>
-          <p:cNvSpPr>
-            <a:spLocks noGrp="1"/>
-          </p:cNvSpPr>
-          <p:nvPr>
-            <p:ph idx="1"/>
+              <a:t>Singleton Design pattern </a:t>
+            </a:r>
+          </a:p>
+        </p:txBody>
+      </p:sp>
+      <p:sp>
+        <p:nvSpPr>
+          <p:cNvPr id="3" name="Content Placeholder 2">
+            <a:extLst>
+              <a:ext uri="{FF2B5EF4-FFF2-40B4-BE49-F238E27FC236}">
+                <a16:creationId xmlns:a16="http://schemas.microsoft.com/office/drawing/2014/main" id="{A3EE1D13-CDBD-4074-AB32-800162EA8CB2}"/>
+              </a:ext>
+            </a:extLst>
+          </p:cNvPr>
+          <p:cNvSpPr>
+            <a:spLocks noGrp="1"/>
+          </p:cNvSpPr>
+          <p:nvPr>
+            <p:ph sz="half" idx="1"/>
           </p:nvPr>
         </p:nvSpPr>
         <p:spPr>
           <a:xfrm>
-            <a:off x="648930" y="1750979"/>
-            <a:ext cx="3651467" cy="4669275"/>
+            <a:off x="648930" y="2438400"/>
+            <a:ext cx="6586489" cy="3785419"/>
           </a:xfrm>
         </p:spPr>
         <p:txBody>
-          <a:bodyPr>
-            <a:noAutofit/>
+          <a:bodyPr vert="horz" lIns="91440" tIns="45720" rIns="91440" bIns="45720" rtlCol="0">
+            <a:normAutofit/>
           </a:bodyPr>
           <a:lstStyle/>
           <a:p>
-            <a:pPr marL="514350" indent="-514350">
-              <a:buFont typeface="+mj-lt"/>
-              <a:buAutoNum type="arabicPeriod"/>
-            </a:pPr>
-            <a:r>
-              <a:rPr lang="en-US" sz="1600" dirty="0">
-                <a:latin typeface="Times New Roman" panose="02020603050405020304" pitchFamily="18" charset="0"/>
-                <a:cs typeface="Times New Roman" panose="02020603050405020304" pitchFamily="18" charset="0"/>
-              </a:rPr>
-              <a:t>In our project, We have got few problems in design proposed without using design patterns. This design is then improved using seven design patterns: factory, strategy, singleton, façade, adaptor,  command, Iterator design patterns.</a:t>
-            </a:r>
-          </a:p>
-          <a:p>
-            <a:pPr marL="514350" indent="-514350">
-              <a:buFont typeface="+mj-lt"/>
-              <a:buAutoNum type="arabicPeriod"/>
-            </a:pPr>
-            <a:r>
-              <a:rPr lang="en-US" sz="1600" dirty="0">
-                <a:latin typeface="Times New Roman" panose="02020603050405020304" pitchFamily="18" charset="0"/>
-                <a:cs typeface="Times New Roman" panose="02020603050405020304" pitchFamily="18" charset="0"/>
-              </a:rPr>
-              <a:t>To improve the design firstly we added factory pattern to delegate responsibility of issuing book to JDBCManager. Then, facade pattern is implemented to hide the complexities of entire system and provide interface to user, using which the user can access the system. Finally, adapter and strategy with iterator pattern applied.</a:t>
+            <a:r>
+              <a:rPr lang="en-US" sz="2400" dirty="0"/>
+              <a:t>We applied the singleton design pattern in our </a:t>
+            </a:r>
+            <a:r>
+              <a:rPr lang="en-US" sz="2400" dirty="0" err="1"/>
+              <a:t>JDBCManager</a:t>
+            </a:r>
+            <a:r>
+              <a:rPr lang="en-US" sz="2400" dirty="0"/>
+              <a:t> Class, Which helped us for connecting to Database. The basic target of singleton is to create single instance and we were looking single instance of database connection that is why we used singleton pattern.</a:t>
             </a:r>
           </a:p>
         </p:txBody>
       </p:sp>
       <p:pic>
         <p:nvPicPr>
-          <p:cNvPr id="8" name="Content Placeholder 4">
-            <a:extLst>
-              <a:ext uri="{FF2B5EF4-FFF2-40B4-BE49-F238E27FC236}">
-                <a16:creationId xmlns:a16="http://schemas.microsoft.com/office/drawing/2014/main" id="{39FC9466-ADD7-412A-822B-CC260138ABA2}"/>
+          <p:cNvPr id="7" name="Content Placeholder 6" descr="A screenshot of a cell phone screen with text&#10;&#10;Description automatically generated">
+            <a:extLst>
+              <a:ext uri="{FF2B5EF4-FFF2-40B4-BE49-F238E27FC236}">
+                <a16:creationId xmlns:a16="http://schemas.microsoft.com/office/drawing/2014/main" id="{2F433AC0-F9C4-490F-A0F5-7F155AF0D6F8}"/>
               </a:ext>
             </a:extLst>
           </p:cNvPr>
           <p:cNvPicPr>
-            <a:picLocks noChangeAspect="1"/>
+            <a:picLocks noGrp="1" noChangeAspect="1"/>
           </p:cNvPicPr>
-          <p:nvPr/>
+          <p:nvPr>
+            <p:ph sz="half" idx="2"/>
+          </p:nvPr>
         </p:nvPicPr>
         <p:blipFill rotWithShape="1">
           <a:blip r:embed="rId2">
@@ -5724,13 +5711,13 @@
               </a:ext>
             </a:extLst>
           </a:blip>
-          <a:srcRect l="1327" r="33969"/>
+          <a:srcRect r="-2" b="4946"/>
           <a:stretch/>
         </p:blipFill>
         <p:spPr>
           <a:xfrm>
-            <a:off x="4532052" y="10"/>
-            <a:ext cx="7552944" cy="6857990"/>
+            <a:off x="7556408" y="10"/>
+            <a:ext cx="4635591" cy="6857990"/>
           </a:xfrm>
           <a:prstGeom prst="rect">
             <a:avLst/>
@@ -5741,7 +5728,206 @@
     </p:spTree>
     <p:extLst>
       <p:ext uri="{BB962C8B-B14F-4D97-AF65-F5344CB8AC3E}">
-        <p14:creationId xmlns:p14="http://schemas.microsoft.com/office/powerpoint/2010/main" val="3695344146"/>
+        <p14:creationId xmlns:p14="http://schemas.microsoft.com/office/powerpoint/2010/main" val="4207687859"/>
+      </p:ext>
+    </p:extLst>
+  </p:cSld>
+  <p:clrMapOvr>
+    <a:masterClrMapping/>
+  </p:clrMapOvr>
+</p:sld>
+</file>
+
+<file path=ppt/slides/slide15.xml><?xml version="1.0" encoding="utf-8"?>
+<p:sld xmlns:a="http://schemas.openxmlformats.org/drawingml/2006/main" xmlns:r="http://schemas.openxmlformats.org/officeDocument/2006/relationships" xmlns:p="http://schemas.openxmlformats.org/presentationml/2006/main">
+  <p:cSld>
+    <p:bg>
+      <p:bgPr>
+        <a:solidFill>
+          <a:schemeClr val="bg1"/>
+        </a:solidFill>
+        <a:effectLst/>
+      </p:bgPr>
+    </p:bg>
+    <p:spTree>
+      <p:nvGrpSpPr>
+        <p:cNvPr id="1" name=""/>
+        <p:cNvGrpSpPr/>
+        <p:nvPr/>
+      </p:nvGrpSpPr>
+      <p:grpSpPr>
+        <a:xfrm>
+          <a:off x="0" y="0"/>
+          <a:ext cx="0" cy="0"/>
+          <a:chOff x="0" y="0"/>
+          <a:chExt cx="0" cy="0"/>
+        </a:xfrm>
+      </p:grpSpPr>
+      <p:sp>
+        <p:nvSpPr>
+          <p:cNvPr id="12" name="Rectangle 11">
+            <a:extLst>
+              <a:ext uri="{FF2B5EF4-FFF2-40B4-BE49-F238E27FC236}">
+                <a16:creationId xmlns:a16="http://schemas.microsoft.com/office/drawing/2014/main" id="{53BB5D57-6178-4F62-B472-0312F6D95A85}"/>
+              </a:ext>
+              <a:ext uri="{C183D7F6-B498-43B3-948B-1728B52AA6E4}">
+                <adec:decorative xmlns:adec="http://schemas.microsoft.com/office/drawing/2017/decorative" val="1"/>
+              </a:ext>
+            </a:extLst>
+          </p:cNvPr>
+          <p:cNvSpPr>
+            <a:spLocks noGrp="1" noRot="1" noChangeAspect="1" noMove="1" noResize="1" noEditPoints="1" noAdjustHandles="1" noChangeArrowheads="1" noChangeShapeType="1" noTextEdit="1"/>
+          </p:cNvSpPr>
+          <p:nvPr>
+            <p:extLst>
+              <p:ext uri="{386F3935-93C4-4BCD-93E2-E3B085C9AB24}">
+                <p16:designElem xmlns:p16="http://schemas.microsoft.com/office/powerpoint/2015/main" val="1"/>
+              </p:ext>
+            </p:extLst>
+          </p:nvPr>
+        </p:nvSpPr>
+        <p:spPr>
+          <a:xfrm>
+            <a:off x="0" y="0"/>
+            <a:ext cx="12192000" cy="6858000"/>
+          </a:xfrm>
+          <a:prstGeom prst="rect">
+            <a:avLst/>
+          </a:prstGeom>
+          <a:solidFill>
+            <a:srgbClr val="486167"/>
+          </a:solidFill>
+          <a:ln>
+            <a:noFill/>
+          </a:ln>
+        </p:spPr>
+        <p:style>
+          <a:lnRef idx="2">
+            <a:schemeClr val="accent1">
+              <a:shade val="50000"/>
+            </a:schemeClr>
+          </a:lnRef>
+          <a:fillRef idx="1">
+            <a:schemeClr val="accent1"/>
+          </a:fillRef>
+          <a:effectRef idx="0">
+            <a:schemeClr val="accent1"/>
+          </a:effectRef>
+          <a:fontRef idx="minor">
+            <a:schemeClr val="lt1"/>
+          </a:fontRef>
+        </p:style>
+        <p:txBody>
+          <a:bodyPr rtlCol="0" anchor="ctr"/>
+          <a:lstStyle/>
+          <a:p>
+            <a:pPr algn="ctr"/>
+            <a:endParaRPr lang="en-US"/>
+          </a:p>
+        </p:txBody>
+      </p:sp>
+      <p:pic>
+        <p:nvPicPr>
+          <p:cNvPr id="7" name="Picture 6" descr="A close up of a sign&#10;&#10;Description automatically generated">
+            <a:extLst>
+              <a:ext uri="{FF2B5EF4-FFF2-40B4-BE49-F238E27FC236}">
+                <a16:creationId xmlns:a16="http://schemas.microsoft.com/office/drawing/2014/main" id="{B2FCB5E2-904C-4D13-80F5-00BED31D2C31}"/>
+              </a:ext>
+            </a:extLst>
+          </p:cNvPr>
+          <p:cNvPicPr>
+            <a:picLocks noChangeAspect="1"/>
+          </p:cNvPicPr>
+          <p:nvPr/>
+        </p:nvPicPr>
+        <p:blipFill rotWithShape="1">
+          <a:blip r:embed="rId2">
+            <a:extLst>
+              <a:ext uri="{28A0092B-C50C-407E-A947-70E740481C1C}">
+                <a14:useLocalDpi xmlns:a14="http://schemas.microsoft.com/office/drawing/2010/main" val="0"/>
+              </a:ext>
+            </a:extLst>
+          </a:blip>
+          <a:srcRect r="1" b="9180"/>
+          <a:stretch/>
+        </p:blipFill>
+        <p:spPr>
+          <a:xfrm>
+            <a:off x="643467" y="643467"/>
+            <a:ext cx="10905066" cy="5571066"/>
+          </a:xfrm>
+          <a:prstGeom prst="rect">
+            <a:avLst/>
+          </a:prstGeom>
+        </p:spPr>
+      </p:pic>
+      <p:sp>
+        <p:nvSpPr>
+          <p:cNvPr id="14" name="Rectangle 13">
+            <a:extLst>
+              <a:ext uri="{FF2B5EF4-FFF2-40B4-BE49-F238E27FC236}">
+                <a16:creationId xmlns:a16="http://schemas.microsoft.com/office/drawing/2014/main" id="{4C61BD32-7542-4D52-BA5A-3ADE869BF8AC}"/>
+              </a:ext>
+              <a:ext uri="{C183D7F6-B498-43B3-948B-1728B52AA6E4}">
+                <adec:decorative xmlns:adec="http://schemas.microsoft.com/office/drawing/2017/decorative" val="1"/>
+              </a:ext>
+            </a:extLst>
+          </p:cNvPr>
+          <p:cNvSpPr>
+            <a:spLocks noGrp="1" noRot="1" noChangeAspect="1" noMove="1" noResize="1" noEditPoints="1" noAdjustHandles="1" noChangeArrowheads="1" noChangeShapeType="1" noTextEdit="1"/>
+          </p:cNvSpPr>
+          <p:nvPr>
+            <p:extLst>
+              <p:ext uri="{386F3935-93C4-4BCD-93E2-E3B085C9AB24}">
+                <p16:designElem xmlns:p16="http://schemas.microsoft.com/office/powerpoint/2015/main" val="1"/>
+              </p:ext>
+            </p:extLst>
+          </p:nvPr>
+        </p:nvSpPr>
+        <p:spPr>
+          <a:xfrm>
+            <a:off x="477012" y="480060"/>
+            <a:ext cx="11237976" cy="5897880"/>
+          </a:xfrm>
+          <a:prstGeom prst="rect">
+            <a:avLst/>
+          </a:prstGeom>
+          <a:noFill/>
+          <a:ln>
+            <a:solidFill>
+              <a:srgbClr val="FFFFFF"/>
+            </a:solidFill>
+          </a:ln>
+        </p:spPr>
+        <p:style>
+          <a:lnRef idx="2">
+            <a:schemeClr val="accent1">
+              <a:shade val="50000"/>
+            </a:schemeClr>
+          </a:lnRef>
+          <a:fillRef idx="1">
+            <a:schemeClr val="accent1"/>
+          </a:fillRef>
+          <a:effectRef idx="0">
+            <a:schemeClr val="accent1"/>
+          </a:effectRef>
+          <a:fontRef idx="minor">
+            <a:schemeClr val="lt1"/>
+          </a:fontRef>
+        </p:style>
+        <p:txBody>
+          <a:bodyPr rtlCol="0" anchor="ctr"/>
+          <a:lstStyle/>
+          <a:p>
+            <a:pPr algn="ctr"/>
+            <a:endParaRPr lang="en-US"/>
+          </a:p>
+        </p:txBody>
+      </p:sp>
+    </p:spTree>
+    <p:extLst>
+      <p:ext uri="{BB962C8B-B14F-4D97-AF65-F5344CB8AC3E}">
+        <p14:creationId xmlns:p14="http://schemas.microsoft.com/office/powerpoint/2010/main" val="422535705"/>
       </p:ext>
     </p:extLst>
   </p:cSld>
@@ -6181,7 +6367,7 @@
         </p:spPr>
         <p:txBody>
           <a:bodyPr anchor="b">
-            <a:normAutofit fontScale="92500" lnSpcReduction="10000"/>
+            <a:normAutofit/>
           </a:bodyPr>
           <a:lstStyle/>
           <a:p>
@@ -7134,378 +7320,118 @@
       </p:grpSpPr>
       <p:sp>
         <p:nvSpPr>
-          <p:cNvPr id="55" name="Rectangle 54">
-            <a:extLst>
-              <a:ext uri="{FF2B5EF4-FFF2-40B4-BE49-F238E27FC236}">
-                <a16:creationId xmlns:a16="http://schemas.microsoft.com/office/drawing/2014/main" id="{4038CB10-1F5C-4D54-9DF7-12586DE5B007}"/>
-              </a:ext>
-              <a:ext uri="{C183D7F6-B498-43B3-948B-1728B52AA6E4}">
-                <adec:decorative xmlns:adec="http://schemas.microsoft.com/office/drawing/2017/decorative" val="1"/>
-              </a:ext>
-            </a:extLst>
-          </p:cNvPr>
-          <p:cNvSpPr>
-            <a:spLocks noGrp="1" noRot="1" noChangeAspect="1" noMove="1" noResize="1" noEditPoints="1" noAdjustHandles="1" noChangeArrowheads="1" noChangeShapeType="1" noTextEdit="1"/>
-          </p:cNvSpPr>
-          <p:nvPr>
-            <p:extLst>
-              <p:ext uri="{386F3935-93C4-4BCD-93E2-E3B085C9AB24}">
-                <p16:designElem xmlns:p16="http://schemas.microsoft.com/office/powerpoint/2015/main" val="1"/>
-              </p:ext>
-            </p:extLst>
+          <p:cNvPr id="2" name="Title 1">
+            <a:extLst>
+              <a:ext uri="{FF2B5EF4-FFF2-40B4-BE49-F238E27FC236}">
+                <a16:creationId xmlns:a16="http://schemas.microsoft.com/office/drawing/2014/main" id="{3184CA9D-5CB2-4601-81A3-BE42838070D9}"/>
+              </a:ext>
+            </a:extLst>
+          </p:cNvPr>
+          <p:cNvSpPr>
+            <a:spLocks noGrp="1"/>
+          </p:cNvSpPr>
+          <p:nvPr>
+            <p:ph type="title"/>
           </p:nvPr>
         </p:nvSpPr>
         <p:spPr>
           <a:xfrm>
-            <a:off x="327546" y="4572000"/>
-            <a:ext cx="7058307" cy="1964266"/>
+            <a:off x="648929" y="629266"/>
+            <a:ext cx="3651467" cy="1676603"/>
+          </a:xfrm>
+        </p:spPr>
+        <p:txBody>
+          <a:bodyPr vert="horz" lIns="91440" tIns="45720" rIns="91440" bIns="45720" rtlCol="0" anchor="ctr">
+            <a:normAutofit/>
+          </a:bodyPr>
+          <a:lstStyle/>
+          <a:p>
+            <a:r>
+              <a:rPr lang="en-US"/>
+              <a:t>The Adapter Design Pattern </a:t>
+            </a:r>
+          </a:p>
+        </p:txBody>
+      </p:sp>
+      <p:sp>
+        <p:nvSpPr>
+          <p:cNvPr id="3" name="Content Placeholder 2">
+            <a:extLst>
+              <a:ext uri="{FF2B5EF4-FFF2-40B4-BE49-F238E27FC236}">
+                <a16:creationId xmlns:a16="http://schemas.microsoft.com/office/drawing/2014/main" id="{54BC112D-94E8-4AE5-A232-80880E578DB7}"/>
+              </a:ext>
+            </a:extLst>
+          </p:cNvPr>
+          <p:cNvSpPr>
+            <a:spLocks noGrp="1"/>
+          </p:cNvSpPr>
+          <p:nvPr>
+            <p:ph sz="half" idx="1"/>
+          </p:nvPr>
+        </p:nvSpPr>
+        <p:spPr>
+          <a:xfrm>
+            <a:off x="648931" y="2438400"/>
+            <a:ext cx="3651466" cy="3785419"/>
+          </a:xfrm>
+        </p:spPr>
+        <p:txBody>
+          <a:bodyPr vert="horz" lIns="91440" tIns="45720" rIns="91440" bIns="45720" rtlCol="0">
+            <a:normAutofit/>
+          </a:bodyPr>
+          <a:lstStyle/>
+          <a:p>
+            <a:r>
+              <a:rPr lang="en-US" sz="1800"/>
+              <a:t>The adapter pattern convert the interface of a class into another interface clients expect. Adapter lets classes work together that couldn’t otherwise because of incompatible interfaces.</a:t>
+            </a:r>
+          </a:p>
+          <a:p>
+            <a:r>
+              <a:rPr lang="en-US" sz="1800"/>
+              <a:t>In our framework we could apply Adapter patter by adapting the methods in the Adaptee JDBCManager we could adapt multiple methods of JDBCManager.</a:t>
+            </a:r>
+          </a:p>
+        </p:txBody>
+      </p:sp>
+      <p:pic>
+        <p:nvPicPr>
+          <p:cNvPr id="8" name="Content Placeholder 7" descr="A close up of text on a white background&#10;&#10;Description automatically generated">
+            <a:extLst>
+              <a:ext uri="{FF2B5EF4-FFF2-40B4-BE49-F238E27FC236}">
+                <a16:creationId xmlns:a16="http://schemas.microsoft.com/office/drawing/2014/main" id="{D20F6DAB-D3EF-43FF-8FA3-5C52A384F9C8}"/>
+              </a:ext>
+            </a:extLst>
+          </p:cNvPr>
+          <p:cNvPicPr>
+            <a:picLocks noGrp="1" noChangeAspect="1"/>
+          </p:cNvPicPr>
+          <p:nvPr>
+            <p:ph sz="half" idx="2"/>
+          </p:nvPr>
+        </p:nvPicPr>
+        <p:blipFill rotWithShape="1">
+          <a:blip r:embed="rId3">
+            <a:extLst>
+              <a:ext uri="{28A0092B-C50C-407E-A947-70E740481C1C}">
+                <a14:useLocalDpi xmlns:a14="http://schemas.microsoft.com/office/drawing/2010/main" val="0"/>
+              </a:ext>
+            </a:extLst>
+          </a:blip>
+          <a:srcRect r="-2" b="1035"/>
+          <a:stretch/>
+        </p:blipFill>
+        <p:spPr>
+          <a:xfrm>
+            <a:off x="4639056" y="10"/>
+            <a:ext cx="7552944" cy="6857990"/>
           </a:xfrm>
           <a:prstGeom prst="rect">
             <a:avLst/>
           </a:prstGeom>
-          <a:solidFill>
-            <a:schemeClr val="accent1"/>
-          </a:solidFill>
-          <a:ln>
-            <a:noFill/>
-          </a:ln>
-        </p:spPr>
-        <p:style>
-          <a:lnRef idx="2">
-            <a:schemeClr val="accent1">
-              <a:shade val="50000"/>
-            </a:schemeClr>
-          </a:lnRef>
-          <a:fillRef idx="1">
-            <a:schemeClr val="accent1"/>
-          </a:fillRef>
-          <a:effectRef idx="0">
-            <a:schemeClr val="accent1"/>
-          </a:effectRef>
-          <a:fontRef idx="minor">
-            <a:schemeClr val="lt1"/>
-          </a:fontRef>
-        </p:style>
-        <p:txBody>
-          <a:bodyPr rtlCol="0" anchor="ctr"/>
-          <a:lstStyle/>
-          <a:p>
-            <a:pPr marL="0" marR="0" lvl="0" indent="0" algn="ctr" defTabSz="914400" rtl="0" eaLnBrk="1" fontAlgn="auto" latinLnBrk="0" hangingPunct="1">
-              <a:lnSpc>
-                <a:spcPct val="100000"/>
-              </a:lnSpc>
-              <a:spcBef>
-                <a:spcPts val="0"/>
-              </a:spcBef>
-              <a:spcAft>
-                <a:spcPts val="0"/>
-              </a:spcAft>
-              <a:buClrTx/>
-              <a:buSzTx/>
-              <a:buFontTx/>
-              <a:buNone/>
-              <a:tabLst/>
-              <a:defRPr/>
-            </a:pPr>
-            <a:endParaRPr kumimoji="0" lang="en-US" sz="1800" b="0" i="0" u="none" strike="noStrike" kern="1200" cap="none" spc="0" normalizeH="0" baseline="0" noProof="0">
-              <a:ln>
-                <a:noFill/>
-              </a:ln>
-              <a:solidFill>
-                <a:prstClr val="white"/>
-              </a:solidFill>
-              <a:effectLst/>
-              <a:uLnTx/>
-              <a:uFillTx/>
-              <a:latin typeface="Calibri" panose="020F0502020204030204"/>
-              <a:ea typeface="+mn-ea"/>
-              <a:cs typeface="+mn-cs"/>
-            </a:endParaRPr>
-          </a:p>
-        </p:txBody>
-      </p:sp>
-      <p:sp>
-        <p:nvSpPr>
-          <p:cNvPr id="2" name="Title 1">
-            <a:extLst>
-              <a:ext uri="{FF2B5EF4-FFF2-40B4-BE49-F238E27FC236}">
-                <a16:creationId xmlns:a16="http://schemas.microsoft.com/office/drawing/2014/main" id="{3184CA9D-5CB2-4601-81A3-BE42838070D9}"/>
-              </a:ext>
-            </a:extLst>
-          </p:cNvPr>
-          <p:cNvSpPr>
-            <a:spLocks noGrp="1"/>
-          </p:cNvSpPr>
-          <p:nvPr>
-            <p:ph type="title"/>
-          </p:nvPr>
-        </p:nvSpPr>
-        <p:spPr>
-          <a:xfrm>
-            <a:off x="524256" y="4767072"/>
-            <a:ext cx="6594189" cy="1625210"/>
-          </a:xfrm>
-        </p:spPr>
-        <p:txBody>
-          <a:bodyPr vert="horz" lIns="91440" tIns="45720" rIns="91440" bIns="45720" rtlCol="0" anchor="ctr">
-            <a:normAutofit/>
-          </a:bodyPr>
-          <a:lstStyle/>
-          <a:p>
-            <a:pPr algn="r"/>
-            <a:r>
-              <a:rPr lang="en-US">
-                <a:solidFill>
-                  <a:srgbClr val="FFFFFF"/>
-                </a:solidFill>
-              </a:rPr>
-              <a:t>The Adapter Design Pattern </a:t>
-            </a:r>
-          </a:p>
-        </p:txBody>
-      </p:sp>
-      <p:pic>
-        <p:nvPicPr>
-          <p:cNvPr id="7" name="Content Placeholder 6" descr="A close up of text on a white background&#10;&#10;Description automatically generated">
-            <a:extLst>
-              <a:ext uri="{FF2B5EF4-FFF2-40B4-BE49-F238E27FC236}">
-                <a16:creationId xmlns:a16="http://schemas.microsoft.com/office/drawing/2014/main" id="{9C54FE8C-1749-44A1-A94B-01410CB28A94}"/>
-              </a:ext>
-            </a:extLst>
-          </p:cNvPr>
-          <p:cNvPicPr>
-            <a:picLocks noGrp="1" noChangeAspect="1"/>
-          </p:cNvPicPr>
-          <p:nvPr>
-            <p:ph sz="half" idx="2"/>
-          </p:nvPr>
-        </p:nvPicPr>
-        <p:blipFill rotWithShape="1">
-          <a:blip r:embed="rId3">
-            <a:extLst>
-              <a:ext uri="{28A0092B-C50C-407E-A947-70E740481C1C}">
-                <a14:useLocalDpi xmlns:a14="http://schemas.microsoft.com/office/drawing/2010/main" val="0"/>
-              </a:ext>
-            </a:extLst>
-          </a:blip>
-          <a:srcRect t="16719" r="1" b="2739"/>
-          <a:stretch/>
-        </p:blipFill>
-        <p:spPr>
-          <a:xfrm>
-            <a:off x="327547" y="321733"/>
-            <a:ext cx="7058306" cy="4107392"/>
-          </a:xfrm>
-          <a:prstGeom prst="rect">
-            <a:avLst/>
-          </a:prstGeom>
+          <a:effectLst/>
         </p:spPr>
       </p:pic>
-      <p:sp>
-        <p:nvSpPr>
-          <p:cNvPr id="57" name="Rectangle 56">
-            <a:extLst>
-              <a:ext uri="{FF2B5EF4-FFF2-40B4-BE49-F238E27FC236}">
-                <a16:creationId xmlns:a16="http://schemas.microsoft.com/office/drawing/2014/main" id="{73ED6512-6858-4552-B699-9A97FE9A4EA2}"/>
-              </a:ext>
-              <a:ext uri="{C183D7F6-B498-43B3-948B-1728B52AA6E4}">
-                <adec:decorative xmlns:adec="http://schemas.microsoft.com/office/drawing/2017/decorative" val="1"/>
-              </a:ext>
-            </a:extLst>
-          </p:cNvPr>
-          <p:cNvSpPr>
-            <a:spLocks noGrp="1" noRot="1" noChangeAspect="1" noMove="1" noResize="1" noEditPoints="1" noAdjustHandles="1" noChangeArrowheads="1" noChangeShapeType="1" noTextEdit="1"/>
-          </p:cNvSpPr>
-          <p:nvPr>
-            <p:extLst>
-              <p:ext uri="{386F3935-93C4-4BCD-93E2-E3B085C9AB24}">
-                <p16:designElem xmlns:p16="http://schemas.microsoft.com/office/powerpoint/2015/main" val="1"/>
-              </p:ext>
-            </p:extLst>
-          </p:nvPr>
-        </p:nvSpPr>
-        <p:spPr>
-          <a:xfrm>
-            <a:off x="7534655" y="321732"/>
-            <a:ext cx="4335613" cy="6214534"/>
-          </a:xfrm>
-          <a:prstGeom prst="rect">
-            <a:avLst/>
-          </a:prstGeom>
-          <a:solidFill>
-            <a:srgbClr val="404040"/>
-          </a:solidFill>
-          <a:ln>
-            <a:noFill/>
-          </a:ln>
-        </p:spPr>
-        <p:style>
-          <a:lnRef idx="2">
-            <a:schemeClr val="accent1">
-              <a:shade val="50000"/>
-            </a:schemeClr>
-          </a:lnRef>
-          <a:fillRef idx="1">
-            <a:schemeClr val="accent1"/>
-          </a:fillRef>
-          <a:effectRef idx="0">
-            <a:schemeClr val="accent1"/>
-          </a:effectRef>
-          <a:fontRef idx="minor">
-            <a:schemeClr val="lt1"/>
-          </a:fontRef>
-        </p:style>
-        <p:txBody>
-          <a:bodyPr rtlCol="0" anchor="ctr"/>
-          <a:lstStyle/>
-          <a:p>
-            <a:pPr marL="0" marR="0" lvl="0" indent="0" algn="ctr" defTabSz="914400" rtl="0" eaLnBrk="1" fontAlgn="auto" latinLnBrk="0" hangingPunct="1">
-              <a:lnSpc>
-                <a:spcPct val="100000"/>
-              </a:lnSpc>
-              <a:spcBef>
-                <a:spcPts val="0"/>
-              </a:spcBef>
-              <a:spcAft>
-                <a:spcPts val="0"/>
-              </a:spcAft>
-              <a:buClrTx/>
-              <a:buSzTx/>
-              <a:buFontTx/>
-              <a:buNone/>
-              <a:tabLst/>
-              <a:defRPr/>
-            </a:pPr>
-            <a:endParaRPr kumimoji="0" lang="en-US" sz="1800" b="0" i="0" u="none" strike="noStrike" kern="1200" cap="none" spc="0" normalizeH="0" baseline="0" noProof="0">
-              <a:ln>
-                <a:noFill/>
-              </a:ln>
-              <a:solidFill>
-                <a:prstClr val="white"/>
-              </a:solidFill>
-              <a:effectLst/>
-              <a:uLnTx/>
-              <a:uFillTx/>
-              <a:latin typeface="Calibri" panose="020F0502020204030204"/>
-              <a:ea typeface="+mn-ea"/>
-              <a:cs typeface="+mn-cs"/>
-            </a:endParaRPr>
-          </a:p>
-        </p:txBody>
-      </p:sp>
-      <p:sp>
-        <p:nvSpPr>
-          <p:cNvPr id="3" name="Content Placeholder 2">
-            <a:extLst>
-              <a:ext uri="{FF2B5EF4-FFF2-40B4-BE49-F238E27FC236}">
-                <a16:creationId xmlns:a16="http://schemas.microsoft.com/office/drawing/2014/main" id="{54BC112D-94E8-4AE5-A232-80880E578DB7}"/>
-              </a:ext>
-            </a:extLst>
-          </p:cNvPr>
-          <p:cNvSpPr>
-            <a:spLocks noGrp="1"/>
-          </p:cNvSpPr>
-          <p:nvPr>
-            <p:ph sz="half" idx="1"/>
-          </p:nvPr>
-        </p:nvSpPr>
-        <p:spPr>
-          <a:xfrm>
-            <a:off x="8029319" y="917725"/>
-            <a:ext cx="3424739" cy="4852362"/>
-          </a:xfrm>
-        </p:spPr>
-        <p:txBody>
-          <a:bodyPr vert="horz" lIns="91440" tIns="45720" rIns="91440" bIns="45720" rtlCol="0" anchor="ctr">
-            <a:noAutofit/>
-          </a:bodyPr>
-          <a:lstStyle/>
-          <a:p>
-            <a:r>
-              <a:rPr lang="en-US" sz="2400" dirty="0">
-                <a:solidFill>
-                  <a:srgbClr val="FFFFFF"/>
-                </a:solidFill>
-                <a:latin typeface="Times New Roman" panose="02020603050405020304" pitchFamily="18" charset="0"/>
-                <a:cs typeface="Times New Roman" panose="02020603050405020304" pitchFamily="18" charset="0"/>
-              </a:rPr>
-              <a:t>The adapter pattern convert the interface of a class into another interface clients expect. Adapter lets classes work together that couldn’t otherwise because of incompatible interfaces.</a:t>
-            </a:r>
-          </a:p>
-          <a:p>
-            <a:r>
-              <a:rPr lang="en-US" sz="2400" dirty="0">
-                <a:solidFill>
-                  <a:srgbClr val="FFFFFF"/>
-                </a:solidFill>
-                <a:latin typeface="Times New Roman" panose="02020603050405020304" pitchFamily="18" charset="0"/>
-                <a:cs typeface="Times New Roman" panose="02020603050405020304" pitchFamily="18" charset="0"/>
-              </a:rPr>
-              <a:t>In our framework we could apply Adapter patter by adapting the methods in the </a:t>
-            </a:r>
-            <a:r>
-              <a:rPr lang="en-US" sz="2400" dirty="0" err="1">
-                <a:solidFill>
-                  <a:srgbClr val="FFFFFF"/>
-                </a:solidFill>
-                <a:latin typeface="Times New Roman" panose="02020603050405020304" pitchFamily="18" charset="0"/>
-                <a:cs typeface="Times New Roman" panose="02020603050405020304" pitchFamily="18" charset="0"/>
-              </a:rPr>
-              <a:t>Adaptee</a:t>
-            </a:r>
-            <a:r>
-              <a:rPr lang="en-US" sz="2400" dirty="0">
-                <a:solidFill>
-                  <a:srgbClr val="FFFFFF"/>
-                </a:solidFill>
-                <a:latin typeface="Times New Roman" panose="02020603050405020304" pitchFamily="18" charset="0"/>
-                <a:cs typeface="Times New Roman" panose="02020603050405020304" pitchFamily="18" charset="0"/>
-              </a:rPr>
-              <a:t> </a:t>
-            </a:r>
-            <a:r>
-              <a:rPr lang="en-US" sz="2400" dirty="0" err="1">
-                <a:solidFill>
-                  <a:srgbClr val="FFFFFF"/>
-                </a:solidFill>
-                <a:latin typeface="Times New Roman" panose="02020603050405020304" pitchFamily="18" charset="0"/>
-                <a:cs typeface="Times New Roman" panose="02020603050405020304" pitchFamily="18" charset="0"/>
-              </a:rPr>
-              <a:t>JDBCManager</a:t>
-            </a:r>
-            <a:r>
-              <a:rPr lang="en-US" sz="2400" dirty="0">
-                <a:solidFill>
-                  <a:srgbClr val="FFFFFF"/>
-                </a:solidFill>
-                <a:latin typeface="Times New Roman" panose="02020603050405020304" pitchFamily="18" charset="0"/>
-                <a:cs typeface="Times New Roman" panose="02020603050405020304" pitchFamily="18" charset="0"/>
-              </a:rPr>
-              <a:t> we could adapt multiple methods of </a:t>
-            </a:r>
-            <a:r>
-              <a:rPr lang="en-US" sz="2400" dirty="0" err="1">
-                <a:solidFill>
-                  <a:srgbClr val="FFFFFF"/>
-                </a:solidFill>
-                <a:latin typeface="Times New Roman" panose="02020603050405020304" pitchFamily="18" charset="0"/>
-                <a:cs typeface="Times New Roman" panose="02020603050405020304" pitchFamily="18" charset="0"/>
-              </a:rPr>
-              <a:t>JDBCManager</a:t>
-            </a:r>
-            <a:r>
-              <a:rPr lang="en-US" sz="2400" dirty="0">
-                <a:solidFill>
-                  <a:srgbClr val="FFFFFF"/>
-                </a:solidFill>
-                <a:latin typeface="Times New Roman" panose="02020603050405020304" pitchFamily="18" charset="0"/>
-                <a:cs typeface="Times New Roman" panose="02020603050405020304" pitchFamily="18" charset="0"/>
-              </a:rPr>
-              <a:t>.</a:t>
-            </a:r>
-          </a:p>
-        </p:txBody>
-      </p:sp>
     </p:spTree>
     <p:extLst>
       <p:ext uri="{BB962C8B-B14F-4D97-AF65-F5344CB8AC3E}">

--- a/New Microsoft PowerPoint Presentation1.pptx
+++ b/New Microsoft PowerPoint Presentation1.pptx
@@ -6517,20 +6517,7 @@
                 <a:latin typeface="Times New Roman" panose="02020603050405020304" pitchFamily="18" charset="0"/>
                 <a:cs typeface="Times New Roman" panose="02020603050405020304" pitchFamily="18" charset="0"/>
               </a:rPr>
-              <a:t>Template Method Pattern </a:t>
-            </a:r>
-          </a:p>
-          <a:p>
-            <a:pPr marL="514350" indent="-514350">
-              <a:buFont typeface="+mj-lt"/>
-              <a:buAutoNum type="arabicPeriod"/>
-            </a:pPr>
-            <a:r>
-              <a:rPr lang="en-US" sz="1800" dirty="0">
-                <a:latin typeface="Times New Roman" panose="02020603050405020304" pitchFamily="18" charset="0"/>
-                <a:cs typeface="Times New Roman" panose="02020603050405020304" pitchFamily="18" charset="0"/>
-              </a:rPr>
-              <a:t>Iterator pattern </a:t>
+              <a:t>Template Method Pattern</a:t>
             </a:r>
           </a:p>
         </p:txBody>

--- a/New Microsoft PowerPoint Presentation1.pptx
+++ b/New Microsoft PowerPoint Presentation1.pptx
@@ -15,12 +15,12 @@
     <p:sldId id="268" r:id="rId6"/>
     <p:sldId id="267" r:id="rId7"/>
     <p:sldId id="266" r:id="rId8"/>
-    <p:sldId id="259" r:id="rId9"/>
-    <p:sldId id="260" r:id="rId10"/>
-    <p:sldId id="261" r:id="rId11"/>
-    <p:sldId id="274" r:id="rId12"/>
-    <p:sldId id="271" r:id="rId13"/>
-    <p:sldId id="272" r:id="rId14"/>
+    <p:sldId id="271" r:id="rId9"/>
+    <p:sldId id="272" r:id="rId10"/>
+    <p:sldId id="274" r:id="rId11"/>
+    <p:sldId id="260" r:id="rId12"/>
+    <p:sldId id="259" r:id="rId13"/>
+    <p:sldId id="261" r:id="rId14"/>
     <p:sldId id="273" r:id="rId15"/>
     <p:sldId id="275" r:id="rId16"/>
   </p:sldIdLst>
@@ -211,7 +211,7 @@
           <a:p>
             <a:fld id="{207A4D14-C0C7-4076-8C0D-16D5C8CA2C99}" type="datetimeFigureOut">
               <a:rPr lang="en-US" smtClean="0"/>
-              <a:t>8/10/2019</a:t>
+              <a:t>8/11/2019</a:t>
             </a:fld>
             <a:endParaRPr lang="en-US"/>
           </a:p>
@@ -714,7 +714,7 @@
           <a:p>
             <a:fld id="{B22FCBA4-2D9E-4AB2-8C2A-978AD6E26318}" type="slidenum">
               <a:rPr lang="en-US" smtClean="0"/>
-              <a:t>8</a:t>
+              <a:t>12</a:t>
             </a:fld>
             <a:endParaRPr lang="en-US"/>
           </a:p>
@@ -880,7 +880,7 @@
           <a:p>
             <a:fld id="{40B06E3B-156D-40F8-94F7-F2E625950314}" type="datetimeFigureOut">
               <a:rPr lang="en-US" smtClean="0"/>
-              <a:t>8/10/2019</a:t>
+              <a:t>8/11/2019</a:t>
             </a:fld>
             <a:endParaRPr lang="en-US"/>
           </a:p>
@@ -1078,7 +1078,7 @@
           <a:p>
             <a:fld id="{40B06E3B-156D-40F8-94F7-F2E625950314}" type="datetimeFigureOut">
               <a:rPr lang="en-US" smtClean="0"/>
-              <a:t>8/10/2019</a:t>
+              <a:t>8/11/2019</a:t>
             </a:fld>
             <a:endParaRPr lang="en-US"/>
           </a:p>
@@ -1286,7 +1286,7 @@
           <a:p>
             <a:fld id="{40B06E3B-156D-40F8-94F7-F2E625950314}" type="datetimeFigureOut">
               <a:rPr lang="en-US" smtClean="0"/>
-              <a:t>8/10/2019</a:t>
+              <a:t>8/11/2019</a:t>
             </a:fld>
             <a:endParaRPr lang="en-US"/>
           </a:p>
@@ -1484,7 +1484,7 @@
           <a:p>
             <a:fld id="{40B06E3B-156D-40F8-94F7-F2E625950314}" type="datetimeFigureOut">
               <a:rPr lang="en-US" smtClean="0"/>
-              <a:t>8/10/2019</a:t>
+              <a:t>8/11/2019</a:t>
             </a:fld>
             <a:endParaRPr lang="en-US"/>
           </a:p>
@@ -1759,7 +1759,7 @@
           <a:p>
             <a:fld id="{40B06E3B-156D-40F8-94F7-F2E625950314}" type="datetimeFigureOut">
               <a:rPr lang="en-US" smtClean="0"/>
-              <a:t>8/10/2019</a:t>
+              <a:t>8/11/2019</a:t>
             </a:fld>
             <a:endParaRPr lang="en-US"/>
           </a:p>
@@ -2024,7 +2024,7 @@
           <a:p>
             <a:fld id="{40B06E3B-156D-40F8-94F7-F2E625950314}" type="datetimeFigureOut">
               <a:rPr lang="en-US" smtClean="0"/>
-              <a:t>8/10/2019</a:t>
+              <a:t>8/11/2019</a:t>
             </a:fld>
             <a:endParaRPr lang="en-US"/>
           </a:p>
@@ -2436,7 +2436,7 @@
           <a:p>
             <a:fld id="{40B06E3B-156D-40F8-94F7-F2E625950314}" type="datetimeFigureOut">
               <a:rPr lang="en-US" smtClean="0"/>
-              <a:t>8/10/2019</a:t>
+              <a:t>8/11/2019</a:t>
             </a:fld>
             <a:endParaRPr lang="en-US"/>
           </a:p>
@@ -2577,7 +2577,7 @@
           <a:p>
             <a:fld id="{40B06E3B-156D-40F8-94F7-F2E625950314}" type="datetimeFigureOut">
               <a:rPr lang="en-US" smtClean="0"/>
-              <a:t>8/10/2019</a:t>
+              <a:t>8/11/2019</a:t>
             </a:fld>
             <a:endParaRPr lang="en-US"/>
           </a:p>
@@ -2690,7 +2690,7 @@
           <a:p>
             <a:fld id="{40B06E3B-156D-40F8-94F7-F2E625950314}" type="datetimeFigureOut">
               <a:rPr lang="en-US" smtClean="0"/>
-              <a:t>8/10/2019</a:t>
+              <a:t>8/11/2019</a:t>
             </a:fld>
             <a:endParaRPr lang="en-US"/>
           </a:p>
@@ -3001,7 +3001,7 @@
           <a:p>
             <a:fld id="{40B06E3B-156D-40F8-94F7-F2E625950314}" type="datetimeFigureOut">
               <a:rPr lang="en-US" smtClean="0"/>
-              <a:t>8/10/2019</a:t>
+              <a:t>8/11/2019</a:t>
             </a:fld>
             <a:endParaRPr lang="en-US"/>
           </a:p>
@@ -3289,7 +3289,7 @@
           <a:p>
             <a:fld id="{40B06E3B-156D-40F8-94F7-F2E625950314}" type="datetimeFigureOut">
               <a:rPr lang="en-US" smtClean="0"/>
-              <a:t>8/10/2019</a:t>
+              <a:t>8/11/2019</a:t>
             </a:fld>
             <a:endParaRPr lang="en-US"/>
           </a:p>
@@ -3530,7 +3530,7 @@
           <a:p>
             <a:fld id="{40B06E3B-156D-40F8-94F7-F2E625950314}" type="datetimeFigureOut">
               <a:rPr lang="en-US" smtClean="0"/>
-              <a:t>8/10/2019</a:t>
+              <a:t>8/11/2019</a:t>
             </a:fld>
             <a:endParaRPr lang="en-US"/>
           </a:p>
@@ -4538,10 +4538,10 @@
       </p:grpSpPr>
       <p:sp>
         <p:nvSpPr>
-          <p:cNvPr id="29" name="Rectangle 28">
-            <a:extLst>
-              <a:ext uri="{FF2B5EF4-FFF2-40B4-BE49-F238E27FC236}">
-                <a16:creationId xmlns:a16="http://schemas.microsoft.com/office/drawing/2014/main" id="{4038CB10-1F5C-4D54-9DF7-12586DE5B007}"/>
+          <p:cNvPr id="11" name="Down Arrow 7">
+            <a:extLst>
+              <a:ext uri="{FF2B5EF4-FFF2-40B4-BE49-F238E27FC236}">
+                <a16:creationId xmlns:a16="http://schemas.microsoft.com/office/drawing/2014/main" id="{73DE2CFE-42F2-48F0-8706-5264E012B10C}"/>
               </a:ext>
               <a:ext uri="{C183D7F6-B498-43B3-948B-1728B52AA6E4}">
                 <adec:decorative xmlns:adec="http://schemas.microsoft.com/office/drawing/2017/decorative" val="1"/>
@@ -4560,17 +4560,20 @@
           </p:nvPr>
         </p:nvSpPr>
         <p:spPr>
-          <a:xfrm>
-            <a:off x="327546" y="4572000"/>
-            <a:ext cx="7058307" cy="1964266"/>
-          </a:xfrm>
-          <a:prstGeom prst="rect">
-            <a:avLst/>
+          <a:xfrm rot="16200000">
+            <a:off x="1288521" y="381403"/>
+            <a:ext cx="2200313" cy="3342508"/>
+          </a:xfrm>
+          <a:prstGeom prst="downArrow">
+            <a:avLst>
+              <a:gd name="adj1" fmla="val 100000"/>
+              <a:gd name="adj2" fmla="val 15788"/>
+            </a:avLst>
           </a:prstGeom>
           <a:solidFill>
-            <a:schemeClr val="accent1"/>
+            <a:srgbClr val="404040"/>
           </a:solidFill>
-          <a:ln>
+          <a:ln w="53975">
             <a:noFill/>
           </a:ln>
         </p:spPr>
@@ -4633,7 +4636,7 @@
           <p:cNvPr id="2" name="Title 1">
             <a:extLst>
               <a:ext uri="{FF2B5EF4-FFF2-40B4-BE49-F238E27FC236}">
-                <a16:creationId xmlns:a16="http://schemas.microsoft.com/office/drawing/2014/main" id="{BB1C8B70-65E5-42E8-A5F3-96EB1D42B80E}"/>
+                <a16:creationId xmlns:a16="http://schemas.microsoft.com/office/drawing/2014/main" id="{9A359AA7-1D0E-456F-85C1-F3CF1A3621DD}"/>
               </a:ext>
             </a:extLst>
           </p:cNvPr>
@@ -4646,9 +4649,12 @@
         </p:nvSpPr>
         <p:spPr>
           <a:xfrm>
-            <a:off x="524256" y="4767072"/>
-            <a:ext cx="6594189" cy="1625210"/>
-          </a:xfrm>
+            <a:off x="966952" y="1183900"/>
+            <a:ext cx="2669406" cy="1781175"/>
+          </a:xfrm>
+          <a:solidFill>
+            <a:srgbClr val="C00000"/>
+          </a:solidFill>
         </p:spPr>
         <p:txBody>
           <a:bodyPr vert="horz" lIns="91440" tIns="45720" rIns="91440" bIns="45720" rtlCol="0" anchor="ctr">
@@ -4656,251 +4662,92 @@
           </a:bodyPr>
           <a:lstStyle/>
           <a:p>
-            <a:pPr algn="r"/>
-            <a:r>
-              <a:rPr lang="en-US">
+            <a:r>
+              <a:rPr lang="en-US" sz="3200" kern="1200">
                 <a:solidFill>
                   <a:srgbClr val="FFFFFF"/>
                 </a:solidFill>
+                <a:latin typeface="+mj-lt"/>
+                <a:ea typeface="+mj-ea"/>
+                <a:cs typeface="+mj-cs"/>
               </a:rPr>
-              <a:t>The Façade Design </a:t>
-            </a:r>
-            <a:br>
-              <a:rPr lang="en-US">
-                <a:solidFill>
-                  <a:srgbClr val="FFFFFF"/>
-                </a:solidFill>
+              <a:t>The Factory Design Pattern</a:t>
+            </a:r>
+          </a:p>
+        </p:txBody>
+      </p:sp>
+      <p:sp>
+        <p:nvSpPr>
+          <p:cNvPr id="3" name="Content Placeholder 2">
+            <a:extLst>
+              <a:ext uri="{FF2B5EF4-FFF2-40B4-BE49-F238E27FC236}">
+                <a16:creationId xmlns:a16="http://schemas.microsoft.com/office/drawing/2014/main" id="{75461F02-4835-4E58-A7AB-8397C8D68D81}"/>
+              </a:ext>
+            </a:extLst>
+          </p:cNvPr>
+          <p:cNvSpPr>
+            <a:spLocks noGrp="1"/>
+          </p:cNvSpPr>
+          <p:nvPr>
+            <p:ph sz="half" idx="1"/>
+          </p:nvPr>
+        </p:nvSpPr>
+        <p:spPr>
+          <a:xfrm>
+            <a:off x="966950" y="3236892"/>
+            <a:ext cx="4024359" cy="2668608"/>
+          </a:xfrm>
+        </p:spPr>
+        <p:txBody>
+          <a:bodyPr vert="horz" lIns="91440" tIns="45720" rIns="91440" bIns="45720" rtlCol="0">
+            <a:noAutofit/>
+          </a:bodyPr>
+          <a:lstStyle/>
+          <a:p>
+            <a:r>
+              <a:rPr lang="en-US" sz="1800" dirty="0">
+                <a:latin typeface="Times New Roman" panose="02020603050405020304" pitchFamily="18" charset="0"/>
+                <a:cs typeface="Times New Roman" panose="02020603050405020304" pitchFamily="18" charset="0"/>
               </a:rPr>
-            </a:br>
-            <a:r>
-              <a:rPr lang="en-US">
-                <a:solidFill>
-                  <a:srgbClr val="FFFFFF"/>
-                </a:solidFill>
-              </a:rPr>
-              <a:t>Pattern </a:t>
+              <a:t>In this area we use a Factory patter to create a data access object which may vary dependently on the type of service the BaseRepository interface need to store or get. The subclass RDBDataAccessFactory will decide which Data Access to create base on the type of the object that need to be stored. This solution is both reusable and easy to maintain. </a:t>
             </a:r>
           </a:p>
         </p:txBody>
       </p:sp>
       <p:pic>
         <p:nvPicPr>
-          <p:cNvPr id="8" name="Content Placeholder 7" descr="A screenshot of a cell phone&#10;&#10;Description automatically generated">
-            <a:extLst>
-              <a:ext uri="{FF2B5EF4-FFF2-40B4-BE49-F238E27FC236}">
-                <a16:creationId xmlns:a16="http://schemas.microsoft.com/office/drawing/2014/main" id="{040EE13F-F7D2-4CD2-8D57-7453BEA05B2A}"/>
+          <p:cNvPr id="7" name="Picture 6">
+            <a:extLst>
+              <a:ext uri="{FF2B5EF4-FFF2-40B4-BE49-F238E27FC236}">
+                <a16:creationId xmlns:a16="http://schemas.microsoft.com/office/drawing/2014/main" id="{7F8245B0-B850-48E5-99F1-912CF0CCE5B9}"/>
               </a:ext>
             </a:extLst>
           </p:cNvPr>
           <p:cNvPicPr>
-            <a:picLocks noGrp="1" noChangeAspect="1"/>
+            <a:picLocks noChangeAspect="1"/>
           </p:cNvPicPr>
-          <p:nvPr>
-            <p:ph sz="half" idx="2"/>
-          </p:nvPr>
+          <p:nvPr/>
         </p:nvPicPr>
-        <p:blipFill rotWithShape="1">
-          <a:blip r:embed="rId2">
-            <a:extLst>
-              <a:ext uri="{28A0092B-C50C-407E-A947-70E740481C1C}">
-                <a14:useLocalDpi xmlns:a14="http://schemas.microsoft.com/office/drawing/2010/main" val="0"/>
-              </a:ext>
-            </a:extLst>
-          </a:blip>
-          <a:srcRect r="6344" b="-1"/>
-          <a:stretch/>
+        <p:blipFill>
+          <a:blip r:embed="rId2"/>
+          <a:stretch>
+            <a:fillRect/>
+          </a:stretch>
         </p:blipFill>
         <p:spPr>
           <a:xfrm>
-            <a:off x="327547" y="321733"/>
-            <a:ext cx="7058306" cy="4107392"/>
+            <a:off x="5163076" y="380962"/>
+            <a:ext cx="7028924" cy="6648450"/>
           </a:xfrm>
           <a:prstGeom prst="rect">
             <a:avLst/>
           </a:prstGeom>
         </p:spPr>
       </p:pic>
-      <p:sp>
-        <p:nvSpPr>
-          <p:cNvPr id="31" name="Rectangle 30">
-            <a:extLst>
-              <a:ext uri="{FF2B5EF4-FFF2-40B4-BE49-F238E27FC236}">
-                <a16:creationId xmlns:a16="http://schemas.microsoft.com/office/drawing/2014/main" id="{73ED6512-6858-4552-B699-9A97FE9A4EA2}"/>
-              </a:ext>
-              <a:ext uri="{C183D7F6-B498-43B3-948B-1728B52AA6E4}">
-                <adec:decorative xmlns:adec="http://schemas.microsoft.com/office/drawing/2017/decorative" val="1"/>
-              </a:ext>
-            </a:extLst>
-          </p:cNvPr>
-          <p:cNvSpPr>
-            <a:spLocks noGrp="1" noRot="1" noChangeAspect="1" noMove="1" noResize="1" noEditPoints="1" noAdjustHandles="1" noChangeArrowheads="1" noChangeShapeType="1" noTextEdit="1"/>
-          </p:cNvSpPr>
-          <p:nvPr>
-            <p:extLst>
-              <p:ext uri="{386F3935-93C4-4BCD-93E2-E3B085C9AB24}">
-                <p16:designElem xmlns:p16="http://schemas.microsoft.com/office/powerpoint/2015/main" val="1"/>
-              </p:ext>
-            </p:extLst>
-          </p:nvPr>
-        </p:nvSpPr>
-        <p:spPr>
-          <a:xfrm>
-            <a:off x="7534655" y="321732"/>
-            <a:ext cx="4335613" cy="6214534"/>
-          </a:xfrm>
-          <a:prstGeom prst="rect">
-            <a:avLst/>
-          </a:prstGeom>
-          <a:solidFill>
-            <a:srgbClr val="404040"/>
-          </a:solidFill>
-          <a:ln>
-            <a:noFill/>
-          </a:ln>
-        </p:spPr>
-        <p:style>
-          <a:lnRef idx="2">
-            <a:schemeClr val="accent1">
-              <a:shade val="50000"/>
-            </a:schemeClr>
-          </a:lnRef>
-          <a:fillRef idx="1">
-            <a:schemeClr val="accent1"/>
-          </a:fillRef>
-          <a:effectRef idx="0">
-            <a:schemeClr val="accent1"/>
-          </a:effectRef>
-          <a:fontRef idx="minor">
-            <a:schemeClr val="lt1"/>
-          </a:fontRef>
-        </p:style>
-        <p:txBody>
-          <a:bodyPr rtlCol="0" anchor="ctr"/>
-          <a:lstStyle/>
-          <a:p>
-            <a:pPr marL="0" marR="0" lvl="0" indent="0" algn="ctr" defTabSz="914400" rtl="0" eaLnBrk="1" fontAlgn="auto" latinLnBrk="0" hangingPunct="1">
-              <a:lnSpc>
-                <a:spcPct val="100000"/>
-              </a:lnSpc>
-              <a:spcBef>
-                <a:spcPts val="0"/>
-              </a:spcBef>
-              <a:spcAft>
-                <a:spcPts val="0"/>
-              </a:spcAft>
-              <a:buClrTx/>
-              <a:buSzTx/>
-              <a:buFontTx/>
-              <a:buNone/>
-              <a:tabLst/>
-              <a:defRPr/>
-            </a:pPr>
-            <a:endParaRPr kumimoji="0" lang="en-US" sz="1800" b="0" i="0" u="none" strike="noStrike" kern="1200" cap="none" spc="0" normalizeH="0" baseline="0" noProof="0">
-              <a:ln>
-                <a:noFill/>
-              </a:ln>
-              <a:solidFill>
-                <a:prstClr val="white"/>
-              </a:solidFill>
-              <a:effectLst/>
-              <a:uLnTx/>
-              <a:uFillTx/>
-              <a:latin typeface="Calibri" panose="020F0502020204030204"/>
-              <a:ea typeface="+mn-ea"/>
-              <a:cs typeface="+mn-cs"/>
-            </a:endParaRPr>
-          </a:p>
-        </p:txBody>
-      </p:sp>
-      <p:sp>
-        <p:nvSpPr>
-          <p:cNvPr id="3" name="Content Placeholder 2">
-            <a:extLst>
-              <a:ext uri="{FF2B5EF4-FFF2-40B4-BE49-F238E27FC236}">
-                <a16:creationId xmlns:a16="http://schemas.microsoft.com/office/drawing/2014/main" id="{BB8B2174-5F9D-46D8-9389-ED0280AFB54F}"/>
-              </a:ext>
-            </a:extLst>
-          </p:cNvPr>
-          <p:cNvSpPr>
-            <a:spLocks noGrp="1"/>
-          </p:cNvSpPr>
-          <p:nvPr>
-            <p:ph sz="half" idx="1"/>
-          </p:nvPr>
-        </p:nvSpPr>
-        <p:spPr>
-          <a:xfrm>
-            <a:off x="8029319" y="917725"/>
-            <a:ext cx="3424739" cy="4852362"/>
-          </a:xfrm>
-        </p:spPr>
-        <p:txBody>
-          <a:bodyPr vert="horz" lIns="91440" tIns="45720" rIns="91440" bIns="45720" rtlCol="0" anchor="ctr">
-            <a:noAutofit/>
-          </a:bodyPr>
-          <a:lstStyle/>
-          <a:p>
-            <a:r>
-              <a:rPr lang="en-US" sz="1800" dirty="0">
-                <a:solidFill>
-                  <a:srgbClr val="FFFFFF"/>
-                </a:solidFill>
-                <a:latin typeface="Times New Roman" panose="02020603050405020304" pitchFamily="18" charset="0"/>
-                <a:cs typeface="Times New Roman" panose="02020603050405020304" pitchFamily="18" charset="0"/>
-              </a:rPr>
-              <a:t>Facade pattern hides the complexities of the system and provides an interface to the client using which the client can access the system. This type of design pattern comes under structural pattern as this pattern adds an interface to existing system to hide its complexities.</a:t>
-            </a:r>
-          </a:p>
-          <a:p>
-            <a:r>
-              <a:rPr lang="en-US" sz="1800" dirty="0">
-                <a:solidFill>
-                  <a:srgbClr val="FFFFFF"/>
-                </a:solidFill>
-                <a:latin typeface="Times New Roman" panose="02020603050405020304" pitchFamily="18" charset="0"/>
-                <a:cs typeface="Times New Roman" panose="02020603050405020304" pitchFamily="18" charset="0"/>
-              </a:rPr>
-              <a:t>This pattern involves a single class which provides simplified methods required by client and delegates calls to methods of existing system classes.</a:t>
-            </a:r>
-          </a:p>
-          <a:p>
-            <a:r>
-              <a:rPr lang="en-US" sz="1800" dirty="0">
-                <a:solidFill>
-                  <a:srgbClr val="FFFFFF"/>
-                </a:solidFill>
-                <a:latin typeface="Times New Roman" panose="02020603050405020304" pitchFamily="18" charset="0"/>
-                <a:cs typeface="Times New Roman" panose="02020603050405020304" pitchFamily="18" charset="0"/>
-              </a:rPr>
-              <a:t>We apply façade design pattern by </a:t>
-            </a:r>
-            <a:r>
-              <a:rPr lang="en-US" sz="1800" dirty="0" err="1">
-                <a:solidFill>
-                  <a:srgbClr val="FFFFFF"/>
-                </a:solidFill>
-                <a:latin typeface="Times New Roman" panose="02020603050405020304" pitchFamily="18" charset="0"/>
-                <a:cs typeface="Times New Roman" panose="02020603050405020304" pitchFamily="18" charset="0"/>
-              </a:rPr>
-              <a:t>JDBCManager</a:t>
-            </a:r>
-            <a:r>
-              <a:rPr lang="en-US" sz="1800" dirty="0">
-                <a:solidFill>
-                  <a:srgbClr val="FFFFFF"/>
-                </a:solidFill>
-                <a:latin typeface="Times New Roman" panose="02020603050405020304" pitchFamily="18" charset="0"/>
-                <a:cs typeface="Times New Roman" panose="02020603050405020304" pitchFamily="18" charset="0"/>
-              </a:rPr>
-              <a:t> Context class which has bunch of methods, which creates an instance of several Class, this will help Client to invoke this Class instead of invoking several classes to create an object. </a:t>
-            </a:r>
-          </a:p>
-        </p:txBody>
-      </p:sp>
     </p:spTree>
     <p:extLst>
       <p:ext uri="{BB962C8B-B14F-4D97-AF65-F5344CB8AC3E}">
-        <p14:creationId xmlns:p14="http://schemas.microsoft.com/office/powerpoint/2010/main" val="797789501"/>
+        <p14:creationId xmlns:p14="http://schemas.microsoft.com/office/powerpoint/2010/main" val="1824477479"/>
       </p:ext>
     </p:extLst>
   </p:cSld>
@@ -4937,10 +4784,10 @@
       </p:grpSpPr>
       <p:sp>
         <p:nvSpPr>
-          <p:cNvPr id="11" name="Down Arrow 7">
-            <a:extLst>
-              <a:ext uri="{FF2B5EF4-FFF2-40B4-BE49-F238E27FC236}">
-                <a16:creationId xmlns:a16="http://schemas.microsoft.com/office/drawing/2014/main" id="{73DE2CFE-42F2-48F0-8706-5264E012B10C}"/>
+          <p:cNvPr id="14" name="Rectangle 13">
+            <a:extLst>
+              <a:ext uri="{FF2B5EF4-FFF2-40B4-BE49-F238E27FC236}">
+                <a16:creationId xmlns:a16="http://schemas.microsoft.com/office/drawing/2014/main" id="{42A5316D-ED2F-4F89-B4B4-8D9240B1A348}"/>
               </a:ext>
               <a:ext uri="{C183D7F6-B498-43B3-948B-1728B52AA6E4}">
                 <adec:decorative xmlns:adec="http://schemas.microsoft.com/office/drawing/2017/decorative" val="1"/>
@@ -4959,20 +4806,17 @@
           </p:nvPr>
         </p:nvSpPr>
         <p:spPr>
-          <a:xfrm rot="16200000">
-            <a:off x="1288521" y="381403"/>
-            <a:ext cx="2200313" cy="3342508"/>
-          </a:xfrm>
-          <a:prstGeom prst="downArrow">
-            <a:avLst>
-              <a:gd name="adj1" fmla="val 100000"/>
-              <a:gd name="adj2" fmla="val 15788"/>
-            </a:avLst>
+          <a:xfrm>
+            <a:off x="0" y="0"/>
+            <a:ext cx="2013557" cy="6858000"/>
+          </a:xfrm>
+          <a:prstGeom prst="rect">
+            <a:avLst/>
           </a:prstGeom>
           <a:solidFill>
-            <a:srgbClr val="404040"/>
+            <a:srgbClr val="7F7F7F"/>
           </a:solidFill>
-          <a:ln w="53975">
+          <a:ln>
             <a:noFill/>
           </a:ln>
         </p:spPr>
@@ -5035,7 +4879,7 @@
           <p:cNvPr id="2" name="Title 1">
             <a:extLst>
               <a:ext uri="{FF2B5EF4-FFF2-40B4-BE49-F238E27FC236}">
-                <a16:creationId xmlns:a16="http://schemas.microsoft.com/office/drawing/2014/main" id="{9A359AA7-1D0E-456F-85C1-F3CF1A3621DD}"/>
+                <a16:creationId xmlns:a16="http://schemas.microsoft.com/office/drawing/2014/main" id="{A9220CA8-30D6-4B70-A427-F59405C9B0FD}"/>
               </a:ext>
             </a:extLst>
           </p:cNvPr>
@@ -5048,9 +4892,20 @@
         </p:nvSpPr>
         <p:spPr>
           <a:xfrm>
-            <a:off x="966952" y="1204108"/>
-            <a:ext cx="2669406" cy="1781175"/>
-          </a:xfrm>
+            <a:off x="694510" y="1487272"/>
+            <a:ext cx="2743200" cy="2743200"/>
+          </a:xfrm>
+          <a:prstGeom prst="ellipse">
+            <a:avLst/>
+          </a:prstGeom>
+          <a:solidFill>
+            <a:srgbClr val="C00000"/>
+          </a:solidFill>
+          <a:ln w="174625" cmpd="thinThick">
+            <a:solidFill>
+              <a:srgbClr val="262626"/>
+            </a:solidFill>
+          </a:ln>
         </p:spPr>
         <p:txBody>
           <a:bodyPr vert="horz" lIns="91440" tIns="45720" rIns="91440" bIns="45720" rtlCol="0" anchor="ctr">
@@ -5058,8 +4913,9 @@
           </a:bodyPr>
           <a:lstStyle/>
           <a:p>
-            <a:r>
-              <a:rPr lang="en-US" sz="3200" kern="1200">
+            <a:pPr algn="ctr"/>
+            <a:r>
+              <a:rPr lang="en-US" sz="2600" kern="1200">
                 <a:solidFill>
                   <a:srgbClr val="FFFFFF"/>
                 </a:solidFill>
@@ -5067,64 +4923,17 @@
                 <a:ea typeface="+mj-ea"/>
                 <a:cs typeface="+mj-cs"/>
               </a:rPr>
-              <a:t>The Factory Design Pattern</a:t>
-            </a:r>
-          </a:p>
-        </p:txBody>
-      </p:sp>
-      <p:sp>
-        <p:nvSpPr>
-          <p:cNvPr id="3" name="Content Placeholder 2">
-            <a:extLst>
-              <a:ext uri="{FF2B5EF4-FFF2-40B4-BE49-F238E27FC236}">
-                <a16:creationId xmlns:a16="http://schemas.microsoft.com/office/drawing/2014/main" id="{75461F02-4835-4E58-A7AB-8397C8D68D81}"/>
-              </a:ext>
-            </a:extLst>
-          </p:cNvPr>
-          <p:cNvSpPr>
-            <a:spLocks noGrp="1"/>
-          </p:cNvSpPr>
-          <p:nvPr>
-            <p:ph sz="half" idx="1"/>
-          </p:nvPr>
-        </p:nvSpPr>
-        <p:spPr>
-          <a:xfrm>
-            <a:off x="966951" y="3236892"/>
-            <a:ext cx="2669407" cy="2668608"/>
-          </a:xfrm>
-        </p:spPr>
-        <p:txBody>
-          <a:bodyPr vert="horz" lIns="91440" tIns="45720" rIns="91440" bIns="45720" rtlCol="0">
-            <a:noAutofit/>
-          </a:bodyPr>
-          <a:lstStyle/>
-          <a:p>
-            <a:r>
-              <a:rPr lang="en-US" sz="1800" dirty="0">
-                <a:latin typeface="Times New Roman" panose="02020603050405020304" pitchFamily="18" charset="0"/>
-                <a:cs typeface="Times New Roman" panose="02020603050405020304" pitchFamily="18" charset="0"/>
-              </a:rPr>
-              <a:t>The Factory Pattern will decouple client and concrete class. </a:t>
-            </a:r>
-          </a:p>
-          <a:p>
-            <a:r>
-              <a:rPr lang="en-US" sz="1800" dirty="0">
-                <a:latin typeface="Times New Roman" panose="02020603050405020304" pitchFamily="18" charset="0"/>
-                <a:cs typeface="Times New Roman" panose="02020603050405020304" pitchFamily="18" charset="0"/>
-              </a:rPr>
-              <a:t>In our framework we applied factory method, In DataAccessFactory where the client interacts in order to crate an instance of the concrete class.  </a:t>
+              <a:t>The Command Design pattern.</a:t>
             </a:r>
           </a:p>
         </p:txBody>
       </p:sp>
       <p:pic>
         <p:nvPicPr>
-          <p:cNvPr id="6" name="Content Placeholder 5" descr="A close up of text on a white background&#10;&#10;Description automatically generated">
-            <a:extLst>
-              <a:ext uri="{FF2B5EF4-FFF2-40B4-BE49-F238E27FC236}">
-                <a16:creationId xmlns:a16="http://schemas.microsoft.com/office/drawing/2014/main" id="{220371E3-FB17-4D8A-B651-D5A13E513F77}"/>
+          <p:cNvPr id="9" name="Content Placeholder 8" descr="A close up of a logo&#10;&#10;Description automatically generated">
+            <a:extLst>
+              <a:ext uri="{FF2B5EF4-FFF2-40B4-BE49-F238E27FC236}">
+                <a16:creationId xmlns:a16="http://schemas.microsoft.com/office/drawing/2014/main" id="{279FAD28-3B36-4983-A45C-8D496545BB9D}"/>
               </a:ext>
             </a:extLst>
           </p:cNvPr>
@@ -5149,18 +4958,56 @@
         </p:blipFill>
         <p:spPr>
           <a:xfrm>
-            <a:off x="4771429" y="952500"/>
-            <a:ext cx="6685069" cy="4829963"/>
+            <a:off x="4038600" y="1313299"/>
+            <a:ext cx="6308461" cy="3091146"/>
           </a:xfrm>
           <a:prstGeom prst="rect">
             <a:avLst/>
           </a:prstGeom>
         </p:spPr>
       </p:pic>
+      <p:sp>
+        <p:nvSpPr>
+          <p:cNvPr id="3" name="Content Placeholder 2">
+            <a:extLst>
+              <a:ext uri="{FF2B5EF4-FFF2-40B4-BE49-F238E27FC236}">
+                <a16:creationId xmlns:a16="http://schemas.microsoft.com/office/drawing/2014/main" id="{0370E019-BA1B-446D-977F-045B6962649B}"/>
+              </a:ext>
+            </a:extLst>
+          </p:cNvPr>
+          <p:cNvSpPr>
+            <a:spLocks noGrp="1"/>
+          </p:cNvSpPr>
+          <p:nvPr>
+            <p:ph sz="half" idx="1"/>
+          </p:nvPr>
+        </p:nvSpPr>
+        <p:spPr>
+          <a:xfrm>
+            <a:off x="4038600" y="4561490"/>
+            <a:ext cx="7188199" cy="1615473"/>
+          </a:xfrm>
+        </p:spPr>
+        <p:txBody>
+          <a:bodyPr vert="horz" lIns="91440" tIns="45720" rIns="91440" bIns="45720" rtlCol="0">
+            <a:noAutofit/>
+          </a:bodyPr>
+          <a:lstStyle/>
+          <a:p>
+            <a:r>
+              <a:rPr lang="en-US" sz="1800" dirty="0">
+                <a:latin typeface="Times New Roman" panose="02020603050405020304" pitchFamily="18" charset="0"/>
+                <a:cs typeface="Times New Roman" panose="02020603050405020304" pitchFamily="18" charset="0"/>
+              </a:rPr>
+              <a:t>In our framework, we use this design pattern to handle save request for Members and Books. In fact, when we save a member, we have to save first his address in a separate table and after his information as a person and finally his information as a library member, if one fails at some point we do a rollback and eventually log them. Similar process for book.</a:t>
+            </a:r>
+          </a:p>
+        </p:txBody>
+      </p:sp>
     </p:spTree>
     <p:extLst>
       <p:ext uri="{BB962C8B-B14F-4D97-AF65-F5344CB8AC3E}">
-        <p14:creationId xmlns:p14="http://schemas.microsoft.com/office/powerpoint/2010/main" val="1824477479"/>
+        <p14:creationId xmlns:p14="http://schemas.microsoft.com/office/powerpoint/2010/main" val="1502810934"/>
       </p:ext>
     </p:extLst>
   </p:cSld>
@@ -5197,116 +5044,24 @@
       </p:grpSpPr>
       <p:sp>
         <p:nvSpPr>
-          <p:cNvPr id="12" name="Rectangle 11">
-            <a:extLst>
-              <a:ext uri="{FF2B5EF4-FFF2-40B4-BE49-F238E27FC236}">
-                <a16:creationId xmlns:a16="http://schemas.microsoft.com/office/drawing/2014/main" id="{81AEB8A9-B768-4E30-BA55-D919E6687343}"/>
-              </a:ext>
-              <a:ext uri="{C183D7F6-B498-43B3-948B-1728B52AA6E4}">
-                <adec:decorative xmlns:adec="http://schemas.microsoft.com/office/drawing/2017/decorative" val="1"/>
-              </a:ext>
-            </a:extLst>
-          </p:cNvPr>
-          <p:cNvSpPr>
-            <a:spLocks noGrp="1" noRot="1" noChangeAspect="1" noMove="1" noResize="1" noEditPoints="1" noAdjustHandles="1" noChangeArrowheads="1" noChangeShapeType="1" noTextEdit="1"/>
-          </p:cNvSpPr>
-          <p:nvPr>
-            <p:extLst>
-              <p:ext uri="{386F3935-93C4-4BCD-93E2-E3B085C9AB24}">
-                <p16:designElem xmlns:p16="http://schemas.microsoft.com/office/powerpoint/2015/main" val="1"/>
-              </p:ext>
-            </p:extLst>
+          <p:cNvPr id="2" name="Title 1">
+            <a:extLst>
+              <a:ext uri="{FF2B5EF4-FFF2-40B4-BE49-F238E27FC236}">
+                <a16:creationId xmlns:a16="http://schemas.microsoft.com/office/drawing/2014/main" id="{3184CA9D-5CB2-4601-81A3-BE42838070D9}"/>
+              </a:ext>
+            </a:extLst>
+          </p:cNvPr>
+          <p:cNvSpPr>
+            <a:spLocks noGrp="1"/>
+          </p:cNvSpPr>
+          <p:nvPr>
+            <p:ph type="title"/>
           </p:nvPr>
         </p:nvSpPr>
         <p:spPr>
           <a:xfrm>
-            <a:off x="-10001" y="-2"/>
-            <a:ext cx="4069936" cy="6858002"/>
-          </a:xfrm>
-          <a:prstGeom prst="rect">
-            <a:avLst/>
-          </a:prstGeom>
-          <a:solidFill>
-            <a:schemeClr val="accent1"/>
-          </a:solidFill>
-          <a:ln>
-            <a:noFill/>
-          </a:ln>
-        </p:spPr>
-        <p:style>
-          <a:lnRef idx="2">
-            <a:schemeClr val="accent1">
-              <a:shade val="50000"/>
-            </a:schemeClr>
-          </a:lnRef>
-          <a:fillRef idx="1">
-            <a:schemeClr val="accent1"/>
-          </a:fillRef>
-          <a:effectRef idx="0">
-            <a:schemeClr val="accent1"/>
-          </a:effectRef>
-          <a:fontRef idx="minor">
-            <a:schemeClr val="lt1"/>
-          </a:fontRef>
-        </p:style>
-        <p:txBody>
-          <a:bodyPr rtlCol="0" anchor="ctr"/>
-          <a:lstStyle/>
-          <a:p>
-            <a:pPr marL="0" marR="0" lvl="0" indent="0" algn="ctr" defTabSz="914400" rtl="0" eaLnBrk="1" fontAlgn="auto" latinLnBrk="0" hangingPunct="1">
-              <a:lnSpc>
-                <a:spcPct val="100000"/>
-              </a:lnSpc>
-              <a:spcBef>
-                <a:spcPts val="0"/>
-              </a:spcBef>
-              <a:spcAft>
-                <a:spcPts val="0"/>
-              </a:spcAft>
-              <a:buClrTx/>
-              <a:buSzTx/>
-              <a:buFontTx/>
-              <a:buNone/>
-              <a:tabLst/>
-              <a:defRPr/>
-            </a:pPr>
-            <a:endParaRPr kumimoji="0" lang="en-US" sz="1800" b="0" i="0" u="none" strike="noStrike" kern="1200" cap="none" spc="0" normalizeH="0" baseline="0" noProof="0">
-              <a:ln>
-                <a:noFill/>
-              </a:ln>
-              <a:solidFill>
-                <a:prstClr val="white"/>
-              </a:solidFill>
-              <a:effectLst/>
-              <a:uLnTx/>
-              <a:uFillTx/>
-              <a:latin typeface="Calibri" panose="020F0502020204030204"/>
-              <a:ea typeface="+mn-ea"/>
-              <a:cs typeface="+mn-cs"/>
-            </a:endParaRPr>
-          </a:p>
-        </p:txBody>
-      </p:sp>
-      <p:sp>
-        <p:nvSpPr>
-          <p:cNvPr id="2" name="Title 1">
-            <a:extLst>
-              <a:ext uri="{FF2B5EF4-FFF2-40B4-BE49-F238E27FC236}">
-                <a16:creationId xmlns:a16="http://schemas.microsoft.com/office/drawing/2014/main" id="{28470DE5-3119-435F-8FD0-FE02614C95AA}"/>
-              </a:ext>
-            </a:extLst>
-          </p:cNvPr>
-          <p:cNvSpPr>
-            <a:spLocks noGrp="1"/>
-          </p:cNvSpPr>
-          <p:nvPr>
-            <p:ph type="title"/>
-          </p:nvPr>
-        </p:nvSpPr>
-        <p:spPr>
-          <a:xfrm>
-            <a:off x="643467" y="640080"/>
-            <a:ext cx="3096427" cy="5613236"/>
+            <a:off x="648929" y="629266"/>
+            <a:ext cx="3651467" cy="1676603"/>
           </a:xfrm>
         </p:spPr>
         <p:txBody>
@@ -5316,15 +5071,8 @@
           <a:lstStyle/>
           <a:p>
             <a:r>
-              <a:rPr lang="en-US" kern="1200">
-                <a:solidFill>
-                  <a:srgbClr val="FFFFFF"/>
-                </a:solidFill>
-                <a:latin typeface="+mj-lt"/>
-                <a:ea typeface="+mj-ea"/>
-                <a:cs typeface="+mj-cs"/>
-              </a:rPr>
-              <a:t>The Strategy Design Pattern </a:t>
+              <a:rPr lang="en-US"/>
+              <a:t>The Adapter Design Pattern </a:t>
             </a:r>
           </a:p>
         </p:txBody>
@@ -5334,7 +5082,7 @@
           <p:cNvPr id="3" name="Content Placeholder 2">
             <a:extLst>
               <a:ext uri="{FF2B5EF4-FFF2-40B4-BE49-F238E27FC236}">
-                <a16:creationId xmlns:a16="http://schemas.microsoft.com/office/drawing/2014/main" id="{02568E4E-F1A3-47BB-BD09-89BE0D0FBC2F}"/>
+                <a16:creationId xmlns:a16="http://schemas.microsoft.com/office/drawing/2014/main" id="{54BC112D-94E8-4AE5-A232-80880E578DB7}"/>
               </a:ext>
             </a:extLst>
           </p:cNvPr>
@@ -5347,67 +5095,61 @@
         </p:nvSpPr>
         <p:spPr>
           <a:xfrm>
-            <a:off x="4699818" y="640082"/>
-            <a:ext cx="6848715" cy="2484884"/>
-          </a:xfrm>
-        </p:spPr>
-        <p:txBody>
-          <a:bodyPr vert="horz" lIns="91440" tIns="45720" rIns="91440" bIns="45720" rtlCol="0" anchor="ctr">
+            <a:off x="648931" y="2438400"/>
+            <a:ext cx="3651466" cy="3785419"/>
+          </a:xfrm>
+        </p:spPr>
+        <p:txBody>
+          <a:bodyPr vert="horz" lIns="91440" tIns="45720" rIns="91440" bIns="45720" rtlCol="0">
             <a:normAutofit/>
           </a:bodyPr>
           <a:lstStyle/>
           <a:p>
             <a:r>
-              <a:rPr lang="en-US" sz="2000"/>
-              <a:t>We applied Strategy pattern, In our FileCompressor class.</a:t>
-            </a:r>
-          </a:p>
-          <a:p>
-            <a:r>
-              <a:rPr lang="en-US" sz="2000"/>
-              <a:t> The FileCompressor class is our context and the CompressionStrategy is our Strategy.</a:t>
-            </a:r>
-          </a:p>
-          <a:p>
-            <a:r>
-              <a:rPr lang="en-US" sz="2000"/>
-              <a:t>The ZipCompressionStrategy and RarCompressionStrategy Class are ConcreteStrategy which overrides the compressFile() abstract method. </a:t>
+              <a:rPr lang="en-US" sz="1800" dirty="0"/>
+              <a:t>In this area, we use an adapter to provide a compatible interface to the RDBDataAccess concreate objects so that it can save the objects in the database properly.</a:t>
+            </a:r>
+          </a:p>
+          <a:p>
+            <a:r>
+              <a:rPr lang="en-US" sz="1800" dirty="0"/>
+              <a:t>Th adapter is needed here because the </a:t>
+            </a:r>
+            <a:r>
+              <a:rPr lang="en-US" sz="1800" dirty="0" err="1"/>
+              <a:t>JDBCFacade</a:t>
+            </a:r>
+            <a:r>
+              <a:rPr lang="en-US" sz="1800" dirty="0"/>
+              <a:t> interface only provide interface to send queries to the JDBC system. The Adapter take the objects convert the requested operation into the a query and use the Façade interface to send it to the database. </a:t>
             </a:r>
           </a:p>
         </p:txBody>
       </p:sp>
       <p:pic>
         <p:nvPicPr>
-          <p:cNvPr id="7" name="Content Placeholder 6" descr="A screenshot of a cell phone&#10;&#10;Description automatically generated">
-            <a:extLst>
-              <a:ext uri="{FF2B5EF4-FFF2-40B4-BE49-F238E27FC236}">
-                <a16:creationId xmlns:a16="http://schemas.microsoft.com/office/drawing/2014/main" id="{020004E5-BD10-41CB-AEE3-D8388566A198}"/>
+          <p:cNvPr id="7" name="Picture 6">
+            <a:extLst>
+              <a:ext uri="{FF2B5EF4-FFF2-40B4-BE49-F238E27FC236}">
+                <a16:creationId xmlns:a16="http://schemas.microsoft.com/office/drawing/2014/main" id="{B6927161-6BAF-4A53-BCD6-746B5CC4D73E}"/>
               </a:ext>
             </a:extLst>
           </p:cNvPr>
           <p:cNvPicPr>
-            <a:picLocks noGrp="1" noChangeAspect="1"/>
+            <a:picLocks noChangeAspect="1"/>
           </p:cNvPicPr>
-          <p:nvPr>
-            <p:ph sz="half" idx="2"/>
-          </p:nvPr>
+          <p:nvPr/>
         </p:nvPicPr>
         <p:blipFill>
-          <a:blip r:embed="rId2">
-            <a:extLst>
-              <a:ext uri="{28A0092B-C50C-407E-A947-70E740481C1C}">
-                <a14:useLocalDpi xmlns:a14="http://schemas.microsoft.com/office/drawing/2010/main" val="0"/>
-              </a:ext>
-            </a:extLst>
-          </a:blip>
+          <a:blip r:embed="rId3"/>
           <a:stretch>
             <a:fillRect/>
           </a:stretch>
         </p:blipFill>
         <p:spPr>
           <a:xfrm>
-            <a:off x="4692737" y="3124966"/>
-            <a:ext cx="6817356" cy="2810067"/>
+            <a:off x="5923072" y="-21892"/>
+            <a:ext cx="5236128" cy="6858000"/>
           </a:xfrm>
           <a:prstGeom prst="rect">
             <a:avLst/>
@@ -5417,7 +5159,7 @@
     </p:spTree>
     <p:extLst>
       <p:ext uri="{BB962C8B-B14F-4D97-AF65-F5344CB8AC3E}">
-        <p14:creationId xmlns:p14="http://schemas.microsoft.com/office/powerpoint/2010/main" val="3248686715"/>
+        <p14:creationId xmlns:p14="http://schemas.microsoft.com/office/powerpoint/2010/main" val="1116465590"/>
       </p:ext>
     </p:extLst>
   </p:cSld>
@@ -5454,24 +5196,116 @@
       </p:grpSpPr>
       <p:sp>
         <p:nvSpPr>
-          <p:cNvPr id="2" name="Title 1">
-            <a:extLst>
-              <a:ext uri="{FF2B5EF4-FFF2-40B4-BE49-F238E27FC236}">
-                <a16:creationId xmlns:a16="http://schemas.microsoft.com/office/drawing/2014/main" id="{1917016B-4044-4FF3-AA5C-6952699CDDF9}"/>
-              </a:ext>
-            </a:extLst>
-          </p:cNvPr>
-          <p:cNvSpPr>
-            <a:spLocks noGrp="1"/>
-          </p:cNvSpPr>
-          <p:nvPr>
-            <p:ph type="title"/>
+          <p:cNvPr id="29" name="Rectangle 28">
+            <a:extLst>
+              <a:ext uri="{FF2B5EF4-FFF2-40B4-BE49-F238E27FC236}">
+                <a16:creationId xmlns:a16="http://schemas.microsoft.com/office/drawing/2014/main" id="{4038CB10-1F5C-4D54-9DF7-12586DE5B007}"/>
+              </a:ext>
+              <a:ext uri="{C183D7F6-B498-43B3-948B-1728B52AA6E4}">
+                <adec:decorative xmlns:adec="http://schemas.microsoft.com/office/drawing/2017/decorative" val="1"/>
+              </a:ext>
+            </a:extLst>
+          </p:cNvPr>
+          <p:cNvSpPr>
+            <a:spLocks noGrp="1" noRot="1" noChangeAspect="1" noMove="1" noResize="1" noEditPoints="1" noAdjustHandles="1" noChangeArrowheads="1" noChangeShapeType="1" noTextEdit="1"/>
+          </p:cNvSpPr>
+          <p:nvPr>
+            <p:extLst>
+              <p:ext uri="{386F3935-93C4-4BCD-93E2-E3B085C9AB24}">
+                <p16:designElem xmlns:p16="http://schemas.microsoft.com/office/powerpoint/2015/main" val="1"/>
+              </p:ext>
+            </p:extLst>
           </p:nvPr>
         </p:nvSpPr>
         <p:spPr>
           <a:xfrm>
-            <a:off x="648929" y="629266"/>
-            <a:ext cx="3651467" cy="1676603"/>
+            <a:off x="327546" y="4572000"/>
+            <a:ext cx="7058307" cy="1964266"/>
+          </a:xfrm>
+          <a:prstGeom prst="rect">
+            <a:avLst/>
+          </a:prstGeom>
+          <a:solidFill>
+            <a:schemeClr val="accent1"/>
+          </a:solidFill>
+          <a:ln>
+            <a:noFill/>
+          </a:ln>
+        </p:spPr>
+        <p:style>
+          <a:lnRef idx="2">
+            <a:schemeClr val="accent1">
+              <a:shade val="50000"/>
+            </a:schemeClr>
+          </a:lnRef>
+          <a:fillRef idx="1">
+            <a:schemeClr val="accent1"/>
+          </a:fillRef>
+          <a:effectRef idx="0">
+            <a:schemeClr val="accent1"/>
+          </a:effectRef>
+          <a:fontRef idx="minor">
+            <a:schemeClr val="lt1"/>
+          </a:fontRef>
+        </p:style>
+        <p:txBody>
+          <a:bodyPr rtlCol="0" anchor="ctr"/>
+          <a:lstStyle/>
+          <a:p>
+            <a:pPr marL="0" marR="0" lvl="0" indent="0" algn="ctr" defTabSz="914400" rtl="0" eaLnBrk="1" fontAlgn="auto" latinLnBrk="0" hangingPunct="1">
+              <a:lnSpc>
+                <a:spcPct val="100000"/>
+              </a:lnSpc>
+              <a:spcBef>
+                <a:spcPts val="0"/>
+              </a:spcBef>
+              <a:spcAft>
+                <a:spcPts val="0"/>
+              </a:spcAft>
+              <a:buClrTx/>
+              <a:buSzTx/>
+              <a:buFontTx/>
+              <a:buNone/>
+              <a:tabLst/>
+              <a:defRPr/>
+            </a:pPr>
+            <a:endParaRPr kumimoji="0" lang="en-US" sz="1800" b="0" i="0" u="none" strike="noStrike" kern="1200" cap="none" spc="0" normalizeH="0" baseline="0" noProof="0">
+              <a:ln>
+                <a:noFill/>
+              </a:ln>
+              <a:solidFill>
+                <a:prstClr val="white"/>
+              </a:solidFill>
+              <a:effectLst/>
+              <a:uLnTx/>
+              <a:uFillTx/>
+              <a:latin typeface="Calibri" panose="020F0502020204030204"/>
+              <a:ea typeface="+mn-ea"/>
+              <a:cs typeface="+mn-cs"/>
+            </a:endParaRPr>
+          </a:p>
+        </p:txBody>
+      </p:sp>
+      <p:sp>
+        <p:nvSpPr>
+          <p:cNvPr id="2" name="Title 1">
+            <a:extLst>
+              <a:ext uri="{FF2B5EF4-FFF2-40B4-BE49-F238E27FC236}">
+                <a16:creationId xmlns:a16="http://schemas.microsoft.com/office/drawing/2014/main" id="{BB1C8B70-65E5-42E8-A5F3-96EB1D42B80E}"/>
+              </a:ext>
+            </a:extLst>
+          </p:cNvPr>
+          <p:cNvSpPr>
+            <a:spLocks noGrp="1"/>
+          </p:cNvSpPr>
+          <p:nvPr>
+            <p:ph type="title"/>
+          </p:nvPr>
+        </p:nvSpPr>
+        <p:spPr>
+          <a:xfrm>
+            <a:off x="524256" y="4767072"/>
+            <a:ext cx="6594189" cy="1625210"/>
           </a:xfrm>
         </p:spPr>
         <p:txBody>
@@ -5480,95 +5314,200 @@
           </a:bodyPr>
           <a:lstStyle/>
           <a:p>
-            <a:r>
-              <a:rPr lang="en-US" sz="2800" dirty="0">
+            <a:pPr algn="r"/>
+            <a:r>
+              <a:rPr lang="en-US">
                 <a:solidFill>
-                  <a:srgbClr val="FF0000"/>
+                  <a:srgbClr val="FFFFFF"/>
                 </a:solidFill>
-                <a:latin typeface="Algerian" panose="04020705040A02060702" pitchFamily="82" charset="0"/>
               </a:rPr>
-              <a:t>Template Method Design Pattern</a:t>
-            </a:r>
-          </a:p>
-        </p:txBody>
-      </p:sp>
-      <p:sp>
-        <p:nvSpPr>
-          <p:cNvPr id="3" name="Content Placeholder 2">
-            <a:extLst>
-              <a:ext uri="{FF2B5EF4-FFF2-40B4-BE49-F238E27FC236}">
-                <a16:creationId xmlns:a16="http://schemas.microsoft.com/office/drawing/2014/main" id="{20ADC37A-0E4E-4245-9B4B-CEAB80B6EB64}"/>
-              </a:ext>
-            </a:extLst>
-          </p:cNvPr>
-          <p:cNvSpPr>
-            <a:spLocks noGrp="1"/>
-          </p:cNvSpPr>
-          <p:nvPr>
-            <p:ph sz="half" idx="1"/>
+              <a:t>The Façade Design </a:t>
+            </a:r>
+            <a:br>
+              <a:rPr lang="en-US">
+                <a:solidFill>
+                  <a:srgbClr val="FFFFFF"/>
+                </a:solidFill>
+              </a:rPr>
+            </a:br>
+            <a:r>
+              <a:rPr lang="en-US">
+                <a:solidFill>
+                  <a:srgbClr val="FFFFFF"/>
+                </a:solidFill>
+              </a:rPr>
+              <a:t>Pattern </a:t>
+            </a:r>
+          </a:p>
+        </p:txBody>
+      </p:sp>
+      <p:sp>
+        <p:nvSpPr>
+          <p:cNvPr id="31" name="Rectangle 30">
+            <a:extLst>
+              <a:ext uri="{FF2B5EF4-FFF2-40B4-BE49-F238E27FC236}">
+                <a16:creationId xmlns:a16="http://schemas.microsoft.com/office/drawing/2014/main" id="{73ED6512-6858-4552-B699-9A97FE9A4EA2}"/>
+              </a:ext>
+              <a:ext uri="{C183D7F6-B498-43B3-948B-1728B52AA6E4}">
+                <adec:decorative xmlns:adec="http://schemas.microsoft.com/office/drawing/2017/decorative" val="1"/>
+              </a:ext>
+            </a:extLst>
+          </p:cNvPr>
+          <p:cNvSpPr>
+            <a:spLocks noGrp="1" noRot="1" noChangeAspect="1" noMove="1" noResize="1" noEditPoints="1" noAdjustHandles="1" noChangeArrowheads="1" noChangeShapeType="1" noTextEdit="1"/>
+          </p:cNvSpPr>
+          <p:nvPr>
+            <p:extLst>
+              <p:ext uri="{386F3935-93C4-4BCD-93E2-E3B085C9AB24}">
+                <p16:designElem xmlns:p16="http://schemas.microsoft.com/office/powerpoint/2015/main" val="1"/>
+              </p:ext>
+            </p:extLst>
           </p:nvPr>
         </p:nvSpPr>
         <p:spPr>
           <a:xfrm>
-            <a:off x="648931" y="2438400"/>
-            <a:ext cx="3651466" cy="3785419"/>
-          </a:xfrm>
-        </p:spPr>
-        <p:txBody>
-          <a:bodyPr vert="horz" lIns="91440" tIns="45720" rIns="91440" bIns="45720" rtlCol="0">
-            <a:normAutofit/>
+            <a:off x="7534655" y="321732"/>
+            <a:ext cx="4335613" cy="6214534"/>
+          </a:xfrm>
+          <a:prstGeom prst="rect">
+            <a:avLst/>
+          </a:prstGeom>
+          <a:solidFill>
+            <a:srgbClr val="404040"/>
+          </a:solidFill>
+          <a:ln>
+            <a:noFill/>
+          </a:ln>
+        </p:spPr>
+        <p:style>
+          <a:lnRef idx="2">
+            <a:schemeClr val="accent1">
+              <a:shade val="50000"/>
+            </a:schemeClr>
+          </a:lnRef>
+          <a:fillRef idx="1">
+            <a:schemeClr val="accent1"/>
+          </a:fillRef>
+          <a:effectRef idx="0">
+            <a:schemeClr val="accent1"/>
+          </a:effectRef>
+          <a:fontRef idx="minor">
+            <a:schemeClr val="lt1"/>
+          </a:fontRef>
+        </p:style>
+        <p:txBody>
+          <a:bodyPr rtlCol="0" anchor="ctr"/>
+          <a:lstStyle/>
+          <a:p>
+            <a:pPr marL="0" marR="0" lvl="0" indent="0" algn="ctr" defTabSz="914400" rtl="0" eaLnBrk="1" fontAlgn="auto" latinLnBrk="0" hangingPunct="1">
+              <a:lnSpc>
+                <a:spcPct val="100000"/>
+              </a:lnSpc>
+              <a:spcBef>
+                <a:spcPts val="0"/>
+              </a:spcBef>
+              <a:spcAft>
+                <a:spcPts val="0"/>
+              </a:spcAft>
+              <a:buClrTx/>
+              <a:buSzTx/>
+              <a:buFontTx/>
+              <a:buNone/>
+              <a:tabLst/>
+              <a:defRPr/>
+            </a:pPr>
+            <a:endParaRPr kumimoji="0" lang="en-US" sz="1800" b="0" i="0" u="none" strike="noStrike" kern="1200" cap="none" spc="0" normalizeH="0" baseline="0" noProof="0">
+              <a:ln>
+                <a:noFill/>
+              </a:ln>
+              <a:solidFill>
+                <a:prstClr val="white"/>
+              </a:solidFill>
+              <a:effectLst/>
+              <a:uLnTx/>
+              <a:uFillTx/>
+              <a:latin typeface="Calibri" panose="020F0502020204030204"/>
+              <a:ea typeface="+mn-ea"/>
+              <a:cs typeface="+mn-cs"/>
+            </a:endParaRPr>
+          </a:p>
+        </p:txBody>
+      </p:sp>
+      <p:sp>
+        <p:nvSpPr>
+          <p:cNvPr id="3" name="Content Placeholder 2">
+            <a:extLst>
+              <a:ext uri="{FF2B5EF4-FFF2-40B4-BE49-F238E27FC236}">
+                <a16:creationId xmlns:a16="http://schemas.microsoft.com/office/drawing/2014/main" id="{BB8B2174-5F9D-46D8-9389-ED0280AFB54F}"/>
+              </a:ext>
+            </a:extLst>
+          </p:cNvPr>
+          <p:cNvSpPr>
+            <a:spLocks noGrp="1"/>
+          </p:cNvSpPr>
+          <p:nvPr>
+            <p:ph sz="half" idx="1"/>
+          </p:nvPr>
+        </p:nvSpPr>
+        <p:spPr>
+          <a:xfrm>
+            <a:off x="8029319" y="917725"/>
+            <a:ext cx="3424739" cy="2320565"/>
+          </a:xfrm>
+        </p:spPr>
+        <p:txBody>
+          <a:bodyPr vert="horz" lIns="91440" tIns="45720" rIns="91440" bIns="45720" rtlCol="0" anchor="ctr">
+            <a:noAutofit/>
           </a:bodyPr>
           <a:lstStyle/>
           <a:p>
             <a:r>
-              <a:rPr lang="en-US" dirty="0"/>
-              <a:t>We applied template method design pattern in our DataLoader Interface, we were targeted to several methods to be  implemented by the subclass.</a:t>
+              <a:rPr lang="en-US" sz="1800" dirty="0">
+                <a:solidFill>
+                  <a:srgbClr val="FFFFFF"/>
+                </a:solidFill>
+                <a:latin typeface="Times New Roman" panose="02020603050405020304" pitchFamily="18" charset="0"/>
+                <a:cs typeface="Times New Roman" panose="02020603050405020304" pitchFamily="18" charset="0"/>
+              </a:rPr>
+              <a:t>The Façade pattern is used to hide all implementation needed to use the JDBC interface. It provides all necessary method to send a query to the database.</a:t>
             </a:r>
           </a:p>
         </p:txBody>
       </p:sp>
       <p:pic>
         <p:nvPicPr>
-          <p:cNvPr id="6" name="Content Placeholder 5" descr="A close up of text on a white background&#10;&#10;Description automatically generated">
-            <a:extLst>
-              <a:ext uri="{FF2B5EF4-FFF2-40B4-BE49-F238E27FC236}">
-                <a16:creationId xmlns:a16="http://schemas.microsoft.com/office/drawing/2014/main" id="{01D8E8C1-4277-42A1-9F86-8B36FA6F0326}"/>
+          <p:cNvPr id="7" name="Picture 6">
+            <a:extLst>
+              <a:ext uri="{FF2B5EF4-FFF2-40B4-BE49-F238E27FC236}">
+                <a16:creationId xmlns:a16="http://schemas.microsoft.com/office/drawing/2014/main" id="{A2E047C6-1427-4966-BB76-5A797A2675A2}"/>
               </a:ext>
             </a:extLst>
           </p:cNvPr>
           <p:cNvPicPr>
-            <a:picLocks noGrp="1" noChangeAspect="1"/>
+            <a:picLocks noChangeAspect="1"/>
           </p:cNvPicPr>
-          <p:nvPr>
-            <p:ph sz="half" idx="2"/>
-          </p:nvPr>
+          <p:nvPr/>
         </p:nvPicPr>
-        <p:blipFill rotWithShape="1">
-          <a:blip r:embed="rId2">
-            <a:extLst>
-              <a:ext uri="{28A0092B-C50C-407E-A947-70E740481C1C}">
-                <a14:useLocalDpi xmlns:a14="http://schemas.microsoft.com/office/drawing/2010/main" val="0"/>
-              </a:ext>
-            </a:extLst>
-          </a:blip>
-          <a:srcRect l="832" r="11612"/>
-          <a:stretch/>
+        <p:blipFill>
+          <a:blip r:embed="rId2"/>
+          <a:stretch>
+            <a:fillRect/>
+          </a:stretch>
         </p:blipFill>
         <p:spPr>
           <a:xfrm>
-            <a:off x="4639056" y="10"/>
-            <a:ext cx="7552944" cy="6857990"/>
+            <a:off x="408440" y="-93088"/>
+            <a:ext cx="6598592" cy="4599779"/>
           </a:xfrm>
           <a:prstGeom prst="rect">
             <a:avLst/>
           </a:prstGeom>
-          <a:effectLst/>
         </p:spPr>
       </p:pic>
     </p:spTree>
     <p:extLst>
       <p:ext uri="{BB962C8B-B14F-4D97-AF65-F5344CB8AC3E}">
-        <p14:creationId xmlns:p14="http://schemas.microsoft.com/office/powerpoint/2010/main" val="994165072"/>
+        <p14:creationId xmlns:p14="http://schemas.microsoft.com/office/powerpoint/2010/main" val="797789501"/>
       </p:ext>
     </p:extLst>
   </p:cSld>
@@ -5662,67 +5601,76 @@
         </p:nvSpPr>
         <p:spPr>
           <a:xfrm>
-            <a:off x="648930" y="2438400"/>
+            <a:off x="588307" y="2069609"/>
             <a:ext cx="6586489" cy="3785419"/>
           </a:xfrm>
         </p:spPr>
         <p:txBody>
           <a:bodyPr vert="horz" lIns="91440" tIns="45720" rIns="91440" bIns="45720" rtlCol="0">
-            <a:normAutofit/>
+            <a:normAutofit fontScale="85000" lnSpcReduction="20000"/>
           </a:bodyPr>
           <a:lstStyle/>
           <a:p>
             <a:r>
-              <a:rPr lang="en-US" sz="2400" dirty="0"/>
-              <a:t>We applied the singleton design pattern in our </a:t>
-            </a:r>
-            <a:r>
-              <a:rPr lang="en-US" sz="2400" dirty="0" err="1"/>
-              <a:t>JDBCManager</a:t>
-            </a:r>
-            <a:r>
-              <a:rPr lang="en-US" sz="2400" dirty="0"/>
-              <a:t> Class, Which helped us for connecting to Database. The basic target of singleton is to create single instance and we were looking single instance of database connection that is why we used singleton pattern.</a:t>
-            </a:r>
+              <a:rPr lang="en-US" dirty="0"/>
+              <a:t>We use the singleton patter in the </a:t>
+            </a:r>
+            <a:r>
+              <a:rPr lang="en-US" dirty="0" err="1"/>
+              <a:t>JDBCFace</a:t>
+            </a:r>
+            <a:r>
+              <a:rPr lang="en-US" dirty="0"/>
+              <a:t> to provide a lazy instantiation and thread safe instance of it. </a:t>
+            </a:r>
+          </a:p>
+          <a:p>
+            <a:r>
+              <a:rPr lang="en-US" dirty="0"/>
+              <a:t>In this solution, the singleton instance is created inside an inner class and the inner class will be loaded only when the first call of the </a:t>
+            </a:r>
+            <a:r>
+              <a:rPr lang="en-US" dirty="0" err="1"/>
+              <a:t>getInstance</a:t>
+            </a:r>
+            <a:r>
+              <a:rPr lang="en-US" dirty="0"/>
+              <a:t> is made. This guaranty that the instance will be created when needed and as it is a private static instance which is initialized when it was declared it also guaranty thread safety. This solution is not only thread safe but it does not require any synchronization, then it is better then the first one.</a:t>
+            </a:r>
+          </a:p>
+          <a:p>
+            <a:endParaRPr lang="en-US" sz="2400" dirty="0"/>
           </a:p>
         </p:txBody>
       </p:sp>
       <p:pic>
         <p:nvPicPr>
-          <p:cNvPr id="7" name="Content Placeholder 6" descr="A screenshot of a cell phone screen with text&#10;&#10;Description automatically generated">
-            <a:extLst>
-              <a:ext uri="{FF2B5EF4-FFF2-40B4-BE49-F238E27FC236}">
-                <a16:creationId xmlns:a16="http://schemas.microsoft.com/office/drawing/2014/main" id="{2F433AC0-F9C4-490F-A0F5-7F155AF0D6F8}"/>
+          <p:cNvPr id="6" name="Picture 5">
+            <a:extLst>
+              <a:ext uri="{FF2B5EF4-FFF2-40B4-BE49-F238E27FC236}">
+                <a16:creationId xmlns:a16="http://schemas.microsoft.com/office/drawing/2014/main" id="{CBB91365-EDE7-41A0-B501-C381DC84383F}"/>
               </a:ext>
             </a:extLst>
           </p:cNvPr>
           <p:cNvPicPr>
-            <a:picLocks noGrp="1" noChangeAspect="1"/>
+            <a:picLocks noChangeAspect="1"/>
           </p:cNvPicPr>
-          <p:nvPr>
-            <p:ph sz="half" idx="2"/>
-          </p:nvPr>
+          <p:nvPr/>
         </p:nvPicPr>
-        <p:blipFill rotWithShape="1">
-          <a:blip r:embed="rId2">
-            <a:extLst>
-              <a:ext uri="{28A0092B-C50C-407E-A947-70E740481C1C}">
-                <a14:useLocalDpi xmlns:a14="http://schemas.microsoft.com/office/drawing/2010/main" val="0"/>
-              </a:ext>
-            </a:extLst>
-          </a:blip>
-          <a:srcRect r="-2" b="4946"/>
-          <a:stretch/>
+        <p:blipFill>
+          <a:blip r:embed="rId2"/>
+          <a:stretch>
+            <a:fillRect/>
+          </a:stretch>
         </p:blipFill>
         <p:spPr>
           <a:xfrm>
-            <a:off x="7556408" y="10"/>
-            <a:ext cx="4635591" cy="6857990"/>
+            <a:off x="7971793" y="460410"/>
+            <a:ext cx="2876550" cy="4552950"/>
           </a:xfrm>
           <a:prstGeom prst="rect">
             <a:avLst/>
           </a:prstGeom>
-          <a:effectLst/>
         </p:spPr>
       </p:pic>
     </p:spTree>
@@ -6018,28 +5966,7 @@
                 </a:solidFill>
                 <a:latin typeface="Algerian" panose="04020705040A02060702" pitchFamily="82" charset="0"/>
               </a:rPr>
-              <a:t> Library Management</a:t>
-            </a:r>
-            <a:br>
-              <a:rPr lang="en-US" sz="2400" dirty="0">
-                <a:solidFill>
-                  <a:schemeClr val="accent5">
-                    <a:lumMod val="75000"/>
-                  </a:schemeClr>
-                </a:solidFill>
-                <a:latin typeface="Algerian" panose="04020705040A02060702" pitchFamily="82" charset="0"/>
-              </a:rPr>
-            </a:br>
-            <a:r>
-              <a:rPr lang="en-US" sz="2400" dirty="0">
-                <a:solidFill>
-                  <a:schemeClr val="accent5">
-                    <a:lumMod val="75000"/>
-                  </a:schemeClr>
-                </a:solidFill>
-                <a:latin typeface="Algerian" panose="04020705040A02060702" pitchFamily="82" charset="0"/>
-              </a:rPr>
-              <a:t> System  </a:t>
+              <a:t> Library Framework</a:t>
             </a:r>
           </a:p>
         </p:txBody>
@@ -6062,8 +5989,8 @@
         </p:nvSpPr>
         <p:spPr>
           <a:xfrm>
-            <a:off x="648931" y="2438400"/>
-            <a:ext cx="3651466" cy="3785419"/>
+            <a:off x="648931" y="2286843"/>
+            <a:ext cx="3651466" cy="4381710"/>
           </a:xfrm>
         </p:spPr>
         <p:txBody>
@@ -6071,22 +5998,39 @@
             <a:noAutofit/>
           </a:bodyPr>
           <a:lstStyle/>
+          <a:p>
+            <a:pPr marL="0" indent="0">
+              <a:buNone/>
+            </a:pPr>
+            <a:r>
+              <a:rPr lang="en-US" sz="2000" b="1" dirty="0">
+                <a:latin typeface="Times New Roman" panose="02020603050405020304" pitchFamily="18" charset="0"/>
+                <a:cs typeface="Times New Roman" panose="02020603050405020304" pitchFamily="18" charset="0"/>
+              </a:rPr>
+              <a:t>Introduction </a:t>
+            </a:r>
+          </a:p>
           <a:p>
             <a:r>
               <a:rPr lang="en-US" sz="2000" dirty="0">
                 <a:latin typeface="Times New Roman" panose="02020603050405020304" pitchFamily="18" charset="0"/>
                 <a:cs typeface="Times New Roman" panose="02020603050405020304" pitchFamily="18" charset="0"/>
               </a:rPr>
-              <a:t>Introduction </a:t>
-            </a:r>
-          </a:p>
-          <a:p>
+              <a:t>In our previous MPP course we have developed a Library Management System and we have chosen two client applications to study in order to find duplication area so that we can put them into a common area which will be our </a:t>
+            </a:r>
+            <a:r>
+              <a:rPr lang="en-US" sz="2000" b="1" dirty="0">
+                <a:latin typeface="Times New Roman" panose="02020603050405020304" pitchFamily="18" charset="0"/>
+                <a:cs typeface="Times New Roman" panose="02020603050405020304" pitchFamily="18" charset="0"/>
+              </a:rPr>
+              <a:t>Library Framework</a:t>
+            </a:r>
             <a:r>
               <a:rPr lang="en-US" sz="2000" dirty="0">
                 <a:latin typeface="Times New Roman" panose="02020603050405020304" pitchFamily="18" charset="0"/>
                 <a:cs typeface="Times New Roman" panose="02020603050405020304" pitchFamily="18" charset="0"/>
               </a:rPr>
-              <a:t>Demand of software has been increasing day by day. Therefore, there is more demand for software development paradigm that improves quality and productivity of software development.</a:t>
+              <a:t>. </a:t>
             </a:r>
           </a:p>
           <a:p>
@@ -6095,14 +6039,22 @@
                 <a:latin typeface="Times New Roman" panose="02020603050405020304" pitchFamily="18" charset="0"/>
                 <a:cs typeface="Times New Roman" panose="02020603050405020304" pitchFamily="18" charset="0"/>
               </a:rPr>
-              <a:t>Design pattern is a general repeatable solution to a commonly occurring problem in software design. </a:t>
-            </a:r>
-          </a:p>
-          <a:p>
-            <a:endParaRPr lang="en-US" sz="2000" dirty="0">
-              <a:latin typeface="Times New Roman" panose="02020603050405020304" pitchFamily="18" charset="0"/>
-              <a:cs typeface="Times New Roman" panose="02020603050405020304" pitchFamily="18" charset="0"/>
-            </a:endParaRPr>
+              <a:t>We have used several </a:t>
+            </a:r>
+            <a:r>
+              <a:rPr lang="en-US" sz="2000" b="1" dirty="0">
+                <a:latin typeface="Times New Roman" panose="02020603050405020304" pitchFamily="18" charset="0"/>
+                <a:cs typeface="Times New Roman" panose="02020603050405020304" pitchFamily="18" charset="0"/>
+              </a:rPr>
+              <a:t>design patterns </a:t>
+            </a:r>
+            <a:r>
+              <a:rPr lang="en-US" sz="2000" dirty="0">
+                <a:latin typeface="Times New Roman" panose="02020603050405020304" pitchFamily="18" charset="0"/>
+                <a:cs typeface="Times New Roman" panose="02020603050405020304" pitchFamily="18" charset="0"/>
+              </a:rPr>
+              <a:t>to abstract all area that can have general reusable solution and that can have an occurring problem</a:t>
+            </a:r>
           </a:p>
         </p:txBody>
       </p:sp>
@@ -6265,8 +6217,8 @@
         </p:nvSpPr>
         <p:spPr>
           <a:xfrm>
-            <a:off x="838200" y="963507"/>
-            <a:ext cx="3494362" cy="4930986"/>
+            <a:off x="429415" y="963507"/>
+            <a:ext cx="3903147" cy="4930986"/>
           </a:xfrm>
         </p:spPr>
         <p:txBody>
@@ -6283,7 +6235,7 @@
                 </a:solidFill>
                 <a:latin typeface="Algerian" panose="04020705040A02060702" pitchFamily="82" charset="0"/>
               </a:rPr>
-              <a:t>Problem System and Analysis.</a:t>
+              <a:t>Patterns implemented.</a:t>
             </a:r>
           </a:p>
         </p:txBody>
@@ -6362,7 +6314,7 @@
         <p:spPr>
           <a:xfrm>
             <a:off x="4976030" y="963507"/>
-            <a:ext cx="6250940" cy="2304627"/>
+            <a:ext cx="6250940" cy="1153253"/>
           </a:xfrm>
         </p:spPr>
         <p:txBody>
@@ -6376,25 +6328,7 @@
                 <a:latin typeface="Times New Roman" panose="02020603050405020304" pitchFamily="18" charset="0"/>
                 <a:cs typeface="Times New Roman" panose="02020603050405020304" pitchFamily="18" charset="0"/>
               </a:rPr>
-              <a:t>We have taken very simplified version of library Management System that Managed the catalog of a library.</a:t>
-            </a:r>
-          </a:p>
-          <a:p>
-            <a:r>
-              <a:rPr lang="en-US" sz="2000" dirty="0">
-                <a:latin typeface="Times New Roman" panose="02020603050405020304" pitchFamily="18" charset="0"/>
-                <a:cs typeface="Times New Roman" panose="02020603050405020304" pitchFamily="18" charset="0"/>
-              </a:rPr>
-              <a:t>We create an application first then we could build a framework. </a:t>
-            </a:r>
-          </a:p>
-          <a:p>
-            <a:r>
-              <a:rPr lang="en-US" sz="2000" dirty="0">
-                <a:latin typeface="Times New Roman" panose="02020603050405020304" pitchFamily="18" charset="0"/>
-                <a:cs typeface="Times New Roman" panose="02020603050405020304" pitchFamily="18" charset="0"/>
-              </a:rPr>
-              <a:t>We used seven design pattern to build our Framework </a:t>
+              <a:t>When abstracting the common area we have been able to implement seven design pattern to build our Framework </a:t>
             </a:r>
           </a:p>
           <a:p>
@@ -6420,7 +6354,7 @@
         </p:nvSpPr>
         <p:spPr>
           <a:xfrm>
-            <a:off x="4984268" y="3589866"/>
+            <a:off x="5085306" y="2276686"/>
             <a:ext cx="6250940" cy="2304628"/>
           </a:xfrm>
         </p:spPr>
@@ -6465,19 +6399,6 @@
                 <a:latin typeface="Times New Roman" panose="02020603050405020304" pitchFamily="18" charset="0"/>
                 <a:cs typeface="Times New Roman" panose="02020603050405020304" pitchFamily="18" charset="0"/>
               </a:rPr>
-              <a:t>Singleton pattern</a:t>
-            </a:r>
-          </a:p>
-          <a:p>
-            <a:pPr marL="514350" indent="-514350">
-              <a:buFont typeface="+mj-lt"/>
-              <a:buAutoNum type="arabicPeriod"/>
-            </a:pPr>
-            <a:r>
-              <a:rPr lang="en-US" sz="1800" dirty="0">
-                <a:latin typeface="Times New Roman" panose="02020603050405020304" pitchFamily="18" charset="0"/>
-                <a:cs typeface="Times New Roman" panose="02020603050405020304" pitchFamily="18" charset="0"/>
-              </a:rPr>
               <a:t>Façade pattern </a:t>
             </a:r>
           </a:p>
@@ -6519,6 +6440,29 @@
               </a:rPr>
               <a:t>Template Method Pattern</a:t>
             </a:r>
+          </a:p>
+          <a:p>
+            <a:pPr marL="514350" indent="-514350">
+              <a:buFont typeface="+mj-lt"/>
+              <a:buAutoNum type="arabicPeriod"/>
+            </a:pPr>
+            <a:r>
+              <a:rPr lang="en-US" sz="1800" dirty="0">
+                <a:latin typeface="Times New Roman" panose="02020603050405020304" pitchFamily="18" charset="0"/>
+                <a:cs typeface="Times New Roman" panose="02020603050405020304" pitchFamily="18" charset="0"/>
+              </a:rPr>
+              <a:t>Singleton pattern</a:t>
+            </a:r>
+          </a:p>
+          <a:p>
+            <a:pPr marL="514350" indent="-514350">
+              <a:buFont typeface="+mj-lt"/>
+              <a:buAutoNum type="arabicPeriod"/>
+            </a:pPr>
+            <a:endParaRPr lang="en-US" sz="1800" dirty="0">
+              <a:latin typeface="Times New Roman" panose="02020603050405020304" pitchFamily="18" charset="0"/>
+              <a:cs typeface="Times New Roman" panose="02020603050405020304" pitchFamily="18" charset="0"/>
+            </a:endParaRPr>
           </a:p>
         </p:txBody>
       </p:sp>
@@ -6704,14 +6648,14 @@
         </p:nvSpPr>
         <p:spPr>
           <a:xfrm>
-            <a:off x="640080" y="2074363"/>
-            <a:ext cx="2752354" cy="2709275"/>
+            <a:off x="640079" y="2074363"/>
+            <a:ext cx="2800287" cy="2709275"/>
           </a:xfrm>
           <a:prstGeom prst="ellipse">
             <a:avLst/>
           </a:prstGeom>
           <a:solidFill>
-            <a:srgbClr val="262626"/>
+            <a:srgbClr val="C00000"/>
           </a:solidFill>
           <a:ln w="174625" cmpd="thinThick">
             <a:solidFill>
@@ -6735,7 +6679,7 @@
                 <a:ea typeface="+mj-ea"/>
                 <a:cs typeface="+mj-cs"/>
               </a:rPr>
-              <a:t>Library System Use Case Diagram</a:t>
+              <a:t>Library Management System Use Case Diagram</a:t>
             </a:r>
           </a:p>
         </p:txBody>
@@ -6804,65 +6748,6 @@
       </p:grpSpPr>
       <p:sp>
         <p:nvSpPr>
-          <p:cNvPr id="4" name="Title 1">
-            <a:extLst>
-              <a:ext uri="{FF2B5EF4-FFF2-40B4-BE49-F238E27FC236}">
-                <a16:creationId xmlns:a16="http://schemas.microsoft.com/office/drawing/2014/main" id="{BF28874B-19A1-40F3-97F7-7DA68D20E613}"/>
-              </a:ext>
-            </a:extLst>
-          </p:cNvPr>
-          <p:cNvSpPr txBox="1">
-            <a:spLocks/>
-          </p:cNvSpPr>
-          <p:nvPr/>
-        </p:nvSpPr>
-        <p:spPr>
-          <a:xfrm>
-            <a:off x="888631" y="2349925"/>
-            <a:ext cx="3498979" cy="2456442"/>
-          </a:xfrm>
-          <a:prstGeom prst="rect">
-            <a:avLst/>
-          </a:prstGeom>
-        </p:spPr>
-        <p:txBody>
-          <a:bodyPr vert="horz" lIns="91440" tIns="45720" rIns="91440" bIns="45720" rtlCol="0" anchor="ctr">
-            <a:normAutofit/>
-          </a:bodyPr>
-          <a:lstStyle>
-            <a:lvl1pPr algn="l" defTabSz="914400" rtl="0" eaLnBrk="1" latinLnBrk="0" hangingPunct="1">
-              <a:lnSpc>
-                <a:spcPct val="90000"/>
-              </a:lnSpc>
-              <a:spcBef>
-                <a:spcPct val="0"/>
-              </a:spcBef>
-              <a:buNone/>
-              <a:defRPr sz="4400" kern="1200">
-                <a:solidFill>
-                  <a:schemeClr val="tx1"/>
-                </a:solidFill>
-                <a:latin typeface="+mj-lt"/>
-                <a:ea typeface="+mj-ea"/>
-                <a:cs typeface="+mj-cs"/>
-              </a:defRPr>
-            </a:lvl1pPr>
-          </a:lstStyle>
-          <a:p>
-            <a:r>
-              <a:rPr lang="en-US" sz="3200" dirty="0">
-                <a:solidFill>
-                  <a:srgbClr val="FF0000"/>
-                </a:solidFill>
-                <a:latin typeface="Algerian" panose="04020705040A02060702" pitchFamily="82" charset="0"/>
-              </a:rPr>
-              <a:t>Library System</a:t>
-            </a:r>
-          </a:p>
-        </p:txBody>
-      </p:sp>
-      <p:sp>
-        <p:nvSpPr>
           <p:cNvPr id="5" name="Title 1">
             <a:extLst>
               <a:ext uri="{FF2B5EF4-FFF2-40B4-BE49-F238E27FC236}">
@@ -6946,6 +6831,60 @@
           </a:prstGeom>
         </p:spPr>
       </p:pic>
+      <p:sp>
+        <p:nvSpPr>
+          <p:cNvPr id="7" name="Title 1">
+            <a:extLst>
+              <a:ext uri="{FF2B5EF4-FFF2-40B4-BE49-F238E27FC236}">
+                <a16:creationId xmlns:a16="http://schemas.microsoft.com/office/drawing/2014/main" id="{2A7BEB88-5452-4187-8776-6F399486C413}"/>
+              </a:ext>
+            </a:extLst>
+          </p:cNvPr>
+          <p:cNvSpPr>
+            <a:spLocks noGrp="1"/>
+          </p:cNvSpPr>
+          <p:nvPr>
+            <p:ph type="title"/>
+          </p:nvPr>
+        </p:nvSpPr>
+        <p:spPr>
+          <a:xfrm>
+            <a:off x="640079" y="2074363"/>
+            <a:ext cx="2800287" cy="2709275"/>
+          </a:xfrm>
+          <a:prstGeom prst="ellipse">
+            <a:avLst/>
+          </a:prstGeom>
+          <a:solidFill>
+            <a:srgbClr val="C00000"/>
+          </a:solidFill>
+          <a:ln w="174625" cmpd="thinThick">
+            <a:solidFill>
+              <a:srgbClr val="262626"/>
+            </a:solidFill>
+          </a:ln>
+        </p:spPr>
+        <p:txBody>
+          <a:bodyPr vert="horz" lIns="91440" tIns="45720" rIns="91440" bIns="45720" rtlCol="0" anchor="ctr">
+            <a:normAutofit/>
+          </a:bodyPr>
+          <a:lstStyle/>
+          <a:p>
+            <a:pPr algn="ctr"/>
+            <a:r>
+              <a:rPr lang="en-US" sz="2600" kern="1200" dirty="0">
+                <a:solidFill>
+                  <a:srgbClr val="FFFFFF"/>
+                </a:solidFill>
+                <a:latin typeface="+mj-lt"/>
+                <a:ea typeface="+mj-ea"/>
+                <a:cs typeface="+mj-cs"/>
+              </a:rPr>
+              <a:t>Library Management System Class Diagram</a:t>
+            </a:r>
+          </a:p>
+        </p:txBody>
+      </p:sp>
     </p:spTree>
     <p:extLst>
       <p:ext uri="{BB962C8B-B14F-4D97-AF65-F5344CB8AC3E}">
@@ -7046,7 +6985,7 @@
         </p:spPr>
         <p:txBody>
           <a:bodyPr>
-            <a:normAutofit fontScale="70000" lnSpcReduction="20000"/>
+            <a:normAutofit fontScale="85000" lnSpcReduction="20000"/>
           </a:bodyPr>
           <a:lstStyle/>
           <a:p>
@@ -7135,18 +7074,6 @@
                 <a:cs typeface="Times New Roman" panose="02020603050405020304" pitchFamily="18" charset="0"/>
               </a:rPr>
               <a:t>The developer can specify which and where to save records : Flat File or Relational Database</a:t>
-            </a:r>
-          </a:p>
-          <a:p>
-            <a:r>
-              <a:rPr lang="en-US" dirty="0">
-                <a:solidFill>
-                  <a:srgbClr val="00B0F0"/>
-                </a:solidFill>
-                <a:latin typeface="Times New Roman" panose="02020603050405020304" pitchFamily="18" charset="0"/>
-                <a:cs typeface="Times New Roman" panose="02020603050405020304" pitchFamily="18" charset="0"/>
-              </a:rPr>
-              <a:t>The framework makes use of design patterns : Command, Factory Method, Singleton, Façade, Adapter, Strategy and Template patterns</a:t>
             </a:r>
           </a:p>
           <a:p>
@@ -7267,6 +7194,73 @@
           </a:prstGeom>
         </p:spPr>
       </p:pic>
+      <p:sp>
+        <p:nvSpPr>
+          <p:cNvPr id="4" name="Title 1">
+            <a:extLst>
+              <a:ext uri="{FF2B5EF4-FFF2-40B4-BE49-F238E27FC236}">
+                <a16:creationId xmlns:a16="http://schemas.microsoft.com/office/drawing/2014/main" id="{9286ECC4-B947-4E3B-BC57-7256B91A6153}"/>
+              </a:ext>
+            </a:extLst>
+          </p:cNvPr>
+          <p:cNvSpPr txBox="1">
+            <a:spLocks/>
+          </p:cNvSpPr>
+          <p:nvPr/>
+        </p:nvSpPr>
+        <p:spPr>
+          <a:xfrm>
+            <a:off x="8677337" y="2296648"/>
+            <a:ext cx="2800287" cy="2709275"/>
+          </a:xfrm>
+          <a:prstGeom prst="ellipse">
+            <a:avLst/>
+          </a:prstGeom>
+          <a:solidFill>
+            <a:srgbClr val="C00000"/>
+          </a:solidFill>
+          <a:ln w="174625" cmpd="thinThick">
+            <a:solidFill>
+              <a:srgbClr val="262626"/>
+            </a:solidFill>
+          </a:ln>
+        </p:spPr>
+        <p:txBody>
+          <a:bodyPr vert="horz" lIns="91440" tIns="45720" rIns="91440" bIns="45720" rtlCol="0" anchor="ctr">
+            <a:normAutofit/>
+          </a:bodyPr>
+          <a:lstStyle>
+            <a:lvl1pPr algn="l" defTabSz="914400" rtl="0" eaLnBrk="1" latinLnBrk="0" hangingPunct="1">
+              <a:lnSpc>
+                <a:spcPct val="90000"/>
+              </a:lnSpc>
+              <a:spcBef>
+                <a:spcPct val="0"/>
+              </a:spcBef>
+              <a:buNone/>
+              <a:defRPr sz="4400" kern="1200">
+                <a:solidFill>
+                  <a:schemeClr val="tx1"/>
+                </a:solidFill>
+                <a:latin typeface="+mj-lt"/>
+                <a:ea typeface="+mj-ea"/>
+                <a:cs typeface="+mj-cs"/>
+              </a:defRPr>
+            </a:lvl1pPr>
+          </a:lstStyle>
+          <a:p>
+            <a:pPr algn="ctr"/>
+            <a:r>
+              <a:rPr lang="en-US" sz="2600" dirty="0">
+                <a:solidFill>
+                  <a:srgbClr val="FFFFFF"/>
+                </a:solidFill>
+              </a:rPr>
+              <a:t>Library Framework Class Diagram</a:t>
+            </a:r>
+          </a:p>
+        </p:txBody>
+      </p:sp>
     </p:spTree>
     <p:extLst>
       <p:ext uri="{BB962C8B-B14F-4D97-AF65-F5344CB8AC3E}">
@@ -7307,24 +7301,116 @@
       </p:grpSpPr>
       <p:sp>
         <p:nvSpPr>
-          <p:cNvPr id="2" name="Title 1">
-            <a:extLst>
-              <a:ext uri="{FF2B5EF4-FFF2-40B4-BE49-F238E27FC236}">
-                <a16:creationId xmlns:a16="http://schemas.microsoft.com/office/drawing/2014/main" id="{3184CA9D-5CB2-4601-81A3-BE42838070D9}"/>
-              </a:ext>
-            </a:extLst>
-          </p:cNvPr>
-          <p:cNvSpPr>
-            <a:spLocks noGrp="1"/>
-          </p:cNvSpPr>
-          <p:nvPr>
-            <p:ph type="title"/>
+          <p:cNvPr id="12" name="Rectangle 11">
+            <a:extLst>
+              <a:ext uri="{FF2B5EF4-FFF2-40B4-BE49-F238E27FC236}">
+                <a16:creationId xmlns:a16="http://schemas.microsoft.com/office/drawing/2014/main" id="{81AEB8A9-B768-4E30-BA55-D919E6687343}"/>
+              </a:ext>
+              <a:ext uri="{C183D7F6-B498-43B3-948B-1728B52AA6E4}">
+                <adec:decorative xmlns:adec="http://schemas.microsoft.com/office/drawing/2017/decorative" val="1"/>
+              </a:ext>
+            </a:extLst>
+          </p:cNvPr>
+          <p:cNvSpPr>
+            <a:spLocks noGrp="1" noRot="1" noChangeAspect="1" noMove="1" noResize="1" noEditPoints="1" noAdjustHandles="1" noChangeArrowheads="1" noChangeShapeType="1" noTextEdit="1"/>
+          </p:cNvSpPr>
+          <p:nvPr>
+            <p:extLst>
+              <p:ext uri="{386F3935-93C4-4BCD-93E2-E3B085C9AB24}">
+                <p16:designElem xmlns:p16="http://schemas.microsoft.com/office/powerpoint/2015/main" val="1"/>
+              </p:ext>
+            </p:extLst>
           </p:nvPr>
         </p:nvSpPr>
         <p:spPr>
           <a:xfrm>
-            <a:off x="648929" y="629266"/>
-            <a:ext cx="3651467" cy="1676603"/>
+            <a:off x="-10001" y="-2"/>
+            <a:ext cx="4069936" cy="6858002"/>
+          </a:xfrm>
+          <a:prstGeom prst="rect">
+            <a:avLst/>
+          </a:prstGeom>
+          <a:solidFill>
+            <a:schemeClr val="accent1"/>
+          </a:solidFill>
+          <a:ln>
+            <a:noFill/>
+          </a:ln>
+        </p:spPr>
+        <p:style>
+          <a:lnRef idx="2">
+            <a:schemeClr val="accent1">
+              <a:shade val="50000"/>
+            </a:schemeClr>
+          </a:lnRef>
+          <a:fillRef idx="1">
+            <a:schemeClr val="accent1"/>
+          </a:fillRef>
+          <a:effectRef idx="0">
+            <a:schemeClr val="accent1"/>
+          </a:effectRef>
+          <a:fontRef idx="minor">
+            <a:schemeClr val="lt1"/>
+          </a:fontRef>
+        </p:style>
+        <p:txBody>
+          <a:bodyPr rtlCol="0" anchor="ctr"/>
+          <a:lstStyle/>
+          <a:p>
+            <a:pPr marL="0" marR="0" lvl="0" indent="0" algn="ctr" defTabSz="914400" rtl="0" eaLnBrk="1" fontAlgn="auto" latinLnBrk="0" hangingPunct="1">
+              <a:lnSpc>
+                <a:spcPct val="100000"/>
+              </a:lnSpc>
+              <a:spcBef>
+                <a:spcPts val="0"/>
+              </a:spcBef>
+              <a:spcAft>
+                <a:spcPts val="0"/>
+              </a:spcAft>
+              <a:buClrTx/>
+              <a:buSzTx/>
+              <a:buFontTx/>
+              <a:buNone/>
+              <a:tabLst/>
+              <a:defRPr/>
+            </a:pPr>
+            <a:endParaRPr kumimoji="0" lang="en-US" sz="1800" b="0" i="0" u="none" strike="noStrike" kern="1200" cap="none" spc="0" normalizeH="0" baseline="0" noProof="0">
+              <a:ln>
+                <a:noFill/>
+              </a:ln>
+              <a:solidFill>
+                <a:prstClr val="white"/>
+              </a:solidFill>
+              <a:effectLst/>
+              <a:uLnTx/>
+              <a:uFillTx/>
+              <a:latin typeface="Calibri" panose="020F0502020204030204"/>
+              <a:ea typeface="+mn-ea"/>
+              <a:cs typeface="+mn-cs"/>
+            </a:endParaRPr>
+          </a:p>
+        </p:txBody>
+      </p:sp>
+      <p:sp>
+        <p:nvSpPr>
+          <p:cNvPr id="2" name="Title 1">
+            <a:extLst>
+              <a:ext uri="{FF2B5EF4-FFF2-40B4-BE49-F238E27FC236}">
+                <a16:creationId xmlns:a16="http://schemas.microsoft.com/office/drawing/2014/main" id="{28470DE5-3119-435F-8FD0-FE02614C95AA}"/>
+              </a:ext>
+            </a:extLst>
+          </p:cNvPr>
+          <p:cNvSpPr>
+            <a:spLocks noGrp="1"/>
+          </p:cNvSpPr>
+          <p:nvPr>
+            <p:ph type="title"/>
+          </p:nvPr>
+        </p:nvSpPr>
+        <p:spPr>
+          <a:xfrm>
+            <a:off x="643467" y="640080"/>
+            <a:ext cx="3096427" cy="5613236"/>
           </a:xfrm>
         </p:spPr>
         <p:txBody>
@@ -7334,8 +7420,15 @@
           <a:lstStyle/>
           <a:p>
             <a:r>
-              <a:rPr lang="en-US"/>
-              <a:t>The Adapter Design Pattern </a:t>
+              <a:rPr lang="en-US" kern="1200">
+                <a:solidFill>
+                  <a:srgbClr val="FFFFFF"/>
+                </a:solidFill>
+                <a:latin typeface="+mj-lt"/>
+                <a:ea typeface="+mj-ea"/>
+                <a:cs typeface="+mj-cs"/>
+              </a:rPr>
+              <a:t>The Strategy Design Pattern </a:t>
             </a:r>
           </a:p>
         </p:txBody>
@@ -7345,7 +7438,7 @@
           <p:cNvPr id="3" name="Content Placeholder 2">
             <a:extLst>
               <a:ext uri="{FF2B5EF4-FFF2-40B4-BE49-F238E27FC236}">
-                <a16:creationId xmlns:a16="http://schemas.microsoft.com/office/drawing/2014/main" id="{54BC112D-94E8-4AE5-A232-80880E578DB7}"/>
+                <a16:creationId xmlns:a16="http://schemas.microsoft.com/office/drawing/2014/main" id="{02568E4E-F1A3-47BB-BD09-89BE0D0FBC2F}"/>
               </a:ext>
             </a:extLst>
           </p:cNvPr>
@@ -7358,35 +7451,43 @@
         </p:nvSpPr>
         <p:spPr>
           <a:xfrm>
-            <a:off x="648931" y="2438400"/>
-            <a:ext cx="3651466" cy="3785419"/>
-          </a:xfrm>
-        </p:spPr>
-        <p:txBody>
-          <a:bodyPr vert="horz" lIns="91440" tIns="45720" rIns="91440" bIns="45720" rtlCol="0">
-            <a:normAutofit/>
+            <a:off x="4699818" y="640082"/>
+            <a:ext cx="6848715" cy="2484884"/>
+          </a:xfrm>
+        </p:spPr>
+        <p:txBody>
+          <a:bodyPr vert="horz" lIns="91440" tIns="45720" rIns="91440" bIns="45720" rtlCol="0" anchor="ctr">
+            <a:normAutofit lnSpcReduction="10000"/>
           </a:bodyPr>
           <a:lstStyle/>
           <a:p>
             <a:r>
-              <a:rPr lang="en-US" sz="1800"/>
-              <a:t>The adapter pattern convert the interface of a class into another interface clients expect. Adapter lets classes work together that couldn’t otherwise because of incompatible interfaces.</a:t>
-            </a:r>
-          </a:p>
-          <a:p>
-            <a:r>
-              <a:rPr lang="en-US" sz="1800"/>
-              <a:t>In our framework we could apply Adapter patter by adapting the methods in the Adaptee JDBCManager we could adapt multiple methods of JDBCManager.</a:t>
+              <a:rPr lang="en-US" sz="2000" dirty="0"/>
+              <a:t>Client applications can use one of the entry point of the Library Framework which is the interface </a:t>
+            </a:r>
+            <a:r>
+              <a:rPr lang="en-US" sz="2000" dirty="0" err="1"/>
+              <a:t>LibraryManager</a:t>
+            </a:r>
+            <a:r>
+              <a:rPr lang="en-US" sz="2000" dirty="0"/>
+              <a:t> to choose either he wants to use Flat file or a MySQL database to store it’s data.</a:t>
+            </a:r>
+          </a:p>
+          <a:p>
+            <a:r>
+              <a:rPr lang="en-US" sz="2000" dirty="0"/>
+              <a:t>We have then implement a Strategy pattern to handle  the variation of the type of storage the client want to use so that it can vary independently from him. The client can use a configuration file and base on his choice within the file the system will choose which storage type to use at runtime.</a:t>
             </a:r>
           </a:p>
         </p:txBody>
       </p:sp>
       <p:pic>
         <p:nvPicPr>
-          <p:cNvPr id="8" name="Content Placeholder 7" descr="A close up of text on a white background&#10;&#10;Description automatically generated">
-            <a:extLst>
-              <a:ext uri="{FF2B5EF4-FFF2-40B4-BE49-F238E27FC236}">
-                <a16:creationId xmlns:a16="http://schemas.microsoft.com/office/drawing/2014/main" id="{D20F6DAB-D3EF-43FF-8FA3-5C52A384F9C8}"/>
+          <p:cNvPr id="7" name="Content Placeholder 6" descr="A screenshot of a cell phone&#10;&#10;Description automatically generated">
+            <a:extLst>
+              <a:ext uri="{FF2B5EF4-FFF2-40B4-BE49-F238E27FC236}">
+                <a16:creationId xmlns:a16="http://schemas.microsoft.com/office/drawing/2014/main" id="{020004E5-BD10-41CB-AEE3-D8388566A198}"/>
               </a:ext>
             </a:extLst>
           </p:cNvPr>
@@ -7397,32 +7498,32 @@
             <p:ph sz="half" idx="2"/>
           </p:nvPr>
         </p:nvPicPr>
-        <p:blipFill rotWithShape="1">
-          <a:blip r:embed="rId3">
+        <p:blipFill>
+          <a:blip r:embed="rId2">
             <a:extLst>
               <a:ext uri="{28A0092B-C50C-407E-A947-70E740481C1C}">
                 <a14:useLocalDpi xmlns:a14="http://schemas.microsoft.com/office/drawing/2010/main" val="0"/>
               </a:ext>
             </a:extLst>
           </a:blip>
-          <a:srcRect r="-2" b="1035"/>
-          <a:stretch/>
+          <a:stretch>
+            <a:fillRect/>
+          </a:stretch>
         </p:blipFill>
         <p:spPr>
           <a:xfrm>
-            <a:off x="4639056" y="10"/>
-            <a:ext cx="7552944" cy="6857990"/>
+            <a:off x="4692737" y="3124966"/>
+            <a:ext cx="6817356" cy="2810067"/>
           </a:xfrm>
           <a:prstGeom prst="rect">
             <a:avLst/>
           </a:prstGeom>
-          <a:effectLst/>
         </p:spPr>
       </p:pic>
     </p:spTree>
     <p:extLst>
       <p:ext uri="{BB962C8B-B14F-4D97-AF65-F5344CB8AC3E}">
-        <p14:creationId xmlns:p14="http://schemas.microsoft.com/office/powerpoint/2010/main" val="1116465590"/>
+        <p14:creationId xmlns:p14="http://schemas.microsoft.com/office/powerpoint/2010/main" val="3248686715"/>
       </p:ext>
     </p:extLst>
   </p:cSld>
@@ -7459,128 +7560,25 @@
       </p:grpSpPr>
       <p:sp>
         <p:nvSpPr>
-          <p:cNvPr id="14" name="Rectangle 13">
-            <a:extLst>
-              <a:ext uri="{FF2B5EF4-FFF2-40B4-BE49-F238E27FC236}">
-                <a16:creationId xmlns:a16="http://schemas.microsoft.com/office/drawing/2014/main" id="{42A5316D-ED2F-4F89-B4B4-8D9240B1A348}"/>
-              </a:ext>
-              <a:ext uri="{C183D7F6-B498-43B3-948B-1728B52AA6E4}">
-                <adec:decorative xmlns:adec="http://schemas.microsoft.com/office/drawing/2017/decorative" val="1"/>
-              </a:ext>
-            </a:extLst>
-          </p:cNvPr>
-          <p:cNvSpPr>
-            <a:spLocks noGrp="1" noRot="1" noChangeAspect="1" noMove="1" noResize="1" noEditPoints="1" noAdjustHandles="1" noChangeArrowheads="1" noChangeShapeType="1" noTextEdit="1"/>
-          </p:cNvSpPr>
-          <p:nvPr>
-            <p:extLst>
-              <p:ext uri="{386F3935-93C4-4BCD-93E2-E3B085C9AB24}">
-                <p16:designElem xmlns:p16="http://schemas.microsoft.com/office/powerpoint/2015/main" val="1"/>
-              </p:ext>
-            </p:extLst>
+          <p:cNvPr id="2" name="Title 1">
+            <a:extLst>
+              <a:ext uri="{FF2B5EF4-FFF2-40B4-BE49-F238E27FC236}">
+                <a16:creationId xmlns:a16="http://schemas.microsoft.com/office/drawing/2014/main" id="{1917016B-4044-4FF3-AA5C-6952699CDDF9}"/>
+              </a:ext>
+            </a:extLst>
+          </p:cNvPr>
+          <p:cNvSpPr>
+            <a:spLocks noGrp="1"/>
+          </p:cNvSpPr>
+          <p:nvPr>
+            <p:ph type="title"/>
           </p:nvPr>
         </p:nvSpPr>
         <p:spPr>
           <a:xfrm>
-            <a:off x="0" y="0"/>
-            <a:ext cx="2013557" cy="6858000"/>
-          </a:xfrm>
-          <a:prstGeom prst="rect">
-            <a:avLst/>
-          </a:prstGeom>
-          <a:solidFill>
-            <a:srgbClr val="7F7F7F"/>
-          </a:solidFill>
-          <a:ln>
-            <a:noFill/>
-          </a:ln>
-        </p:spPr>
-        <p:style>
-          <a:lnRef idx="2">
-            <a:schemeClr val="accent1">
-              <a:shade val="50000"/>
-            </a:schemeClr>
-          </a:lnRef>
-          <a:fillRef idx="1">
-            <a:schemeClr val="accent1"/>
-          </a:fillRef>
-          <a:effectRef idx="0">
-            <a:schemeClr val="accent1"/>
-          </a:effectRef>
-          <a:fontRef idx="minor">
-            <a:schemeClr val="lt1"/>
-          </a:fontRef>
-        </p:style>
-        <p:txBody>
-          <a:bodyPr rtlCol="0" anchor="ctr"/>
-          <a:lstStyle/>
-          <a:p>
-            <a:pPr marL="0" marR="0" lvl="0" indent="0" algn="ctr" defTabSz="914400" rtl="0" eaLnBrk="1" fontAlgn="auto" latinLnBrk="0" hangingPunct="1">
-              <a:lnSpc>
-                <a:spcPct val="100000"/>
-              </a:lnSpc>
-              <a:spcBef>
-                <a:spcPts val="0"/>
-              </a:spcBef>
-              <a:spcAft>
-                <a:spcPts val="0"/>
-              </a:spcAft>
-              <a:buClrTx/>
-              <a:buSzTx/>
-              <a:buFontTx/>
-              <a:buNone/>
-              <a:tabLst/>
-              <a:defRPr/>
-            </a:pPr>
-            <a:endParaRPr kumimoji="0" lang="en-US" sz="1800" b="0" i="0" u="none" strike="noStrike" kern="1200" cap="none" spc="0" normalizeH="0" baseline="0" noProof="0">
-              <a:ln>
-                <a:noFill/>
-              </a:ln>
-              <a:solidFill>
-                <a:prstClr val="white"/>
-              </a:solidFill>
-              <a:effectLst/>
-              <a:uLnTx/>
-              <a:uFillTx/>
-              <a:latin typeface="Calibri" panose="020F0502020204030204"/>
-              <a:ea typeface="+mn-ea"/>
-              <a:cs typeface="+mn-cs"/>
-            </a:endParaRPr>
-          </a:p>
-        </p:txBody>
-      </p:sp>
-      <p:sp>
-        <p:nvSpPr>
-          <p:cNvPr id="2" name="Title 1">
-            <a:extLst>
-              <a:ext uri="{FF2B5EF4-FFF2-40B4-BE49-F238E27FC236}">
-                <a16:creationId xmlns:a16="http://schemas.microsoft.com/office/drawing/2014/main" id="{A9220CA8-30D6-4B70-A427-F59405C9B0FD}"/>
-              </a:ext>
-            </a:extLst>
-          </p:cNvPr>
-          <p:cNvSpPr>
-            <a:spLocks noGrp="1"/>
-          </p:cNvSpPr>
-          <p:nvPr>
-            <p:ph type="title"/>
-          </p:nvPr>
-        </p:nvSpPr>
-        <p:spPr>
-          <a:xfrm>
-            <a:off x="694510" y="1487272"/>
-            <a:ext cx="2743200" cy="2743200"/>
-          </a:xfrm>
-          <a:prstGeom prst="ellipse">
-            <a:avLst/>
-          </a:prstGeom>
-          <a:solidFill>
-            <a:srgbClr val="262626"/>
-          </a:solidFill>
-          <a:ln w="174625" cmpd="thinThick">
-            <a:solidFill>
-              <a:srgbClr val="262626"/>
-            </a:solidFill>
-          </a:ln>
+            <a:off x="648929" y="629266"/>
+            <a:ext cx="3651467" cy="1676603"/>
+          </a:xfrm>
         </p:spPr>
         <p:txBody>
           <a:bodyPr vert="horz" lIns="91440" tIns="45720" rIns="91440" bIns="45720" rtlCol="0" anchor="ctr">
@@ -7588,152 +7586,95 @@
           </a:bodyPr>
           <a:lstStyle/>
           <a:p>
-            <a:pPr algn="ctr"/>
-            <a:r>
-              <a:rPr lang="en-US" sz="2600" kern="1200">
+            <a:r>
+              <a:rPr lang="en-US" sz="2800" dirty="0">
                 <a:solidFill>
-                  <a:srgbClr val="FFFFFF"/>
+                  <a:srgbClr val="FF0000"/>
                 </a:solidFill>
-                <a:latin typeface="+mj-lt"/>
-                <a:ea typeface="+mj-ea"/>
-                <a:cs typeface="+mj-cs"/>
+                <a:latin typeface="Algerian" panose="04020705040A02060702" pitchFamily="82" charset="0"/>
               </a:rPr>
-              <a:t>The Command Design pattern.</a:t>
+              <a:t>Template Method Design Pattern</a:t>
+            </a:r>
+          </a:p>
+        </p:txBody>
+      </p:sp>
+      <p:sp>
+        <p:nvSpPr>
+          <p:cNvPr id="3" name="Content Placeholder 2">
+            <a:extLst>
+              <a:ext uri="{FF2B5EF4-FFF2-40B4-BE49-F238E27FC236}">
+                <a16:creationId xmlns:a16="http://schemas.microsoft.com/office/drawing/2014/main" id="{20ADC37A-0E4E-4245-9B4B-CEAB80B6EB64}"/>
+              </a:ext>
+            </a:extLst>
+          </p:cNvPr>
+          <p:cNvSpPr>
+            <a:spLocks noGrp="1"/>
+          </p:cNvSpPr>
+          <p:nvPr>
+            <p:ph sz="half" idx="1"/>
+          </p:nvPr>
+        </p:nvSpPr>
+        <p:spPr>
+          <a:xfrm>
+            <a:off x="648930" y="2438400"/>
+            <a:ext cx="4362587" cy="3785419"/>
+          </a:xfrm>
+        </p:spPr>
+        <p:txBody>
+          <a:bodyPr vert="horz" lIns="91440" tIns="45720" rIns="91440" bIns="45720" rtlCol="0">
+            <a:normAutofit/>
+          </a:bodyPr>
+          <a:lstStyle/>
+          <a:p>
+            <a:r>
+              <a:rPr lang="en-US" dirty="0"/>
+              <a:t>We use the load template method to offer the client the possibility to load his personal data by implementing the abstract methods in </a:t>
+            </a:r>
+            <a:r>
+              <a:rPr lang="en-US" dirty="0" err="1"/>
+              <a:t>DataLoader</a:t>
+            </a:r>
+            <a:r>
+              <a:rPr lang="en-US" dirty="0"/>
+              <a:t>. Base on his need he may choose to implement some and leave the others.</a:t>
             </a:r>
           </a:p>
         </p:txBody>
       </p:sp>
       <p:pic>
         <p:nvPicPr>
-          <p:cNvPr id="9" name="Content Placeholder 8" descr="A close up of a logo&#10;&#10;Description automatically generated">
-            <a:extLst>
-              <a:ext uri="{FF2B5EF4-FFF2-40B4-BE49-F238E27FC236}">
-                <a16:creationId xmlns:a16="http://schemas.microsoft.com/office/drawing/2014/main" id="{279FAD28-3B36-4983-A45C-8D496545BB9D}"/>
+          <p:cNvPr id="7" name="Picture 6">
+            <a:extLst>
+              <a:ext uri="{FF2B5EF4-FFF2-40B4-BE49-F238E27FC236}">
+                <a16:creationId xmlns:a16="http://schemas.microsoft.com/office/drawing/2014/main" id="{A72C9AA7-1708-4267-8970-06DA75510A42}"/>
               </a:ext>
             </a:extLst>
           </p:cNvPr>
           <p:cNvPicPr>
-            <a:picLocks noGrp="1" noChangeAspect="1"/>
+            <a:picLocks noChangeAspect="1"/>
           </p:cNvPicPr>
-          <p:nvPr>
-            <p:ph sz="half" idx="2"/>
-          </p:nvPr>
+          <p:nvPr/>
         </p:nvPicPr>
         <p:blipFill>
-          <a:blip r:embed="rId2">
-            <a:extLst>
-              <a:ext uri="{28A0092B-C50C-407E-A947-70E740481C1C}">
-                <a14:useLocalDpi xmlns:a14="http://schemas.microsoft.com/office/drawing/2010/main" val="0"/>
-              </a:ext>
-            </a:extLst>
-          </a:blip>
+          <a:blip r:embed="rId2"/>
           <a:stretch>
             <a:fillRect/>
           </a:stretch>
         </p:blipFill>
         <p:spPr>
           <a:xfrm>
-            <a:off x="4038600" y="1313299"/>
-            <a:ext cx="6308461" cy="3091146"/>
+            <a:off x="5533709" y="559791"/>
+            <a:ext cx="6267450" cy="4667250"/>
           </a:xfrm>
           <a:prstGeom prst="rect">
             <a:avLst/>
           </a:prstGeom>
         </p:spPr>
       </p:pic>
-      <p:sp>
-        <p:nvSpPr>
-          <p:cNvPr id="3" name="Content Placeholder 2">
-            <a:extLst>
-              <a:ext uri="{FF2B5EF4-FFF2-40B4-BE49-F238E27FC236}">
-                <a16:creationId xmlns:a16="http://schemas.microsoft.com/office/drawing/2014/main" id="{0370E019-BA1B-446D-977F-045B6962649B}"/>
-              </a:ext>
-            </a:extLst>
-          </p:cNvPr>
-          <p:cNvSpPr>
-            <a:spLocks noGrp="1"/>
-          </p:cNvSpPr>
-          <p:nvPr>
-            <p:ph sz="half" idx="1"/>
-          </p:nvPr>
-        </p:nvSpPr>
-        <p:spPr>
-          <a:xfrm>
-            <a:off x="4038600" y="4561490"/>
-            <a:ext cx="7188199" cy="1615473"/>
-          </a:xfrm>
-        </p:spPr>
-        <p:txBody>
-          <a:bodyPr vert="horz" lIns="91440" tIns="45720" rIns="91440" bIns="45720" rtlCol="0">
-            <a:noAutofit/>
-          </a:bodyPr>
-          <a:lstStyle/>
-          <a:p>
-            <a:r>
-              <a:rPr lang="en-US" sz="1800" dirty="0">
-                <a:latin typeface="Times New Roman" panose="02020603050405020304" pitchFamily="18" charset="0"/>
-                <a:cs typeface="Times New Roman" panose="02020603050405020304" pitchFamily="18" charset="0"/>
-              </a:rPr>
-              <a:t>The command pattern encapsulates a request as an object, thereby letting us parameterize other objects with different requests, queue or log requests, and support undoable operations.</a:t>
-            </a:r>
-          </a:p>
-          <a:p>
-            <a:r>
-              <a:rPr lang="en-US" sz="1800" dirty="0">
-                <a:latin typeface="Times New Roman" panose="02020603050405020304" pitchFamily="18" charset="0"/>
-                <a:cs typeface="Times New Roman" panose="02020603050405020304" pitchFamily="18" charset="0"/>
-              </a:rPr>
-              <a:t>We used the command design pattern, to execute an operation both on </a:t>
-            </a:r>
-            <a:r>
-              <a:rPr lang="en-US" sz="1800" dirty="0" err="1">
-                <a:latin typeface="Times New Roman" panose="02020603050405020304" pitchFamily="18" charset="0"/>
-                <a:cs typeface="Times New Roman" panose="02020603050405020304" pitchFamily="18" charset="0"/>
-              </a:rPr>
-              <a:t>BookSaveCommand</a:t>
-            </a:r>
-            <a:r>
-              <a:rPr lang="en-US" sz="1800" dirty="0">
-                <a:latin typeface="Times New Roman" panose="02020603050405020304" pitchFamily="18" charset="0"/>
-                <a:cs typeface="Times New Roman" panose="02020603050405020304" pitchFamily="18" charset="0"/>
-              </a:rPr>
-              <a:t> to save book and </a:t>
-            </a:r>
-            <a:r>
-              <a:rPr lang="en-US" sz="1800" dirty="0" err="1">
-                <a:latin typeface="Times New Roman" panose="02020603050405020304" pitchFamily="18" charset="0"/>
-                <a:cs typeface="Times New Roman" panose="02020603050405020304" pitchFamily="18" charset="0"/>
-              </a:rPr>
-              <a:t>MemberSaveCommand</a:t>
-            </a:r>
-            <a:r>
-              <a:rPr lang="en-US" sz="1800" dirty="0">
-                <a:latin typeface="Times New Roman" panose="02020603050405020304" pitchFamily="18" charset="0"/>
-                <a:cs typeface="Times New Roman" panose="02020603050405020304" pitchFamily="18" charset="0"/>
-              </a:rPr>
-              <a:t> to save </a:t>
-            </a:r>
-            <a:r>
-              <a:rPr lang="en-US" sz="1800" dirty="0" err="1">
-                <a:latin typeface="Times New Roman" panose="02020603050405020304" pitchFamily="18" charset="0"/>
-                <a:cs typeface="Times New Roman" panose="02020603050405020304" pitchFamily="18" charset="0"/>
-              </a:rPr>
-              <a:t>libraryMember</a:t>
-            </a:r>
-            <a:r>
-              <a:rPr lang="en-US" sz="1800" dirty="0">
-                <a:latin typeface="Times New Roman" panose="02020603050405020304" pitchFamily="18" charset="0"/>
-                <a:cs typeface="Times New Roman" panose="02020603050405020304" pitchFamily="18" charset="0"/>
-              </a:rPr>
-              <a:t> appropriately at run time. </a:t>
-            </a:r>
-          </a:p>
-        </p:txBody>
-      </p:sp>
     </p:spTree>
     <p:extLst>
       <p:ext uri="{BB962C8B-B14F-4D97-AF65-F5344CB8AC3E}">
-        <p14:creationId xmlns:p14="http://schemas.microsoft.com/office/powerpoint/2010/main" val="1502810934"/>
+        <p14:creationId xmlns:p14="http://schemas.microsoft.com/office/powerpoint/2010/main" val="994165072"/>
       </p:ext>
     </p:extLst>
   </p:cSld>
